--- a/UPDATE 22-1.pptx
+++ b/UPDATE 22-1.pptx
@@ -15,6 +15,12 @@
     <p:sldId id="263" r:id="rId10"/>
     <p:sldId id="264" r:id="rId11"/>
     <p:sldId id="265" r:id="rId12"/>
+    <p:sldId id="266" r:id="rId13"/>
+    <p:sldId id="267" r:id="rId14"/>
+    <p:sldId id="268" r:id="rId15"/>
+    <p:sldId id="269" r:id="rId16"/>
+    <p:sldId id="270" r:id="rId17"/>
+    <p:sldId id="271" r:id="rId18"/>
   </p:sldIdLst>
   <p:sldSz cx="12192000" cy="6858000"/>
   <p:notesSz cx="7559675" cy="10691813"/>
@@ -22,8 +28,8 @@
 </file>
 
 <file path=ppt/slideLayouts/slideLayout1.xml><?xml version="1.0" encoding="utf-8"?>
-<p:sldLayout xmlns:a="http://schemas.openxmlformats.org/drawingml/2006/main" xmlns:p="http://schemas.openxmlformats.org/presentationml/2006/main" xmlns:r="http://schemas.openxmlformats.org/officeDocument/2006/relationships" xmlns:p14="http://schemas.microsoft.com/office/powerpoint/2010/main" xmlns:p15="http://schemas.microsoft.com/office/powerpoint/2012/main" xmlns:mc="http://schemas.openxmlformats.org/markup-compatibility/2006" type="vertTitleAndTx" preserve="1">
-  <p:cSld name="Vertical Title and Text">
+<p:sldLayout xmlns:a="http://schemas.openxmlformats.org/drawingml/2006/main" xmlns:p="http://schemas.openxmlformats.org/presentationml/2006/main" xmlns:r="http://schemas.openxmlformats.org/officeDocument/2006/relationships" xmlns:p14="http://schemas.microsoft.com/office/powerpoint/2010/main" xmlns:p15="http://schemas.microsoft.com/office/powerpoint/2012/main" xmlns:mc="http://schemas.openxmlformats.org/markup-compatibility/2006" type="blank" preserve="1">
+  <p:cSld name="Blank">
     <p:bg>
       <p:bgPr>
         <a:solidFill>
@@ -58,7 +64,7 @@
         <p:spPr>
           <a:xfrm>
             <a:off x="0" y="0"/>
-            <a:ext cx="12190320" cy="6856200"/>
+            <a:ext cx="12189960" cy="6855840"/>
           </a:xfrm>
           <a:prstGeom prst="rect">
             <a:avLst/>
@@ -76,277 +82,13 @@
             <a:spLocks noGrp="1"/>
           </p:cNvSpPr>
           <p:nvPr>
-            <p:ph type="title"/>
-          </p:nvPr>
-        </p:nvSpPr>
-        <p:spPr>
-          <a:xfrm>
-            <a:off x="8839080" y="190440"/>
-            <a:ext cx="2741400" cy="5935320"/>
-          </a:xfrm>
-          <a:prstGeom prst="rect">
-            <a:avLst/>
-          </a:prstGeom>
-          <a:noFill/>
-          <a:ln w="9360">
-            <a:noFill/>
-          </a:ln>
-        </p:spPr>
-        <p:txBody>
-          <a:bodyPr lIns="45000" rIns="45000" tIns="90000" bIns="90000" anchor="ctr" vert="eaVert">
-            <a:noAutofit/>
-          </a:bodyPr>
-          <a:p>
-            <a:pPr indent="0">
-              <a:lnSpc>
-                <a:spcPct val="100000"/>
-              </a:lnSpc>
-              <a:buNone/>
-              <a:tabLst>
-                <a:tab algn="l" pos="0"/>
-              </a:tabLst>
-            </a:pPr>
-            <a:r>
-              <a:rPr lang="en-US" sz="3600" b="0" u="none" strike="noStrike">
-                <a:solidFill>
-                  <a:schemeClr val="dk1"/>
-                </a:solidFill>
-                <a:effectLst/>
-                <a:uFillTx/>
-                <a:latin typeface="Arial"/>
-                <a:ea typeface="SimSun"/>
-              </a:rPr>
-              <a:t>Click to edit Master title style</a:t>
-            </a:r>
-            <a:endParaRPr lang="en-US" sz="3600" b="0" u="none" strike="noStrike">
-              <a:solidFill>
-                <a:schemeClr val="dk1"/>
-              </a:solidFill>
-              <a:effectLst/>
-              <a:uFillTx/>
-              <a:latin typeface="Arial"/>
-            </a:endParaRPr>
-          </a:p>
-        </p:txBody>
-      </p:sp>
-      <p:sp>
-        <p:nvSpPr>
-          <p:cNvPr id="4" name="PlaceHolder 2"/>
-          <p:cNvSpPr>
-            <a:spLocks noGrp="1"/>
-          </p:cNvSpPr>
-          <p:nvPr>
-            <p:ph type="body"/>
-          </p:nvPr>
-        </p:nvSpPr>
-        <p:spPr>
-          <a:xfrm>
-            <a:off x="609480" y="190440"/>
-            <a:ext cx="8024760" cy="5935320"/>
-          </a:xfrm>
-          <a:prstGeom prst="rect">
-            <a:avLst/>
-          </a:prstGeom>
-          <a:noFill/>
-          <a:ln w="9360">
-            <a:noFill/>
-          </a:ln>
-        </p:spPr>
-        <p:txBody>
-          <a:bodyPr lIns="45000" rIns="45000" tIns="90000" bIns="90000" anchor="t" vert="eaVert">
-            <a:noAutofit/>
-          </a:bodyPr>
-          <a:p>
-            <a:pPr marL="343080" indent="-343080">
-              <a:lnSpc>
-                <a:spcPct val="100000"/>
-              </a:lnSpc>
-              <a:spcBef>
-                <a:spcPts val="641"/>
-              </a:spcBef>
-              <a:buClr>
-                <a:srgbClr val="000000"/>
-              </a:buClr>
-              <a:buFont typeface="Symbol" charset="2"/>
-              <a:buChar char=""/>
-            </a:pPr>
-            <a:r>
-              <a:rPr lang="en-US" sz="3200" b="0" u="none" strike="noStrike">
-                <a:solidFill>
-                  <a:schemeClr val="dk1"/>
-                </a:solidFill>
-                <a:effectLst/>
-                <a:uFillTx/>
-                <a:latin typeface="Arial"/>
-                <a:ea typeface="SimSun"/>
-              </a:rPr>
-              <a:t>Click to edit Master text styles</a:t>
-            </a:r>
-            <a:endParaRPr lang="en-US" sz="3200" b="0" u="none" strike="noStrike">
-              <a:solidFill>
-                <a:schemeClr val="dk1"/>
-              </a:solidFill>
-              <a:effectLst/>
-              <a:uFillTx/>
-              <a:latin typeface="Arial"/>
-            </a:endParaRPr>
-          </a:p>
-          <a:p>
-            <a:pPr marL="743040" lvl="1" indent="-285840">
-              <a:lnSpc>
-                <a:spcPct val="100000"/>
-              </a:lnSpc>
-              <a:spcBef>
-                <a:spcPts val="561"/>
-              </a:spcBef>
-              <a:buClr>
-                <a:srgbClr val="000000"/>
-              </a:buClr>
-              <a:buFont typeface="Symbol" charset="2"/>
-              <a:buChar char=""/>
-            </a:pPr>
-            <a:r>
-              <a:rPr lang="en-US" sz="2800" b="0" u="none" strike="noStrike">
-                <a:solidFill>
-                  <a:schemeClr val="dk1"/>
-                </a:solidFill>
-                <a:effectLst/>
-                <a:uFillTx/>
-                <a:latin typeface="Arial"/>
-                <a:ea typeface="SimSun"/>
-              </a:rPr>
-              <a:t>Second level</a:t>
-            </a:r>
-            <a:endParaRPr lang="en-US" sz="2800" b="0" u="none" strike="noStrike">
-              <a:solidFill>
-                <a:schemeClr val="dk1"/>
-              </a:solidFill>
-              <a:effectLst/>
-              <a:uFillTx/>
-              <a:latin typeface="Arial"/>
-            </a:endParaRPr>
-          </a:p>
-          <a:p>
-            <a:pPr marL="1143000" lvl="2" indent="-228600">
-              <a:lnSpc>
-                <a:spcPct val="100000"/>
-              </a:lnSpc>
-              <a:spcBef>
-                <a:spcPts val="479"/>
-              </a:spcBef>
-              <a:buClr>
-                <a:srgbClr val="000000"/>
-              </a:buClr>
-              <a:buFont typeface="Symbol" charset="2"/>
-              <a:buChar char=""/>
-            </a:pPr>
-            <a:r>
-              <a:rPr lang="en-US" sz="2400" b="0" u="none" strike="noStrike">
-                <a:solidFill>
-                  <a:schemeClr val="dk1"/>
-                </a:solidFill>
-                <a:effectLst/>
-                <a:uFillTx/>
-                <a:latin typeface="Arial"/>
-                <a:ea typeface="SimSun"/>
-              </a:rPr>
-              <a:t>Third level</a:t>
-            </a:r>
-            <a:endParaRPr lang="en-US" sz="2400" b="0" u="none" strike="noStrike">
-              <a:solidFill>
-                <a:schemeClr val="dk1"/>
-              </a:solidFill>
-              <a:effectLst/>
-              <a:uFillTx/>
-              <a:latin typeface="Arial"/>
-            </a:endParaRPr>
-          </a:p>
-          <a:p>
-            <a:pPr marL="1600200" lvl="3" indent="-228600">
-              <a:lnSpc>
-                <a:spcPct val="100000"/>
-              </a:lnSpc>
-              <a:spcBef>
-                <a:spcPts val="400"/>
-              </a:spcBef>
-              <a:buClr>
-                <a:srgbClr val="000000"/>
-              </a:buClr>
-              <a:buFont typeface="Symbol" charset="2"/>
-              <a:buChar char=""/>
-            </a:pPr>
-            <a:r>
-              <a:rPr lang="en-US" sz="2000" b="0" u="none" strike="noStrike">
-                <a:solidFill>
-                  <a:schemeClr val="dk1"/>
-                </a:solidFill>
-                <a:effectLst/>
-                <a:uFillTx/>
-                <a:latin typeface="Arial"/>
-                <a:ea typeface="SimSun"/>
-              </a:rPr>
-              <a:t>Fourth level</a:t>
-            </a:r>
-            <a:endParaRPr lang="en-US" sz="2000" b="0" u="none" strike="noStrike">
-              <a:solidFill>
-                <a:schemeClr val="dk1"/>
-              </a:solidFill>
-              <a:effectLst/>
-              <a:uFillTx/>
-              <a:latin typeface="Arial"/>
-            </a:endParaRPr>
-          </a:p>
-          <a:p>
-            <a:pPr marL="2057400" lvl="4" indent="-228600">
-              <a:lnSpc>
-                <a:spcPct val="100000"/>
-              </a:lnSpc>
-              <a:spcBef>
-                <a:spcPts val="400"/>
-              </a:spcBef>
-              <a:buClr>
-                <a:srgbClr val="000000"/>
-              </a:buClr>
-              <a:buFont typeface="OpenSymbol"/>
-              <a:buChar char="»"/>
-            </a:pPr>
-            <a:r>
-              <a:rPr lang="en-US" sz="2000" b="0" u="none" strike="noStrike">
-                <a:solidFill>
-                  <a:schemeClr val="dk1"/>
-                </a:solidFill>
-                <a:effectLst/>
-                <a:uFillTx/>
-                <a:latin typeface="Arial"/>
-                <a:ea typeface="SimSun"/>
-              </a:rPr>
-              <a:t>Fifth level</a:t>
-            </a:r>
-            <a:endParaRPr lang="en-US" sz="2000" b="0" u="none" strike="noStrike">
-              <a:solidFill>
-                <a:schemeClr val="dk1"/>
-              </a:solidFill>
-              <a:effectLst/>
-              <a:uFillTx/>
-              <a:latin typeface="Arial"/>
-            </a:endParaRPr>
-          </a:p>
-        </p:txBody>
-      </p:sp>
-      <p:sp>
-        <p:nvSpPr>
-          <p:cNvPr id="5" name="PlaceHolder 3"/>
-          <p:cNvSpPr>
-            <a:spLocks noGrp="1"/>
-          </p:cNvSpPr>
-          <p:nvPr>
             <p:ph type="dt" idx="1"/>
           </p:nvPr>
         </p:nvSpPr>
         <p:spPr>
           <a:xfrm>
             <a:off x="609480" y="6245280"/>
-            <a:ext cx="2842920" cy="474480"/>
+            <a:ext cx="2842560" cy="474120"/>
           </a:xfrm>
           <a:prstGeom prst="rect">
             <a:avLst/>
@@ -415,7 +157,7 @@
       </p:sp>
       <p:sp>
         <p:nvSpPr>
-          <p:cNvPr id="6" name="PlaceHolder 4"/>
+          <p:cNvPr id="4" name="PlaceHolder 2"/>
           <p:cNvSpPr>
             <a:spLocks noGrp="1"/>
           </p:cNvSpPr>
@@ -426,7 +168,7 @@
         <p:spPr>
           <a:xfrm>
             <a:off x="4165560" y="6245280"/>
-            <a:ext cx="3858840" cy="474480"/>
+            <a:ext cx="3858480" cy="474120"/>
           </a:xfrm>
           <a:prstGeom prst="rect">
             <a:avLst/>
@@ -495,7 +237,7 @@
       </p:sp>
       <p:sp>
         <p:nvSpPr>
-          <p:cNvPr id="7" name="PlaceHolder 5"/>
+          <p:cNvPr id="5" name="PlaceHolder 3"/>
           <p:cNvSpPr>
             <a:spLocks noGrp="1"/>
           </p:cNvSpPr>
@@ -506,7 +248,7 @@
         <p:spPr>
           <a:xfrm>
             <a:off x="8737560" y="6245280"/>
-            <a:ext cx="2842920" cy="474480"/>
+            <a:ext cx="2842560" cy="474120"/>
           </a:xfrm>
           <a:prstGeom prst="rect">
             <a:avLst/>
@@ -542,7 +284,7 @@
 
 <file path=ppt/slideLayouts/slideLayout10.xml><?xml version="1.0" encoding="utf-8"?>
 <p:sldLayout xmlns:a="http://schemas.openxmlformats.org/drawingml/2006/main" xmlns:p="http://schemas.openxmlformats.org/presentationml/2006/main" xmlns:r="http://schemas.openxmlformats.org/officeDocument/2006/relationships" xmlns:p14="http://schemas.microsoft.com/office/powerpoint/2010/main" xmlns:p15="http://schemas.microsoft.com/office/powerpoint/2012/main" xmlns:mc="http://schemas.openxmlformats.org/markup-compatibility/2006" type="blank" preserve="1">
-  <p:cSld name="Content with Caption">
+  <p:cSld name="Comparison">
     <p:bg>
       <p:bgPr>
         <a:solidFill>
@@ -577,7 +319,7 @@
         <p:spPr>
           <a:xfrm>
             <a:off x="0" y="0"/>
-            <a:ext cx="12190320" cy="6856200"/>
+            <a:ext cx="12189960" cy="6855840"/>
           </a:xfrm>
           <a:prstGeom prst="rect">
             <a:avLst/>
@@ -600,8 +342,8 @@
         </p:nvSpPr>
         <p:spPr>
           <a:xfrm>
-            <a:off x="840240" y="457200"/>
-            <a:ext cx="3930840" cy="1598400"/>
+            <a:off x="840240" y="365040"/>
+            <a:ext cx="10513440" cy="1323360"/>
           </a:xfrm>
           <a:prstGeom prst="rect">
             <a:avLst/>
@@ -612,7 +354,7 @@
           </a:ln>
         </p:spPr>
         <p:txBody>
-          <a:bodyPr lIns="90000" rIns="90000" tIns="45000" bIns="45000" anchor="b">
+          <a:bodyPr lIns="90000" rIns="90000" tIns="45000" bIns="45000" anchor="ctr">
             <a:noAutofit/>
           </a:bodyPr>
           <a:p>
@@ -626,7 +368,7 @@
               </a:tabLst>
             </a:pPr>
             <a:r>
-              <a:rPr lang="en-US" sz="3200" b="0" u="none" strike="noStrike">
+              <a:rPr lang="en-US" sz="3600" b="0" u="none" strike="noStrike">
                 <a:solidFill>
                   <a:schemeClr val="dk1"/>
                 </a:solidFill>
@@ -637,9 +379,9 @@
               </a:rPr>
               <a:t>Click to edit Master title style</a:t>
             </a:r>
-            <a:endParaRPr lang="en-US" sz="3200" b="0" u="none" strike="noStrike">
-              <a:solidFill>
-                <a:schemeClr val="dk1"/>
+            <a:endParaRPr lang="en-US" sz="3600" b="0" u="none" strike="noStrike">
+              <a:solidFill>
+                <a:srgbClr val="000000"/>
               </a:solidFill>
               <a:effectLst/>
               <a:uFillTx/>
@@ -660,8 +402,8 @@
         </p:nvSpPr>
         <p:spPr>
           <a:xfrm>
-            <a:off x="5183640" y="987480"/>
-            <a:ext cx="6170400" cy="4871880"/>
+            <a:off x="840240" y="1681200"/>
+            <a:ext cx="5156280" cy="821880"/>
           </a:xfrm>
           <a:prstGeom prst="rect">
             <a:avLst/>
@@ -672,25 +414,24 @@
           </a:ln>
         </p:spPr>
         <p:txBody>
-          <a:bodyPr lIns="90000" rIns="90000" tIns="45000" bIns="45000" anchor="t">
+          <a:bodyPr lIns="90000" rIns="90000" tIns="45000" bIns="45000" anchor="b">
             <a:noAutofit/>
           </a:bodyPr>
           <a:p>
-            <a:pPr marL="343080" indent="-343080">
-              <a:lnSpc>
-                <a:spcPct val="100000"/>
-              </a:lnSpc>
-              <a:spcBef>
-                <a:spcPts val="641"/>
-              </a:spcBef>
-              <a:buClr>
-                <a:srgbClr val="000000"/>
-              </a:buClr>
-              <a:buFont typeface="Symbol" charset="2"/>
-              <a:buChar char=""/>
-            </a:pPr>
-            <a:r>
-              <a:rPr lang="en-US" sz="3200" b="0" u="none" strike="noStrike">
+            <a:pPr indent="0">
+              <a:lnSpc>
+                <a:spcPct val="100000"/>
+              </a:lnSpc>
+              <a:spcBef>
+                <a:spcPts val="479"/>
+              </a:spcBef>
+              <a:buNone/>
+              <a:tabLst>
+                <a:tab algn="l" pos="0"/>
+              </a:tabLst>
+            </a:pPr>
+            <a:r>
+              <a:rPr lang="en-US" sz="2400" b="1" u="none" strike="noStrike">
                 <a:solidFill>
                   <a:schemeClr val="dk1"/>
                 </a:solidFill>
@@ -701,149 +442,9 @@
               </a:rPr>
               <a:t>Click to edit Master text styles</a:t>
             </a:r>
-            <a:endParaRPr lang="en-US" sz="3200" b="0" u="none" strike="noStrike">
-              <a:solidFill>
-                <a:schemeClr val="dk1"/>
-              </a:solidFill>
-              <a:effectLst/>
-              <a:uFillTx/>
-              <a:latin typeface="Arial"/>
-            </a:endParaRPr>
-          </a:p>
-          <a:p>
-            <a:pPr marL="743040" lvl="1" indent="-285840">
-              <a:lnSpc>
-                <a:spcPct val="100000"/>
-              </a:lnSpc>
-              <a:spcBef>
-                <a:spcPts val="561"/>
-              </a:spcBef>
-              <a:buClr>
-                <a:srgbClr val="000000"/>
-              </a:buClr>
-              <a:buFont typeface="Symbol" charset="2"/>
-              <a:buChar char=""/>
-            </a:pPr>
-            <a:r>
-              <a:rPr lang="en-US" sz="2800" b="0" u="none" strike="noStrike">
-                <a:solidFill>
-                  <a:schemeClr val="dk1"/>
-                </a:solidFill>
-                <a:effectLst/>
-                <a:uFillTx/>
-                <a:latin typeface="Arial"/>
-                <a:ea typeface="SimSun"/>
-              </a:rPr>
-              <a:t>Second level</a:t>
-            </a:r>
-            <a:endParaRPr lang="en-US" sz="2800" b="0" u="none" strike="noStrike">
-              <a:solidFill>
-                <a:schemeClr val="dk1"/>
-              </a:solidFill>
-              <a:effectLst/>
-              <a:uFillTx/>
-              <a:latin typeface="Arial"/>
-            </a:endParaRPr>
-          </a:p>
-          <a:p>
-            <a:pPr marL="1143000" lvl="2" indent="-228600">
-              <a:lnSpc>
-                <a:spcPct val="100000"/>
-              </a:lnSpc>
-              <a:spcBef>
-                <a:spcPts val="479"/>
-              </a:spcBef>
-              <a:buClr>
-                <a:srgbClr val="000000"/>
-              </a:buClr>
-              <a:buFont typeface="Symbol" charset="2"/>
-              <a:buChar char=""/>
-            </a:pPr>
-            <a:r>
-              <a:rPr lang="en-US" sz="2400" b="0" u="none" strike="noStrike">
-                <a:solidFill>
-                  <a:schemeClr val="dk1"/>
-                </a:solidFill>
-                <a:effectLst/>
-                <a:uFillTx/>
-                <a:latin typeface="Arial"/>
-                <a:ea typeface="SimSun"/>
-              </a:rPr>
-              <a:t>Third level</a:t>
-            </a:r>
             <a:endParaRPr lang="en-US" sz="2400" b="0" u="none" strike="noStrike">
               <a:solidFill>
-                <a:schemeClr val="dk1"/>
-              </a:solidFill>
-              <a:effectLst/>
-              <a:uFillTx/>
-              <a:latin typeface="Arial"/>
-            </a:endParaRPr>
-          </a:p>
-          <a:p>
-            <a:pPr marL="1600200" lvl="3" indent="-228600">
-              <a:lnSpc>
-                <a:spcPct val="100000"/>
-              </a:lnSpc>
-              <a:spcBef>
-                <a:spcPts val="400"/>
-              </a:spcBef>
-              <a:buClr>
-                <a:srgbClr val="000000"/>
-              </a:buClr>
-              <a:buFont typeface="Symbol" charset="2"/>
-              <a:buChar char=""/>
-            </a:pPr>
-            <a:r>
-              <a:rPr lang="en-US" sz="2000" b="0" u="none" strike="noStrike">
-                <a:solidFill>
-                  <a:schemeClr val="dk1"/>
-                </a:solidFill>
-                <a:effectLst/>
-                <a:uFillTx/>
-                <a:latin typeface="Arial"/>
-                <a:ea typeface="SimSun"/>
-              </a:rPr>
-              <a:t>Fourth level</a:t>
-            </a:r>
-            <a:endParaRPr lang="en-US" sz="2000" b="0" u="none" strike="noStrike">
-              <a:solidFill>
-                <a:schemeClr val="dk1"/>
-              </a:solidFill>
-              <a:effectLst/>
-              <a:uFillTx/>
-              <a:latin typeface="Arial"/>
-            </a:endParaRPr>
-          </a:p>
-          <a:p>
-            <a:pPr marL="2057400" lvl="4" indent="-228600">
-              <a:lnSpc>
-                <a:spcPct val="100000"/>
-              </a:lnSpc>
-              <a:spcBef>
-                <a:spcPts val="400"/>
-              </a:spcBef>
-              <a:buClr>
-                <a:srgbClr val="000000"/>
-              </a:buClr>
-              <a:buFont typeface="OpenSymbol"/>
-              <a:buChar char="»"/>
-            </a:pPr>
-            <a:r>
-              <a:rPr lang="en-US" sz="2000" b="0" u="none" strike="noStrike">
-                <a:solidFill>
-                  <a:schemeClr val="dk1"/>
-                </a:solidFill>
-                <a:effectLst/>
-                <a:uFillTx/>
-                <a:latin typeface="Arial"/>
-                <a:ea typeface="SimSun"/>
-              </a:rPr>
-              <a:t>Fifth level</a:t>
-            </a:r>
-            <a:endParaRPr lang="en-US" sz="2000" b="0" u="none" strike="noStrike">
-              <a:solidFill>
-                <a:schemeClr val="dk1"/>
+                <a:srgbClr val="000000"/>
               </a:solidFill>
               <a:effectLst/>
               <a:uFillTx/>
@@ -864,8 +465,8 @@
         </p:nvSpPr>
         <p:spPr>
           <a:xfrm>
-            <a:off x="840240" y="2057400"/>
-            <a:ext cx="3930840" cy="3809880"/>
+            <a:off x="840240" y="2505240"/>
+            <a:ext cx="5156280" cy="3682440"/>
           </a:xfrm>
           <a:prstGeom prst="rect">
             <a:avLst/>
@@ -880,20 +481,21 @@
             <a:noAutofit/>
           </a:bodyPr>
           <a:p>
-            <a:pPr indent="0">
-              <a:lnSpc>
-                <a:spcPct val="100000"/>
-              </a:lnSpc>
-              <a:spcBef>
-                <a:spcPts val="320"/>
-              </a:spcBef>
-              <a:buNone/>
-              <a:tabLst>
-                <a:tab algn="l" pos="0"/>
-              </a:tabLst>
-            </a:pPr>
-            <a:r>
-              <a:rPr lang="en-US" sz="1600" b="0" u="none" strike="noStrike">
+            <a:pPr marL="343080" indent="-343080">
+              <a:lnSpc>
+                <a:spcPct val="100000"/>
+              </a:lnSpc>
+              <a:spcBef>
+                <a:spcPts val="641"/>
+              </a:spcBef>
+              <a:buClr>
+                <a:srgbClr val="000000"/>
+              </a:buClr>
+              <a:buFont typeface="Symbol" charset="2"/>
+              <a:buChar char=""/>
+            </a:pPr>
+            <a:r>
+              <a:rPr lang="en-US" sz="3200" b="0" u="none" strike="noStrike">
                 <a:solidFill>
                   <a:schemeClr val="dk1"/>
                 </a:solidFill>
@@ -904,9 +506,149 @@
               </a:rPr>
               <a:t>Click to edit Master text styles</a:t>
             </a:r>
-            <a:endParaRPr lang="en-US" sz="1600" b="0" u="none" strike="noStrike">
-              <a:solidFill>
-                <a:schemeClr val="dk1"/>
+            <a:endParaRPr lang="en-US" sz="3200" b="0" u="none" strike="noStrike">
+              <a:solidFill>
+                <a:srgbClr val="000000"/>
+              </a:solidFill>
+              <a:effectLst/>
+              <a:uFillTx/>
+              <a:latin typeface="Arial"/>
+            </a:endParaRPr>
+          </a:p>
+          <a:p>
+            <a:pPr marL="743040" lvl="1" indent="-285840">
+              <a:lnSpc>
+                <a:spcPct val="100000"/>
+              </a:lnSpc>
+              <a:spcBef>
+                <a:spcPts val="561"/>
+              </a:spcBef>
+              <a:buClr>
+                <a:srgbClr val="000000"/>
+              </a:buClr>
+              <a:buFont typeface="Symbol" charset="2"/>
+              <a:buChar char=""/>
+            </a:pPr>
+            <a:r>
+              <a:rPr lang="en-US" sz="2800" b="0" u="none" strike="noStrike">
+                <a:solidFill>
+                  <a:schemeClr val="dk1"/>
+                </a:solidFill>
+                <a:effectLst/>
+                <a:uFillTx/>
+                <a:latin typeface="Arial"/>
+                <a:ea typeface="SimSun"/>
+              </a:rPr>
+              <a:t>Second level</a:t>
+            </a:r>
+            <a:endParaRPr lang="en-US" sz="2800" b="0" u="none" strike="noStrike">
+              <a:solidFill>
+                <a:srgbClr val="000000"/>
+              </a:solidFill>
+              <a:effectLst/>
+              <a:uFillTx/>
+              <a:latin typeface="Arial"/>
+            </a:endParaRPr>
+          </a:p>
+          <a:p>
+            <a:pPr marL="1143000" lvl="2" indent="-228600">
+              <a:lnSpc>
+                <a:spcPct val="100000"/>
+              </a:lnSpc>
+              <a:spcBef>
+                <a:spcPts val="479"/>
+              </a:spcBef>
+              <a:buClr>
+                <a:srgbClr val="000000"/>
+              </a:buClr>
+              <a:buFont typeface="Symbol" charset="2"/>
+              <a:buChar char=""/>
+            </a:pPr>
+            <a:r>
+              <a:rPr lang="en-US" sz="2400" b="0" u="none" strike="noStrike">
+                <a:solidFill>
+                  <a:schemeClr val="dk1"/>
+                </a:solidFill>
+                <a:effectLst/>
+                <a:uFillTx/>
+                <a:latin typeface="Arial"/>
+                <a:ea typeface="SimSun"/>
+              </a:rPr>
+              <a:t>Third level</a:t>
+            </a:r>
+            <a:endParaRPr lang="en-US" sz="2400" b="0" u="none" strike="noStrike">
+              <a:solidFill>
+                <a:srgbClr val="000000"/>
+              </a:solidFill>
+              <a:effectLst/>
+              <a:uFillTx/>
+              <a:latin typeface="Arial"/>
+            </a:endParaRPr>
+          </a:p>
+          <a:p>
+            <a:pPr marL="1600200" lvl="3" indent="-228600">
+              <a:lnSpc>
+                <a:spcPct val="100000"/>
+              </a:lnSpc>
+              <a:spcBef>
+                <a:spcPts val="400"/>
+              </a:spcBef>
+              <a:buClr>
+                <a:srgbClr val="000000"/>
+              </a:buClr>
+              <a:buFont typeface="Symbol" charset="2"/>
+              <a:buChar char=""/>
+            </a:pPr>
+            <a:r>
+              <a:rPr lang="en-US" sz="2000" b="0" u="none" strike="noStrike">
+                <a:solidFill>
+                  <a:schemeClr val="dk1"/>
+                </a:solidFill>
+                <a:effectLst/>
+                <a:uFillTx/>
+                <a:latin typeface="Arial"/>
+                <a:ea typeface="SimSun"/>
+              </a:rPr>
+              <a:t>Fourth level</a:t>
+            </a:r>
+            <a:endParaRPr lang="en-US" sz="2000" b="0" u="none" strike="noStrike">
+              <a:solidFill>
+                <a:srgbClr val="000000"/>
+              </a:solidFill>
+              <a:effectLst/>
+              <a:uFillTx/>
+              <a:latin typeface="Arial"/>
+            </a:endParaRPr>
+          </a:p>
+          <a:p>
+            <a:pPr marL="2057400" lvl="4" indent="-228600">
+              <a:lnSpc>
+                <a:spcPct val="100000"/>
+              </a:lnSpc>
+              <a:spcBef>
+                <a:spcPts val="400"/>
+              </a:spcBef>
+              <a:buClr>
+                <a:srgbClr val="000000"/>
+              </a:buClr>
+              <a:buFont typeface="OpenSymbol"/>
+              <a:buChar char="»"/>
+            </a:pPr>
+            <a:r>
+              <a:rPr lang="en-US" sz="2000" b="0" u="none" strike="noStrike">
+                <a:solidFill>
+                  <a:schemeClr val="dk1"/>
+                </a:solidFill>
+                <a:effectLst/>
+                <a:uFillTx/>
+                <a:latin typeface="Arial"/>
+                <a:ea typeface="SimSun"/>
+              </a:rPr>
+              <a:t>Fifth level</a:t>
+            </a:r>
+            <a:endParaRPr lang="en-US" sz="2000" b="0" u="none" strike="noStrike">
+              <a:solidFill>
+                <a:srgbClr val="000000"/>
               </a:solidFill>
               <a:effectLst/>
               <a:uFillTx/>
@@ -918,6 +660,273 @@
       <p:sp>
         <p:nvSpPr>
           <p:cNvPr id="61" name="PlaceHolder 4"/>
+          <p:cNvSpPr>
+            <a:spLocks noGrp="1"/>
+          </p:cNvSpPr>
+          <p:nvPr>
+            <p:ph type="body"/>
+          </p:nvPr>
+        </p:nvSpPr>
+        <p:spPr>
+          <a:xfrm>
+            <a:off x="6172200" y="1681200"/>
+            <a:ext cx="5181480" cy="821880"/>
+          </a:xfrm>
+          <a:prstGeom prst="rect">
+            <a:avLst/>
+          </a:prstGeom>
+          <a:noFill/>
+          <a:ln w="9360">
+            <a:noFill/>
+          </a:ln>
+        </p:spPr>
+        <p:txBody>
+          <a:bodyPr lIns="90000" rIns="90000" tIns="45000" bIns="45000" anchor="b">
+            <a:noAutofit/>
+          </a:bodyPr>
+          <a:p>
+            <a:pPr indent="0">
+              <a:lnSpc>
+                <a:spcPct val="100000"/>
+              </a:lnSpc>
+              <a:spcBef>
+                <a:spcPts val="479"/>
+              </a:spcBef>
+              <a:buNone/>
+              <a:tabLst>
+                <a:tab algn="l" pos="0"/>
+              </a:tabLst>
+            </a:pPr>
+            <a:r>
+              <a:rPr lang="en-US" sz="2400" b="1" u="none" strike="noStrike">
+                <a:solidFill>
+                  <a:schemeClr val="dk1"/>
+                </a:solidFill>
+                <a:effectLst/>
+                <a:uFillTx/>
+                <a:latin typeface="Arial"/>
+                <a:ea typeface="SimSun"/>
+              </a:rPr>
+              <a:t>Click to edit Master text styles</a:t>
+            </a:r>
+            <a:endParaRPr lang="en-US" sz="2400" b="0" u="none" strike="noStrike">
+              <a:solidFill>
+                <a:srgbClr val="000000"/>
+              </a:solidFill>
+              <a:effectLst/>
+              <a:uFillTx/>
+              <a:latin typeface="Arial"/>
+            </a:endParaRPr>
+          </a:p>
+        </p:txBody>
+      </p:sp>
+      <p:sp>
+        <p:nvSpPr>
+          <p:cNvPr id="62" name="PlaceHolder 5"/>
+          <p:cNvSpPr>
+            <a:spLocks noGrp="1"/>
+          </p:cNvSpPr>
+          <p:nvPr>
+            <p:ph type="body"/>
+          </p:nvPr>
+        </p:nvSpPr>
+        <p:spPr>
+          <a:xfrm>
+            <a:off x="6172200" y="2505240"/>
+            <a:ext cx="5181480" cy="3682440"/>
+          </a:xfrm>
+          <a:prstGeom prst="rect">
+            <a:avLst/>
+          </a:prstGeom>
+          <a:noFill/>
+          <a:ln w="9360">
+            <a:noFill/>
+          </a:ln>
+        </p:spPr>
+        <p:txBody>
+          <a:bodyPr lIns="90000" rIns="90000" tIns="45000" bIns="45000" anchor="t">
+            <a:noAutofit/>
+          </a:bodyPr>
+          <a:p>
+            <a:pPr marL="343080" indent="-343080">
+              <a:lnSpc>
+                <a:spcPct val="100000"/>
+              </a:lnSpc>
+              <a:spcBef>
+                <a:spcPts val="641"/>
+              </a:spcBef>
+              <a:buClr>
+                <a:srgbClr val="000000"/>
+              </a:buClr>
+              <a:buFont typeface="Symbol" charset="2"/>
+              <a:buChar char=""/>
+            </a:pPr>
+            <a:r>
+              <a:rPr lang="en-US" sz="3200" b="0" u="none" strike="noStrike">
+                <a:solidFill>
+                  <a:schemeClr val="dk1"/>
+                </a:solidFill>
+                <a:effectLst/>
+                <a:uFillTx/>
+                <a:latin typeface="Arial"/>
+                <a:ea typeface="SimSun"/>
+              </a:rPr>
+              <a:t>Click to edit Master text styles</a:t>
+            </a:r>
+            <a:endParaRPr lang="en-US" sz="3200" b="0" u="none" strike="noStrike">
+              <a:solidFill>
+                <a:srgbClr val="000000"/>
+              </a:solidFill>
+              <a:effectLst/>
+              <a:uFillTx/>
+              <a:latin typeface="Arial"/>
+            </a:endParaRPr>
+          </a:p>
+          <a:p>
+            <a:pPr marL="743040" lvl="1" indent="-285840">
+              <a:lnSpc>
+                <a:spcPct val="100000"/>
+              </a:lnSpc>
+              <a:spcBef>
+                <a:spcPts val="561"/>
+              </a:spcBef>
+              <a:buClr>
+                <a:srgbClr val="000000"/>
+              </a:buClr>
+              <a:buFont typeface="Symbol" charset="2"/>
+              <a:buChar char=""/>
+            </a:pPr>
+            <a:r>
+              <a:rPr lang="en-US" sz="2800" b="0" u="none" strike="noStrike">
+                <a:solidFill>
+                  <a:schemeClr val="dk1"/>
+                </a:solidFill>
+                <a:effectLst/>
+                <a:uFillTx/>
+                <a:latin typeface="Arial"/>
+                <a:ea typeface="SimSun"/>
+              </a:rPr>
+              <a:t>Second level</a:t>
+            </a:r>
+            <a:endParaRPr lang="en-US" sz="2800" b="0" u="none" strike="noStrike">
+              <a:solidFill>
+                <a:srgbClr val="000000"/>
+              </a:solidFill>
+              <a:effectLst/>
+              <a:uFillTx/>
+              <a:latin typeface="Arial"/>
+            </a:endParaRPr>
+          </a:p>
+          <a:p>
+            <a:pPr marL="1143000" lvl="2" indent="-228600">
+              <a:lnSpc>
+                <a:spcPct val="100000"/>
+              </a:lnSpc>
+              <a:spcBef>
+                <a:spcPts val="479"/>
+              </a:spcBef>
+              <a:buClr>
+                <a:srgbClr val="000000"/>
+              </a:buClr>
+              <a:buFont typeface="Symbol" charset="2"/>
+              <a:buChar char=""/>
+            </a:pPr>
+            <a:r>
+              <a:rPr lang="en-US" sz="2400" b="0" u="none" strike="noStrike">
+                <a:solidFill>
+                  <a:schemeClr val="dk1"/>
+                </a:solidFill>
+                <a:effectLst/>
+                <a:uFillTx/>
+                <a:latin typeface="Arial"/>
+                <a:ea typeface="SimSun"/>
+              </a:rPr>
+              <a:t>Third level</a:t>
+            </a:r>
+            <a:endParaRPr lang="en-US" sz="2400" b="0" u="none" strike="noStrike">
+              <a:solidFill>
+                <a:srgbClr val="000000"/>
+              </a:solidFill>
+              <a:effectLst/>
+              <a:uFillTx/>
+              <a:latin typeface="Arial"/>
+            </a:endParaRPr>
+          </a:p>
+          <a:p>
+            <a:pPr marL="1600200" lvl="3" indent="-228600">
+              <a:lnSpc>
+                <a:spcPct val="100000"/>
+              </a:lnSpc>
+              <a:spcBef>
+                <a:spcPts val="400"/>
+              </a:spcBef>
+              <a:buClr>
+                <a:srgbClr val="000000"/>
+              </a:buClr>
+              <a:buFont typeface="Symbol" charset="2"/>
+              <a:buChar char=""/>
+            </a:pPr>
+            <a:r>
+              <a:rPr lang="en-US" sz="2000" b="0" u="none" strike="noStrike">
+                <a:solidFill>
+                  <a:schemeClr val="dk1"/>
+                </a:solidFill>
+                <a:effectLst/>
+                <a:uFillTx/>
+                <a:latin typeface="Arial"/>
+                <a:ea typeface="SimSun"/>
+              </a:rPr>
+              <a:t>Fourth level</a:t>
+            </a:r>
+            <a:endParaRPr lang="en-US" sz="2000" b="0" u="none" strike="noStrike">
+              <a:solidFill>
+                <a:srgbClr val="000000"/>
+              </a:solidFill>
+              <a:effectLst/>
+              <a:uFillTx/>
+              <a:latin typeface="Arial"/>
+            </a:endParaRPr>
+          </a:p>
+          <a:p>
+            <a:pPr marL="2057400" lvl="4" indent="-228600">
+              <a:lnSpc>
+                <a:spcPct val="100000"/>
+              </a:lnSpc>
+              <a:spcBef>
+                <a:spcPts val="400"/>
+              </a:spcBef>
+              <a:buClr>
+                <a:srgbClr val="000000"/>
+              </a:buClr>
+              <a:buFont typeface="OpenSymbol"/>
+              <a:buChar char="»"/>
+            </a:pPr>
+            <a:r>
+              <a:rPr lang="en-US" sz="2000" b="0" u="none" strike="noStrike">
+                <a:solidFill>
+                  <a:schemeClr val="dk1"/>
+                </a:solidFill>
+                <a:effectLst/>
+                <a:uFillTx/>
+                <a:latin typeface="Arial"/>
+                <a:ea typeface="SimSun"/>
+              </a:rPr>
+              <a:t>Fifth level</a:t>
+            </a:r>
+            <a:endParaRPr lang="en-US" sz="2000" b="0" u="none" strike="noStrike">
+              <a:solidFill>
+                <a:srgbClr val="000000"/>
+              </a:solidFill>
+              <a:effectLst/>
+              <a:uFillTx/>
+              <a:latin typeface="Arial"/>
+            </a:endParaRPr>
+          </a:p>
+        </p:txBody>
+      </p:sp>
+      <p:sp>
+        <p:nvSpPr>
+          <p:cNvPr id="63" name="PlaceHolder 6"/>
           <p:cNvSpPr>
             <a:spLocks noGrp="1"/>
           </p:cNvSpPr>
@@ -928,7 +937,7 @@
         <p:spPr>
           <a:xfrm>
             <a:off x="609480" y="6245280"/>
-            <a:ext cx="2842920" cy="474480"/>
+            <a:ext cx="2842560" cy="474120"/>
           </a:xfrm>
           <a:prstGeom prst="rect">
             <a:avLst/>
@@ -997,7 +1006,7 @@
       </p:sp>
       <p:sp>
         <p:nvSpPr>
-          <p:cNvPr id="62" name="PlaceHolder 5"/>
+          <p:cNvPr id="64" name="PlaceHolder 7"/>
           <p:cNvSpPr>
             <a:spLocks noGrp="1"/>
           </p:cNvSpPr>
@@ -1008,7 +1017,7 @@
         <p:spPr>
           <a:xfrm>
             <a:off x="4165560" y="6245280"/>
-            <a:ext cx="3858840" cy="474480"/>
+            <a:ext cx="3858480" cy="474120"/>
           </a:xfrm>
           <a:prstGeom prst="rect">
             <a:avLst/>
@@ -1077,7 +1086,7 @@
       </p:sp>
       <p:sp>
         <p:nvSpPr>
-          <p:cNvPr id="63" name="PlaceHolder 6"/>
+          <p:cNvPr id="65" name="PlaceHolder 8"/>
           <p:cNvSpPr>
             <a:spLocks noGrp="1"/>
           </p:cNvSpPr>
@@ -1088,7 +1097,7 @@
         <p:spPr>
           <a:xfrm>
             <a:off x="8737560" y="6245280"/>
-            <a:ext cx="2842920" cy="474480"/>
+            <a:ext cx="2842560" cy="474120"/>
           </a:xfrm>
           <a:prstGeom prst="rect">
             <a:avLst/>
@@ -1123,6 +1132,903 @@
 </file>
 
 <file path=ppt/slideLayouts/slideLayout11.xml><?xml version="1.0" encoding="utf-8"?>
+<p:sldLayout xmlns:a="http://schemas.openxmlformats.org/drawingml/2006/main" xmlns:p="http://schemas.openxmlformats.org/presentationml/2006/main" xmlns:r="http://schemas.openxmlformats.org/officeDocument/2006/relationships" xmlns:p14="http://schemas.microsoft.com/office/powerpoint/2010/main" xmlns:p15="http://schemas.microsoft.com/office/powerpoint/2012/main" xmlns:mc="http://schemas.openxmlformats.org/markup-compatibility/2006" type="titleOnly" preserve="1">
+  <p:cSld name="Title Only">
+    <p:bg>
+      <p:bgPr>
+        <a:solidFill>
+          <a:srgbClr val="ffffff"/>
+        </a:solidFill>
+      </p:bgPr>
+    </p:bg>
+    <p:spTree>
+      <p:nvGrpSpPr>
+        <p:cNvPr id="1" name=""/>
+        <p:cNvGrpSpPr/>
+        <p:nvPr/>
+      </p:nvGrpSpPr>
+      <p:grpSpPr>
+        <a:xfrm>
+          <a:off x="0" y="0"/>
+          <a:ext cx="0" cy="0"/>
+          <a:chOff x="0" y="0"/>
+          <a:chExt cx="0" cy="0"/>
+        </a:xfrm>
+      </p:grpSpPr>
+      <p:pic>
+        <p:nvPicPr>
+          <p:cNvPr id="66" name="Picture 10"/>
+          <p:cNvPicPr/>
+          <p:nvPr/>
+        </p:nvPicPr>
+        <p:blipFill>
+          <a:blip r:embed="rId2"/>
+          <a:stretch/>
+        </p:blipFill>
+        <p:spPr>
+          <a:xfrm>
+            <a:off x="0" y="0"/>
+            <a:ext cx="12189960" cy="6855840"/>
+          </a:xfrm>
+          <a:prstGeom prst="rect">
+            <a:avLst/>
+          </a:prstGeom>
+          <a:noFill/>
+          <a:ln w="9525">
+            <a:noFill/>
+          </a:ln>
+        </p:spPr>
+      </p:pic>
+      <p:sp>
+        <p:nvSpPr>
+          <p:cNvPr id="67" name="PlaceHolder 1"/>
+          <p:cNvSpPr>
+            <a:spLocks noGrp="1"/>
+          </p:cNvSpPr>
+          <p:nvPr>
+            <p:ph type="title"/>
+          </p:nvPr>
+        </p:nvSpPr>
+        <p:spPr>
+          <a:xfrm>
+            <a:off x="609480" y="190440"/>
+            <a:ext cx="10970640" cy="580320"/>
+          </a:xfrm>
+          <a:prstGeom prst="rect">
+            <a:avLst/>
+          </a:prstGeom>
+          <a:noFill/>
+          <a:ln w="9360">
+            <a:noFill/>
+          </a:ln>
+        </p:spPr>
+        <p:txBody>
+          <a:bodyPr lIns="90000" rIns="90000" tIns="45000" bIns="45000" anchor="ctr">
+            <a:noAutofit/>
+          </a:bodyPr>
+          <a:p>
+            <a:pPr indent="0">
+              <a:lnSpc>
+                <a:spcPct val="100000"/>
+              </a:lnSpc>
+              <a:buNone/>
+              <a:tabLst>
+                <a:tab algn="l" pos="0"/>
+              </a:tabLst>
+            </a:pPr>
+            <a:r>
+              <a:rPr lang="en-US" sz="3600" b="0" u="none" strike="noStrike">
+                <a:solidFill>
+                  <a:schemeClr val="dk1"/>
+                </a:solidFill>
+                <a:effectLst/>
+                <a:uFillTx/>
+                <a:latin typeface="Arial"/>
+                <a:ea typeface="SimSun"/>
+              </a:rPr>
+              <a:t>Click to edit Master title style</a:t>
+            </a:r>
+            <a:endParaRPr lang="en-US" sz="3600" b="0" u="none" strike="noStrike">
+              <a:solidFill>
+                <a:srgbClr val="000000"/>
+              </a:solidFill>
+              <a:effectLst/>
+              <a:uFillTx/>
+              <a:latin typeface="Arial"/>
+            </a:endParaRPr>
+          </a:p>
+        </p:txBody>
+      </p:sp>
+      <p:sp>
+        <p:nvSpPr>
+          <p:cNvPr id="68" name="PlaceHolder 2"/>
+          <p:cNvSpPr>
+            <a:spLocks noGrp="1"/>
+          </p:cNvSpPr>
+          <p:nvPr>
+            <p:ph type="dt" idx="31"/>
+          </p:nvPr>
+        </p:nvSpPr>
+        <p:spPr>
+          <a:xfrm>
+            <a:off x="609480" y="6245280"/>
+            <a:ext cx="2842560" cy="474120"/>
+          </a:xfrm>
+          <a:prstGeom prst="rect">
+            <a:avLst/>
+          </a:prstGeom>
+          <a:noFill/>
+          <a:ln w="0">
+            <a:noFill/>
+          </a:ln>
+        </p:spPr>
+        <p:txBody>
+          <a:bodyPr numCol="1" spcCol="0" lIns="91440" rIns="91440" tIns="45720" bIns="45720" anchor="t">
+            <a:noAutofit/>
+          </a:bodyPr>
+          <a:lstStyle>
+            <a:lvl1pPr indent="0" defTabSz="914400">
+              <a:lnSpc>
+                <a:spcPct val="100000"/>
+              </a:lnSpc>
+              <a:buNone/>
+              <a:tabLst>
+                <a:tab algn="l" pos="0"/>
+              </a:tabLst>
+              <a:defRPr lang="en-US" sz="1400" b="0" u="none" strike="noStrike">
+                <a:solidFill>
+                  <a:srgbClr val="000000"/>
+                </a:solidFill>
+                <a:effectLst/>
+                <a:uFillTx/>
+                <a:latin typeface="Times New Roman"/>
+                <a:ea typeface="SimSun"/>
+              </a:defRPr>
+            </a:lvl1pPr>
+          </a:lstStyle>
+          <a:p>
+            <a:pPr indent="0" defTabSz="914400">
+              <a:lnSpc>
+                <a:spcPct val="100000"/>
+              </a:lnSpc>
+              <a:buNone/>
+              <a:tabLst>
+                <a:tab algn="l" pos="0"/>
+              </a:tabLst>
+            </a:pPr>
+            <a:r>
+              <a:rPr lang="en-US" sz="1400" b="0" u="none" strike="noStrike">
+                <a:solidFill>
+                  <a:srgbClr val="000000"/>
+                </a:solidFill>
+                <a:effectLst/>
+                <a:uFillTx/>
+                <a:latin typeface="Times New Roman"/>
+                <a:ea typeface="SimSun"/>
+              </a:rPr>
+              <a:t>&lt;date/time&gt;</a:t>
+            </a:r>
+            <a:endParaRPr lang="en-US" sz="1400" b="0" u="none" strike="noStrike">
+              <a:solidFill>
+                <a:srgbClr val="000000"/>
+              </a:solidFill>
+              <a:effectLst/>
+              <a:uFillTx/>
+              <a:latin typeface="Times New Roman"/>
+            </a:endParaRPr>
+          </a:p>
+        </p:txBody>
+      </p:sp>
+      <p:sp>
+        <p:nvSpPr>
+          <p:cNvPr id="69" name="PlaceHolder 3"/>
+          <p:cNvSpPr>
+            <a:spLocks noGrp="1"/>
+          </p:cNvSpPr>
+          <p:nvPr>
+            <p:ph type="ftr" idx="32"/>
+          </p:nvPr>
+        </p:nvSpPr>
+        <p:spPr>
+          <a:xfrm>
+            <a:off x="4165560" y="6245280"/>
+            <a:ext cx="3858480" cy="474120"/>
+          </a:xfrm>
+          <a:prstGeom prst="rect">
+            <a:avLst/>
+          </a:prstGeom>
+          <a:noFill/>
+          <a:ln w="0">
+            <a:noFill/>
+          </a:ln>
+        </p:spPr>
+        <p:txBody>
+          <a:bodyPr numCol="1" spcCol="0" lIns="91440" rIns="91440" tIns="45720" bIns="45720" anchor="t">
+            <a:noAutofit/>
+          </a:bodyPr>
+          <a:lstStyle>
+            <a:lvl1pPr indent="0" algn="ctr" defTabSz="914400">
+              <a:lnSpc>
+                <a:spcPct val="100000"/>
+              </a:lnSpc>
+              <a:buNone/>
+              <a:tabLst>
+                <a:tab algn="l" pos="0"/>
+              </a:tabLst>
+              <a:defRPr lang="en-US" sz="1400" b="0" u="none" strike="noStrike">
+                <a:solidFill>
+                  <a:srgbClr val="000000"/>
+                </a:solidFill>
+                <a:effectLst/>
+                <a:uFillTx/>
+                <a:latin typeface="Times New Roman"/>
+                <a:ea typeface="SimSun"/>
+              </a:defRPr>
+            </a:lvl1pPr>
+          </a:lstStyle>
+          <a:p>
+            <a:pPr indent="0" algn="ctr" defTabSz="914400">
+              <a:lnSpc>
+                <a:spcPct val="100000"/>
+              </a:lnSpc>
+              <a:buNone/>
+              <a:tabLst>
+                <a:tab algn="l" pos="0"/>
+              </a:tabLst>
+            </a:pPr>
+            <a:r>
+              <a:rPr lang="en-US" sz="1400" b="0" u="none" strike="noStrike">
+                <a:solidFill>
+                  <a:srgbClr val="000000"/>
+                </a:solidFill>
+                <a:effectLst/>
+                <a:uFillTx/>
+                <a:latin typeface="Times New Roman"/>
+                <a:ea typeface="SimSun"/>
+              </a:rPr>
+              <a:t>&lt;footer&gt;</a:t>
+            </a:r>
+            <a:endParaRPr lang="en-US" sz="1400" b="0" u="none" strike="noStrike">
+              <a:solidFill>
+                <a:srgbClr val="000000"/>
+              </a:solidFill>
+              <a:effectLst/>
+              <a:uFillTx/>
+              <a:latin typeface="Times New Roman"/>
+            </a:endParaRPr>
+          </a:p>
+        </p:txBody>
+      </p:sp>
+      <p:sp>
+        <p:nvSpPr>
+          <p:cNvPr id="70" name="PlaceHolder 4"/>
+          <p:cNvSpPr>
+            <a:spLocks noGrp="1"/>
+          </p:cNvSpPr>
+          <p:nvPr>
+            <p:ph type="sldNum" idx="33"/>
+          </p:nvPr>
+        </p:nvSpPr>
+        <p:spPr>
+          <a:xfrm>
+            <a:off x="8737560" y="6245280"/>
+            <a:ext cx="2842560" cy="474120"/>
+          </a:xfrm>
+          <a:prstGeom prst="rect">
+            <a:avLst/>
+          </a:prstGeom>
+          <a:noFill/>
+          <a:ln w="0">
+            <a:noFill/>
+          </a:ln>
+        </p:spPr>
+        <p:txBody>
+          <a:bodyPr numCol="1" spcCol="0" lIns="91440" rIns="91440" tIns="45720" bIns="45720" anchor="t">
+            <a:noAutofit/>
+          </a:bodyPr>
+          <a:p>
+            <a:pPr indent="0">
+              <a:buNone/>
+            </a:pPr>
+            <a:endParaRPr lang="en-US" sz="1800" b="0" u="none" strike="noStrike">
+              <a:solidFill>
+                <a:srgbClr val="000000"/>
+              </a:solidFill>
+              <a:effectLst/>
+              <a:uFillTx/>
+              <a:latin typeface="Times New Roman"/>
+            </a:endParaRPr>
+          </a:p>
+        </p:txBody>
+      </p:sp>
+    </p:spTree>
+  </p:cSld>
+</p:sldLayout>
+</file>
+
+<file path=ppt/slideLayouts/slideLayout2.xml><?xml version="1.0" encoding="utf-8"?>
+<p:sldLayout xmlns:a="http://schemas.openxmlformats.org/drawingml/2006/main" xmlns:p="http://schemas.openxmlformats.org/presentationml/2006/main" xmlns:r="http://schemas.openxmlformats.org/officeDocument/2006/relationships" xmlns:p14="http://schemas.microsoft.com/office/powerpoint/2010/main" xmlns:p15="http://schemas.microsoft.com/office/powerpoint/2012/main" xmlns:mc="http://schemas.openxmlformats.org/markup-compatibility/2006" type="blank" preserve="1">
+  <p:cSld name="Content with Caption">
+    <p:bg>
+      <p:bgPr>
+        <a:solidFill>
+          <a:srgbClr val="ffffff"/>
+        </a:solidFill>
+      </p:bgPr>
+    </p:bg>
+    <p:spTree>
+      <p:nvGrpSpPr>
+        <p:cNvPr id="1" name=""/>
+        <p:cNvGrpSpPr/>
+        <p:nvPr/>
+      </p:nvGrpSpPr>
+      <p:grpSpPr>
+        <a:xfrm>
+          <a:off x="0" y="0"/>
+          <a:ext cx="0" cy="0"/>
+          <a:chOff x="0" y="0"/>
+          <a:chExt cx="0" cy="0"/>
+        </a:xfrm>
+      </p:grpSpPr>
+      <p:pic>
+        <p:nvPicPr>
+          <p:cNvPr id="6" name="Picture 10"/>
+          <p:cNvPicPr/>
+          <p:nvPr/>
+        </p:nvPicPr>
+        <p:blipFill>
+          <a:blip r:embed="rId2"/>
+          <a:stretch/>
+        </p:blipFill>
+        <p:spPr>
+          <a:xfrm>
+            <a:off x="0" y="0"/>
+            <a:ext cx="12189960" cy="6855840"/>
+          </a:xfrm>
+          <a:prstGeom prst="rect">
+            <a:avLst/>
+          </a:prstGeom>
+          <a:noFill/>
+          <a:ln w="9525">
+            <a:noFill/>
+          </a:ln>
+        </p:spPr>
+      </p:pic>
+      <p:sp>
+        <p:nvSpPr>
+          <p:cNvPr id="7" name="PlaceHolder 1"/>
+          <p:cNvSpPr>
+            <a:spLocks noGrp="1"/>
+          </p:cNvSpPr>
+          <p:nvPr>
+            <p:ph type="title"/>
+          </p:nvPr>
+        </p:nvSpPr>
+        <p:spPr>
+          <a:xfrm>
+            <a:off x="840240" y="457200"/>
+            <a:ext cx="3930480" cy="1598040"/>
+          </a:xfrm>
+          <a:prstGeom prst="rect">
+            <a:avLst/>
+          </a:prstGeom>
+          <a:noFill/>
+          <a:ln w="9360">
+            <a:noFill/>
+          </a:ln>
+        </p:spPr>
+        <p:txBody>
+          <a:bodyPr lIns="90000" rIns="90000" tIns="45000" bIns="45000" anchor="b">
+            <a:noAutofit/>
+          </a:bodyPr>
+          <a:p>
+            <a:pPr indent="0">
+              <a:lnSpc>
+                <a:spcPct val="100000"/>
+              </a:lnSpc>
+              <a:buNone/>
+              <a:tabLst>
+                <a:tab algn="l" pos="0"/>
+              </a:tabLst>
+            </a:pPr>
+            <a:r>
+              <a:rPr lang="en-US" sz="3200" b="0" u="none" strike="noStrike">
+                <a:solidFill>
+                  <a:schemeClr val="dk1"/>
+                </a:solidFill>
+                <a:effectLst/>
+                <a:uFillTx/>
+                <a:latin typeface="Arial"/>
+                <a:ea typeface="SimSun"/>
+              </a:rPr>
+              <a:t>Click to edit Master title style</a:t>
+            </a:r>
+            <a:endParaRPr lang="en-US" sz="3200" b="0" u="none" strike="noStrike">
+              <a:solidFill>
+                <a:srgbClr val="000000"/>
+              </a:solidFill>
+              <a:effectLst/>
+              <a:uFillTx/>
+              <a:latin typeface="Arial"/>
+            </a:endParaRPr>
+          </a:p>
+        </p:txBody>
+      </p:sp>
+      <p:sp>
+        <p:nvSpPr>
+          <p:cNvPr id="8" name="PlaceHolder 2"/>
+          <p:cNvSpPr>
+            <a:spLocks noGrp="1"/>
+          </p:cNvSpPr>
+          <p:nvPr>
+            <p:ph type="body"/>
+          </p:nvPr>
+        </p:nvSpPr>
+        <p:spPr>
+          <a:xfrm>
+            <a:off x="5183640" y="987480"/>
+            <a:ext cx="6170040" cy="4871520"/>
+          </a:xfrm>
+          <a:prstGeom prst="rect">
+            <a:avLst/>
+          </a:prstGeom>
+          <a:noFill/>
+          <a:ln w="9360">
+            <a:noFill/>
+          </a:ln>
+        </p:spPr>
+        <p:txBody>
+          <a:bodyPr lIns="90000" rIns="90000" tIns="45000" bIns="45000" anchor="t">
+            <a:noAutofit/>
+          </a:bodyPr>
+          <a:p>
+            <a:pPr marL="343080" indent="-343080">
+              <a:lnSpc>
+                <a:spcPct val="100000"/>
+              </a:lnSpc>
+              <a:spcBef>
+                <a:spcPts val="641"/>
+              </a:spcBef>
+              <a:buClr>
+                <a:srgbClr val="000000"/>
+              </a:buClr>
+              <a:buFont typeface="Symbol" charset="2"/>
+              <a:buChar char=""/>
+            </a:pPr>
+            <a:r>
+              <a:rPr lang="en-US" sz="3200" b="0" u="none" strike="noStrike">
+                <a:solidFill>
+                  <a:schemeClr val="dk1"/>
+                </a:solidFill>
+                <a:effectLst/>
+                <a:uFillTx/>
+                <a:latin typeface="Arial"/>
+                <a:ea typeface="SimSun"/>
+              </a:rPr>
+              <a:t>Click to edit Master text styles</a:t>
+            </a:r>
+            <a:endParaRPr lang="en-US" sz="3200" b="0" u="none" strike="noStrike">
+              <a:solidFill>
+                <a:srgbClr val="000000"/>
+              </a:solidFill>
+              <a:effectLst/>
+              <a:uFillTx/>
+              <a:latin typeface="Arial"/>
+            </a:endParaRPr>
+          </a:p>
+          <a:p>
+            <a:pPr marL="743040" lvl="1" indent="-285840">
+              <a:lnSpc>
+                <a:spcPct val="100000"/>
+              </a:lnSpc>
+              <a:spcBef>
+                <a:spcPts val="561"/>
+              </a:spcBef>
+              <a:buClr>
+                <a:srgbClr val="000000"/>
+              </a:buClr>
+              <a:buFont typeface="Symbol" charset="2"/>
+              <a:buChar char=""/>
+            </a:pPr>
+            <a:r>
+              <a:rPr lang="en-US" sz="2800" b="0" u="none" strike="noStrike">
+                <a:solidFill>
+                  <a:schemeClr val="dk1"/>
+                </a:solidFill>
+                <a:effectLst/>
+                <a:uFillTx/>
+                <a:latin typeface="Arial"/>
+                <a:ea typeface="SimSun"/>
+              </a:rPr>
+              <a:t>Second level</a:t>
+            </a:r>
+            <a:endParaRPr lang="en-US" sz="2800" b="0" u="none" strike="noStrike">
+              <a:solidFill>
+                <a:srgbClr val="000000"/>
+              </a:solidFill>
+              <a:effectLst/>
+              <a:uFillTx/>
+              <a:latin typeface="Arial"/>
+            </a:endParaRPr>
+          </a:p>
+          <a:p>
+            <a:pPr marL="1143000" lvl="2" indent="-228600">
+              <a:lnSpc>
+                <a:spcPct val="100000"/>
+              </a:lnSpc>
+              <a:spcBef>
+                <a:spcPts val="479"/>
+              </a:spcBef>
+              <a:buClr>
+                <a:srgbClr val="000000"/>
+              </a:buClr>
+              <a:buFont typeface="Symbol" charset="2"/>
+              <a:buChar char=""/>
+            </a:pPr>
+            <a:r>
+              <a:rPr lang="en-US" sz="2400" b="0" u="none" strike="noStrike">
+                <a:solidFill>
+                  <a:schemeClr val="dk1"/>
+                </a:solidFill>
+                <a:effectLst/>
+                <a:uFillTx/>
+                <a:latin typeface="Arial"/>
+                <a:ea typeface="SimSun"/>
+              </a:rPr>
+              <a:t>Third level</a:t>
+            </a:r>
+            <a:endParaRPr lang="en-US" sz="2400" b="0" u="none" strike="noStrike">
+              <a:solidFill>
+                <a:srgbClr val="000000"/>
+              </a:solidFill>
+              <a:effectLst/>
+              <a:uFillTx/>
+              <a:latin typeface="Arial"/>
+            </a:endParaRPr>
+          </a:p>
+          <a:p>
+            <a:pPr marL="1600200" lvl="3" indent="-228600">
+              <a:lnSpc>
+                <a:spcPct val="100000"/>
+              </a:lnSpc>
+              <a:spcBef>
+                <a:spcPts val="400"/>
+              </a:spcBef>
+              <a:buClr>
+                <a:srgbClr val="000000"/>
+              </a:buClr>
+              <a:buFont typeface="Symbol" charset="2"/>
+              <a:buChar char=""/>
+            </a:pPr>
+            <a:r>
+              <a:rPr lang="en-US" sz="2000" b="0" u="none" strike="noStrike">
+                <a:solidFill>
+                  <a:schemeClr val="dk1"/>
+                </a:solidFill>
+                <a:effectLst/>
+                <a:uFillTx/>
+                <a:latin typeface="Arial"/>
+                <a:ea typeface="SimSun"/>
+              </a:rPr>
+              <a:t>Fourth level</a:t>
+            </a:r>
+            <a:endParaRPr lang="en-US" sz="2000" b="0" u="none" strike="noStrike">
+              <a:solidFill>
+                <a:srgbClr val="000000"/>
+              </a:solidFill>
+              <a:effectLst/>
+              <a:uFillTx/>
+              <a:latin typeface="Arial"/>
+            </a:endParaRPr>
+          </a:p>
+          <a:p>
+            <a:pPr marL="2057400" lvl="4" indent="-228600">
+              <a:lnSpc>
+                <a:spcPct val="100000"/>
+              </a:lnSpc>
+              <a:spcBef>
+                <a:spcPts val="400"/>
+              </a:spcBef>
+              <a:buClr>
+                <a:srgbClr val="000000"/>
+              </a:buClr>
+              <a:buFont typeface="OpenSymbol"/>
+              <a:buChar char="»"/>
+            </a:pPr>
+            <a:r>
+              <a:rPr lang="en-US" sz="2000" b="0" u="none" strike="noStrike">
+                <a:solidFill>
+                  <a:schemeClr val="dk1"/>
+                </a:solidFill>
+                <a:effectLst/>
+                <a:uFillTx/>
+                <a:latin typeface="Arial"/>
+                <a:ea typeface="SimSun"/>
+              </a:rPr>
+              <a:t>Fifth level</a:t>
+            </a:r>
+            <a:endParaRPr lang="en-US" sz="2000" b="0" u="none" strike="noStrike">
+              <a:solidFill>
+                <a:srgbClr val="000000"/>
+              </a:solidFill>
+              <a:effectLst/>
+              <a:uFillTx/>
+              <a:latin typeface="Arial"/>
+            </a:endParaRPr>
+          </a:p>
+        </p:txBody>
+      </p:sp>
+      <p:sp>
+        <p:nvSpPr>
+          <p:cNvPr id="9" name="PlaceHolder 3"/>
+          <p:cNvSpPr>
+            <a:spLocks noGrp="1"/>
+          </p:cNvSpPr>
+          <p:nvPr>
+            <p:ph type="body"/>
+          </p:nvPr>
+        </p:nvSpPr>
+        <p:spPr>
+          <a:xfrm>
+            <a:off x="840240" y="2057400"/>
+            <a:ext cx="3930480" cy="3809520"/>
+          </a:xfrm>
+          <a:prstGeom prst="rect">
+            <a:avLst/>
+          </a:prstGeom>
+          <a:noFill/>
+          <a:ln w="9360">
+            <a:noFill/>
+          </a:ln>
+        </p:spPr>
+        <p:txBody>
+          <a:bodyPr lIns="90000" rIns="90000" tIns="45000" bIns="45000" anchor="t">
+            <a:noAutofit/>
+          </a:bodyPr>
+          <a:p>
+            <a:pPr indent="0">
+              <a:lnSpc>
+                <a:spcPct val="100000"/>
+              </a:lnSpc>
+              <a:spcBef>
+                <a:spcPts val="320"/>
+              </a:spcBef>
+              <a:buNone/>
+              <a:tabLst>
+                <a:tab algn="l" pos="0"/>
+              </a:tabLst>
+            </a:pPr>
+            <a:r>
+              <a:rPr lang="en-US" sz="1600" b="0" u="none" strike="noStrike">
+                <a:solidFill>
+                  <a:schemeClr val="dk1"/>
+                </a:solidFill>
+                <a:effectLst/>
+                <a:uFillTx/>
+                <a:latin typeface="Arial"/>
+                <a:ea typeface="SimSun"/>
+              </a:rPr>
+              <a:t>Click to edit Master text styles</a:t>
+            </a:r>
+            <a:endParaRPr lang="en-US" sz="1600" b="0" u="none" strike="noStrike">
+              <a:solidFill>
+                <a:srgbClr val="000000"/>
+              </a:solidFill>
+              <a:effectLst/>
+              <a:uFillTx/>
+              <a:latin typeface="Arial"/>
+            </a:endParaRPr>
+          </a:p>
+        </p:txBody>
+      </p:sp>
+      <p:sp>
+        <p:nvSpPr>
+          <p:cNvPr id="10" name="PlaceHolder 4"/>
+          <p:cNvSpPr>
+            <a:spLocks noGrp="1"/>
+          </p:cNvSpPr>
+          <p:nvPr>
+            <p:ph type="dt" idx="4"/>
+          </p:nvPr>
+        </p:nvSpPr>
+        <p:spPr>
+          <a:xfrm>
+            <a:off x="609480" y="6245280"/>
+            <a:ext cx="2842560" cy="474120"/>
+          </a:xfrm>
+          <a:prstGeom prst="rect">
+            <a:avLst/>
+          </a:prstGeom>
+          <a:noFill/>
+          <a:ln w="0">
+            <a:noFill/>
+          </a:ln>
+        </p:spPr>
+        <p:txBody>
+          <a:bodyPr numCol="1" spcCol="0" lIns="91440" rIns="91440" tIns="45720" bIns="45720" anchor="t">
+            <a:noAutofit/>
+          </a:bodyPr>
+          <a:lstStyle>
+            <a:lvl1pPr indent="0" defTabSz="914400">
+              <a:lnSpc>
+                <a:spcPct val="100000"/>
+              </a:lnSpc>
+              <a:buNone/>
+              <a:tabLst>
+                <a:tab algn="l" pos="0"/>
+              </a:tabLst>
+              <a:defRPr lang="en-US" sz="1400" b="0" u="none" strike="noStrike">
+                <a:solidFill>
+                  <a:srgbClr val="000000"/>
+                </a:solidFill>
+                <a:effectLst/>
+                <a:uFillTx/>
+                <a:latin typeface="Times New Roman"/>
+                <a:ea typeface="SimSun"/>
+              </a:defRPr>
+            </a:lvl1pPr>
+          </a:lstStyle>
+          <a:p>
+            <a:pPr indent="0" defTabSz="914400">
+              <a:lnSpc>
+                <a:spcPct val="100000"/>
+              </a:lnSpc>
+              <a:buNone/>
+              <a:tabLst>
+                <a:tab algn="l" pos="0"/>
+              </a:tabLst>
+            </a:pPr>
+            <a:r>
+              <a:rPr lang="en-US" sz="1400" b="0" u="none" strike="noStrike">
+                <a:solidFill>
+                  <a:srgbClr val="000000"/>
+                </a:solidFill>
+                <a:effectLst/>
+                <a:uFillTx/>
+                <a:latin typeface="Times New Roman"/>
+                <a:ea typeface="SimSun"/>
+              </a:rPr>
+              <a:t>&lt;date/time&gt;</a:t>
+            </a:r>
+            <a:endParaRPr lang="en-US" sz="1400" b="0" u="none" strike="noStrike">
+              <a:solidFill>
+                <a:srgbClr val="000000"/>
+              </a:solidFill>
+              <a:effectLst/>
+              <a:uFillTx/>
+              <a:latin typeface="Times New Roman"/>
+            </a:endParaRPr>
+          </a:p>
+        </p:txBody>
+      </p:sp>
+      <p:sp>
+        <p:nvSpPr>
+          <p:cNvPr id="11" name="PlaceHolder 5"/>
+          <p:cNvSpPr>
+            <a:spLocks noGrp="1"/>
+          </p:cNvSpPr>
+          <p:nvPr>
+            <p:ph type="ftr" idx="5"/>
+          </p:nvPr>
+        </p:nvSpPr>
+        <p:spPr>
+          <a:xfrm>
+            <a:off x="4165560" y="6245280"/>
+            <a:ext cx="3858480" cy="474120"/>
+          </a:xfrm>
+          <a:prstGeom prst="rect">
+            <a:avLst/>
+          </a:prstGeom>
+          <a:noFill/>
+          <a:ln w="0">
+            <a:noFill/>
+          </a:ln>
+        </p:spPr>
+        <p:txBody>
+          <a:bodyPr numCol="1" spcCol="0" lIns="91440" rIns="91440" tIns="45720" bIns="45720" anchor="t">
+            <a:noAutofit/>
+          </a:bodyPr>
+          <a:lstStyle>
+            <a:lvl1pPr indent="0" algn="ctr" defTabSz="914400">
+              <a:lnSpc>
+                <a:spcPct val="100000"/>
+              </a:lnSpc>
+              <a:buNone/>
+              <a:tabLst>
+                <a:tab algn="l" pos="0"/>
+              </a:tabLst>
+              <a:defRPr lang="en-US" sz="1400" b="0" u="none" strike="noStrike">
+                <a:solidFill>
+                  <a:srgbClr val="000000"/>
+                </a:solidFill>
+                <a:effectLst/>
+                <a:uFillTx/>
+                <a:latin typeface="Times New Roman"/>
+                <a:ea typeface="SimSun"/>
+              </a:defRPr>
+            </a:lvl1pPr>
+          </a:lstStyle>
+          <a:p>
+            <a:pPr indent="0" algn="ctr" defTabSz="914400">
+              <a:lnSpc>
+                <a:spcPct val="100000"/>
+              </a:lnSpc>
+              <a:buNone/>
+              <a:tabLst>
+                <a:tab algn="l" pos="0"/>
+              </a:tabLst>
+            </a:pPr>
+            <a:r>
+              <a:rPr lang="en-US" sz="1400" b="0" u="none" strike="noStrike">
+                <a:solidFill>
+                  <a:srgbClr val="000000"/>
+                </a:solidFill>
+                <a:effectLst/>
+                <a:uFillTx/>
+                <a:latin typeface="Times New Roman"/>
+                <a:ea typeface="SimSun"/>
+              </a:rPr>
+              <a:t>&lt;footer&gt;</a:t>
+            </a:r>
+            <a:endParaRPr lang="en-US" sz="1400" b="0" u="none" strike="noStrike">
+              <a:solidFill>
+                <a:srgbClr val="000000"/>
+              </a:solidFill>
+              <a:effectLst/>
+              <a:uFillTx/>
+              <a:latin typeface="Times New Roman"/>
+            </a:endParaRPr>
+          </a:p>
+        </p:txBody>
+      </p:sp>
+      <p:sp>
+        <p:nvSpPr>
+          <p:cNvPr id="12" name="PlaceHolder 6"/>
+          <p:cNvSpPr>
+            <a:spLocks noGrp="1"/>
+          </p:cNvSpPr>
+          <p:nvPr>
+            <p:ph type="sldNum" idx="6"/>
+          </p:nvPr>
+        </p:nvSpPr>
+        <p:spPr>
+          <a:xfrm>
+            <a:off x="8737560" y="6245280"/>
+            <a:ext cx="2842560" cy="474120"/>
+          </a:xfrm>
+          <a:prstGeom prst="rect">
+            <a:avLst/>
+          </a:prstGeom>
+          <a:noFill/>
+          <a:ln w="0">
+            <a:noFill/>
+          </a:ln>
+        </p:spPr>
+        <p:txBody>
+          <a:bodyPr numCol="1" spcCol="0" lIns="91440" rIns="91440" tIns="45720" bIns="45720" anchor="t">
+            <a:noAutofit/>
+          </a:bodyPr>
+          <a:p>
+            <a:pPr indent="0">
+              <a:buNone/>
+            </a:pPr>
+            <a:endParaRPr lang="en-US" sz="1800" b="0" u="none" strike="noStrike">
+              <a:solidFill>
+                <a:srgbClr val="000000"/>
+              </a:solidFill>
+              <a:effectLst/>
+              <a:uFillTx/>
+              <a:latin typeface="Times New Roman"/>
+            </a:endParaRPr>
+          </a:p>
+        </p:txBody>
+      </p:sp>
+    </p:spTree>
+  </p:cSld>
+</p:sldLayout>
+</file>
+
+<file path=ppt/slideLayouts/slideLayout3.xml><?xml version="1.0" encoding="utf-8"?>
 <p:sldLayout xmlns:a="http://schemas.openxmlformats.org/drawingml/2006/main" xmlns:p="http://schemas.openxmlformats.org/presentationml/2006/main" xmlns:r="http://schemas.openxmlformats.org/officeDocument/2006/relationships" xmlns:p14="http://schemas.microsoft.com/office/powerpoint/2010/main" xmlns:p15="http://schemas.microsoft.com/office/powerpoint/2012/main" xmlns:mc="http://schemas.openxmlformats.org/markup-compatibility/2006" type="blank" preserve="1">
   <p:cSld name="Picture with Caption">
     <p:bg>
@@ -1148,7 +2054,7 @@
       </p:grpSpPr>
       <p:pic>
         <p:nvPicPr>
-          <p:cNvPr id="64" name="Picture 10"/>
+          <p:cNvPr id="13" name="Picture 10"/>
           <p:cNvPicPr/>
           <p:nvPr/>
         </p:nvPicPr>
@@ -1159,7 +2065,7 @@
         <p:spPr>
           <a:xfrm>
             <a:off x="0" y="0"/>
-            <a:ext cx="12190320" cy="6856200"/>
+            <a:ext cx="12189960" cy="6855840"/>
           </a:xfrm>
           <a:prstGeom prst="rect">
             <a:avLst/>
@@ -1172,7 +2078,7 @@
       </p:pic>
       <p:sp>
         <p:nvSpPr>
-          <p:cNvPr id="65" name="PlaceHolder 1"/>
+          <p:cNvPr id="14" name="PlaceHolder 1"/>
           <p:cNvSpPr>
             <a:spLocks noGrp="1"/>
           </p:cNvSpPr>
@@ -1183,7 +2089,7 @@
         <p:spPr>
           <a:xfrm>
             <a:off x="840240" y="457200"/>
-            <a:ext cx="3930840" cy="1598400"/>
+            <a:ext cx="3930480" cy="1598040"/>
           </a:xfrm>
           <a:prstGeom prst="rect">
             <a:avLst/>
@@ -1221,7 +2127,7 @@
             </a:r>
             <a:endParaRPr lang="en-US" sz="3200" b="0" u="none" strike="noStrike">
               <a:solidFill>
-                <a:schemeClr val="dk1"/>
+                <a:srgbClr val="000000"/>
               </a:solidFill>
               <a:effectLst/>
               <a:uFillTx/>
@@ -1232,7 +2138,7 @@
       </p:sp>
       <p:sp>
         <p:nvSpPr>
-          <p:cNvPr id="66" name="PlaceHolder 2"/>
+          <p:cNvPr id="15" name="PlaceHolder 2"/>
           <p:cNvSpPr>
             <a:spLocks noGrp="1"/>
           </p:cNvSpPr>
@@ -1243,7 +2149,7 @@
         <p:spPr>
           <a:xfrm>
             <a:off x="5183640" y="987480"/>
-            <a:ext cx="6170400" cy="4871880"/>
+            <a:ext cx="6170040" cy="4871520"/>
           </a:xfrm>
           <a:prstGeom prst="rect">
             <a:avLst/>
@@ -1285,7 +2191,7 @@
             </a:r>
             <a:endParaRPr lang="en-US" sz="3200" b="0" u="none" strike="noStrike">
               <a:solidFill>
-                <a:schemeClr val="dk1"/>
+                <a:srgbClr val="000000"/>
               </a:solidFill>
               <a:effectLst/>
               <a:uFillTx/>
@@ -1320,7 +2226,7 @@
             </a:r>
             <a:endParaRPr lang="en-US" sz="3200" b="0" u="none" strike="noStrike">
               <a:solidFill>
-                <a:schemeClr val="dk1"/>
+                <a:srgbClr val="000000"/>
               </a:solidFill>
               <a:effectLst/>
               <a:uFillTx/>
@@ -1355,7 +2261,7 @@
             </a:r>
             <a:endParaRPr lang="en-US" sz="3200" b="0" u="none" strike="noStrike">
               <a:solidFill>
-                <a:schemeClr val="dk1"/>
+                <a:srgbClr val="000000"/>
               </a:solidFill>
               <a:effectLst/>
               <a:uFillTx/>
@@ -1390,7 +2296,7 @@
             </a:r>
             <a:endParaRPr lang="en-US" sz="3200" b="0" u="none" strike="noStrike">
               <a:solidFill>
-                <a:schemeClr val="dk1"/>
+                <a:srgbClr val="000000"/>
               </a:solidFill>
               <a:effectLst/>
               <a:uFillTx/>
@@ -1425,7 +2331,7 @@
             </a:r>
             <a:endParaRPr lang="en-US" sz="3200" b="0" u="none" strike="noStrike">
               <a:solidFill>
-                <a:schemeClr val="dk1"/>
+                <a:srgbClr val="000000"/>
               </a:solidFill>
               <a:effectLst/>
               <a:uFillTx/>
@@ -1460,7 +2366,7 @@
             </a:r>
             <a:endParaRPr lang="en-US" sz="3200" b="0" u="none" strike="noStrike">
               <a:solidFill>
-                <a:schemeClr val="dk1"/>
+                <a:srgbClr val="000000"/>
               </a:solidFill>
               <a:effectLst/>
               <a:uFillTx/>
@@ -1495,7 +2401,7 @@
             </a:r>
             <a:endParaRPr lang="en-US" sz="3200" b="0" u="none" strike="noStrike">
               <a:solidFill>
-                <a:schemeClr val="dk1"/>
+                <a:srgbClr val="000000"/>
               </a:solidFill>
               <a:effectLst/>
               <a:uFillTx/>
@@ -1506,7 +2412,7 @@
       </p:sp>
       <p:sp>
         <p:nvSpPr>
-          <p:cNvPr id="67" name="PlaceHolder 3"/>
+          <p:cNvPr id="16" name="PlaceHolder 3"/>
           <p:cNvSpPr>
             <a:spLocks noGrp="1"/>
           </p:cNvSpPr>
@@ -1517,7 +2423,7 @@
         <p:spPr>
           <a:xfrm>
             <a:off x="840240" y="2057400"/>
-            <a:ext cx="3930840" cy="3809880"/>
+            <a:ext cx="3930480" cy="3809520"/>
           </a:xfrm>
           <a:prstGeom prst="rect">
             <a:avLst/>
@@ -1558,7 +2464,7 @@
             </a:r>
             <a:endParaRPr lang="en-US" sz="1600" b="0" u="none" strike="noStrike">
               <a:solidFill>
-                <a:schemeClr val="dk1"/>
+                <a:srgbClr val="000000"/>
               </a:solidFill>
               <a:effectLst/>
               <a:uFillTx/>
@@ -1569,18 +2475,18 @@
       </p:sp>
       <p:sp>
         <p:nvSpPr>
-          <p:cNvPr id="68" name="PlaceHolder 4"/>
+          <p:cNvPr id="17" name="PlaceHolder 4"/>
           <p:cNvSpPr>
             <a:spLocks noGrp="1"/>
           </p:cNvSpPr>
           <p:nvPr>
-            <p:ph type="dt" idx="31"/>
+            <p:ph type="dt" idx="7"/>
           </p:nvPr>
         </p:nvSpPr>
         <p:spPr>
           <a:xfrm>
             <a:off x="609480" y="6245280"/>
-            <a:ext cx="2842920" cy="474480"/>
+            <a:ext cx="2842560" cy="474120"/>
           </a:xfrm>
           <a:prstGeom prst="rect">
             <a:avLst/>
@@ -1649,18 +2555,18 @@
       </p:sp>
       <p:sp>
         <p:nvSpPr>
-          <p:cNvPr id="69" name="PlaceHolder 5"/>
+          <p:cNvPr id="18" name="PlaceHolder 5"/>
           <p:cNvSpPr>
             <a:spLocks noGrp="1"/>
           </p:cNvSpPr>
           <p:nvPr>
-            <p:ph type="ftr" idx="32"/>
+            <p:ph type="ftr" idx="8"/>
           </p:nvPr>
         </p:nvSpPr>
         <p:spPr>
           <a:xfrm>
             <a:off x="4165560" y="6245280"/>
-            <a:ext cx="3858840" cy="474480"/>
+            <a:ext cx="3858480" cy="474120"/>
           </a:xfrm>
           <a:prstGeom prst="rect">
             <a:avLst/>
@@ -1729,18 +2635,18 @@
       </p:sp>
       <p:sp>
         <p:nvSpPr>
-          <p:cNvPr id="70" name="PlaceHolder 6"/>
+          <p:cNvPr id="19" name="PlaceHolder 6"/>
           <p:cNvSpPr>
             <a:spLocks noGrp="1"/>
           </p:cNvSpPr>
           <p:nvPr>
-            <p:ph type="sldNum" idx="33"/>
+            <p:ph type="sldNum" idx="9"/>
           </p:nvPr>
         </p:nvSpPr>
         <p:spPr>
           <a:xfrm>
             <a:off x="8737560" y="6245280"/>
-            <a:ext cx="2842920" cy="474480"/>
+            <a:ext cx="2842560" cy="474120"/>
           </a:xfrm>
           <a:prstGeom prst="rect">
             <a:avLst/>
@@ -1774,867 +2680,9 @@
 </p:sldLayout>
 </file>
 
-<file path=ppt/slideLayouts/slideLayout2.xml><?xml version="1.0" encoding="utf-8"?>
-<p:sldLayout xmlns:a="http://schemas.openxmlformats.org/drawingml/2006/main" xmlns:p="http://schemas.openxmlformats.org/presentationml/2006/main" xmlns:r="http://schemas.openxmlformats.org/officeDocument/2006/relationships" xmlns:p14="http://schemas.microsoft.com/office/powerpoint/2010/main" xmlns:p15="http://schemas.microsoft.com/office/powerpoint/2012/main" xmlns:mc="http://schemas.openxmlformats.org/markup-compatibility/2006" type="title" preserve="1">
-  <p:cSld name="Title Slide">
-    <p:bg>
-      <p:bgPr>
-        <a:solidFill>
-          <a:srgbClr val="ffffff"/>
-        </a:solidFill>
-      </p:bgPr>
-    </p:bg>
-    <p:spTree>
-      <p:nvGrpSpPr>
-        <p:cNvPr id="1" name=""/>
-        <p:cNvGrpSpPr/>
-        <p:nvPr/>
-      </p:nvGrpSpPr>
-      <p:grpSpPr>
-        <a:xfrm>
-          <a:off x="0" y="0"/>
-          <a:ext cx="0" cy="0"/>
-          <a:chOff x="0" y="0"/>
-          <a:chExt cx="0" cy="0"/>
-        </a:xfrm>
-      </p:grpSpPr>
-      <p:pic>
-        <p:nvPicPr>
-          <p:cNvPr id="8" name="Picture 10" hidden="1"/>
-          <p:cNvPicPr/>
-          <p:nvPr/>
-        </p:nvPicPr>
-        <p:blipFill>
-          <a:blip r:embed="rId2"/>
-          <a:stretch/>
-        </p:blipFill>
-        <p:spPr>
-          <a:xfrm>
-            <a:off x="0" y="0"/>
-            <a:ext cx="12190320" cy="6856200"/>
-          </a:xfrm>
-          <a:prstGeom prst="rect">
-            <a:avLst/>
-          </a:prstGeom>
-          <a:noFill/>
-          <a:ln w="9525">
-            <a:noFill/>
-          </a:ln>
-        </p:spPr>
-      </p:pic>
-      <p:pic>
-        <p:nvPicPr>
-          <p:cNvPr id="9" name="Picture 3"/>
-          <p:cNvPicPr/>
-          <p:nvPr/>
-        </p:nvPicPr>
-        <p:blipFill>
-          <a:blip r:embed="rId3"/>
-          <a:stretch/>
-        </p:blipFill>
-        <p:spPr>
-          <a:xfrm>
-            <a:off x="0" y="0"/>
-            <a:ext cx="12190320" cy="6856200"/>
-          </a:xfrm>
-          <a:prstGeom prst="rect">
-            <a:avLst/>
-          </a:prstGeom>
-          <a:noFill/>
-          <a:ln w="9525">
-            <a:noFill/>
-          </a:ln>
-        </p:spPr>
-      </p:pic>
-      <p:sp>
-        <p:nvSpPr>
-          <p:cNvPr id="10" name="PlaceHolder 1"/>
-          <p:cNvSpPr>
-            <a:spLocks noGrp="1"/>
-          </p:cNvSpPr>
-          <p:nvPr>
-            <p:ph type="title"/>
-          </p:nvPr>
-        </p:nvSpPr>
-        <p:spPr>
-          <a:xfrm>
-            <a:off x="624240" y="3718080"/>
-            <a:ext cx="10941480" cy="1080720"/>
-          </a:xfrm>
-          <a:prstGeom prst="rect">
-            <a:avLst/>
-          </a:prstGeom>
-          <a:noFill/>
-          <a:ln w="9360">
-            <a:noFill/>
-          </a:ln>
-        </p:spPr>
-        <p:txBody>
-          <a:bodyPr lIns="90000" rIns="90000" tIns="45000" bIns="45000" anchor="ctr">
-            <a:noAutofit/>
-          </a:bodyPr>
-          <a:p>
-            <a:pPr indent="0" algn="r">
-              <a:lnSpc>
-                <a:spcPct val="100000"/>
-              </a:lnSpc>
-              <a:buNone/>
-              <a:tabLst>
-                <a:tab algn="l" pos="0"/>
-              </a:tabLst>
-            </a:pPr>
-            <a:r>
-              <a:rPr lang="en-US" sz="3600" b="0" u="none" strike="noStrike">
-                <a:solidFill>
-                  <a:schemeClr val="dk1"/>
-                </a:solidFill>
-                <a:effectLst/>
-                <a:uFillTx/>
-                <a:latin typeface="Arial"/>
-                <a:ea typeface="SimSun"/>
-              </a:rPr>
-              <a:t>Click to edit Master title style</a:t>
-            </a:r>
-            <a:endParaRPr lang="en-US" sz="3600" b="0" u="none" strike="noStrike">
-              <a:solidFill>
-                <a:schemeClr val="dk1"/>
-              </a:solidFill>
-              <a:effectLst/>
-              <a:uFillTx/>
-              <a:latin typeface="Arial"/>
-            </a:endParaRPr>
-          </a:p>
-        </p:txBody>
-      </p:sp>
-      <p:sp>
-        <p:nvSpPr>
-          <p:cNvPr id="11" name="PlaceHolder 2"/>
-          <p:cNvSpPr>
-            <a:spLocks noGrp="1"/>
-          </p:cNvSpPr>
-          <p:nvPr>
-            <p:ph type="dt" idx="4"/>
-          </p:nvPr>
-        </p:nvSpPr>
-        <p:spPr>
-          <a:xfrm>
-            <a:off x="609480" y="6245280"/>
-            <a:ext cx="2842920" cy="474480"/>
-          </a:xfrm>
-          <a:prstGeom prst="rect">
-            <a:avLst/>
-          </a:prstGeom>
-          <a:noFill/>
-          <a:ln w="0">
-            <a:noFill/>
-          </a:ln>
-        </p:spPr>
-        <p:txBody>
-          <a:bodyPr numCol="1" spcCol="0" lIns="91440" rIns="91440" tIns="45720" bIns="45720" anchor="t">
-            <a:noAutofit/>
-          </a:bodyPr>
-          <a:lstStyle>
-            <a:lvl1pPr indent="0" defTabSz="914400">
-              <a:lnSpc>
-                <a:spcPct val="100000"/>
-              </a:lnSpc>
-              <a:buNone/>
-              <a:tabLst>
-                <a:tab algn="l" pos="0"/>
-              </a:tabLst>
-              <a:defRPr lang="en-US" sz="1400" b="0" u="none" strike="noStrike">
-                <a:solidFill>
-                  <a:srgbClr val="000000"/>
-                </a:solidFill>
-                <a:effectLst/>
-                <a:uFillTx/>
-                <a:latin typeface="Times New Roman"/>
-                <a:ea typeface="SimSun"/>
-              </a:defRPr>
-            </a:lvl1pPr>
-          </a:lstStyle>
-          <a:p>
-            <a:pPr indent="0" defTabSz="914400">
-              <a:lnSpc>
-                <a:spcPct val="100000"/>
-              </a:lnSpc>
-              <a:buNone/>
-              <a:tabLst>
-                <a:tab algn="l" pos="0"/>
-              </a:tabLst>
-            </a:pPr>
-            <a:r>
-              <a:rPr lang="en-US" sz="1400" b="0" u="none" strike="noStrike">
-                <a:solidFill>
-                  <a:srgbClr val="000000"/>
-                </a:solidFill>
-                <a:effectLst/>
-                <a:uFillTx/>
-                <a:latin typeface="Times New Roman"/>
-                <a:ea typeface="SimSun"/>
-              </a:rPr>
-              <a:t>&lt;date/time&gt;</a:t>
-            </a:r>
-            <a:endParaRPr lang="en-US" sz="1400" b="0" u="none" strike="noStrike">
-              <a:solidFill>
-                <a:srgbClr val="000000"/>
-              </a:solidFill>
-              <a:effectLst/>
-              <a:uFillTx/>
-              <a:latin typeface="Times New Roman"/>
-            </a:endParaRPr>
-          </a:p>
-        </p:txBody>
-      </p:sp>
-      <p:sp>
-        <p:nvSpPr>
-          <p:cNvPr id="12" name="PlaceHolder 3"/>
-          <p:cNvSpPr>
-            <a:spLocks noGrp="1"/>
-          </p:cNvSpPr>
-          <p:nvPr>
-            <p:ph type="ftr" idx="5"/>
-          </p:nvPr>
-        </p:nvSpPr>
-        <p:spPr>
-          <a:xfrm>
-            <a:off x="4165560" y="6245280"/>
-            <a:ext cx="3858840" cy="474480"/>
-          </a:xfrm>
-          <a:prstGeom prst="rect">
-            <a:avLst/>
-          </a:prstGeom>
-          <a:noFill/>
-          <a:ln w="0">
-            <a:noFill/>
-          </a:ln>
-        </p:spPr>
-        <p:txBody>
-          <a:bodyPr numCol="1" spcCol="0" lIns="91440" rIns="91440" tIns="45720" bIns="45720" anchor="t">
-            <a:noAutofit/>
-          </a:bodyPr>
-          <a:lstStyle>
-            <a:lvl1pPr indent="0" algn="ctr" defTabSz="914400">
-              <a:lnSpc>
-                <a:spcPct val="100000"/>
-              </a:lnSpc>
-              <a:buNone/>
-              <a:tabLst>
-                <a:tab algn="l" pos="0"/>
-              </a:tabLst>
-              <a:defRPr lang="en-US" sz="1400" b="0" u="none" strike="noStrike">
-                <a:solidFill>
-                  <a:srgbClr val="000000"/>
-                </a:solidFill>
-                <a:effectLst/>
-                <a:uFillTx/>
-                <a:latin typeface="Times New Roman"/>
-                <a:ea typeface="SimSun"/>
-              </a:defRPr>
-            </a:lvl1pPr>
-          </a:lstStyle>
-          <a:p>
-            <a:pPr indent="0" algn="ctr" defTabSz="914400">
-              <a:lnSpc>
-                <a:spcPct val="100000"/>
-              </a:lnSpc>
-              <a:buNone/>
-              <a:tabLst>
-                <a:tab algn="l" pos="0"/>
-              </a:tabLst>
-            </a:pPr>
-            <a:r>
-              <a:rPr lang="en-US" sz="1400" b="0" u="none" strike="noStrike">
-                <a:solidFill>
-                  <a:srgbClr val="000000"/>
-                </a:solidFill>
-                <a:effectLst/>
-                <a:uFillTx/>
-                <a:latin typeface="Times New Roman"/>
-                <a:ea typeface="SimSun"/>
-              </a:rPr>
-              <a:t>&lt;footer&gt;</a:t>
-            </a:r>
-            <a:endParaRPr lang="en-US" sz="1400" b="0" u="none" strike="noStrike">
-              <a:solidFill>
-                <a:srgbClr val="000000"/>
-              </a:solidFill>
-              <a:effectLst/>
-              <a:uFillTx/>
-              <a:latin typeface="Times New Roman"/>
-            </a:endParaRPr>
-          </a:p>
-        </p:txBody>
-      </p:sp>
-      <p:sp>
-        <p:nvSpPr>
-          <p:cNvPr id="13" name="PlaceHolder 4"/>
-          <p:cNvSpPr>
-            <a:spLocks noGrp="1"/>
-          </p:cNvSpPr>
-          <p:nvPr>
-            <p:ph type="sldNum" idx="6"/>
-          </p:nvPr>
-        </p:nvSpPr>
-        <p:spPr>
-          <a:xfrm>
-            <a:off x="8737560" y="6245280"/>
-            <a:ext cx="2842920" cy="474480"/>
-          </a:xfrm>
-          <a:prstGeom prst="rect">
-            <a:avLst/>
-          </a:prstGeom>
-          <a:noFill/>
-          <a:ln w="0">
-            <a:noFill/>
-          </a:ln>
-        </p:spPr>
-        <p:txBody>
-          <a:bodyPr numCol="1" spcCol="0" lIns="91440" rIns="91440" tIns="45720" bIns="45720" anchor="t">
-            <a:noAutofit/>
-          </a:bodyPr>
-          <a:p>
-            <a:pPr indent="0">
-              <a:buNone/>
-            </a:pPr>
-            <a:endParaRPr lang="en-US" sz="1800" b="0" u="none" strike="noStrike">
-              <a:solidFill>
-                <a:srgbClr val="000000"/>
-              </a:solidFill>
-              <a:effectLst/>
-              <a:uFillTx/>
-              <a:latin typeface="Times New Roman"/>
-            </a:endParaRPr>
-          </a:p>
-        </p:txBody>
-      </p:sp>
-    </p:spTree>
-  </p:cSld>
-</p:sldLayout>
-</file>
-
-<file path=ppt/slideLayouts/slideLayout3.xml><?xml version="1.0" encoding="utf-8"?>
-<p:sldLayout xmlns:a="http://schemas.openxmlformats.org/drawingml/2006/main" xmlns:p="http://schemas.openxmlformats.org/presentationml/2006/main" xmlns:r="http://schemas.openxmlformats.org/officeDocument/2006/relationships" xmlns:p14="http://schemas.microsoft.com/office/powerpoint/2010/main" xmlns:p15="http://schemas.microsoft.com/office/powerpoint/2012/main" xmlns:mc="http://schemas.openxmlformats.org/markup-compatibility/2006" type="vertTx" preserve="1">
-  <p:cSld name="Title and Vertical Text">
-    <p:bg>
-      <p:bgPr>
-        <a:solidFill>
-          <a:srgbClr val="ffffff"/>
-        </a:solidFill>
-      </p:bgPr>
-    </p:bg>
-    <p:spTree>
-      <p:nvGrpSpPr>
-        <p:cNvPr id="1" name=""/>
-        <p:cNvGrpSpPr/>
-        <p:nvPr/>
-      </p:nvGrpSpPr>
-      <p:grpSpPr>
-        <a:xfrm>
-          <a:off x="0" y="0"/>
-          <a:ext cx="0" cy="0"/>
-          <a:chOff x="0" y="0"/>
-          <a:chExt cx="0" cy="0"/>
-        </a:xfrm>
-      </p:grpSpPr>
-      <p:pic>
-        <p:nvPicPr>
-          <p:cNvPr id="14" name="Picture 10"/>
-          <p:cNvPicPr/>
-          <p:nvPr/>
-        </p:nvPicPr>
-        <p:blipFill>
-          <a:blip r:embed="rId2"/>
-          <a:stretch/>
-        </p:blipFill>
-        <p:spPr>
-          <a:xfrm>
-            <a:off x="0" y="0"/>
-            <a:ext cx="12190320" cy="6856200"/>
-          </a:xfrm>
-          <a:prstGeom prst="rect">
-            <a:avLst/>
-          </a:prstGeom>
-          <a:noFill/>
-          <a:ln w="9525">
-            <a:noFill/>
-          </a:ln>
-        </p:spPr>
-      </p:pic>
-      <p:sp>
-        <p:nvSpPr>
-          <p:cNvPr id="15" name="PlaceHolder 1"/>
-          <p:cNvSpPr>
-            <a:spLocks noGrp="1"/>
-          </p:cNvSpPr>
-          <p:nvPr>
-            <p:ph type="title"/>
-          </p:nvPr>
-        </p:nvSpPr>
-        <p:spPr>
-          <a:xfrm>
-            <a:off x="609480" y="190440"/>
-            <a:ext cx="10971000" cy="580680"/>
-          </a:xfrm>
-          <a:prstGeom prst="rect">
-            <a:avLst/>
-          </a:prstGeom>
-          <a:noFill/>
-          <a:ln w="9360">
-            <a:noFill/>
-          </a:ln>
-        </p:spPr>
-        <p:txBody>
-          <a:bodyPr lIns="90000" rIns="90000" tIns="45000" bIns="45000" anchor="ctr">
-            <a:noAutofit/>
-          </a:bodyPr>
-          <a:p>
-            <a:pPr indent="0">
-              <a:lnSpc>
-                <a:spcPct val="100000"/>
-              </a:lnSpc>
-              <a:buNone/>
-              <a:tabLst>
-                <a:tab algn="l" pos="0"/>
-              </a:tabLst>
-            </a:pPr>
-            <a:r>
-              <a:rPr lang="en-US" sz="3600" b="0" u="none" strike="noStrike">
-                <a:solidFill>
-                  <a:schemeClr val="dk1"/>
-                </a:solidFill>
-                <a:effectLst/>
-                <a:uFillTx/>
-                <a:latin typeface="Arial"/>
-                <a:ea typeface="SimSun"/>
-              </a:rPr>
-              <a:t>Click to edit Master title style</a:t>
-            </a:r>
-            <a:endParaRPr lang="en-US" sz="3600" b="0" u="none" strike="noStrike">
-              <a:solidFill>
-                <a:schemeClr val="dk1"/>
-              </a:solidFill>
-              <a:effectLst/>
-              <a:uFillTx/>
-              <a:latin typeface="Arial"/>
-            </a:endParaRPr>
-          </a:p>
-        </p:txBody>
-      </p:sp>
-      <p:sp>
-        <p:nvSpPr>
-          <p:cNvPr id="16" name="PlaceHolder 2"/>
-          <p:cNvSpPr>
-            <a:spLocks noGrp="1"/>
-          </p:cNvSpPr>
-          <p:nvPr>
-            <p:ph type="body"/>
-          </p:nvPr>
-        </p:nvSpPr>
-        <p:spPr>
-          <a:xfrm>
-            <a:off x="609480" y="1174680"/>
-            <a:ext cx="10971000" cy="4951080"/>
-          </a:xfrm>
-          <a:prstGeom prst="rect">
-            <a:avLst/>
-          </a:prstGeom>
-          <a:noFill/>
-          <a:ln w="9360">
-            <a:noFill/>
-          </a:ln>
-        </p:spPr>
-        <p:txBody>
-          <a:bodyPr lIns="45000" rIns="45000" tIns="90000" bIns="90000" anchor="t" vert="eaVert">
-            <a:noAutofit/>
-          </a:bodyPr>
-          <a:p>
-            <a:pPr marL="343080" indent="-343080">
-              <a:lnSpc>
-                <a:spcPct val="100000"/>
-              </a:lnSpc>
-              <a:spcBef>
-                <a:spcPts val="641"/>
-              </a:spcBef>
-              <a:buClr>
-                <a:srgbClr val="000000"/>
-              </a:buClr>
-              <a:buFont typeface="Symbol" charset="2"/>
-              <a:buChar char=""/>
-            </a:pPr>
-            <a:r>
-              <a:rPr lang="en-US" sz="3200" b="0" u="none" strike="noStrike">
-                <a:solidFill>
-                  <a:schemeClr val="dk1"/>
-                </a:solidFill>
-                <a:effectLst/>
-                <a:uFillTx/>
-                <a:latin typeface="Arial"/>
-                <a:ea typeface="SimSun"/>
-              </a:rPr>
-              <a:t>Click to edit Master text styles</a:t>
-            </a:r>
-            <a:endParaRPr lang="en-US" sz="3200" b="0" u="none" strike="noStrike">
-              <a:solidFill>
-                <a:schemeClr val="dk1"/>
-              </a:solidFill>
-              <a:effectLst/>
-              <a:uFillTx/>
-              <a:latin typeface="Arial"/>
-            </a:endParaRPr>
-          </a:p>
-          <a:p>
-            <a:pPr marL="743040" lvl="1" indent="-285840">
-              <a:lnSpc>
-                <a:spcPct val="100000"/>
-              </a:lnSpc>
-              <a:spcBef>
-                <a:spcPts val="561"/>
-              </a:spcBef>
-              <a:buClr>
-                <a:srgbClr val="000000"/>
-              </a:buClr>
-              <a:buFont typeface="Symbol" charset="2"/>
-              <a:buChar char=""/>
-            </a:pPr>
-            <a:r>
-              <a:rPr lang="en-US" sz="2800" b="0" u="none" strike="noStrike">
-                <a:solidFill>
-                  <a:schemeClr val="dk1"/>
-                </a:solidFill>
-                <a:effectLst/>
-                <a:uFillTx/>
-                <a:latin typeface="Arial"/>
-                <a:ea typeface="SimSun"/>
-              </a:rPr>
-              <a:t>Second level</a:t>
-            </a:r>
-            <a:endParaRPr lang="en-US" sz="2800" b="0" u="none" strike="noStrike">
-              <a:solidFill>
-                <a:schemeClr val="dk1"/>
-              </a:solidFill>
-              <a:effectLst/>
-              <a:uFillTx/>
-              <a:latin typeface="Arial"/>
-            </a:endParaRPr>
-          </a:p>
-          <a:p>
-            <a:pPr marL="1143000" lvl="2" indent="-228600">
-              <a:lnSpc>
-                <a:spcPct val="100000"/>
-              </a:lnSpc>
-              <a:spcBef>
-                <a:spcPts val="479"/>
-              </a:spcBef>
-              <a:buClr>
-                <a:srgbClr val="000000"/>
-              </a:buClr>
-              <a:buFont typeface="Symbol" charset="2"/>
-              <a:buChar char=""/>
-            </a:pPr>
-            <a:r>
-              <a:rPr lang="en-US" sz="2400" b="0" u="none" strike="noStrike">
-                <a:solidFill>
-                  <a:schemeClr val="dk1"/>
-                </a:solidFill>
-                <a:effectLst/>
-                <a:uFillTx/>
-                <a:latin typeface="Arial"/>
-                <a:ea typeface="SimSun"/>
-              </a:rPr>
-              <a:t>Third level</a:t>
-            </a:r>
-            <a:endParaRPr lang="en-US" sz="2400" b="0" u="none" strike="noStrike">
-              <a:solidFill>
-                <a:schemeClr val="dk1"/>
-              </a:solidFill>
-              <a:effectLst/>
-              <a:uFillTx/>
-              <a:latin typeface="Arial"/>
-            </a:endParaRPr>
-          </a:p>
-          <a:p>
-            <a:pPr marL="1600200" lvl="3" indent="-228600">
-              <a:lnSpc>
-                <a:spcPct val="100000"/>
-              </a:lnSpc>
-              <a:spcBef>
-                <a:spcPts val="400"/>
-              </a:spcBef>
-              <a:buClr>
-                <a:srgbClr val="000000"/>
-              </a:buClr>
-              <a:buFont typeface="Symbol" charset="2"/>
-              <a:buChar char=""/>
-            </a:pPr>
-            <a:r>
-              <a:rPr lang="en-US" sz="2000" b="0" u="none" strike="noStrike">
-                <a:solidFill>
-                  <a:schemeClr val="dk1"/>
-                </a:solidFill>
-                <a:effectLst/>
-                <a:uFillTx/>
-                <a:latin typeface="Arial"/>
-                <a:ea typeface="SimSun"/>
-              </a:rPr>
-              <a:t>Fourth level</a:t>
-            </a:r>
-            <a:endParaRPr lang="en-US" sz="2000" b="0" u="none" strike="noStrike">
-              <a:solidFill>
-                <a:schemeClr val="dk1"/>
-              </a:solidFill>
-              <a:effectLst/>
-              <a:uFillTx/>
-              <a:latin typeface="Arial"/>
-            </a:endParaRPr>
-          </a:p>
-          <a:p>
-            <a:pPr marL="2057400" lvl="4" indent="-228600">
-              <a:lnSpc>
-                <a:spcPct val="100000"/>
-              </a:lnSpc>
-              <a:spcBef>
-                <a:spcPts val="400"/>
-              </a:spcBef>
-              <a:buClr>
-                <a:srgbClr val="000000"/>
-              </a:buClr>
-              <a:buFont typeface="OpenSymbol"/>
-              <a:buChar char="»"/>
-            </a:pPr>
-            <a:r>
-              <a:rPr lang="en-US" sz="2000" b="0" u="none" strike="noStrike">
-                <a:solidFill>
-                  <a:schemeClr val="dk1"/>
-                </a:solidFill>
-                <a:effectLst/>
-                <a:uFillTx/>
-                <a:latin typeface="Arial"/>
-                <a:ea typeface="SimSun"/>
-              </a:rPr>
-              <a:t>Fifth level</a:t>
-            </a:r>
-            <a:endParaRPr lang="en-US" sz="2000" b="0" u="none" strike="noStrike">
-              <a:solidFill>
-                <a:schemeClr val="dk1"/>
-              </a:solidFill>
-              <a:effectLst/>
-              <a:uFillTx/>
-              <a:latin typeface="Arial"/>
-            </a:endParaRPr>
-          </a:p>
-        </p:txBody>
-      </p:sp>
-      <p:sp>
-        <p:nvSpPr>
-          <p:cNvPr id="17" name="PlaceHolder 3"/>
-          <p:cNvSpPr>
-            <a:spLocks noGrp="1"/>
-          </p:cNvSpPr>
-          <p:nvPr>
-            <p:ph type="dt" idx="7"/>
-          </p:nvPr>
-        </p:nvSpPr>
-        <p:spPr>
-          <a:xfrm>
-            <a:off x="609480" y="6245280"/>
-            <a:ext cx="2842920" cy="474480"/>
-          </a:xfrm>
-          <a:prstGeom prst="rect">
-            <a:avLst/>
-          </a:prstGeom>
-          <a:noFill/>
-          <a:ln w="0">
-            <a:noFill/>
-          </a:ln>
-        </p:spPr>
-        <p:txBody>
-          <a:bodyPr numCol="1" spcCol="0" lIns="91440" rIns="91440" tIns="45720" bIns="45720" anchor="t">
-            <a:noAutofit/>
-          </a:bodyPr>
-          <a:lstStyle>
-            <a:lvl1pPr indent="0" defTabSz="914400">
-              <a:lnSpc>
-                <a:spcPct val="100000"/>
-              </a:lnSpc>
-              <a:buNone/>
-              <a:tabLst>
-                <a:tab algn="l" pos="0"/>
-              </a:tabLst>
-              <a:defRPr lang="en-US" sz="1400" b="0" u="none" strike="noStrike">
-                <a:solidFill>
-                  <a:srgbClr val="000000"/>
-                </a:solidFill>
-                <a:effectLst/>
-                <a:uFillTx/>
-                <a:latin typeface="Times New Roman"/>
-                <a:ea typeface="SimSun"/>
-              </a:defRPr>
-            </a:lvl1pPr>
-          </a:lstStyle>
-          <a:p>
-            <a:pPr indent="0" defTabSz="914400">
-              <a:lnSpc>
-                <a:spcPct val="100000"/>
-              </a:lnSpc>
-              <a:buNone/>
-              <a:tabLst>
-                <a:tab algn="l" pos="0"/>
-              </a:tabLst>
-            </a:pPr>
-            <a:r>
-              <a:rPr lang="en-US" sz="1400" b="0" u="none" strike="noStrike">
-                <a:solidFill>
-                  <a:srgbClr val="000000"/>
-                </a:solidFill>
-                <a:effectLst/>
-                <a:uFillTx/>
-                <a:latin typeface="Times New Roman"/>
-                <a:ea typeface="SimSun"/>
-              </a:rPr>
-              <a:t>&lt;date/time&gt;</a:t>
-            </a:r>
-            <a:endParaRPr lang="en-US" sz="1400" b="0" u="none" strike="noStrike">
-              <a:solidFill>
-                <a:srgbClr val="000000"/>
-              </a:solidFill>
-              <a:effectLst/>
-              <a:uFillTx/>
-              <a:latin typeface="Times New Roman"/>
-            </a:endParaRPr>
-          </a:p>
-        </p:txBody>
-      </p:sp>
-      <p:sp>
-        <p:nvSpPr>
-          <p:cNvPr id="18" name="PlaceHolder 4"/>
-          <p:cNvSpPr>
-            <a:spLocks noGrp="1"/>
-          </p:cNvSpPr>
-          <p:nvPr>
-            <p:ph type="ftr" idx="8"/>
-          </p:nvPr>
-        </p:nvSpPr>
-        <p:spPr>
-          <a:xfrm>
-            <a:off x="4165560" y="6245280"/>
-            <a:ext cx="3858840" cy="474480"/>
-          </a:xfrm>
-          <a:prstGeom prst="rect">
-            <a:avLst/>
-          </a:prstGeom>
-          <a:noFill/>
-          <a:ln w="0">
-            <a:noFill/>
-          </a:ln>
-        </p:spPr>
-        <p:txBody>
-          <a:bodyPr numCol="1" spcCol="0" lIns="91440" rIns="91440" tIns="45720" bIns="45720" anchor="t">
-            <a:noAutofit/>
-          </a:bodyPr>
-          <a:lstStyle>
-            <a:lvl1pPr indent="0" algn="ctr" defTabSz="914400">
-              <a:lnSpc>
-                <a:spcPct val="100000"/>
-              </a:lnSpc>
-              <a:buNone/>
-              <a:tabLst>
-                <a:tab algn="l" pos="0"/>
-              </a:tabLst>
-              <a:defRPr lang="en-US" sz="1400" b="0" u="none" strike="noStrike">
-                <a:solidFill>
-                  <a:srgbClr val="000000"/>
-                </a:solidFill>
-                <a:effectLst/>
-                <a:uFillTx/>
-                <a:latin typeface="Times New Roman"/>
-                <a:ea typeface="SimSun"/>
-              </a:defRPr>
-            </a:lvl1pPr>
-          </a:lstStyle>
-          <a:p>
-            <a:pPr indent="0" algn="ctr" defTabSz="914400">
-              <a:lnSpc>
-                <a:spcPct val="100000"/>
-              </a:lnSpc>
-              <a:buNone/>
-              <a:tabLst>
-                <a:tab algn="l" pos="0"/>
-              </a:tabLst>
-            </a:pPr>
-            <a:r>
-              <a:rPr lang="en-US" sz="1400" b="0" u="none" strike="noStrike">
-                <a:solidFill>
-                  <a:srgbClr val="000000"/>
-                </a:solidFill>
-                <a:effectLst/>
-                <a:uFillTx/>
-                <a:latin typeface="Times New Roman"/>
-                <a:ea typeface="SimSun"/>
-              </a:rPr>
-              <a:t>&lt;footer&gt;</a:t>
-            </a:r>
-            <a:endParaRPr lang="en-US" sz="1400" b="0" u="none" strike="noStrike">
-              <a:solidFill>
-                <a:srgbClr val="000000"/>
-              </a:solidFill>
-              <a:effectLst/>
-              <a:uFillTx/>
-              <a:latin typeface="Times New Roman"/>
-            </a:endParaRPr>
-          </a:p>
-        </p:txBody>
-      </p:sp>
-      <p:sp>
-        <p:nvSpPr>
-          <p:cNvPr id="19" name="PlaceHolder 5"/>
-          <p:cNvSpPr>
-            <a:spLocks noGrp="1"/>
-          </p:cNvSpPr>
-          <p:nvPr>
-            <p:ph type="sldNum" idx="9"/>
-          </p:nvPr>
-        </p:nvSpPr>
-        <p:spPr>
-          <a:xfrm>
-            <a:off x="8737560" y="6245280"/>
-            <a:ext cx="2842920" cy="474480"/>
-          </a:xfrm>
-          <a:prstGeom prst="rect">
-            <a:avLst/>
-          </a:prstGeom>
-          <a:noFill/>
-          <a:ln w="0">
-            <a:noFill/>
-          </a:ln>
-        </p:spPr>
-        <p:txBody>
-          <a:bodyPr numCol="1" spcCol="0" lIns="91440" rIns="91440" tIns="45720" bIns="45720" anchor="t">
-            <a:noAutofit/>
-          </a:bodyPr>
-          <a:p>
-            <a:pPr indent="0">
-              <a:buNone/>
-            </a:pPr>
-            <a:endParaRPr lang="en-US" sz="1800" b="0" u="none" strike="noStrike">
-              <a:solidFill>
-                <a:srgbClr val="000000"/>
-              </a:solidFill>
-              <a:effectLst/>
-              <a:uFillTx/>
-              <a:latin typeface="Times New Roman"/>
-            </a:endParaRPr>
-          </a:p>
-        </p:txBody>
-      </p:sp>
-    </p:spTree>
-  </p:cSld>
-</p:sldLayout>
-</file>
-
 <file path=ppt/slideLayouts/slideLayout4.xml><?xml version="1.0" encoding="utf-8"?>
-<p:sldLayout xmlns:a="http://schemas.openxmlformats.org/drawingml/2006/main" xmlns:p="http://schemas.openxmlformats.org/presentationml/2006/main" xmlns:r="http://schemas.openxmlformats.org/officeDocument/2006/relationships" xmlns:p14="http://schemas.microsoft.com/office/powerpoint/2010/main" xmlns:p15="http://schemas.microsoft.com/office/powerpoint/2012/main" xmlns:mc="http://schemas.openxmlformats.org/markup-compatibility/2006" type="obj" preserve="1">
-  <p:cSld name="Title and Content">
+<p:sldLayout xmlns:a="http://schemas.openxmlformats.org/drawingml/2006/main" xmlns:p="http://schemas.openxmlformats.org/presentationml/2006/main" xmlns:r="http://schemas.openxmlformats.org/officeDocument/2006/relationships" xmlns:p14="http://schemas.microsoft.com/office/powerpoint/2010/main" xmlns:p15="http://schemas.microsoft.com/office/powerpoint/2012/main" xmlns:mc="http://schemas.openxmlformats.org/markup-compatibility/2006" type="vertTitleAndTx" preserve="1">
+  <p:cSld name="Vertical Title and Text">
     <p:bg>
       <p:bgPr>
         <a:solidFill>
@@ -2669,7 +2717,7 @@
         <p:spPr>
           <a:xfrm>
             <a:off x="0" y="0"/>
-            <a:ext cx="12190320" cy="6856200"/>
+            <a:ext cx="12189960" cy="6855840"/>
           </a:xfrm>
           <a:prstGeom prst="rect">
             <a:avLst/>
@@ -2692,8 +2740,8 @@
         </p:nvSpPr>
         <p:spPr>
           <a:xfrm>
-            <a:off x="609480" y="190440"/>
-            <a:ext cx="10971000" cy="580680"/>
+            <a:off x="8839080" y="190440"/>
+            <a:ext cx="2741040" cy="5934960"/>
           </a:xfrm>
           <a:prstGeom prst="rect">
             <a:avLst/>
@@ -2704,7 +2752,7 @@
           </a:ln>
         </p:spPr>
         <p:txBody>
-          <a:bodyPr lIns="90000" rIns="90000" tIns="45000" bIns="45000" anchor="ctr">
+          <a:bodyPr lIns="45000" rIns="45000" tIns="90000" bIns="90000" anchor="ctr" vert="eaVert">
             <a:noAutofit/>
           </a:bodyPr>
           <a:p>
@@ -2731,7 +2779,7 @@
             </a:r>
             <a:endParaRPr lang="en-US" sz="3600" b="0" u="none" strike="noStrike">
               <a:solidFill>
-                <a:schemeClr val="dk1"/>
+                <a:srgbClr val="000000"/>
               </a:solidFill>
               <a:effectLst/>
               <a:uFillTx/>
@@ -2752,8 +2800,8 @@
         </p:nvSpPr>
         <p:spPr>
           <a:xfrm>
-            <a:off x="609480" y="1174680"/>
-            <a:ext cx="10971000" cy="4951080"/>
+            <a:off x="609480" y="190440"/>
+            <a:ext cx="8024400" cy="5934960"/>
           </a:xfrm>
           <a:prstGeom prst="rect">
             <a:avLst/>
@@ -2764,7 +2812,7 @@
           </a:ln>
         </p:spPr>
         <p:txBody>
-          <a:bodyPr lIns="90000" rIns="90000" tIns="45000" bIns="45000" anchor="t">
+          <a:bodyPr lIns="45000" rIns="45000" tIns="90000" bIns="90000" anchor="t" vert="eaVert">
             <a:noAutofit/>
           </a:bodyPr>
           <a:p>
@@ -2795,7 +2843,7 @@
             </a:r>
             <a:endParaRPr lang="en-US" sz="3200" b="0" u="none" strike="noStrike">
               <a:solidFill>
-                <a:schemeClr val="dk1"/>
+                <a:srgbClr val="000000"/>
               </a:solidFill>
               <a:effectLst/>
               <a:uFillTx/>
@@ -2830,7 +2878,7 @@
             </a:r>
             <a:endParaRPr lang="en-US" sz="2800" b="0" u="none" strike="noStrike">
               <a:solidFill>
-                <a:schemeClr val="dk1"/>
+                <a:srgbClr val="000000"/>
               </a:solidFill>
               <a:effectLst/>
               <a:uFillTx/>
@@ -2865,7 +2913,7 @@
             </a:r>
             <a:endParaRPr lang="en-US" sz="2400" b="0" u="none" strike="noStrike">
               <a:solidFill>
-                <a:schemeClr val="dk1"/>
+                <a:srgbClr val="000000"/>
               </a:solidFill>
               <a:effectLst/>
               <a:uFillTx/>
@@ -2900,7 +2948,7 @@
             </a:r>
             <a:endParaRPr lang="en-US" sz="2000" b="0" u="none" strike="noStrike">
               <a:solidFill>
-                <a:schemeClr val="dk1"/>
+                <a:srgbClr val="000000"/>
               </a:solidFill>
               <a:effectLst/>
               <a:uFillTx/>
@@ -2935,7 +2983,7 @@
             </a:r>
             <a:endParaRPr lang="en-US" sz="2000" b="0" u="none" strike="noStrike">
               <a:solidFill>
-                <a:schemeClr val="dk1"/>
+                <a:srgbClr val="000000"/>
               </a:solidFill>
               <a:effectLst/>
               <a:uFillTx/>
@@ -2957,7 +3005,7 @@
         <p:spPr>
           <a:xfrm>
             <a:off x="609480" y="6245280"/>
-            <a:ext cx="2842920" cy="474480"/>
+            <a:ext cx="2842560" cy="474120"/>
           </a:xfrm>
           <a:prstGeom prst="rect">
             <a:avLst/>
@@ -3037,7 +3085,7 @@
         <p:spPr>
           <a:xfrm>
             <a:off x="4165560" y="6245280"/>
-            <a:ext cx="3858840" cy="474480"/>
+            <a:ext cx="3858480" cy="474120"/>
           </a:xfrm>
           <a:prstGeom prst="rect">
             <a:avLst/>
@@ -3117,7 +3165,7 @@
         <p:spPr>
           <a:xfrm>
             <a:off x="8737560" y="6245280"/>
-            <a:ext cx="2842920" cy="474480"/>
+            <a:ext cx="2842560" cy="474120"/>
           </a:xfrm>
           <a:prstGeom prst="rect">
             <a:avLst/>
@@ -3152,8 +3200,8 @@
 </file>
 
 <file path=ppt/slideLayouts/slideLayout5.xml><?xml version="1.0" encoding="utf-8"?>
-<p:sldLayout xmlns:a="http://schemas.openxmlformats.org/drawingml/2006/main" xmlns:p="http://schemas.openxmlformats.org/presentationml/2006/main" xmlns:r="http://schemas.openxmlformats.org/officeDocument/2006/relationships" xmlns:p14="http://schemas.microsoft.com/office/powerpoint/2010/main" xmlns:p15="http://schemas.microsoft.com/office/powerpoint/2012/main" xmlns:mc="http://schemas.openxmlformats.org/markup-compatibility/2006" type="blank" preserve="1">
-  <p:cSld name="Section Header">
+<p:sldLayout xmlns:a="http://schemas.openxmlformats.org/drawingml/2006/main" xmlns:p="http://schemas.openxmlformats.org/presentationml/2006/main" xmlns:r="http://schemas.openxmlformats.org/officeDocument/2006/relationships" xmlns:p14="http://schemas.microsoft.com/office/powerpoint/2010/main" xmlns:p15="http://schemas.microsoft.com/office/powerpoint/2012/main" xmlns:mc="http://schemas.openxmlformats.org/markup-compatibility/2006" type="title" preserve="1">
+  <p:cSld name="Title Slide">
     <p:bg>
       <p:bgPr>
         <a:solidFill>
@@ -3177,7 +3225,7 @@
       </p:grpSpPr>
       <p:pic>
         <p:nvPicPr>
-          <p:cNvPr id="26" name="Picture 10"/>
+          <p:cNvPr id="26" name="Picture 10" hidden="1"/>
           <p:cNvPicPr/>
           <p:nvPr/>
         </p:nvPicPr>
@@ -3188,7 +3236,31 @@
         <p:spPr>
           <a:xfrm>
             <a:off x="0" y="0"/>
-            <a:ext cx="12190320" cy="6856200"/>
+            <a:ext cx="12189960" cy="6855840"/>
+          </a:xfrm>
+          <a:prstGeom prst="rect">
+            <a:avLst/>
+          </a:prstGeom>
+          <a:noFill/>
+          <a:ln w="9525">
+            <a:noFill/>
+          </a:ln>
+        </p:spPr>
+      </p:pic>
+      <p:pic>
+        <p:nvPicPr>
+          <p:cNvPr id="27" name="Picture 3"/>
+          <p:cNvPicPr/>
+          <p:nvPr/>
+        </p:nvPicPr>
+        <p:blipFill>
+          <a:blip r:embed="rId3"/>
+          <a:stretch/>
+        </p:blipFill>
+        <p:spPr>
+          <a:xfrm>
+            <a:off x="0" y="0"/>
+            <a:ext cx="12189960" cy="6855840"/>
           </a:xfrm>
           <a:prstGeom prst="rect">
             <a:avLst/>
@@ -3201,7 +3273,7 @@
       </p:pic>
       <p:sp>
         <p:nvSpPr>
-          <p:cNvPr id="27" name="PlaceHolder 1"/>
+          <p:cNvPr id="28" name="PlaceHolder 1"/>
           <p:cNvSpPr>
             <a:spLocks noGrp="1"/>
           </p:cNvSpPr>
@@ -3211,8 +3283,8 @@
         </p:nvSpPr>
         <p:spPr>
           <a:xfrm>
-            <a:off x="831960" y="1709640"/>
-            <a:ext cx="10513800" cy="2850840"/>
+            <a:off x="624240" y="3718080"/>
+            <a:ext cx="10941120" cy="1080360"/>
           </a:xfrm>
           <a:prstGeom prst="rect">
             <a:avLst/>
@@ -3223,11 +3295,11 @@
           </a:ln>
         </p:spPr>
         <p:txBody>
-          <a:bodyPr lIns="90000" rIns="90000" tIns="45000" bIns="45000" anchor="b">
+          <a:bodyPr lIns="90000" rIns="90000" tIns="45000" bIns="45000" anchor="ctr">
             <a:noAutofit/>
           </a:bodyPr>
           <a:p>
-            <a:pPr indent="0">
+            <a:pPr indent="0" algn="r">
               <a:lnSpc>
                 <a:spcPct val="100000"/>
               </a:lnSpc>
@@ -3237,7 +3309,7 @@
               </a:tabLst>
             </a:pPr>
             <a:r>
-              <a:rPr lang="en-US" sz="6000" b="0" u="none" strike="noStrike">
+              <a:rPr lang="en-US" sz="3600" b="0" u="none" strike="noStrike">
                 <a:solidFill>
                   <a:schemeClr val="dk1"/>
                 </a:solidFill>
@@ -3248,9 +3320,9 @@
               </a:rPr>
               <a:t>Click to edit Master title style</a:t>
             </a:r>
-            <a:endParaRPr lang="en-US" sz="6000" b="0" u="none" strike="noStrike">
-              <a:solidFill>
-                <a:schemeClr val="dk1"/>
+            <a:endParaRPr lang="en-US" sz="3600" b="0" u="none" strike="noStrike">
+              <a:solidFill>
+                <a:srgbClr val="000000"/>
               </a:solidFill>
               <a:effectLst/>
               <a:uFillTx/>
@@ -3261,70 +3333,7 @@
       </p:sp>
       <p:sp>
         <p:nvSpPr>
-          <p:cNvPr id="28" name="PlaceHolder 2"/>
-          <p:cNvSpPr>
-            <a:spLocks noGrp="1"/>
-          </p:cNvSpPr>
-          <p:nvPr>
-            <p:ph type="body"/>
-          </p:nvPr>
-        </p:nvSpPr>
-        <p:spPr>
-          <a:xfrm>
-            <a:off x="831960" y="4589640"/>
-            <a:ext cx="10513800" cy="1498320"/>
-          </a:xfrm>
-          <a:prstGeom prst="rect">
-            <a:avLst/>
-          </a:prstGeom>
-          <a:noFill/>
-          <a:ln w="9360">
-            <a:noFill/>
-          </a:ln>
-        </p:spPr>
-        <p:txBody>
-          <a:bodyPr lIns="90000" rIns="90000" tIns="45000" bIns="45000" anchor="t">
-            <a:noAutofit/>
-          </a:bodyPr>
-          <a:p>
-            <a:pPr indent="0">
-              <a:lnSpc>
-                <a:spcPct val="100000"/>
-              </a:lnSpc>
-              <a:spcBef>
-                <a:spcPts val="479"/>
-              </a:spcBef>
-              <a:buNone/>
-              <a:tabLst>
-                <a:tab algn="l" pos="0"/>
-              </a:tabLst>
-            </a:pPr>
-            <a:r>
-              <a:rPr lang="en-US" sz="2400" b="0" u="none" strike="noStrike">
-                <a:solidFill>
-                  <a:schemeClr val="dk1"/>
-                </a:solidFill>
-                <a:effectLst/>
-                <a:uFillTx/>
-                <a:latin typeface="Arial"/>
-                <a:ea typeface="SimSun"/>
-              </a:rPr>
-              <a:t>Click to edit Master text styles</a:t>
-            </a:r>
-            <a:endParaRPr lang="en-US" sz="2400" b="0" u="none" strike="noStrike">
-              <a:solidFill>
-                <a:schemeClr val="dk1"/>
-              </a:solidFill>
-              <a:effectLst/>
-              <a:uFillTx/>
-              <a:latin typeface="Arial"/>
-            </a:endParaRPr>
-          </a:p>
-        </p:txBody>
-      </p:sp>
-      <p:sp>
-        <p:nvSpPr>
-          <p:cNvPr id="29" name="PlaceHolder 3"/>
+          <p:cNvPr id="29" name="PlaceHolder 2"/>
           <p:cNvSpPr>
             <a:spLocks noGrp="1"/>
           </p:cNvSpPr>
@@ -3335,7 +3344,7 @@
         <p:spPr>
           <a:xfrm>
             <a:off x="609480" y="6245280"/>
-            <a:ext cx="2842920" cy="474480"/>
+            <a:ext cx="2842560" cy="474120"/>
           </a:xfrm>
           <a:prstGeom prst="rect">
             <a:avLst/>
@@ -3404,7 +3413,7 @@
       </p:sp>
       <p:sp>
         <p:nvSpPr>
-          <p:cNvPr id="30" name="PlaceHolder 4"/>
+          <p:cNvPr id="30" name="PlaceHolder 3"/>
           <p:cNvSpPr>
             <a:spLocks noGrp="1"/>
           </p:cNvSpPr>
@@ -3415,7 +3424,7 @@
         <p:spPr>
           <a:xfrm>
             <a:off x="4165560" y="6245280"/>
-            <a:ext cx="3858840" cy="474480"/>
+            <a:ext cx="3858480" cy="474120"/>
           </a:xfrm>
           <a:prstGeom prst="rect">
             <a:avLst/>
@@ -3484,7 +3493,7 @@
       </p:sp>
       <p:sp>
         <p:nvSpPr>
-          <p:cNvPr id="31" name="PlaceHolder 5"/>
+          <p:cNvPr id="31" name="PlaceHolder 4"/>
           <p:cNvSpPr>
             <a:spLocks noGrp="1"/>
           </p:cNvSpPr>
@@ -3495,7 +3504,7 @@
         <p:spPr>
           <a:xfrm>
             <a:off x="8737560" y="6245280"/>
-            <a:ext cx="2842920" cy="474480"/>
+            <a:ext cx="2842560" cy="474120"/>
           </a:xfrm>
           <a:prstGeom prst="rect">
             <a:avLst/>
@@ -3530,8 +3539,8 @@
 </file>
 
 <file path=ppt/slideLayouts/slideLayout6.xml><?xml version="1.0" encoding="utf-8"?>
-<p:sldLayout xmlns:a="http://schemas.openxmlformats.org/drawingml/2006/main" xmlns:p="http://schemas.openxmlformats.org/presentationml/2006/main" xmlns:r="http://schemas.openxmlformats.org/officeDocument/2006/relationships" xmlns:p14="http://schemas.microsoft.com/office/powerpoint/2010/main" xmlns:p15="http://schemas.microsoft.com/office/powerpoint/2012/main" xmlns:mc="http://schemas.openxmlformats.org/markup-compatibility/2006" type="twoObj" preserve="1">
-  <p:cSld name="Two Content">
+<p:sldLayout xmlns:a="http://schemas.openxmlformats.org/drawingml/2006/main" xmlns:p="http://schemas.openxmlformats.org/presentationml/2006/main" xmlns:r="http://schemas.openxmlformats.org/officeDocument/2006/relationships" xmlns:p14="http://schemas.microsoft.com/office/powerpoint/2010/main" xmlns:p15="http://schemas.microsoft.com/office/powerpoint/2012/main" xmlns:mc="http://schemas.openxmlformats.org/markup-compatibility/2006" type="vertTx" preserve="1">
+  <p:cSld name="Title and Vertical Text">
     <p:bg>
       <p:bgPr>
         <a:solidFill>
@@ -3566,7 +3575,7 @@
         <p:spPr>
           <a:xfrm>
             <a:off x="0" y="0"/>
-            <a:ext cx="12190320" cy="6856200"/>
+            <a:ext cx="12189960" cy="6855840"/>
           </a:xfrm>
           <a:prstGeom prst="rect">
             <a:avLst/>
@@ -3590,7 +3599,7 @@
         <p:spPr>
           <a:xfrm>
             <a:off x="609480" y="190440"/>
-            <a:ext cx="10971000" cy="580680"/>
+            <a:ext cx="10970640" cy="580320"/>
           </a:xfrm>
           <a:prstGeom prst="rect">
             <a:avLst/>
@@ -3628,7 +3637,7 @@
             </a:r>
             <a:endParaRPr lang="en-US" sz="3600" b="0" u="none" strike="noStrike">
               <a:solidFill>
-                <a:schemeClr val="dk1"/>
+                <a:srgbClr val="000000"/>
               </a:solidFill>
               <a:effectLst/>
               <a:uFillTx/>
@@ -3650,7 +3659,7 @@
         <p:spPr>
           <a:xfrm>
             <a:off x="609480" y="1174680"/>
-            <a:ext cx="5383080" cy="4951080"/>
+            <a:ext cx="10970640" cy="4950720"/>
           </a:xfrm>
           <a:prstGeom prst="rect">
             <a:avLst/>
@@ -3661,7 +3670,7 @@
           </a:ln>
         </p:spPr>
         <p:txBody>
-          <a:bodyPr lIns="90000" rIns="90000" tIns="45000" bIns="45000" anchor="t">
+          <a:bodyPr lIns="45000" rIns="45000" tIns="90000" bIns="90000" anchor="t" vert="eaVert">
             <a:noAutofit/>
           </a:bodyPr>
           <a:p>
@@ -3692,7 +3701,7 @@
             </a:r>
             <a:endParaRPr lang="en-US" sz="3200" b="0" u="none" strike="noStrike">
               <a:solidFill>
-                <a:schemeClr val="dk1"/>
+                <a:srgbClr val="000000"/>
               </a:solidFill>
               <a:effectLst/>
               <a:uFillTx/>
@@ -3727,7 +3736,7 @@
             </a:r>
             <a:endParaRPr lang="en-US" sz="2800" b="0" u="none" strike="noStrike">
               <a:solidFill>
-                <a:schemeClr val="dk1"/>
+                <a:srgbClr val="000000"/>
               </a:solidFill>
               <a:effectLst/>
               <a:uFillTx/>
@@ -3762,7 +3771,7 @@
             </a:r>
             <a:endParaRPr lang="en-US" sz="2400" b="0" u="none" strike="noStrike">
               <a:solidFill>
-                <a:schemeClr val="dk1"/>
+                <a:srgbClr val="000000"/>
               </a:solidFill>
               <a:effectLst/>
               <a:uFillTx/>
@@ -3797,7 +3806,7 @@
             </a:r>
             <a:endParaRPr lang="en-US" sz="2000" b="0" u="none" strike="noStrike">
               <a:solidFill>
-                <a:schemeClr val="dk1"/>
+                <a:srgbClr val="000000"/>
               </a:solidFill>
               <a:effectLst/>
               <a:uFillTx/>
@@ -3832,7 +3841,7 @@
             </a:r>
             <a:endParaRPr lang="en-US" sz="2000" b="0" u="none" strike="noStrike">
               <a:solidFill>
-                <a:schemeClr val="dk1"/>
+                <a:srgbClr val="000000"/>
               </a:solidFill>
               <a:effectLst/>
               <a:uFillTx/>
@@ -3844,210 +3853,6 @@
       <p:sp>
         <p:nvSpPr>
           <p:cNvPr id="35" name="PlaceHolder 3"/>
-          <p:cNvSpPr>
-            <a:spLocks noGrp="1"/>
-          </p:cNvSpPr>
-          <p:nvPr>
-            <p:ph type="body"/>
-          </p:nvPr>
-        </p:nvSpPr>
-        <p:spPr>
-          <a:xfrm>
-            <a:off x="6197760" y="1174680"/>
-            <a:ext cx="5383080" cy="4951080"/>
-          </a:xfrm>
-          <a:prstGeom prst="rect">
-            <a:avLst/>
-          </a:prstGeom>
-          <a:noFill/>
-          <a:ln w="9360">
-            <a:noFill/>
-          </a:ln>
-        </p:spPr>
-        <p:txBody>
-          <a:bodyPr lIns="90000" rIns="90000" tIns="45000" bIns="45000" anchor="t">
-            <a:noAutofit/>
-          </a:bodyPr>
-          <a:p>
-            <a:pPr marL="343080" indent="-343080">
-              <a:lnSpc>
-                <a:spcPct val="100000"/>
-              </a:lnSpc>
-              <a:spcBef>
-                <a:spcPts val="641"/>
-              </a:spcBef>
-              <a:buClr>
-                <a:srgbClr val="000000"/>
-              </a:buClr>
-              <a:buFont typeface="Symbol" charset="2"/>
-              <a:buChar char=""/>
-            </a:pPr>
-            <a:r>
-              <a:rPr lang="en-US" sz="3200" b="0" u="none" strike="noStrike">
-                <a:solidFill>
-                  <a:schemeClr val="dk1"/>
-                </a:solidFill>
-                <a:effectLst/>
-                <a:uFillTx/>
-                <a:latin typeface="Arial"/>
-                <a:ea typeface="SimSun"/>
-              </a:rPr>
-              <a:t>Click to edit Master text styles</a:t>
-            </a:r>
-            <a:endParaRPr lang="en-US" sz="3200" b="0" u="none" strike="noStrike">
-              <a:solidFill>
-                <a:schemeClr val="dk1"/>
-              </a:solidFill>
-              <a:effectLst/>
-              <a:uFillTx/>
-              <a:latin typeface="Arial"/>
-            </a:endParaRPr>
-          </a:p>
-          <a:p>
-            <a:pPr marL="743040" lvl="1" indent="-285840">
-              <a:lnSpc>
-                <a:spcPct val="100000"/>
-              </a:lnSpc>
-              <a:spcBef>
-                <a:spcPts val="561"/>
-              </a:spcBef>
-              <a:buClr>
-                <a:srgbClr val="000000"/>
-              </a:buClr>
-              <a:buFont typeface="Symbol" charset="2"/>
-              <a:buChar char=""/>
-            </a:pPr>
-            <a:r>
-              <a:rPr lang="en-US" sz="2800" b="0" u="none" strike="noStrike">
-                <a:solidFill>
-                  <a:schemeClr val="dk1"/>
-                </a:solidFill>
-                <a:effectLst/>
-                <a:uFillTx/>
-                <a:latin typeface="Arial"/>
-                <a:ea typeface="SimSun"/>
-              </a:rPr>
-              <a:t>Second level</a:t>
-            </a:r>
-            <a:endParaRPr lang="en-US" sz="2800" b="0" u="none" strike="noStrike">
-              <a:solidFill>
-                <a:schemeClr val="dk1"/>
-              </a:solidFill>
-              <a:effectLst/>
-              <a:uFillTx/>
-              <a:latin typeface="Arial"/>
-            </a:endParaRPr>
-          </a:p>
-          <a:p>
-            <a:pPr marL="1143000" lvl="2" indent="-228600">
-              <a:lnSpc>
-                <a:spcPct val="100000"/>
-              </a:lnSpc>
-              <a:spcBef>
-                <a:spcPts val="479"/>
-              </a:spcBef>
-              <a:buClr>
-                <a:srgbClr val="000000"/>
-              </a:buClr>
-              <a:buFont typeface="Symbol" charset="2"/>
-              <a:buChar char=""/>
-            </a:pPr>
-            <a:r>
-              <a:rPr lang="en-US" sz="2400" b="0" u="none" strike="noStrike">
-                <a:solidFill>
-                  <a:schemeClr val="dk1"/>
-                </a:solidFill>
-                <a:effectLst/>
-                <a:uFillTx/>
-                <a:latin typeface="Arial"/>
-                <a:ea typeface="SimSun"/>
-              </a:rPr>
-              <a:t>Third level</a:t>
-            </a:r>
-            <a:endParaRPr lang="en-US" sz="2400" b="0" u="none" strike="noStrike">
-              <a:solidFill>
-                <a:schemeClr val="dk1"/>
-              </a:solidFill>
-              <a:effectLst/>
-              <a:uFillTx/>
-              <a:latin typeface="Arial"/>
-            </a:endParaRPr>
-          </a:p>
-          <a:p>
-            <a:pPr marL="1600200" lvl="3" indent="-228600">
-              <a:lnSpc>
-                <a:spcPct val="100000"/>
-              </a:lnSpc>
-              <a:spcBef>
-                <a:spcPts val="400"/>
-              </a:spcBef>
-              <a:buClr>
-                <a:srgbClr val="000000"/>
-              </a:buClr>
-              <a:buFont typeface="Symbol" charset="2"/>
-              <a:buChar char=""/>
-            </a:pPr>
-            <a:r>
-              <a:rPr lang="en-US" sz="2000" b="0" u="none" strike="noStrike">
-                <a:solidFill>
-                  <a:schemeClr val="dk1"/>
-                </a:solidFill>
-                <a:effectLst/>
-                <a:uFillTx/>
-                <a:latin typeface="Arial"/>
-                <a:ea typeface="SimSun"/>
-              </a:rPr>
-              <a:t>Fourth level</a:t>
-            </a:r>
-            <a:endParaRPr lang="en-US" sz="2000" b="0" u="none" strike="noStrike">
-              <a:solidFill>
-                <a:schemeClr val="dk1"/>
-              </a:solidFill>
-              <a:effectLst/>
-              <a:uFillTx/>
-              <a:latin typeface="Arial"/>
-            </a:endParaRPr>
-          </a:p>
-          <a:p>
-            <a:pPr marL="2057400" lvl="4" indent="-228600">
-              <a:lnSpc>
-                <a:spcPct val="100000"/>
-              </a:lnSpc>
-              <a:spcBef>
-                <a:spcPts val="400"/>
-              </a:spcBef>
-              <a:buClr>
-                <a:srgbClr val="000000"/>
-              </a:buClr>
-              <a:buFont typeface="OpenSymbol"/>
-              <a:buChar char="»"/>
-            </a:pPr>
-            <a:r>
-              <a:rPr lang="en-US" sz="2000" b="0" u="none" strike="noStrike">
-                <a:solidFill>
-                  <a:schemeClr val="dk1"/>
-                </a:solidFill>
-                <a:effectLst/>
-                <a:uFillTx/>
-                <a:latin typeface="Arial"/>
-                <a:ea typeface="SimSun"/>
-              </a:rPr>
-              <a:t>Fifth level</a:t>
-            </a:r>
-            <a:endParaRPr lang="en-US" sz="2000" b="0" u="none" strike="noStrike">
-              <a:solidFill>
-                <a:schemeClr val="dk1"/>
-              </a:solidFill>
-              <a:effectLst/>
-              <a:uFillTx/>
-              <a:latin typeface="Arial"/>
-            </a:endParaRPr>
-          </a:p>
-        </p:txBody>
-      </p:sp>
-      <p:sp>
-        <p:nvSpPr>
-          <p:cNvPr id="36" name="PlaceHolder 4"/>
           <p:cNvSpPr>
             <a:spLocks noGrp="1"/>
           </p:cNvSpPr>
@@ -4058,7 +3863,7 @@
         <p:spPr>
           <a:xfrm>
             <a:off x="609480" y="6245280"/>
-            <a:ext cx="2842920" cy="474480"/>
+            <a:ext cx="2842560" cy="474120"/>
           </a:xfrm>
           <a:prstGeom prst="rect">
             <a:avLst/>
@@ -4127,7 +3932,7 @@
       </p:sp>
       <p:sp>
         <p:nvSpPr>
-          <p:cNvPr id="37" name="PlaceHolder 5"/>
+          <p:cNvPr id="36" name="PlaceHolder 4"/>
           <p:cNvSpPr>
             <a:spLocks noGrp="1"/>
           </p:cNvSpPr>
@@ -4138,7 +3943,7 @@
         <p:spPr>
           <a:xfrm>
             <a:off x="4165560" y="6245280"/>
-            <a:ext cx="3858840" cy="474480"/>
+            <a:ext cx="3858480" cy="474120"/>
           </a:xfrm>
           <a:prstGeom prst="rect">
             <a:avLst/>
@@ -4207,7 +4012,7 @@
       </p:sp>
       <p:sp>
         <p:nvSpPr>
-          <p:cNvPr id="38" name="PlaceHolder 6"/>
+          <p:cNvPr id="37" name="PlaceHolder 5"/>
           <p:cNvSpPr>
             <a:spLocks noGrp="1"/>
           </p:cNvSpPr>
@@ -4218,7 +4023,7 @@
         <p:spPr>
           <a:xfrm>
             <a:off x="8737560" y="6245280"/>
-            <a:ext cx="2842920" cy="474480"/>
+            <a:ext cx="2842560" cy="474120"/>
           </a:xfrm>
           <a:prstGeom prst="rect">
             <a:avLst/>
@@ -4253,8 +4058,8 @@
 </file>
 
 <file path=ppt/slideLayouts/slideLayout7.xml><?xml version="1.0" encoding="utf-8"?>
-<p:sldLayout xmlns:a="http://schemas.openxmlformats.org/drawingml/2006/main" xmlns:p="http://schemas.openxmlformats.org/presentationml/2006/main" xmlns:r="http://schemas.openxmlformats.org/officeDocument/2006/relationships" xmlns:p14="http://schemas.microsoft.com/office/powerpoint/2010/main" xmlns:p15="http://schemas.microsoft.com/office/powerpoint/2012/main" xmlns:mc="http://schemas.openxmlformats.org/markup-compatibility/2006" type="blank" preserve="1">
-  <p:cSld name="Comparison">
+<p:sldLayout xmlns:a="http://schemas.openxmlformats.org/drawingml/2006/main" xmlns:p="http://schemas.openxmlformats.org/presentationml/2006/main" xmlns:r="http://schemas.openxmlformats.org/officeDocument/2006/relationships" xmlns:p14="http://schemas.microsoft.com/office/powerpoint/2010/main" xmlns:p15="http://schemas.microsoft.com/office/powerpoint/2012/main" xmlns:mc="http://schemas.openxmlformats.org/markup-compatibility/2006" type="obj" preserve="1">
+  <p:cSld name="Title and Content">
     <p:bg>
       <p:bgPr>
         <a:solidFill>
@@ -4278,7 +4083,7 @@
       </p:grpSpPr>
       <p:pic>
         <p:nvPicPr>
-          <p:cNvPr id="39" name="Picture 10"/>
+          <p:cNvPr id="38" name="Picture 10"/>
           <p:cNvPicPr/>
           <p:nvPr/>
         </p:nvPicPr>
@@ -4289,7 +4094,7 @@
         <p:spPr>
           <a:xfrm>
             <a:off x="0" y="0"/>
-            <a:ext cx="12190320" cy="6856200"/>
+            <a:ext cx="12189960" cy="6855840"/>
           </a:xfrm>
           <a:prstGeom prst="rect">
             <a:avLst/>
@@ -4302,7 +4107,7 @@
       </p:pic>
       <p:sp>
         <p:nvSpPr>
-          <p:cNvPr id="40" name="PlaceHolder 1"/>
+          <p:cNvPr id="39" name="PlaceHolder 1"/>
           <p:cNvSpPr>
             <a:spLocks noGrp="1"/>
           </p:cNvSpPr>
@@ -4312,8 +4117,8 @@
         </p:nvSpPr>
         <p:spPr>
           <a:xfrm>
-            <a:off x="840240" y="365040"/>
-            <a:ext cx="10513800" cy="1323720"/>
+            <a:off x="609480" y="190440"/>
+            <a:ext cx="10970640" cy="580320"/>
           </a:xfrm>
           <a:prstGeom prst="rect">
             <a:avLst/>
@@ -4351,7 +4156,7 @@
             </a:r>
             <a:endParaRPr lang="en-US" sz="3600" b="0" u="none" strike="noStrike">
               <a:solidFill>
-                <a:schemeClr val="dk1"/>
+                <a:srgbClr val="000000"/>
               </a:solidFill>
               <a:effectLst/>
               <a:uFillTx/>
@@ -4362,7 +4167,7 @@
       </p:sp>
       <p:sp>
         <p:nvSpPr>
-          <p:cNvPr id="41" name="PlaceHolder 2"/>
+          <p:cNvPr id="40" name="PlaceHolder 2"/>
           <p:cNvSpPr>
             <a:spLocks noGrp="1"/>
           </p:cNvSpPr>
@@ -4372,71 +4177,8 @@
         </p:nvSpPr>
         <p:spPr>
           <a:xfrm>
-            <a:off x="840240" y="1681200"/>
-            <a:ext cx="5156640" cy="822240"/>
-          </a:xfrm>
-          <a:prstGeom prst="rect">
-            <a:avLst/>
-          </a:prstGeom>
-          <a:noFill/>
-          <a:ln w="9360">
-            <a:noFill/>
-          </a:ln>
-        </p:spPr>
-        <p:txBody>
-          <a:bodyPr lIns="90000" rIns="90000" tIns="45000" bIns="45000" anchor="b">
-            <a:noAutofit/>
-          </a:bodyPr>
-          <a:p>
-            <a:pPr indent="0">
-              <a:lnSpc>
-                <a:spcPct val="100000"/>
-              </a:lnSpc>
-              <a:spcBef>
-                <a:spcPts val="479"/>
-              </a:spcBef>
-              <a:buNone/>
-              <a:tabLst>
-                <a:tab algn="l" pos="0"/>
-              </a:tabLst>
-            </a:pPr>
-            <a:r>
-              <a:rPr lang="en-US" sz="2400" b="1" u="none" strike="noStrike">
-                <a:solidFill>
-                  <a:schemeClr val="dk1"/>
-                </a:solidFill>
-                <a:effectLst/>
-                <a:uFillTx/>
-                <a:latin typeface="Arial"/>
-                <a:ea typeface="SimSun"/>
-              </a:rPr>
-              <a:t>Click to edit Master text styles</a:t>
-            </a:r>
-            <a:endParaRPr lang="en-US" sz="2400" b="0" u="none" strike="noStrike">
-              <a:solidFill>
-                <a:schemeClr val="dk1"/>
-              </a:solidFill>
-              <a:effectLst/>
-              <a:uFillTx/>
-              <a:latin typeface="Arial"/>
-            </a:endParaRPr>
-          </a:p>
-        </p:txBody>
-      </p:sp>
-      <p:sp>
-        <p:nvSpPr>
-          <p:cNvPr id="42" name="PlaceHolder 3"/>
-          <p:cNvSpPr>
-            <a:spLocks noGrp="1"/>
-          </p:cNvSpPr>
-          <p:nvPr>
-            <p:ph type="body"/>
-          </p:nvPr>
-        </p:nvSpPr>
-        <p:spPr>
-          <a:xfrm>
-            <a:off x="840240" y="2505240"/>
-            <a:ext cx="5156640" cy="3682800"/>
+            <a:off x="609480" y="1174680"/>
+            <a:ext cx="10970640" cy="4950720"/>
           </a:xfrm>
           <a:prstGeom prst="rect">
             <a:avLst/>
@@ -4478,7 +4220,7 @@
             </a:r>
             <a:endParaRPr lang="en-US" sz="3200" b="0" u="none" strike="noStrike">
               <a:solidFill>
-                <a:schemeClr val="dk1"/>
+                <a:srgbClr val="000000"/>
               </a:solidFill>
               <a:effectLst/>
               <a:uFillTx/>
@@ -4513,7 +4255,7 @@
             </a:r>
             <a:endParaRPr lang="en-US" sz="2800" b="0" u="none" strike="noStrike">
               <a:solidFill>
-                <a:schemeClr val="dk1"/>
+                <a:srgbClr val="000000"/>
               </a:solidFill>
               <a:effectLst/>
               <a:uFillTx/>
@@ -4548,7 +4290,7 @@
             </a:r>
             <a:endParaRPr lang="en-US" sz="2400" b="0" u="none" strike="noStrike">
               <a:solidFill>
-                <a:schemeClr val="dk1"/>
+                <a:srgbClr val="000000"/>
               </a:solidFill>
               <a:effectLst/>
               <a:uFillTx/>
@@ -4583,7 +4325,7 @@
             </a:r>
             <a:endParaRPr lang="en-US" sz="2000" b="0" u="none" strike="noStrike">
               <a:solidFill>
-                <a:schemeClr val="dk1"/>
+                <a:srgbClr val="000000"/>
               </a:solidFill>
               <a:effectLst/>
               <a:uFillTx/>
@@ -4618,7 +4360,7 @@
             </a:r>
             <a:endParaRPr lang="en-US" sz="2000" b="0" u="none" strike="noStrike">
               <a:solidFill>
-                <a:schemeClr val="dk1"/>
+                <a:srgbClr val="000000"/>
               </a:solidFill>
               <a:effectLst/>
               <a:uFillTx/>
@@ -4629,274 +4371,7 @@
       </p:sp>
       <p:sp>
         <p:nvSpPr>
-          <p:cNvPr id="43" name="PlaceHolder 4"/>
-          <p:cNvSpPr>
-            <a:spLocks noGrp="1"/>
-          </p:cNvSpPr>
-          <p:nvPr>
-            <p:ph type="body"/>
-          </p:nvPr>
-        </p:nvSpPr>
-        <p:spPr>
-          <a:xfrm>
-            <a:off x="6172200" y="1681200"/>
-            <a:ext cx="5181840" cy="822240"/>
-          </a:xfrm>
-          <a:prstGeom prst="rect">
-            <a:avLst/>
-          </a:prstGeom>
-          <a:noFill/>
-          <a:ln w="9360">
-            <a:noFill/>
-          </a:ln>
-        </p:spPr>
-        <p:txBody>
-          <a:bodyPr lIns="90000" rIns="90000" tIns="45000" bIns="45000" anchor="b">
-            <a:noAutofit/>
-          </a:bodyPr>
-          <a:p>
-            <a:pPr indent="0">
-              <a:lnSpc>
-                <a:spcPct val="100000"/>
-              </a:lnSpc>
-              <a:spcBef>
-                <a:spcPts val="479"/>
-              </a:spcBef>
-              <a:buNone/>
-              <a:tabLst>
-                <a:tab algn="l" pos="0"/>
-              </a:tabLst>
-            </a:pPr>
-            <a:r>
-              <a:rPr lang="en-US" sz="2400" b="1" u="none" strike="noStrike">
-                <a:solidFill>
-                  <a:schemeClr val="dk1"/>
-                </a:solidFill>
-                <a:effectLst/>
-                <a:uFillTx/>
-                <a:latin typeface="Arial"/>
-                <a:ea typeface="SimSun"/>
-              </a:rPr>
-              <a:t>Click to edit Master text styles</a:t>
-            </a:r>
-            <a:endParaRPr lang="en-US" sz="2400" b="0" u="none" strike="noStrike">
-              <a:solidFill>
-                <a:schemeClr val="dk1"/>
-              </a:solidFill>
-              <a:effectLst/>
-              <a:uFillTx/>
-              <a:latin typeface="Arial"/>
-            </a:endParaRPr>
-          </a:p>
-        </p:txBody>
-      </p:sp>
-      <p:sp>
-        <p:nvSpPr>
-          <p:cNvPr id="44" name="PlaceHolder 5"/>
-          <p:cNvSpPr>
-            <a:spLocks noGrp="1"/>
-          </p:cNvSpPr>
-          <p:nvPr>
-            <p:ph type="body"/>
-          </p:nvPr>
-        </p:nvSpPr>
-        <p:spPr>
-          <a:xfrm>
-            <a:off x="6172200" y="2505240"/>
-            <a:ext cx="5181840" cy="3682800"/>
-          </a:xfrm>
-          <a:prstGeom prst="rect">
-            <a:avLst/>
-          </a:prstGeom>
-          <a:noFill/>
-          <a:ln w="9360">
-            <a:noFill/>
-          </a:ln>
-        </p:spPr>
-        <p:txBody>
-          <a:bodyPr lIns="90000" rIns="90000" tIns="45000" bIns="45000" anchor="t">
-            <a:noAutofit/>
-          </a:bodyPr>
-          <a:p>
-            <a:pPr marL="343080" indent="-343080">
-              <a:lnSpc>
-                <a:spcPct val="100000"/>
-              </a:lnSpc>
-              <a:spcBef>
-                <a:spcPts val="641"/>
-              </a:spcBef>
-              <a:buClr>
-                <a:srgbClr val="000000"/>
-              </a:buClr>
-              <a:buFont typeface="Symbol" charset="2"/>
-              <a:buChar char=""/>
-            </a:pPr>
-            <a:r>
-              <a:rPr lang="en-US" sz="3200" b="0" u="none" strike="noStrike">
-                <a:solidFill>
-                  <a:schemeClr val="dk1"/>
-                </a:solidFill>
-                <a:effectLst/>
-                <a:uFillTx/>
-                <a:latin typeface="Arial"/>
-                <a:ea typeface="SimSun"/>
-              </a:rPr>
-              <a:t>Click to edit Master text styles</a:t>
-            </a:r>
-            <a:endParaRPr lang="en-US" sz="3200" b="0" u="none" strike="noStrike">
-              <a:solidFill>
-                <a:schemeClr val="dk1"/>
-              </a:solidFill>
-              <a:effectLst/>
-              <a:uFillTx/>
-              <a:latin typeface="Arial"/>
-            </a:endParaRPr>
-          </a:p>
-          <a:p>
-            <a:pPr marL="743040" lvl="1" indent="-285840">
-              <a:lnSpc>
-                <a:spcPct val="100000"/>
-              </a:lnSpc>
-              <a:spcBef>
-                <a:spcPts val="561"/>
-              </a:spcBef>
-              <a:buClr>
-                <a:srgbClr val="000000"/>
-              </a:buClr>
-              <a:buFont typeface="Symbol" charset="2"/>
-              <a:buChar char=""/>
-            </a:pPr>
-            <a:r>
-              <a:rPr lang="en-US" sz="2800" b="0" u="none" strike="noStrike">
-                <a:solidFill>
-                  <a:schemeClr val="dk1"/>
-                </a:solidFill>
-                <a:effectLst/>
-                <a:uFillTx/>
-                <a:latin typeface="Arial"/>
-                <a:ea typeface="SimSun"/>
-              </a:rPr>
-              <a:t>Second level</a:t>
-            </a:r>
-            <a:endParaRPr lang="en-US" sz="2800" b="0" u="none" strike="noStrike">
-              <a:solidFill>
-                <a:schemeClr val="dk1"/>
-              </a:solidFill>
-              <a:effectLst/>
-              <a:uFillTx/>
-              <a:latin typeface="Arial"/>
-            </a:endParaRPr>
-          </a:p>
-          <a:p>
-            <a:pPr marL="1143000" lvl="2" indent="-228600">
-              <a:lnSpc>
-                <a:spcPct val="100000"/>
-              </a:lnSpc>
-              <a:spcBef>
-                <a:spcPts val="479"/>
-              </a:spcBef>
-              <a:buClr>
-                <a:srgbClr val="000000"/>
-              </a:buClr>
-              <a:buFont typeface="Symbol" charset="2"/>
-              <a:buChar char=""/>
-            </a:pPr>
-            <a:r>
-              <a:rPr lang="en-US" sz="2400" b="0" u="none" strike="noStrike">
-                <a:solidFill>
-                  <a:schemeClr val="dk1"/>
-                </a:solidFill>
-                <a:effectLst/>
-                <a:uFillTx/>
-                <a:latin typeface="Arial"/>
-                <a:ea typeface="SimSun"/>
-              </a:rPr>
-              <a:t>Third level</a:t>
-            </a:r>
-            <a:endParaRPr lang="en-US" sz="2400" b="0" u="none" strike="noStrike">
-              <a:solidFill>
-                <a:schemeClr val="dk1"/>
-              </a:solidFill>
-              <a:effectLst/>
-              <a:uFillTx/>
-              <a:latin typeface="Arial"/>
-            </a:endParaRPr>
-          </a:p>
-          <a:p>
-            <a:pPr marL="1600200" lvl="3" indent="-228600">
-              <a:lnSpc>
-                <a:spcPct val="100000"/>
-              </a:lnSpc>
-              <a:spcBef>
-                <a:spcPts val="400"/>
-              </a:spcBef>
-              <a:buClr>
-                <a:srgbClr val="000000"/>
-              </a:buClr>
-              <a:buFont typeface="Symbol" charset="2"/>
-              <a:buChar char=""/>
-            </a:pPr>
-            <a:r>
-              <a:rPr lang="en-US" sz="2000" b="0" u="none" strike="noStrike">
-                <a:solidFill>
-                  <a:schemeClr val="dk1"/>
-                </a:solidFill>
-                <a:effectLst/>
-                <a:uFillTx/>
-                <a:latin typeface="Arial"/>
-                <a:ea typeface="SimSun"/>
-              </a:rPr>
-              <a:t>Fourth level</a:t>
-            </a:r>
-            <a:endParaRPr lang="en-US" sz="2000" b="0" u="none" strike="noStrike">
-              <a:solidFill>
-                <a:schemeClr val="dk1"/>
-              </a:solidFill>
-              <a:effectLst/>
-              <a:uFillTx/>
-              <a:latin typeface="Arial"/>
-            </a:endParaRPr>
-          </a:p>
-          <a:p>
-            <a:pPr marL="2057400" lvl="4" indent="-228600">
-              <a:lnSpc>
-                <a:spcPct val="100000"/>
-              </a:lnSpc>
-              <a:spcBef>
-                <a:spcPts val="400"/>
-              </a:spcBef>
-              <a:buClr>
-                <a:srgbClr val="000000"/>
-              </a:buClr>
-              <a:buFont typeface="OpenSymbol"/>
-              <a:buChar char="»"/>
-            </a:pPr>
-            <a:r>
-              <a:rPr lang="en-US" sz="2000" b="0" u="none" strike="noStrike">
-                <a:solidFill>
-                  <a:schemeClr val="dk1"/>
-                </a:solidFill>
-                <a:effectLst/>
-                <a:uFillTx/>
-                <a:latin typeface="Arial"/>
-                <a:ea typeface="SimSun"/>
-              </a:rPr>
-              <a:t>Fifth level</a:t>
-            </a:r>
-            <a:endParaRPr lang="en-US" sz="2000" b="0" u="none" strike="noStrike">
-              <a:solidFill>
-                <a:schemeClr val="dk1"/>
-              </a:solidFill>
-              <a:effectLst/>
-              <a:uFillTx/>
-              <a:latin typeface="Arial"/>
-            </a:endParaRPr>
-          </a:p>
-        </p:txBody>
-      </p:sp>
-      <p:sp>
-        <p:nvSpPr>
-          <p:cNvPr id="45" name="PlaceHolder 6"/>
+          <p:cNvPr id="41" name="PlaceHolder 3"/>
           <p:cNvSpPr>
             <a:spLocks noGrp="1"/>
           </p:cNvSpPr>
@@ -4907,7 +4382,7 @@
         <p:spPr>
           <a:xfrm>
             <a:off x="609480" y="6245280"/>
-            <a:ext cx="2842920" cy="474480"/>
+            <a:ext cx="2842560" cy="474120"/>
           </a:xfrm>
           <a:prstGeom prst="rect">
             <a:avLst/>
@@ -4976,7 +4451,7 @@
       </p:sp>
       <p:sp>
         <p:nvSpPr>
-          <p:cNvPr id="46" name="PlaceHolder 7"/>
+          <p:cNvPr id="42" name="PlaceHolder 4"/>
           <p:cNvSpPr>
             <a:spLocks noGrp="1"/>
           </p:cNvSpPr>
@@ -4987,7 +4462,7 @@
         <p:spPr>
           <a:xfrm>
             <a:off x="4165560" y="6245280"/>
-            <a:ext cx="3858840" cy="474480"/>
+            <a:ext cx="3858480" cy="474120"/>
           </a:xfrm>
           <a:prstGeom prst="rect">
             <a:avLst/>
@@ -5056,7 +4531,7 @@
       </p:sp>
       <p:sp>
         <p:nvSpPr>
-          <p:cNvPr id="47" name="PlaceHolder 8"/>
+          <p:cNvPr id="43" name="PlaceHolder 5"/>
           <p:cNvSpPr>
             <a:spLocks noGrp="1"/>
           </p:cNvSpPr>
@@ -5067,7 +4542,7 @@
         <p:spPr>
           <a:xfrm>
             <a:off x="8737560" y="6245280"/>
-            <a:ext cx="2842920" cy="474480"/>
+            <a:ext cx="2842560" cy="474120"/>
           </a:xfrm>
           <a:prstGeom prst="rect">
             <a:avLst/>
@@ -5102,8 +4577,8 @@
 </file>
 
 <file path=ppt/slideLayouts/slideLayout8.xml><?xml version="1.0" encoding="utf-8"?>
-<p:sldLayout xmlns:a="http://schemas.openxmlformats.org/drawingml/2006/main" xmlns:p="http://schemas.openxmlformats.org/presentationml/2006/main" xmlns:r="http://schemas.openxmlformats.org/officeDocument/2006/relationships" xmlns:p14="http://schemas.microsoft.com/office/powerpoint/2010/main" xmlns:p15="http://schemas.microsoft.com/office/powerpoint/2012/main" xmlns:mc="http://schemas.openxmlformats.org/markup-compatibility/2006" type="titleOnly" preserve="1">
-  <p:cSld name="Title Only">
+<p:sldLayout xmlns:a="http://schemas.openxmlformats.org/drawingml/2006/main" xmlns:p="http://schemas.openxmlformats.org/presentationml/2006/main" xmlns:r="http://schemas.openxmlformats.org/officeDocument/2006/relationships" xmlns:p14="http://schemas.microsoft.com/office/powerpoint/2010/main" xmlns:p15="http://schemas.microsoft.com/office/powerpoint/2012/main" xmlns:mc="http://schemas.openxmlformats.org/markup-compatibility/2006" type="blank" preserve="1">
+  <p:cSld name="Section Header">
     <p:bg>
       <p:bgPr>
         <a:solidFill>
@@ -5127,7 +4602,7 @@
       </p:grpSpPr>
       <p:pic>
         <p:nvPicPr>
-          <p:cNvPr id="48" name="Picture 10"/>
+          <p:cNvPr id="44" name="Picture 10"/>
           <p:cNvPicPr/>
           <p:nvPr/>
         </p:nvPicPr>
@@ -5138,7 +4613,7 @@
         <p:spPr>
           <a:xfrm>
             <a:off x="0" y="0"/>
-            <a:ext cx="12190320" cy="6856200"/>
+            <a:ext cx="12189960" cy="6855840"/>
           </a:xfrm>
           <a:prstGeom prst="rect">
             <a:avLst/>
@@ -5151,7 +4626,7 @@
       </p:pic>
       <p:sp>
         <p:nvSpPr>
-          <p:cNvPr id="49" name="PlaceHolder 1"/>
+          <p:cNvPr id="45" name="PlaceHolder 1"/>
           <p:cNvSpPr>
             <a:spLocks noGrp="1"/>
           </p:cNvSpPr>
@@ -5161,8 +4636,8 @@
         </p:nvSpPr>
         <p:spPr>
           <a:xfrm>
-            <a:off x="609480" y="190440"/>
-            <a:ext cx="10971000" cy="580680"/>
+            <a:off x="831960" y="1709640"/>
+            <a:ext cx="10513440" cy="2850480"/>
           </a:xfrm>
           <a:prstGeom prst="rect">
             <a:avLst/>
@@ -5173,7 +4648,7 @@
           </a:ln>
         </p:spPr>
         <p:txBody>
-          <a:bodyPr lIns="90000" rIns="90000" tIns="45000" bIns="45000" anchor="ctr">
+          <a:bodyPr lIns="90000" rIns="90000" tIns="45000" bIns="45000" anchor="b">
             <a:noAutofit/>
           </a:bodyPr>
           <a:p>
@@ -5187,7 +4662,7 @@
               </a:tabLst>
             </a:pPr>
             <a:r>
-              <a:rPr lang="en-US" sz="3600" b="0" u="none" strike="noStrike">
+              <a:rPr lang="en-US" sz="6000" b="0" u="none" strike="noStrike">
                 <a:solidFill>
                   <a:schemeClr val="dk1"/>
                 </a:solidFill>
@@ -5198,9 +4673,9 @@
               </a:rPr>
               <a:t>Click to edit Master title style</a:t>
             </a:r>
-            <a:endParaRPr lang="en-US" sz="3600" b="0" u="none" strike="noStrike">
-              <a:solidFill>
-                <a:schemeClr val="dk1"/>
+            <a:endParaRPr lang="en-US" sz="6000" b="0" u="none" strike="noStrike">
+              <a:solidFill>
+                <a:srgbClr val="000000"/>
               </a:solidFill>
               <a:effectLst/>
               <a:uFillTx/>
@@ -5211,7 +4686,70 @@
       </p:sp>
       <p:sp>
         <p:nvSpPr>
-          <p:cNvPr id="50" name="PlaceHolder 2"/>
+          <p:cNvPr id="46" name="PlaceHolder 2"/>
+          <p:cNvSpPr>
+            <a:spLocks noGrp="1"/>
+          </p:cNvSpPr>
+          <p:nvPr>
+            <p:ph type="body"/>
+          </p:nvPr>
+        </p:nvSpPr>
+        <p:spPr>
+          <a:xfrm>
+            <a:off x="831960" y="4589640"/>
+            <a:ext cx="10513440" cy="1497960"/>
+          </a:xfrm>
+          <a:prstGeom prst="rect">
+            <a:avLst/>
+          </a:prstGeom>
+          <a:noFill/>
+          <a:ln w="9360">
+            <a:noFill/>
+          </a:ln>
+        </p:spPr>
+        <p:txBody>
+          <a:bodyPr lIns="90000" rIns="90000" tIns="45000" bIns="45000" anchor="t">
+            <a:noAutofit/>
+          </a:bodyPr>
+          <a:p>
+            <a:pPr indent="0">
+              <a:lnSpc>
+                <a:spcPct val="100000"/>
+              </a:lnSpc>
+              <a:spcBef>
+                <a:spcPts val="479"/>
+              </a:spcBef>
+              <a:buNone/>
+              <a:tabLst>
+                <a:tab algn="l" pos="0"/>
+              </a:tabLst>
+            </a:pPr>
+            <a:r>
+              <a:rPr lang="en-US" sz="2400" b="0" u="none" strike="noStrike">
+                <a:solidFill>
+                  <a:schemeClr val="dk1"/>
+                </a:solidFill>
+                <a:effectLst/>
+                <a:uFillTx/>
+                <a:latin typeface="Arial"/>
+                <a:ea typeface="SimSun"/>
+              </a:rPr>
+              <a:t>Click to edit Master text styles</a:t>
+            </a:r>
+            <a:endParaRPr lang="en-US" sz="2400" b="0" u="none" strike="noStrike">
+              <a:solidFill>
+                <a:srgbClr val="000000"/>
+              </a:solidFill>
+              <a:effectLst/>
+              <a:uFillTx/>
+              <a:latin typeface="Arial"/>
+            </a:endParaRPr>
+          </a:p>
+        </p:txBody>
+      </p:sp>
+      <p:sp>
+        <p:nvSpPr>
+          <p:cNvPr id="47" name="PlaceHolder 3"/>
           <p:cNvSpPr>
             <a:spLocks noGrp="1"/>
           </p:cNvSpPr>
@@ -5222,7 +4760,7 @@
         <p:spPr>
           <a:xfrm>
             <a:off x="609480" y="6245280"/>
-            <a:ext cx="2842920" cy="474480"/>
+            <a:ext cx="2842560" cy="474120"/>
           </a:xfrm>
           <a:prstGeom prst="rect">
             <a:avLst/>
@@ -5291,7 +4829,7 @@
       </p:sp>
       <p:sp>
         <p:nvSpPr>
-          <p:cNvPr id="51" name="PlaceHolder 3"/>
+          <p:cNvPr id="48" name="PlaceHolder 4"/>
           <p:cNvSpPr>
             <a:spLocks noGrp="1"/>
           </p:cNvSpPr>
@@ -5302,7 +4840,7 @@
         <p:spPr>
           <a:xfrm>
             <a:off x="4165560" y="6245280"/>
-            <a:ext cx="3858840" cy="474480"/>
+            <a:ext cx="3858480" cy="474120"/>
           </a:xfrm>
           <a:prstGeom prst="rect">
             <a:avLst/>
@@ -5371,7 +4909,7 @@
       </p:sp>
       <p:sp>
         <p:nvSpPr>
-          <p:cNvPr id="52" name="PlaceHolder 4"/>
+          <p:cNvPr id="49" name="PlaceHolder 5"/>
           <p:cNvSpPr>
             <a:spLocks noGrp="1"/>
           </p:cNvSpPr>
@@ -5382,7 +4920,7 @@
         <p:spPr>
           <a:xfrm>
             <a:off x="8737560" y="6245280"/>
-            <a:ext cx="2842920" cy="474480"/>
+            <a:ext cx="2842560" cy="474120"/>
           </a:xfrm>
           <a:prstGeom prst="rect">
             <a:avLst/>
@@ -5417,8 +4955,8 @@
 </file>
 
 <file path=ppt/slideLayouts/slideLayout9.xml><?xml version="1.0" encoding="utf-8"?>
-<p:sldLayout xmlns:a="http://schemas.openxmlformats.org/drawingml/2006/main" xmlns:p="http://schemas.openxmlformats.org/presentationml/2006/main" xmlns:r="http://schemas.openxmlformats.org/officeDocument/2006/relationships" xmlns:p14="http://schemas.microsoft.com/office/powerpoint/2010/main" xmlns:p15="http://schemas.microsoft.com/office/powerpoint/2012/main" xmlns:mc="http://schemas.openxmlformats.org/markup-compatibility/2006" type="blank" preserve="1">
-  <p:cSld name="Blank">
+<p:sldLayout xmlns:a="http://schemas.openxmlformats.org/drawingml/2006/main" xmlns:p="http://schemas.openxmlformats.org/presentationml/2006/main" xmlns:r="http://schemas.openxmlformats.org/officeDocument/2006/relationships" xmlns:p14="http://schemas.microsoft.com/office/powerpoint/2010/main" xmlns:p15="http://schemas.microsoft.com/office/powerpoint/2012/main" xmlns:mc="http://schemas.openxmlformats.org/markup-compatibility/2006" type="twoObj" preserve="1">
+  <p:cSld name="Two Content">
     <p:bg>
       <p:bgPr>
         <a:solidFill>
@@ -5442,7 +4980,7 @@
       </p:grpSpPr>
       <p:pic>
         <p:nvPicPr>
-          <p:cNvPr id="53" name="Picture 10"/>
+          <p:cNvPr id="50" name="Picture 10"/>
           <p:cNvPicPr/>
           <p:nvPr/>
         </p:nvPicPr>
@@ -5453,7 +4991,7 @@
         <p:spPr>
           <a:xfrm>
             <a:off x="0" y="0"/>
-            <a:ext cx="12190320" cy="6856200"/>
+            <a:ext cx="12189960" cy="6855840"/>
           </a:xfrm>
           <a:prstGeom prst="rect">
             <a:avLst/>
@@ -5466,7 +5004,475 @@
       </p:pic>
       <p:sp>
         <p:nvSpPr>
-          <p:cNvPr id="54" name="PlaceHolder 1"/>
+          <p:cNvPr id="51" name="PlaceHolder 1"/>
+          <p:cNvSpPr>
+            <a:spLocks noGrp="1"/>
+          </p:cNvSpPr>
+          <p:nvPr>
+            <p:ph type="title"/>
+          </p:nvPr>
+        </p:nvSpPr>
+        <p:spPr>
+          <a:xfrm>
+            <a:off x="609480" y="190440"/>
+            <a:ext cx="10970640" cy="580320"/>
+          </a:xfrm>
+          <a:prstGeom prst="rect">
+            <a:avLst/>
+          </a:prstGeom>
+          <a:noFill/>
+          <a:ln w="9360">
+            <a:noFill/>
+          </a:ln>
+        </p:spPr>
+        <p:txBody>
+          <a:bodyPr lIns="90000" rIns="90000" tIns="45000" bIns="45000" anchor="ctr">
+            <a:noAutofit/>
+          </a:bodyPr>
+          <a:p>
+            <a:pPr indent="0">
+              <a:lnSpc>
+                <a:spcPct val="100000"/>
+              </a:lnSpc>
+              <a:buNone/>
+              <a:tabLst>
+                <a:tab algn="l" pos="0"/>
+              </a:tabLst>
+            </a:pPr>
+            <a:r>
+              <a:rPr lang="en-US" sz="3600" b="0" u="none" strike="noStrike">
+                <a:solidFill>
+                  <a:schemeClr val="dk1"/>
+                </a:solidFill>
+                <a:effectLst/>
+                <a:uFillTx/>
+                <a:latin typeface="Arial"/>
+                <a:ea typeface="SimSun"/>
+              </a:rPr>
+              <a:t>Click to edit Master title style</a:t>
+            </a:r>
+            <a:endParaRPr lang="en-US" sz="3600" b="0" u="none" strike="noStrike">
+              <a:solidFill>
+                <a:srgbClr val="000000"/>
+              </a:solidFill>
+              <a:effectLst/>
+              <a:uFillTx/>
+              <a:latin typeface="Arial"/>
+            </a:endParaRPr>
+          </a:p>
+        </p:txBody>
+      </p:sp>
+      <p:sp>
+        <p:nvSpPr>
+          <p:cNvPr id="52" name="PlaceHolder 2"/>
+          <p:cNvSpPr>
+            <a:spLocks noGrp="1"/>
+          </p:cNvSpPr>
+          <p:nvPr>
+            <p:ph type="body"/>
+          </p:nvPr>
+        </p:nvSpPr>
+        <p:spPr>
+          <a:xfrm>
+            <a:off x="609480" y="1174680"/>
+            <a:ext cx="5382720" cy="4950720"/>
+          </a:xfrm>
+          <a:prstGeom prst="rect">
+            <a:avLst/>
+          </a:prstGeom>
+          <a:noFill/>
+          <a:ln w="9360">
+            <a:noFill/>
+          </a:ln>
+        </p:spPr>
+        <p:txBody>
+          <a:bodyPr lIns="90000" rIns="90000" tIns="45000" bIns="45000" anchor="t">
+            <a:noAutofit/>
+          </a:bodyPr>
+          <a:p>
+            <a:pPr marL="343080" indent="-343080">
+              <a:lnSpc>
+                <a:spcPct val="100000"/>
+              </a:lnSpc>
+              <a:spcBef>
+                <a:spcPts val="641"/>
+              </a:spcBef>
+              <a:buClr>
+                <a:srgbClr val="000000"/>
+              </a:buClr>
+              <a:buFont typeface="Symbol" charset="2"/>
+              <a:buChar char=""/>
+            </a:pPr>
+            <a:r>
+              <a:rPr lang="en-US" sz="3200" b="0" u="none" strike="noStrike">
+                <a:solidFill>
+                  <a:schemeClr val="dk1"/>
+                </a:solidFill>
+                <a:effectLst/>
+                <a:uFillTx/>
+                <a:latin typeface="Arial"/>
+                <a:ea typeface="SimSun"/>
+              </a:rPr>
+              <a:t>Click to edit Master text styles</a:t>
+            </a:r>
+            <a:endParaRPr lang="en-US" sz="3200" b="0" u="none" strike="noStrike">
+              <a:solidFill>
+                <a:srgbClr val="000000"/>
+              </a:solidFill>
+              <a:effectLst/>
+              <a:uFillTx/>
+              <a:latin typeface="Arial"/>
+            </a:endParaRPr>
+          </a:p>
+          <a:p>
+            <a:pPr marL="743040" lvl="1" indent="-285840">
+              <a:lnSpc>
+                <a:spcPct val="100000"/>
+              </a:lnSpc>
+              <a:spcBef>
+                <a:spcPts val="561"/>
+              </a:spcBef>
+              <a:buClr>
+                <a:srgbClr val="000000"/>
+              </a:buClr>
+              <a:buFont typeface="Symbol" charset="2"/>
+              <a:buChar char=""/>
+            </a:pPr>
+            <a:r>
+              <a:rPr lang="en-US" sz="2800" b="0" u="none" strike="noStrike">
+                <a:solidFill>
+                  <a:schemeClr val="dk1"/>
+                </a:solidFill>
+                <a:effectLst/>
+                <a:uFillTx/>
+                <a:latin typeface="Arial"/>
+                <a:ea typeface="SimSun"/>
+              </a:rPr>
+              <a:t>Second level</a:t>
+            </a:r>
+            <a:endParaRPr lang="en-US" sz="2800" b="0" u="none" strike="noStrike">
+              <a:solidFill>
+                <a:srgbClr val="000000"/>
+              </a:solidFill>
+              <a:effectLst/>
+              <a:uFillTx/>
+              <a:latin typeface="Arial"/>
+            </a:endParaRPr>
+          </a:p>
+          <a:p>
+            <a:pPr marL="1143000" lvl="2" indent="-228600">
+              <a:lnSpc>
+                <a:spcPct val="100000"/>
+              </a:lnSpc>
+              <a:spcBef>
+                <a:spcPts val="479"/>
+              </a:spcBef>
+              <a:buClr>
+                <a:srgbClr val="000000"/>
+              </a:buClr>
+              <a:buFont typeface="Symbol" charset="2"/>
+              <a:buChar char=""/>
+            </a:pPr>
+            <a:r>
+              <a:rPr lang="en-US" sz="2400" b="0" u="none" strike="noStrike">
+                <a:solidFill>
+                  <a:schemeClr val="dk1"/>
+                </a:solidFill>
+                <a:effectLst/>
+                <a:uFillTx/>
+                <a:latin typeface="Arial"/>
+                <a:ea typeface="SimSun"/>
+              </a:rPr>
+              <a:t>Third level</a:t>
+            </a:r>
+            <a:endParaRPr lang="en-US" sz="2400" b="0" u="none" strike="noStrike">
+              <a:solidFill>
+                <a:srgbClr val="000000"/>
+              </a:solidFill>
+              <a:effectLst/>
+              <a:uFillTx/>
+              <a:latin typeface="Arial"/>
+            </a:endParaRPr>
+          </a:p>
+          <a:p>
+            <a:pPr marL="1600200" lvl="3" indent="-228600">
+              <a:lnSpc>
+                <a:spcPct val="100000"/>
+              </a:lnSpc>
+              <a:spcBef>
+                <a:spcPts val="400"/>
+              </a:spcBef>
+              <a:buClr>
+                <a:srgbClr val="000000"/>
+              </a:buClr>
+              <a:buFont typeface="Symbol" charset="2"/>
+              <a:buChar char=""/>
+            </a:pPr>
+            <a:r>
+              <a:rPr lang="en-US" sz="2000" b="0" u="none" strike="noStrike">
+                <a:solidFill>
+                  <a:schemeClr val="dk1"/>
+                </a:solidFill>
+                <a:effectLst/>
+                <a:uFillTx/>
+                <a:latin typeface="Arial"/>
+                <a:ea typeface="SimSun"/>
+              </a:rPr>
+              <a:t>Fourth level</a:t>
+            </a:r>
+            <a:endParaRPr lang="en-US" sz="2000" b="0" u="none" strike="noStrike">
+              <a:solidFill>
+                <a:srgbClr val="000000"/>
+              </a:solidFill>
+              <a:effectLst/>
+              <a:uFillTx/>
+              <a:latin typeface="Arial"/>
+            </a:endParaRPr>
+          </a:p>
+          <a:p>
+            <a:pPr marL="2057400" lvl="4" indent="-228600">
+              <a:lnSpc>
+                <a:spcPct val="100000"/>
+              </a:lnSpc>
+              <a:spcBef>
+                <a:spcPts val="400"/>
+              </a:spcBef>
+              <a:buClr>
+                <a:srgbClr val="000000"/>
+              </a:buClr>
+              <a:buFont typeface="OpenSymbol"/>
+              <a:buChar char="»"/>
+            </a:pPr>
+            <a:r>
+              <a:rPr lang="en-US" sz="2000" b="0" u="none" strike="noStrike">
+                <a:solidFill>
+                  <a:schemeClr val="dk1"/>
+                </a:solidFill>
+                <a:effectLst/>
+                <a:uFillTx/>
+                <a:latin typeface="Arial"/>
+                <a:ea typeface="SimSun"/>
+              </a:rPr>
+              <a:t>Fifth level</a:t>
+            </a:r>
+            <a:endParaRPr lang="en-US" sz="2000" b="0" u="none" strike="noStrike">
+              <a:solidFill>
+                <a:srgbClr val="000000"/>
+              </a:solidFill>
+              <a:effectLst/>
+              <a:uFillTx/>
+              <a:latin typeface="Arial"/>
+            </a:endParaRPr>
+          </a:p>
+        </p:txBody>
+      </p:sp>
+      <p:sp>
+        <p:nvSpPr>
+          <p:cNvPr id="53" name="PlaceHolder 3"/>
+          <p:cNvSpPr>
+            <a:spLocks noGrp="1"/>
+          </p:cNvSpPr>
+          <p:nvPr>
+            <p:ph type="body"/>
+          </p:nvPr>
+        </p:nvSpPr>
+        <p:spPr>
+          <a:xfrm>
+            <a:off x="6197760" y="1174680"/>
+            <a:ext cx="5382720" cy="4950720"/>
+          </a:xfrm>
+          <a:prstGeom prst="rect">
+            <a:avLst/>
+          </a:prstGeom>
+          <a:noFill/>
+          <a:ln w="9360">
+            <a:noFill/>
+          </a:ln>
+        </p:spPr>
+        <p:txBody>
+          <a:bodyPr lIns="90000" rIns="90000" tIns="45000" bIns="45000" anchor="t">
+            <a:noAutofit/>
+          </a:bodyPr>
+          <a:p>
+            <a:pPr marL="343080" indent="-343080">
+              <a:lnSpc>
+                <a:spcPct val="100000"/>
+              </a:lnSpc>
+              <a:spcBef>
+                <a:spcPts val="641"/>
+              </a:spcBef>
+              <a:buClr>
+                <a:srgbClr val="000000"/>
+              </a:buClr>
+              <a:buFont typeface="Symbol" charset="2"/>
+              <a:buChar char=""/>
+            </a:pPr>
+            <a:r>
+              <a:rPr lang="en-US" sz="3200" b="0" u="none" strike="noStrike">
+                <a:solidFill>
+                  <a:schemeClr val="dk1"/>
+                </a:solidFill>
+                <a:effectLst/>
+                <a:uFillTx/>
+                <a:latin typeface="Arial"/>
+                <a:ea typeface="SimSun"/>
+              </a:rPr>
+              <a:t>Click to edit Master text styles</a:t>
+            </a:r>
+            <a:endParaRPr lang="en-US" sz="3200" b="0" u="none" strike="noStrike">
+              <a:solidFill>
+                <a:srgbClr val="000000"/>
+              </a:solidFill>
+              <a:effectLst/>
+              <a:uFillTx/>
+              <a:latin typeface="Arial"/>
+            </a:endParaRPr>
+          </a:p>
+          <a:p>
+            <a:pPr marL="743040" lvl="1" indent="-285840">
+              <a:lnSpc>
+                <a:spcPct val="100000"/>
+              </a:lnSpc>
+              <a:spcBef>
+                <a:spcPts val="561"/>
+              </a:spcBef>
+              <a:buClr>
+                <a:srgbClr val="000000"/>
+              </a:buClr>
+              <a:buFont typeface="Symbol" charset="2"/>
+              <a:buChar char=""/>
+            </a:pPr>
+            <a:r>
+              <a:rPr lang="en-US" sz="2800" b="0" u="none" strike="noStrike">
+                <a:solidFill>
+                  <a:schemeClr val="dk1"/>
+                </a:solidFill>
+                <a:effectLst/>
+                <a:uFillTx/>
+                <a:latin typeface="Arial"/>
+                <a:ea typeface="SimSun"/>
+              </a:rPr>
+              <a:t>Second level</a:t>
+            </a:r>
+            <a:endParaRPr lang="en-US" sz="2800" b="0" u="none" strike="noStrike">
+              <a:solidFill>
+                <a:srgbClr val="000000"/>
+              </a:solidFill>
+              <a:effectLst/>
+              <a:uFillTx/>
+              <a:latin typeface="Arial"/>
+            </a:endParaRPr>
+          </a:p>
+          <a:p>
+            <a:pPr marL="1143000" lvl="2" indent="-228600">
+              <a:lnSpc>
+                <a:spcPct val="100000"/>
+              </a:lnSpc>
+              <a:spcBef>
+                <a:spcPts val="479"/>
+              </a:spcBef>
+              <a:buClr>
+                <a:srgbClr val="000000"/>
+              </a:buClr>
+              <a:buFont typeface="Symbol" charset="2"/>
+              <a:buChar char=""/>
+            </a:pPr>
+            <a:r>
+              <a:rPr lang="en-US" sz="2400" b="0" u="none" strike="noStrike">
+                <a:solidFill>
+                  <a:schemeClr val="dk1"/>
+                </a:solidFill>
+                <a:effectLst/>
+                <a:uFillTx/>
+                <a:latin typeface="Arial"/>
+                <a:ea typeface="SimSun"/>
+              </a:rPr>
+              <a:t>Third level</a:t>
+            </a:r>
+            <a:endParaRPr lang="en-US" sz="2400" b="0" u="none" strike="noStrike">
+              <a:solidFill>
+                <a:srgbClr val="000000"/>
+              </a:solidFill>
+              <a:effectLst/>
+              <a:uFillTx/>
+              <a:latin typeface="Arial"/>
+            </a:endParaRPr>
+          </a:p>
+          <a:p>
+            <a:pPr marL="1600200" lvl="3" indent="-228600">
+              <a:lnSpc>
+                <a:spcPct val="100000"/>
+              </a:lnSpc>
+              <a:spcBef>
+                <a:spcPts val="400"/>
+              </a:spcBef>
+              <a:buClr>
+                <a:srgbClr val="000000"/>
+              </a:buClr>
+              <a:buFont typeface="Symbol" charset="2"/>
+              <a:buChar char=""/>
+            </a:pPr>
+            <a:r>
+              <a:rPr lang="en-US" sz="2000" b="0" u="none" strike="noStrike">
+                <a:solidFill>
+                  <a:schemeClr val="dk1"/>
+                </a:solidFill>
+                <a:effectLst/>
+                <a:uFillTx/>
+                <a:latin typeface="Arial"/>
+                <a:ea typeface="SimSun"/>
+              </a:rPr>
+              <a:t>Fourth level</a:t>
+            </a:r>
+            <a:endParaRPr lang="en-US" sz="2000" b="0" u="none" strike="noStrike">
+              <a:solidFill>
+                <a:srgbClr val="000000"/>
+              </a:solidFill>
+              <a:effectLst/>
+              <a:uFillTx/>
+              <a:latin typeface="Arial"/>
+            </a:endParaRPr>
+          </a:p>
+          <a:p>
+            <a:pPr marL="2057400" lvl="4" indent="-228600">
+              <a:lnSpc>
+                <a:spcPct val="100000"/>
+              </a:lnSpc>
+              <a:spcBef>
+                <a:spcPts val="400"/>
+              </a:spcBef>
+              <a:buClr>
+                <a:srgbClr val="000000"/>
+              </a:buClr>
+              <a:buFont typeface="OpenSymbol"/>
+              <a:buChar char="»"/>
+            </a:pPr>
+            <a:r>
+              <a:rPr lang="en-US" sz="2000" b="0" u="none" strike="noStrike">
+                <a:solidFill>
+                  <a:schemeClr val="dk1"/>
+                </a:solidFill>
+                <a:effectLst/>
+                <a:uFillTx/>
+                <a:latin typeface="Arial"/>
+                <a:ea typeface="SimSun"/>
+              </a:rPr>
+              <a:t>Fifth level</a:t>
+            </a:r>
+            <a:endParaRPr lang="en-US" sz="2000" b="0" u="none" strike="noStrike">
+              <a:solidFill>
+                <a:srgbClr val="000000"/>
+              </a:solidFill>
+              <a:effectLst/>
+              <a:uFillTx/>
+              <a:latin typeface="Arial"/>
+            </a:endParaRPr>
+          </a:p>
+        </p:txBody>
+      </p:sp>
+      <p:sp>
+        <p:nvSpPr>
+          <p:cNvPr id="54" name="PlaceHolder 4"/>
           <p:cNvSpPr>
             <a:spLocks noGrp="1"/>
           </p:cNvSpPr>
@@ -5477,7 +5483,7 @@
         <p:spPr>
           <a:xfrm>
             <a:off x="609480" y="6245280"/>
-            <a:ext cx="2842920" cy="474480"/>
+            <a:ext cx="2842560" cy="474120"/>
           </a:xfrm>
           <a:prstGeom prst="rect">
             <a:avLst/>
@@ -5546,7 +5552,7 @@
       </p:sp>
       <p:sp>
         <p:nvSpPr>
-          <p:cNvPr id="55" name="PlaceHolder 2"/>
+          <p:cNvPr id="55" name="PlaceHolder 5"/>
           <p:cNvSpPr>
             <a:spLocks noGrp="1"/>
           </p:cNvSpPr>
@@ -5557,7 +5563,7 @@
         <p:spPr>
           <a:xfrm>
             <a:off x="4165560" y="6245280"/>
-            <a:ext cx="3858840" cy="474480"/>
+            <a:ext cx="3858480" cy="474120"/>
           </a:xfrm>
           <a:prstGeom prst="rect">
             <a:avLst/>
@@ -5626,7 +5632,7 @@
       </p:sp>
       <p:sp>
         <p:nvSpPr>
-          <p:cNvPr id="56" name="PlaceHolder 3"/>
+          <p:cNvPr id="56" name="PlaceHolder 6"/>
           <p:cNvSpPr>
             <a:spLocks noGrp="1"/>
           </p:cNvSpPr>
@@ -5637,7 +5643,7 @@
         <p:spPr>
           <a:xfrm>
             <a:off x="8737560" y="6245280"/>
-            <a:ext cx="2842920" cy="474480"/>
+            <a:ext cx="2842560" cy="474120"/>
           </a:xfrm>
           <a:prstGeom prst="rect">
             <a:avLst/>
@@ -5737,7 +5743,7 @@
         <p:spPr>
           <a:xfrm>
             <a:off x="734760" y="1720800"/>
-            <a:ext cx="10336680" cy="2898720"/>
+            <a:ext cx="10336320" cy="2898360"/>
           </a:xfrm>
           <a:prstGeom prst="rect">
             <a:avLst/>
@@ -5882,8 +5888,8 @@
         </p:nvSpPr>
         <p:spPr>
           <a:xfrm>
-            <a:off x="609480" y="190440"/>
-            <a:ext cx="10971000" cy="580680"/>
+            <a:off x="459360" y="685440"/>
+            <a:ext cx="10970640" cy="5121000"/>
           </a:xfrm>
           <a:prstGeom prst="rect">
             <a:avLst/>
@@ -5899,11 +5905,109 @@
           </a:bodyPr>
           <a:p>
             <a:pPr indent="0">
+              <a:lnSpc>
+                <a:spcPct val="150000"/>
+              </a:lnSpc>
               <a:buNone/>
             </a:pPr>
-            <a:endParaRPr lang="en-US" sz="1800" b="0" u="none" strike="noStrike">
-              <a:solidFill>
-                <a:schemeClr val="dk1"/>
+            <a:r>
+              <a:rPr lang="en-US" sz="3200" b="1" u="none" strike="noStrike">
+                <a:solidFill>
+                  <a:srgbClr val="000000"/>
+                </a:solidFill>
+                <a:effectLst/>
+                <a:uFillTx/>
+                <a:latin typeface="Arial"/>
+              </a:rPr>
+              <a:t>FILES:</a:t>
+            </a:r>
+            <a:br>
+              <a:rPr sz="3200"/>
+            </a:br>
+            <a:r>
+              <a:rPr lang="en-US" sz="3200" b="0" i="1" u="none" strike="noStrike">
+                <a:solidFill>
+                  <a:srgbClr val="000000"/>
+                </a:solidFill>
+                <a:effectLst/>
+                <a:uFillTx/>
+                <a:latin typeface="Arial"/>
+              </a:rPr>
+              <a:t>-Airy scan_40A_UAS-TMEM-HA_axons_L3_x63_1_180123</a:t>
+            </a:r>
+            <a:br>
+              <a:rPr sz="3200"/>
+            </a:br>
+            <a:r>
+              <a:rPr lang="en-US" sz="3200" b="0" i="1" u="none" strike="noStrike">
+                <a:solidFill>
+                  <a:srgbClr val="000000"/>
+                </a:solidFill>
+                <a:effectLst/>
+                <a:uFillTx/>
+                <a:latin typeface="Arial"/>
+              </a:rPr>
+              <a:t>-Airy scan_40A_UAS-TMEM-HA_axons_L3_x63_2_180123</a:t>
+            </a:r>
+            <a:br>
+              <a:rPr sz="3200"/>
+            </a:br>
+            <a:r>
+              <a:rPr lang="en-US" sz="3200" b="0" i="1" u="none" strike="noStrike">
+                <a:solidFill>
+                  <a:srgbClr val="000000"/>
+                </a:solidFill>
+                <a:effectLst/>
+                <a:uFillTx/>
+                <a:latin typeface="Arial"/>
+              </a:rPr>
+              <a:t>-Airy scan_40A_UAS-TMEM-HA_axon_0h_again_2_051222</a:t>
+            </a:r>
+            <a:br>
+              <a:rPr sz="3200"/>
+            </a:br>
+            <a:r>
+              <a:rPr lang="en-US" sz="3200" b="0" i="1" u="none" strike="noStrike">
+                <a:solidFill>
+                  <a:srgbClr val="000000"/>
+                </a:solidFill>
+                <a:effectLst/>
+                <a:uFillTx/>
+                <a:latin typeface="Arial"/>
+              </a:rPr>
+              <a:t>-Airy scan_40A_UAS-TMEM-HA_axon_0h_again_3_051222</a:t>
+            </a:r>
+            <a:br>
+              <a:rPr sz="3200"/>
+            </a:br>
+            <a:r>
+              <a:rPr lang="en-US" sz="3200" b="0" i="1" u="none" strike="noStrike">
+                <a:solidFill>
+                  <a:srgbClr val="000000"/>
+                </a:solidFill>
+                <a:effectLst/>
+                <a:uFillTx/>
+                <a:latin typeface="Arial"/>
+              </a:rPr>
+              <a:t>-Airy scan_40A_UAS-TMEM-HA_axons_4h_1_291122</a:t>
+            </a:r>
+            <a:br>
+              <a:rPr sz="3200"/>
+            </a:br>
+            <a:r>
+              <a:rPr lang="en-US" sz="3200" b="0" i="1" u="none" strike="noStrike">
+                <a:solidFill>
+                  <a:srgbClr val="000000"/>
+                </a:solidFill>
+                <a:effectLst/>
+                <a:uFillTx/>
+                <a:latin typeface="Arial"/>
+              </a:rPr>
+              <a:t>-Airy scan_40A_UAS-TMEM-HA_axons_4h_3_291122</a:t>
+            </a:r>
+            <a:endParaRPr lang="en-US" sz="3200" b="0" u="none" strike="noStrike">
+              <a:solidFill>
+                <a:srgbClr val="000000"/>
               </a:solidFill>
               <a:effectLst/>
               <a:uFillTx/>
@@ -5912,20 +6016,50 @@
           </a:p>
         </p:txBody>
       </p:sp>
-      <p:pic>
-        <p:nvPicPr>
-          <p:cNvPr id="103" name=""/>
-          <p:cNvPicPr/>
-          <p:nvPr/>
-        </p:nvPicPr>
-        <p:blipFill>
-          <a:blip r:embed="rId1"/>
-          <a:stretch/>
-        </p:blipFill>
+    </p:spTree>
+  </p:cSld>
+  <mc:AlternateContent>
+    <mc:Choice Requires="p14">
+      <p:transition spd="slow" p14:dur="2000"/>
+    </mc:Choice>
+    <mc:Fallback>
+      <p:transition spd="slow"/>
+    </mc:Fallback>
+  </mc:AlternateContent>
+</p:sld>
+</file>
+
+<file path=ppt/slides/slide11.xml><?xml version="1.0" encoding="utf-8"?>
+<p:sld xmlns:a="http://schemas.openxmlformats.org/drawingml/2006/main" xmlns:p="http://schemas.openxmlformats.org/presentationml/2006/main" xmlns:r="http://schemas.openxmlformats.org/officeDocument/2006/relationships" xmlns:p14="http://schemas.microsoft.com/office/powerpoint/2010/main" xmlns:p15="http://schemas.microsoft.com/office/powerpoint/2012/main" xmlns:mc="http://schemas.openxmlformats.org/markup-compatibility/2006">
+  <p:cSld>
+    <p:spTree>
+      <p:nvGrpSpPr>
+        <p:cNvPr id="1" name=""/>
+        <p:cNvGrpSpPr/>
+        <p:nvPr/>
+      </p:nvGrpSpPr>
+      <p:grpSpPr>
+        <a:xfrm>
+          <a:off x="0" y="0"/>
+          <a:ext cx="0" cy="0"/>
+          <a:chOff x="0" y="0"/>
+          <a:chExt cx="0" cy="0"/>
+        </a:xfrm>
+      </p:grpSpPr>
+      <p:sp>
+        <p:nvSpPr>
+          <p:cNvPr id="103" name="PlaceHolder 1"/>
+          <p:cNvSpPr>
+            <a:spLocks noGrp="1"/>
+          </p:cNvSpPr>
+          <p:nvPr>
+            <p:ph type="title"/>
+          </p:nvPr>
+        </p:nvSpPr>
         <p:spPr>
           <a:xfrm>
-            <a:off x="609480" y="1174680"/>
-            <a:ext cx="10971000" cy="4951080"/>
+            <a:off x="609480" y="168120"/>
+            <a:ext cx="10970640" cy="625320"/>
           </a:xfrm>
           <a:prstGeom prst="rect">
             <a:avLst/>
@@ -5935,7 +6069,451 @@
             <a:noFill/>
           </a:ln>
         </p:spPr>
-      </p:pic>
+        <p:txBody>
+          <a:bodyPr lIns="0" rIns="0" tIns="0" bIns="0" anchor="ctr">
+            <a:spAutoFit/>
+          </a:bodyPr>
+          <a:p>
+            <a:pPr indent="0" algn="ctr">
+              <a:buNone/>
+            </a:pPr>
+            <a:r>
+              <a:rPr lang="en-US" sz="4400" b="1" u="none" strike="noStrike">
+                <a:solidFill>
+                  <a:srgbClr val="ff0000"/>
+                </a:solidFill>
+                <a:effectLst/>
+                <a:uFillTx/>
+                <a:latin typeface="Arial"/>
+              </a:rPr>
+              <a:t>L3 1</a:t>
+            </a:r>
+            <a:endParaRPr lang="en-US" sz="4400" b="1" u="none" strike="noStrike">
+              <a:solidFill>
+                <a:srgbClr val="ff0000"/>
+              </a:solidFill>
+              <a:effectLst/>
+              <a:uFillTx/>
+              <a:latin typeface="Arial"/>
+            </a:endParaRPr>
+          </a:p>
+        </p:txBody>
+      </p:sp>
+    </p:spTree>
+  </p:cSld>
+  <mc:AlternateContent>
+    <mc:Choice Requires="p14">
+      <p:transition spd="slow" p14:dur="2000"/>
+    </mc:Choice>
+    <mc:Fallback>
+      <p:transition spd="slow"/>
+    </mc:Fallback>
+  </mc:AlternateContent>
+</p:sld>
+</file>
+
+<file path=ppt/slides/slide12.xml><?xml version="1.0" encoding="utf-8"?>
+<p:sld xmlns:a="http://schemas.openxmlformats.org/drawingml/2006/main" xmlns:p="http://schemas.openxmlformats.org/presentationml/2006/main" xmlns:r="http://schemas.openxmlformats.org/officeDocument/2006/relationships" xmlns:p14="http://schemas.microsoft.com/office/powerpoint/2010/main" xmlns:p15="http://schemas.microsoft.com/office/powerpoint/2012/main" xmlns:mc="http://schemas.openxmlformats.org/markup-compatibility/2006">
+  <p:cSld>
+    <p:spTree>
+      <p:nvGrpSpPr>
+        <p:cNvPr id="1" name=""/>
+        <p:cNvGrpSpPr/>
+        <p:nvPr/>
+      </p:nvGrpSpPr>
+      <p:grpSpPr>
+        <a:xfrm>
+          <a:off x="0" y="0"/>
+          <a:ext cx="0" cy="0"/>
+          <a:chOff x="0" y="0"/>
+          <a:chExt cx="0" cy="0"/>
+        </a:xfrm>
+      </p:grpSpPr>
+      <p:sp>
+        <p:nvSpPr>
+          <p:cNvPr id="104" name="PlaceHolder 1"/>
+          <p:cNvSpPr>
+            <a:spLocks noGrp="1"/>
+          </p:cNvSpPr>
+          <p:nvPr>
+            <p:ph type="title"/>
+          </p:nvPr>
+        </p:nvSpPr>
+        <p:spPr>
+          <a:xfrm>
+            <a:off x="609480" y="168120"/>
+            <a:ext cx="10970640" cy="625320"/>
+          </a:xfrm>
+          <a:prstGeom prst="rect">
+            <a:avLst/>
+          </a:prstGeom>
+          <a:noFill/>
+          <a:ln w="0">
+            <a:noFill/>
+          </a:ln>
+        </p:spPr>
+        <p:txBody>
+          <a:bodyPr lIns="0" rIns="0" tIns="0" bIns="0" anchor="ctr">
+            <a:spAutoFit/>
+          </a:bodyPr>
+          <a:p>
+            <a:pPr indent="0" algn="ctr">
+              <a:buNone/>
+            </a:pPr>
+            <a:r>
+              <a:rPr lang="en-US" sz="4400" b="1" u="none" strike="noStrike">
+                <a:solidFill>
+                  <a:srgbClr val="ff0000"/>
+                </a:solidFill>
+                <a:effectLst/>
+                <a:uFillTx/>
+                <a:latin typeface="Arial"/>
+              </a:rPr>
+              <a:t>L3 2</a:t>
+            </a:r>
+            <a:endParaRPr lang="en-US" sz="4400" b="1" u="none" strike="noStrike">
+              <a:solidFill>
+                <a:srgbClr val="ff0000"/>
+              </a:solidFill>
+              <a:effectLst/>
+              <a:uFillTx/>
+              <a:latin typeface="Arial"/>
+            </a:endParaRPr>
+          </a:p>
+        </p:txBody>
+      </p:sp>
+    </p:spTree>
+  </p:cSld>
+  <mc:AlternateContent>
+    <mc:Choice Requires="p14">
+      <p:transition spd="slow" p14:dur="2000"/>
+    </mc:Choice>
+    <mc:Fallback>
+      <p:transition spd="slow"/>
+    </mc:Fallback>
+  </mc:AlternateContent>
+</p:sld>
+</file>
+
+<file path=ppt/slides/slide13.xml><?xml version="1.0" encoding="utf-8"?>
+<p:sld xmlns:a="http://schemas.openxmlformats.org/drawingml/2006/main" xmlns:p="http://schemas.openxmlformats.org/presentationml/2006/main" xmlns:r="http://schemas.openxmlformats.org/officeDocument/2006/relationships" xmlns:p14="http://schemas.microsoft.com/office/powerpoint/2010/main" xmlns:p15="http://schemas.microsoft.com/office/powerpoint/2012/main" xmlns:mc="http://schemas.openxmlformats.org/markup-compatibility/2006">
+  <p:cSld>
+    <p:spTree>
+      <p:nvGrpSpPr>
+        <p:cNvPr id="1" name=""/>
+        <p:cNvGrpSpPr/>
+        <p:nvPr/>
+      </p:nvGrpSpPr>
+      <p:grpSpPr>
+        <a:xfrm>
+          <a:off x="0" y="0"/>
+          <a:ext cx="0" cy="0"/>
+          <a:chOff x="0" y="0"/>
+          <a:chExt cx="0" cy="0"/>
+        </a:xfrm>
+      </p:grpSpPr>
+      <p:sp>
+        <p:nvSpPr>
+          <p:cNvPr id="105" name="PlaceHolder 1"/>
+          <p:cNvSpPr>
+            <a:spLocks noGrp="1"/>
+          </p:cNvSpPr>
+          <p:nvPr>
+            <p:ph type="title"/>
+          </p:nvPr>
+        </p:nvSpPr>
+        <p:spPr>
+          <a:xfrm>
+            <a:off x="609480" y="168120"/>
+            <a:ext cx="10970640" cy="625320"/>
+          </a:xfrm>
+          <a:prstGeom prst="rect">
+            <a:avLst/>
+          </a:prstGeom>
+          <a:noFill/>
+          <a:ln w="0">
+            <a:noFill/>
+          </a:ln>
+        </p:spPr>
+        <p:txBody>
+          <a:bodyPr lIns="0" rIns="0" tIns="0" bIns="0" anchor="ctr">
+            <a:spAutoFit/>
+          </a:bodyPr>
+          <a:p>
+            <a:pPr indent="0" algn="ctr">
+              <a:buNone/>
+            </a:pPr>
+            <a:r>
+              <a:rPr lang="en-US" sz="4400" b="1" u="none" strike="noStrike">
+                <a:solidFill>
+                  <a:srgbClr val="ff0000"/>
+                </a:solidFill>
+                <a:effectLst/>
+                <a:uFillTx/>
+                <a:latin typeface="Arial"/>
+              </a:rPr>
+              <a:t>0H 2</a:t>
+            </a:r>
+            <a:endParaRPr lang="en-US" sz="4400" b="1" u="none" strike="noStrike">
+              <a:solidFill>
+                <a:srgbClr val="ff0000"/>
+              </a:solidFill>
+              <a:effectLst/>
+              <a:uFillTx/>
+              <a:latin typeface="Arial"/>
+            </a:endParaRPr>
+          </a:p>
+        </p:txBody>
+      </p:sp>
+    </p:spTree>
+  </p:cSld>
+  <mc:AlternateContent>
+    <mc:Choice Requires="p14">
+      <p:transition spd="slow" p14:dur="2000"/>
+    </mc:Choice>
+    <mc:Fallback>
+      <p:transition spd="slow"/>
+    </mc:Fallback>
+  </mc:AlternateContent>
+</p:sld>
+</file>
+
+<file path=ppt/slides/slide14.xml><?xml version="1.0" encoding="utf-8"?>
+<p:sld xmlns:a="http://schemas.openxmlformats.org/drawingml/2006/main" xmlns:p="http://schemas.openxmlformats.org/presentationml/2006/main" xmlns:r="http://schemas.openxmlformats.org/officeDocument/2006/relationships" xmlns:p14="http://schemas.microsoft.com/office/powerpoint/2010/main" xmlns:p15="http://schemas.microsoft.com/office/powerpoint/2012/main" xmlns:mc="http://schemas.openxmlformats.org/markup-compatibility/2006">
+  <p:cSld>
+    <p:spTree>
+      <p:nvGrpSpPr>
+        <p:cNvPr id="1" name=""/>
+        <p:cNvGrpSpPr/>
+        <p:nvPr/>
+      </p:nvGrpSpPr>
+      <p:grpSpPr>
+        <a:xfrm>
+          <a:off x="0" y="0"/>
+          <a:ext cx="0" cy="0"/>
+          <a:chOff x="0" y="0"/>
+          <a:chExt cx="0" cy="0"/>
+        </a:xfrm>
+      </p:grpSpPr>
+      <p:sp>
+        <p:nvSpPr>
+          <p:cNvPr id="106" name="PlaceHolder 1"/>
+          <p:cNvSpPr>
+            <a:spLocks noGrp="1"/>
+          </p:cNvSpPr>
+          <p:nvPr>
+            <p:ph type="title"/>
+          </p:nvPr>
+        </p:nvSpPr>
+        <p:spPr>
+          <a:xfrm>
+            <a:off x="609480" y="168120"/>
+            <a:ext cx="10970640" cy="625320"/>
+          </a:xfrm>
+          <a:prstGeom prst="rect">
+            <a:avLst/>
+          </a:prstGeom>
+          <a:noFill/>
+          <a:ln w="0">
+            <a:noFill/>
+          </a:ln>
+        </p:spPr>
+        <p:txBody>
+          <a:bodyPr lIns="0" rIns="0" tIns="0" bIns="0" anchor="ctr">
+            <a:spAutoFit/>
+          </a:bodyPr>
+          <a:p>
+            <a:pPr indent="0" algn="ctr">
+              <a:buNone/>
+            </a:pPr>
+            <a:r>
+              <a:rPr lang="en-US" sz="4400" b="1" u="none" strike="noStrike">
+                <a:solidFill>
+                  <a:srgbClr val="ff0000"/>
+                </a:solidFill>
+                <a:effectLst/>
+                <a:uFillTx/>
+                <a:latin typeface="Arial"/>
+              </a:rPr>
+              <a:t>0H 3</a:t>
+            </a:r>
+            <a:endParaRPr lang="en-US" sz="4400" b="1" u="none" strike="noStrike">
+              <a:solidFill>
+                <a:srgbClr val="ff0000"/>
+              </a:solidFill>
+              <a:effectLst/>
+              <a:uFillTx/>
+              <a:latin typeface="Arial"/>
+            </a:endParaRPr>
+          </a:p>
+        </p:txBody>
+      </p:sp>
+    </p:spTree>
+  </p:cSld>
+  <mc:AlternateContent>
+    <mc:Choice Requires="p14">
+      <p:transition spd="slow" p14:dur="2000"/>
+    </mc:Choice>
+    <mc:Fallback>
+      <p:transition spd="slow"/>
+    </mc:Fallback>
+  </mc:AlternateContent>
+</p:sld>
+</file>
+
+<file path=ppt/slides/slide15.xml><?xml version="1.0" encoding="utf-8"?>
+<p:sld xmlns:a="http://schemas.openxmlformats.org/drawingml/2006/main" xmlns:p="http://schemas.openxmlformats.org/presentationml/2006/main" xmlns:r="http://schemas.openxmlformats.org/officeDocument/2006/relationships" xmlns:p14="http://schemas.microsoft.com/office/powerpoint/2010/main" xmlns:p15="http://schemas.microsoft.com/office/powerpoint/2012/main" xmlns:mc="http://schemas.openxmlformats.org/markup-compatibility/2006">
+  <p:cSld>
+    <p:spTree>
+      <p:nvGrpSpPr>
+        <p:cNvPr id="1" name=""/>
+        <p:cNvGrpSpPr/>
+        <p:nvPr/>
+      </p:nvGrpSpPr>
+      <p:grpSpPr>
+        <a:xfrm>
+          <a:off x="0" y="0"/>
+          <a:ext cx="0" cy="0"/>
+          <a:chOff x="0" y="0"/>
+          <a:chExt cx="0" cy="0"/>
+        </a:xfrm>
+      </p:grpSpPr>
+      <p:sp>
+        <p:nvSpPr>
+          <p:cNvPr id="107" name="PlaceHolder 1"/>
+          <p:cNvSpPr>
+            <a:spLocks noGrp="1"/>
+          </p:cNvSpPr>
+          <p:nvPr>
+            <p:ph type="title"/>
+          </p:nvPr>
+        </p:nvSpPr>
+        <p:spPr>
+          <a:xfrm>
+            <a:off x="609480" y="168120"/>
+            <a:ext cx="10970640" cy="625320"/>
+          </a:xfrm>
+          <a:prstGeom prst="rect">
+            <a:avLst/>
+          </a:prstGeom>
+          <a:noFill/>
+          <a:ln w="0">
+            <a:noFill/>
+          </a:ln>
+        </p:spPr>
+        <p:txBody>
+          <a:bodyPr lIns="0" rIns="0" tIns="0" bIns="0" anchor="ctr">
+            <a:spAutoFit/>
+          </a:bodyPr>
+          <a:p>
+            <a:pPr indent="0" algn="ctr">
+              <a:buNone/>
+            </a:pPr>
+            <a:r>
+              <a:rPr lang="en-US" sz="4400" b="1" u="none" strike="noStrike">
+                <a:solidFill>
+                  <a:srgbClr val="ff0000"/>
+                </a:solidFill>
+                <a:effectLst/>
+                <a:uFillTx/>
+                <a:latin typeface="Arial"/>
+              </a:rPr>
+              <a:t>4H 1</a:t>
+            </a:r>
+            <a:endParaRPr lang="en-US" sz="4400" b="1" u="none" strike="noStrike">
+              <a:solidFill>
+                <a:srgbClr val="ff0000"/>
+              </a:solidFill>
+              <a:effectLst/>
+              <a:uFillTx/>
+              <a:latin typeface="Arial"/>
+            </a:endParaRPr>
+          </a:p>
+        </p:txBody>
+      </p:sp>
+    </p:spTree>
+  </p:cSld>
+  <mc:AlternateContent>
+    <mc:Choice Requires="p14">
+      <p:transition spd="slow" p14:dur="2000"/>
+    </mc:Choice>
+    <mc:Fallback>
+      <p:transition spd="slow"/>
+    </mc:Fallback>
+  </mc:AlternateContent>
+</p:sld>
+</file>
+
+<file path=ppt/slides/slide16.xml><?xml version="1.0" encoding="utf-8"?>
+<p:sld xmlns:a="http://schemas.openxmlformats.org/drawingml/2006/main" xmlns:p="http://schemas.openxmlformats.org/presentationml/2006/main" xmlns:r="http://schemas.openxmlformats.org/officeDocument/2006/relationships" xmlns:p14="http://schemas.microsoft.com/office/powerpoint/2010/main" xmlns:p15="http://schemas.microsoft.com/office/powerpoint/2012/main" xmlns:mc="http://schemas.openxmlformats.org/markup-compatibility/2006">
+  <p:cSld>
+    <p:spTree>
+      <p:nvGrpSpPr>
+        <p:cNvPr id="1" name=""/>
+        <p:cNvGrpSpPr/>
+        <p:nvPr/>
+      </p:nvGrpSpPr>
+      <p:grpSpPr>
+        <a:xfrm>
+          <a:off x="0" y="0"/>
+          <a:ext cx="0" cy="0"/>
+          <a:chOff x="0" y="0"/>
+          <a:chExt cx="0" cy="0"/>
+        </a:xfrm>
+      </p:grpSpPr>
+      <p:sp>
+        <p:nvSpPr>
+          <p:cNvPr id="108" name="PlaceHolder 1"/>
+          <p:cNvSpPr>
+            <a:spLocks noGrp="1"/>
+          </p:cNvSpPr>
+          <p:nvPr>
+            <p:ph type="title"/>
+          </p:nvPr>
+        </p:nvSpPr>
+        <p:spPr>
+          <a:xfrm>
+            <a:off x="609480" y="168120"/>
+            <a:ext cx="10970640" cy="625320"/>
+          </a:xfrm>
+          <a:prstGeom prst="rect">
+            <a:avLst/>
+          </a:prstGeom>
+          <a:noFill/>
+          <a:ln w="0">
+            <a:noFill/>
+          </a:ln>
+        </p:spPr>
+        <p:txBody>
+          <a:bodyPr lIns="0" rIns="0" tIns="0" bIns="0" anchor="ctr">
+            <a:spAutoFit/>
+          </a:bodyPr>
+          <a:p>
+            <a:pPr indent="0" algn="ctr">
+              <a:buNone/>
+            </a:pPr>
+            <a:r>
+              <a:rPr lang="en-US" sz="4400" b="1" u="none" strike="noStrike">
+                <a:solidFill>
+                  <a:srgbClr val="ff0000"/>
+                </a:solidFill>
+                <a:effectLst/>
+                <a:uFillTx/>
+                <a:latin typeface="Arial"/>
+              </a:rPr>
+              <a:t>4H 3</a:t>
+            </a:r>
+            <a:endParaRPr lang="en-US" sz="4400" b="1" u="none" strike="noStrike">
+              <a:solidFill>
+                <a:srgbClr val="ff0000"/>
+              </a:solidFill>
+              <a:effectLst/>
+              <a:uFillTx/>
+              <a:latin typeface="Arial"/>
+            </a:endParaRPr>
+          </a:p>
+        </p:txBody>
+      </p:sp>
     </p:spTree>
   </p:cSld>
   <mc:AlternateContent>
@@ -5979,7 +6557,7 @@
         <p:spPr>
           <a:xfrm>
             <a:off x="1143000" y="2743200"/>
-            <a:ext cx="10971000" cy="760320"/>
+            <a:ext cx="10970640" cy="759960"/>
           </a:xfrm>
           <a:prstGeom prst="rect">
             <a:avLst/>
@@ -6017,7 +6595,7 @@
             </a:r>
             <a:endParaRPr lang="en-US" sz="3600" b="0" u="none" strike="noStrike">
               <a:solidFill>
-                <a:schemeClr val="dk1"/>
+                <a:srgbClr val="000000"/>
               </a:solidFill>
               <a:effectLst/>
               <a:uFillTx/>
@@ -6059,13 +6637,13 @@
       <p:sp>
         <p:nvSpPr>
           <p:cNvPr id="73" name="PlaceHolder 4"/>
-          <p:cNvSpPr txBox="1"/>
+          <p:cNvSpPr/>
           <p:nvPr/>
         </p:nvSpPr>
         <p:spPr>
           <a:xfrm>
             <a:off x="152280" y="-154080"/>
-            <a:ext cx="5791320" cy="1097640"/>
+            <a:ext cx="5790960" cy="1097280"/>
           </a:xfrm>
           <a:prstGeom prst="rect">
             <a:avLst/>
@@ -6075,6 +6653,12 @@
             <a:noFill/>
           </a:ln>
         </p:spPr>
+        <p:style>
+          <a:lnRef idx="0"/>
+          <a:fillRef idx="0"/>
+          <a:effectRef idx="0"/>
+          <a:fontRef idx="minor"/>
+        </p:style>
         <p:txBody>
           <a:bodyPr lIns="0" rIns="0" tIns="0" bIns="0" anchor="ctr">
             <a:spAutoFit/>
@@ -6099,9 +6683,9 @@
               </a:rPr>
               <a:t>GUI WITHOUT ADVANCED SETTINGS </a:t>
             </a:r>
-            <a:endParaRPr lang="en-US" sz="2400" b="1" u="none" strike="noStrike">
-              <a:solidFill>
-                <a:srgbClr val="ff0000"/>
+            <a:endParaRPr lang="en-US" sz="2400" b="0" u="none" strike="noStrike">
+              <a:solidFill>
+                <a:srgbClr val="000000"/>
               </a:solidFill>
               <a:effectLst/>
               <a:uFillTx/>
@@ -6123,7 +6707,7 @@
         <p:spPr>
           <a:xfrm>
             <a:off x="1399680" y="1143000"/>
-            <a:ext cx="9115920" cy="4442400"/>
+            <a:ext cx="9115560" cy="4442040"/>
           </a:xfrm>
           <a:prstGeom prst="rect">
             <a:avLst/>
@@ -6143,7 +6727,7 @@
         <p:spPr>
           <a:xfrm>
             <a:off x="10515600" y="1371600"/>
-            <a:ext cx="457200" cy="457200"/>
+            <a:ext cx="456840" cy="456840"/>
           </a:xfrm>
           <a:prstGeom prst="ellipse">
             <a:avLst/>
@@ -6168,7 +6752,11 @@
             <a:noAutofit/>
           </a:bodyPr>
           <a:p>
-            <a:pPr algn="ctr"/>
+            <a:pPr algn="ctr">
+              <a:lnSpc>
+                <a:spcPct val="100000"/>
+              </a:lnSpc>
+            </a:pPr>
             <a:r>
               <a:rPr lang="en-US" sz="1800" b="0" u="none" strike="noStrike">
                 <a:solidFill>
@@ -6177,6 +6765,7 @@
                 <a:effectLst/>
                 <a:uFillTx/>
                 <a:latin typeface="Arial"/>
+                <a:ea typeface="SimSun"/>
               </a:rPr>
               <a:t>1</a:t>
             </a:r>
@@ -6200,7 +6789,7 @@
         <p:spPr>
           <a:xfrm>
             <a:off x="10515600" y="2057400"/>
-            <a:ext cx="457200" cy="457200"/>
+            <a:ext cx="456840" cy="456840"/>
           </a:xfrm>
           <a:prstGeom prst="ellipse">
             <a:avLst/>
@@ -6225,7 +6814,11 @@
             <a:noAutofit/>
           </a:bodyPr>
           <a:p>
-            <a:pPr algn="ctr"/>
+            <a:pPr algn="ctr">
+              <a:lnSpc>
+                <a:spcPct val="100000"/>
+              </a:lnSpc>
+            </a:pPr>
             <a:r>
               <a:rPr lang="en-US" sz="1800" b="0" u="none" strike="noStrike">
                 <a:solidFill>
@@ -6234,6 +6827,7 @@
                 <a:effectLst/>
                 <a:uFillTx/>
                 <a:latin typeface="Arial"/>
+                <a:ea typeface="SimSun"/>
               </a:rPr>
               <a:t>2</a:t>
             </a:r>
@@ -6257,7 +6851,7 @@
         <p:spPr>
           <a:xfrm>
             <a:off x="4572000" y="2286000"/>
-            <a:ext cx="457200" cy="457200"/>
+            <a:ext cx="456840" cy="456840"/>
           </a:xfrm>
           <a:prstGeom prst="ellipse">
             <a:avLst/>
@@ -6282,7 +6876,11 @@
             <a:noAutofit/>
           </a:bodyPr>
           <a:p>
-            <a:pPr algn="ctr"/>
+            <a:pPr algn="ctr">
+              <a:lnSpc>
+                <a:spcPct val="100000"/>
+              </a:lnSpc>
+            </a:pPr>
             <a:r>
               <a:rPr lang="en-US" sz="1800" b="0" u="none" strike="noStrike">
                 <a:solidFill>
@@ -6291,6 +6889,7 @@
                 <a:effectLst/>
                 <a:uFillTx/>
                 <a:latin typeface="Arial"/>
+                <a:ea typeface="SimSun"/>
               </a:rPr>
               <a:t>3</a:t>
             </a:r>
@@ -6314,7 +6913,7 @@
         <p:spPr>
           <a:xfrm>
             <a:off x="4572000" y="2743200"/>
-            <a:ext cx="457200" cy="457200"/>
+            <a:ext cx="456840" cy="456840"/>
           </a:xfrm>
           <a:prstGeom prst="ellipse">
             <a:avLst/>
@@ -6339,7 +6938,11 @@
             <a:noAutofit/>
           </a:bodyPr>
           <a:p>
-            <a:pPr algn="ctr"/>
+            <a:pPr algn="ctr">
+              <a:lnSpc>
+                <a:spcPct val="100000"/>
+              </a:lnSpc>
+            </a:pPr>
             <a:r>
               <a:rPr lang="en-US" sz="1800" b="0" u="none" strike="noStrike">
                 <a:solidFill>
@@ -6348,6 +6951,7 @@
                 <a:effectLst/>
                 <a:uFillTx/>
                 <a:latin typeface="Arial"/>
+                <a:ea typeface="SimSun"/>
               </a:rPr>
               <a:t>4</a:t>
             </a:r>
@@ -6371,7 +6975,7 @@
         <p:spPr>
           <a:xfrm>
             <a:off x="4572000" y="3200400"/>
-            <a:ext cx="457200" cy="457200"/>
+            <a:ext cx="456840" cy="456840"/>
           </a:xfrm>
           <a:prstGeom prst="ellipse">
             <a:avLst/>
@@ -6396,7 +7000,11 @@
             <a:noAutofit/>
           </a:bodyPr>
           <a:p>
-            <a:pPr algn="ctr"/>
+            <a:pPr algn="ctr">
+              <a:lnSpc>
+                <a:spcPct val="100000"/>
+              </a:lnSpc>
+            </a:pPr>
             <a:r>
               <a:rPr lang="en-US" sz="1800" b="0" u="none" strike="noStrike">
                 <a:solidFill>
@@ -6405,6 +7013,7 @@
                 <a:effectLst/>
                 <a:uFillTx/>
                 <a:latin typeface="Arial"/>
+                <a:ea typeface="SimSun"/>
               </a:rPr>
               <a:t>5</a:t>
             </a:r>
@@ -6428,7 +7037,7 @@
         <p:spPr>
           <a:xfrm>
             <a:off x="4343400" y="3657600"/>
-            <a:ext cx="457200" cy="457200"/>
+            <a:ext cx="456840" cy="456840"/>
           </a:xfrm>
           <a:prstGeom prst="ellipse">
             <a:avLst/>
@@ -6453,7 +7062,11 @@
             <a:noAutofit/>
           </a:bodyPr>
           <a:p>
-            <a:pPr algn="ctr"/>
+            <a:pPr algn="ctr">
+              <a:lnSpc>
+                <a:spcPct val="100000"/>
+              </a:lnSpc>
+            </a:pPr>
             <a:r>
               <a:rPr lang="en-US" sz="1800" b="0" u="none" strike="noStrike">
                 <a:solidFill>
@@ -6462,6 +7075,7 @@
                 <a:effectLst/>
                 <a:uFillTx/>
                 <a:latin typeface="Arial"/>
+                <a:ea typeface="SimSun"/>
               </a:rPr>
               <a:t>6</a:t>
             </a:r>
@@ -6485,7 +7099,7 @@
         <p:spPr>
           <a:xfrm>
             <a:off x="4572000" y="4343400"/>
-            <a:ext cx="457200" cy="457200"/>
+            <a:ext cx="456840" cy="456840"/>
           </a:xfrm>
           <a:prstGeom prst="ellipse">
             <a:avLst/>
@@ -6510,7 +7124,11 @@
             <a:noAutofit/>
           </a:bodyPr>
           <a:p>
-            <a:pPr algn="ctr"/>
+            <a:pPr algn="ctr">
+              <a:lnSpc>
+                <a:spcPct val="100000"/>
+              </a:lnSpc>
+            </a:pPr>
             <a:r>
               <a:rPr lang="en-US" sz="1800" b="0" u="none" strike="noStrike">
                 <a:solidFill>
@@ -6519,6 +7137,7 @@
                 <a:effectLst/>
                 <a:uFillTx/>
                 <a:latin typeface="Arial"/>
+                <a:ea typeface="SimSun"/>
               </a:rPr>
               <a:t>9</a:t>
             </a:r>
@@ -6542,7 +7161,7 @@
         <p:spPr>
           <a:xfrm>
             <a:off x="1143000" y="3886200"/>
-            <a:ext cx="457200" cy="457200"/>
+            <a:ext cx="456840" cy="456840"/>
           </a:xfrm>
           <a:prstGeom prst="ellipse">
             <a:avLst/>
@@ -6567,7 +7186,11 @@
             <a:noAutofit/>
           </a:bodyPr>
           <a:p>
-            <a:pPr algn="ctr"/>
+            <a:pPr algn="ctr">
+              <a:lnSpc>
+                <a:spcPct val="100000"/>
+              </a:lnSpc>
+            </a:pPr>
             <a:r>
               <a:rPr lang="en-US" sz="1800" b="0" u="none" strike="noStrike">
                 <a:solidFill>
@@ -6576,6 +7199,7 @@
                 <a:effectLst/>
                 <a:uFillTx/>
                 <a:latin typeface="Arial"/>
+                <a:ea typeface="SimSun"/>
               </a:rPr>
               <a:t>7</a:t>
             </a:r>
@@ -6599,7 +7223,7 @@
         <p:spPr>
           <a:xfrm>
             <a:off x="8458200" y="4114800"/>
-            <a:ext cx="457200" cy="457200"/>
+            <a:ext cx="456840" cy="456840"/>
           </a:xfrm>
           <a:prstGeom prst="ellipse">
             <a:avLst/>
@@ -6624,7 +7248,11 @@
             <a:noAutofit/>
           </a:bodyPr>
           <a:p>
-            <a:pPr algn="ctr"/>
+            <a:pPr algn="ctr">
+              <a:lnSpc>
+                <a:spcPct val="100000"/>
+              </a:lnSpc>
+            </a:pPr>
             <a:r>
               <a:rPr lang="en-US" sz="1800" b="0" u="none" strike="noStrike">
                 <a:solidFill>
@@ -6633,6 +7261,7 @@
                 <a:effectLst/>
                 <a:uFillTx/>
                 <a:latin typeface="Arial"/>
+                <a:ea typeface="SimSun"/>
               </a:rPr>
               <a:t>8</a:t>
             </a:r>
@@ -6656,7 +7285,7 @@
         <p:spPr>
           <a:xfrm>
             <a:off x="3200400" y="5029200"/>
-            <a:ext cx="685800" cy="457200"/>
+            <a:ext cx="685440" cy="456840"/>
           </a:xfrm>
           <a:prstGeom prst="ellipse">
             <a:avLst/>
@@ -6681,7 +7310,11 @@
             <a:noAutofit/>
           </a:bodyPr>
           <a:p>
-            <a:pPr algn="ctr"/>
+            <a:pPr algn="ctr">
+              <a:lnSpc>
+                <a:spcPct val="100000"/>
+              </a:lnSpc>
+            </a:pPr>
             <a:r>
               <a:rPr lang="en-US" sz="1800" b="0" u="none" strike="noStrike">
                 <a:solidFill>
@@ -6690,6 +7323,7 @@
                 <a:effectLst/>
                 <a:uFillTx/>
                 <a:latin typeface="Arial"/>
+                <a:ea typeface="SimSun"/>
               </a:rPr>
               <a:t>10</a:t>
             </a:r>
@@ -6746,8 +7380,8 @@
         </p:nvSpPr>
         <p:spPr>
           <a:xfrm>
-            <a:off x="152280" y="28440"/>
-            <a:ext cx="5105520" cy="731880"/>
+            <a:off x="152280" y="28080"/>
+            <a:ext cx="5105160" cy="732240"/>
           </a:xfrm>
           <a:prstGeom prst="rect">
             <a:avLst/>
@@ -6782,9 +7416,9 @@
               </a:rPr>
               <a:t>Inputs and buttons</a:t>
             </a:r>
-            <a:endParaRPr lang="en-US" sz="2400" b="1" u="none" strike="noStrike">
-              <a:solidFill>
-                <a:srgbClr val="ff0000"/>
+            <a:endParaRPr lang="en-US" sz="2400" b="0" u="none" strike="noStrike">
+              <a:solidFill>
+                <a:srgbClr val="000000"/>
               </a:solidFill>
               <a:effectLst/>
               <a:uFillTx/>
@@ -6796,13 +7430,13 @@
       <p:sp>
         <p:nvSpPr>
           <p:cNvPr id="86" name=""/>
-          <p:cNvSpPr txBox="1"/>
+          <p:cNvSpPr/>
           <p:nvPr/>
         </p:nvSpPr>
         <p:spPr>
           <a:xfrm>
             <a:off x="403920" y="685800"/>
-            <a:ext cx="11373120" cy="6849360"/>
+            <a:ext cx="11372760" cy="6849000"/>
           </a:xfrm>
           <a:prstGeom prst="rect">
             <a:avLst/>
@@ -6812,11 +7446,22 @@
             <a:noFill/>
           </a:ln>
         </p:spPr>
+        <p:style>
+          <a:lnRef idx="0"/>
+          <a:fillRef idx="0"/>
+          <a:effectRef idx="0"/>
+          <a:fontRef idx="minor"/>
+        </p:style>
         <p:txBody>
           <a:bodyPr lIns="90000" rIns="90000" tIns="45000" bIns="45000" anchor="ctr">
             <a:spAutoFit/>
           </a:bodyPr>
           <a:p>
+            <a:pPr>
+              <a:lnSpc>
+                <a:spcPct val="100000"/>
+              </a:lnSpc>
+            </a:pPr>
             <a:r>
               <a:rPr lang="en-US" sz="1400" b="1" u="none" strike="noStrike">
                 <a:solidFill>
@@ -6839,6 +7484,9 @@
           </a:p>
           <a:p>
             <a:pPr marL="216000" indent="-216000">
+              <a:lnSpc>
+                <a:spcPct val="100000"/>
+              </a:lnSpc>
               <a:buClr>
                 <a:srgbClr val="000000"/>
               </a:buClr>
@@ -6868,6 +7516,9 @@
           </a:p>
           <a:p>
             <a:pPr marL="216000" indent="-216000">
+              <a:lnSpc>
+                <a:spcPct val="100000"/>
+              </a:lnSpc>
               <a:buClr>
                 <a:srgbClr val="000000"/>
               </a:buClr>
@@ -6897,6 +7548,9 @@
           </a:p>
           <a:p>
             <a:pPr marL="216000" indent="-216000">
+              <a:lnSpc>
+                <a:spcPct val="100000"/>
+              </a:lnSpc>
               <a:buClr>
                 <a:srgbClr val="000000"/>
               </a:buClr>
@@ -6926,6 +7580,9 @@
           </a:p>
           <a:p>
             <a:pPr marL="216000" indent="-216000">
+              <a:lnSpc>
+                <a:spcPct val="100000"/>
+              </a:lnSpc>
               <a:buClr>
                 <a:srgbClr val="000000"/>
               </a:buClr>
@@ -6987,6 +7644,11 @@
             </a:endParaRPr>
           </a:p>
           <a:p>
+            <a:pPr>
+              <a:lnSpc>
+                <a:spcPct val="100000"/>
+              </a:lnSpc>
+            </a:pPr>
             <a:endParaRPr lang="en-US" sz="1400" b="0" u="none" strike="noStrike">
               <a:solidFill>
                 <a:srgbClr val="000000"/>
@@ -6997,6 +7659,11 @@
             </a:endParaRPr>
           </a:p>
           <a:p>
+            <a:pPr>
+              <a:lnSpc>
+                <a:spcPct val="100000"/>
+              </a:lnSpc>
+            </a:pPr>
             <a:r>
               <a:rPr lang="en-US" sz="1400" b="1" u="none" strike="noStrike">
                 <a:solidFill>
@@ -7019,6 +7686,9 @@
           </a:p>
           <a:p>
             <a:pPr marL="216000" indent="-216000">
+              <a:lnSpc>
+                <a:spcPct val="100000"/>
+              </a:lnSpc>
               <a:buClr>
                 <a:srgbClr val="000000"/>
               </a:buClr>
@@ -7048,6 +7718,9 @@
           </a:p>
           <a:p>
             <a:pPr marL="216000" indent="-216000">
+              <a:lnSpc>
+                <a:spcPct val="100000"/>
+              </a:lnSpc>
               <a:buClr>
                 <a:srgbClr val="000000"/>
               </a:buClr>
@@ -7077,6 +7750,9 @@
           </a:p>
           <a:p>
             <a:pPr marL="216000" indent="-216000">
+              <a:lnSpc>
+                <a:spcPct val="100000"/>
+              </a:lnSpc>
               <a:buClr>
                 <a:srgbClr val="000000"/>
               </a:buClr>
@@ -7106,6 +7782,9 @@
           </a:p>
           <a:p>
             <a:pPr marL="216000" indent="-216000">
+              <a:lnSpc>
+                <a:spcPct val="100000"/>
+              </a:lnSpc>
               <a:buClr>
                 <a:srgbClr val="000000"/>
               </a:buClr>
@@ -7135,6 +7814,9 @@
           </a:p>
           <a:p>
             <a:pPr marL="216000" indent="-216000">
+              <a:lnSpc>
+                <a:spcPct val="100000"/>
+              </a:lnSpc>
               <a:buClr>
                 <a:srgbClr val="000000"/>
               </a:buClr>
@@ -7163,6 +7845,11 @@
             </a:endParaRPr>
           </a:p>
           <a:p>
+            <a:pPr>
+              <a:lnSpc>
+                <a:spcPct val="100000"/>
+              </a:lnSpc>
+            </a:pPr>
             <a:endParaRPr lang="en-US" sz="1400" b="0" u="none" strike="noStrike">
               <a:solidFill>
                 <a:srgbClr val="000000"/>
@@ -7173,6 +7860,11 @@
             </a:endParaRPr>
           </a:p>
           <a:p>
+            <a:pPr>
+              <a:lnSpc>
+                <a:spcPct val="100000"/>
+              </a:lnSpc>
+            </a:pPr>
             <a:r>
               <a:rPr lang="en-US" sz="1400" b="1" u="none" strike="noStrike">
                 <a:solidFill>
@@ -7184,16 +7876,21 @@
               </a:rPr>
               <a:t>3) ERODE_MULT</a:t>
             </a:r>
-            <a:endParaRPr lang="en-US" sz="1400" b="1" u="none" strike="noStrike">
-              <a:solidFill>
-                <a:srgbClr val="000000"/>
-              </a:solidFill>
-              <a:effectLst/>
-              <a:uFillTx/>
-              <a:latin typeface="Arial"/>
-            </a:endParaRPr>
-          </a:p>
-          <a:p>
+            <a:endParaRPr lang="en-US" sz="1400" b="0" u="none" strike="noStrike">
+              <a:solidFill>
+                <a:srgbClr val="000000"/>
+              </a:solidFill>
+              <a:effectLst/>
+              <a:uFillTx/>
+              <a:latin typeface="Arial"/>
+            </a:endParaRPr>
+          </a:p>
+          <a:p>
+            <a:pPr>
+              <a:lnSpc>
+                <a:spcPct val="100000"/>
+              </a:lnSpc>
+            </a:pPr>
             <a:r>
               <a:rPr lang="en-US" sz="1400" b="1" u="none" strike="noStrike">
                 <a:solidFill>
@@ -7216,7 +7913,7 @@
               </a:rPr>
               <a:t>A multiplier / additive factor used in your auto morphology stage.</a:t>
             </a:r>
-            <a:endParaRPr lang="en-US" sz="1400" b="1" u="none" strike="noStrike">
+            <a:endParaRPr lang="en-US" sz="1400" b="0" u="none" strike="noStrike">
               <a:solidFill>
                 <a:srgbClr val="000000"/>
               </a:solidFill>
@@ -7259,14 +7956,13 @@
               </a:rPr>
               <a:t> unitless (it becomes a voxel radius for erosion).</a:t>
             </a:r>
-            <a:endParaRPr lang="en-US" sz="1400" b="1" u="none" strike="noStrike">
-              <a:solidFill>
-                <a:srgbClr val="000000"/>
-              </a:solidFill>
-              <a:effectLst/>
-              <a:uFillTx/>
-              <a:latin typeface="Arial"/>
-              <a:ea typeface="Microsoft YaHei"/>
+            <a:endParaRPr lang="en-US" sz="1400" b="0" u="none" strike="noStrike">
+              <a:solidFill>
+                <a:srgbClr val="000000"/>
+              </a:solidFill>
+              <a:effectLst/>
+              <a:uFillTx/>
+              <a:latin typeface="Arial"/>
             </a:endParaRPr>
           </a:p>
           <a:p>
@@ -7303,14 +7999,13 @@
               </a:rPr>
               <a:t>higher values generally shrink the mask more (more erosion).</a:t>
             </a:r>
-            <a:endParaRPr lang="en-US" sz="1400" b="1" u="none" strike="noStrike">
-              <a:solidFill>
-                <a:srgbClr val="000000"/>
-              </a:solidFill>
-              <a:effectLst/>
-              <a:uFillTx/>
-              <a:latin typeface="Arial"/>
-              <a:ea typeface="Microsoft YaHei"/>
+            <a:endParaRPr lang="en-US" sz="1400" b="0" u="none" strike="noStrike">
+              <a:solidFill>
+                <a:srgbClr val="000000"/>
+              </a:solidFill>
+              <a:effectLst/>
+              <a:uFillTx/>
+              <a:latin typeface="Arial"/>
             </a:endParaRPr>
           </a:p>
           <a:p>
@@ -7347,14 +8042,13 @@
               </a:rPr>
               <a:t>too high will break thin branches.</a:t>
             </a:r>
-            <a:endParaRPr lang="en-US" sz="1400" b="1" u="none" strike="noStrike">
-              <a:solidFill>
-                <a:srgbClr val="000000"/>
-              </a:solidFill>
-              <a:effectLst/>
-              <a:uFillTx/>
-              <a:latin typeface="Arial"/>
-              <a:ea typeface="Microsoft YaHei"/>
+            <a:endParaRPr lang="en-US" sz="1400" b="0" u="none" strike="noStrike">
+              <a:solidFill>
+                <a:srgbClr val="000000"/>
+              </a:solidFill>
+              <a:effectLst/>
+              <a:uFillTx/>
+              <a:latin typeface="Arial"/>
             </a:endParaRPr>
           </a:p>
           <a:p>
@@ -7380,14 +8074,13 @@
               </a:rPr>
               <a:t>Typical:</a:t>
             </a:r>
-            <a:endParaRPr lang="en-US" sz="1400" b="1" u="none" strike="noStrike">
-              <a:solidFill>
-                <a:srgbClr val="000000"/>
-              </a:solidFill>
-              <a:effectLst/>
-              <a:uFillTx/>
-              <a:latin typeface="Arial"/>
-              <a:ea typeface="Microsoft YaHei"/>
+            <a:endParaRPr lang="en-US" sz="1400" b="0" u="none" strike="noStrike">
+              <a:solidFill>
+                <a:srgbClr val="000000"/>
+              </a:solidFill>
+              <a:effectLst/>
+              <a:uFillTx/>
+              <a:latin typeface="Arial"/>
             </a:endParaRPr>
           </a:p>
           <a:p>
@@ -7413,14 +8106,13 @@
               </a:rPr>
               <a:t>Image with little noise: 0-2</a:t>
             </a:r>
-            <a:endParaRPr lang="en-US" sz="1400" b="1" u="none" strike="noStrike">
-              <a:solidFill>
-                <a:srgbClr val="000000"/>
-              </a:solidFill>
-              <a:effectLst/>
-              <a:uFillTx/>
-              <a:latin typeface="Arial"/>
-              <a:ea typeface="Microsoft YaHei"/>
+            <a:endParaRPr lang="en-US" sz="1400" b="0" u="none" strike="noStrike">
+              <a:solidFill>
+                <a:srgbClr val="000000"/>
+              </a:solidFill>
+              <a:effectLst/>
+              <a:uFillTx/>
+              <a:latin typeface="Arial"/>
             </a:endParaRPr>
           </a:p>
           <a:p>
@@ -7446,14 +8138,13 @@
               </a:rPr>
               <a:t>Image with a lot of noise: 3-6</a:t>
             </a:r>
-            <a:endParaRPr lang="en-US" sz="1400" b="1" u="none" strike="noStrike">
-              <a:solidFill>
-                <a:srgbClr val="000000"/>
-              </a:solidFill>
-              <a:effectLst/>
-              <a:uFillTx/>
-              <a:latin typeface="Arial"/>
-              <a:ea typeface="Microsoft YaHei"/>
+            <a:endParaRPr lang="en-US" sz="1400" b="0" u="none" strike="noStrike">
+              <a:solidFill>
+                <a:srgbClr val="000000"/>
+              </a:solidFill>
+              <a:effectLst/>
+              <a:uFillTx/>
+              <a:latin typeface="Arial"/>
             </a:endParaRPr>
           </a:p>
           <a:p>
@@ -7479,17 +8170,6 @@
               </a:rPr>
               <a:t>Neurites-only: often 0–1 (or even force erosion off)</a:t>
             </a:r>
-            <a:endParaRPr lang="en-US" sz="1400" b="1" u="none" strike="noStrike">
-              <a:solidFill>
-                <a:srgbClr val="000000"/>
-              </a:solidFill>
-              <a:effectLst/>
-              <a:uFillTx/>
-              <a:latin typeface="Arial"/>
-              <a:ea typeface="Microsoft YaHei"/>
-            </a:endParaRPr>
-          </a:p>
-          <a:p>
             <a:endParaRPr lang="en-US" sz="1400" b="0" u="none" strike="noStrike">
               <a:solidFill>
                 <a:srgbClr val="000000"/>
@@ -7500,6 +8180,26 @@
             </a:endParaRPr>
           </a:p>
           <a:p>
+            <a:pPr>
+              <a:lnSpc>
+                <a:spcPct val="100000"/>
+              </a:lnSpc>
+            </a:pPr>
+            <a:endParaRPr lang="en-US" sz="1400" b="0" u="none" strike="noStrike">
+              <a:solidFill>
+                <a:srgbClr val="000000"/>
+              </a:solidFill>
+              <a:effectLst/>
+              <a:uFillTx/>
+              <a:latin typeface="Arial"/>
+            </a:endParaRPr>
+          </a:p>
+          <a:p>
+            <a:pPr>
+              <a:lnSpc>
+                <a:spcPct val="100000"/>
+              </a:lnSpc>
+            </a:pPr>
             <a:endParaRPr lang="en-US" sz="1400" b="0" u="none" strike="noStrike">
               <a:solidFill>
                 <a:srgbClr val="000000"/>
@@ -7544,13 +8244,13 @@
       <p:sp>
         <p:nvSpPr>
           <p:cNvPr id="87" name="PlaceHolder 3"/>
-          <p:cNvSpPr txBox="1"/>
+          <p:cNvSpPr/>
           <p:nvPr/>
         </p:nvSpPr>
         <p:spPr>
           <a:xfrm>
             <a:off x="152280" y="28800"/>
-            <a:ext cx="5105520" cy="731880"/>
+            <a:ext cx="5105160" cy="731520"/>
           </a:xfrm>
           <a:prstGeom prst="rect">
             <a:avLst/>
@@ -7560,6 +8260,12 @@
             <a:noFill/>
           </a:ln>
         </p:spPr>
+        <p:style>
+          <a:lnRef idx="0"/>
+          <a:fillRef idx="0"/>
+          <a:effectRef idx="0"/>
+          <a:fontRef idx="minor"/>
+        </p:style>
         <p:txBody>
           <a:bodyPr lIns="0" rIns="0" tIns="0" bIns="0" anchor="ctr">
             <a:spAutoFit/>
@@ -7584,9 +8290,9 @@
               </a:rPr>
               <a:t>Inputs and buttons</a:t>
             </a:r>
-            <a:endParaRPr lang="en-US" sz="2400" b="1" u="none" strike="noStrike">
-              <a:solidFill>
-                <a:srgbClr val="ff0000"/>
+            <a:endParaRPr lang="en-US" sz="2400" b="0" u="none" strike="noStrike">
+              <a:solidFill>
+                <a:srgbClr val="000000"/>
               </a:solidFill>
               <a:effectLst/>
               <a:uFillTx/>
@@ -7598,13 +8304,13 @@
       <p:sp>
         <p:nvSpPr>
           <p:cNvPr id="88" name=""/>
-          <p:cNvSpPr txBox="1"/>
+          <p:cNvSpPr/>
           <p:nvPr/>
         </p:nvSpPr>
         <p:spPr>
           <a:xfrm>
             <a:off x="228600" y="684000"/>
-            <a:ext cx="11430000" cy="6467760"/>
+            <a:ext cx="11429640" cy="6467400"/>
           </a:xfrm>
           <a:prstGeom prst="rect">
             <a:avLst/>
@@ -7614,11 +8320,22 @@
             <a:noFill/>
           </a:ln>
         </p:spPr>
+        <p:style>
+          <a:lnRef idx="0"/>
+          <a:fillRef idx="0"/>
+          <a:effectRef idx="0"/>
+          <a:fontRef idx="minor"/>
+        </p:style>
         <p:txBody>
           <a:bodyPr lIns="90000" rIns="90000" tIns="45000" bIns="45000" anchor="t">
             <a:spAutoFit/>
           </a:bodyPr>
           <a:p>
+            <a:pPr>
+              <a:lnSpc>
+                <a:spcPct val="100000"/>
+              </a:lnSpc>
+            </a:pPr>
             <a:r>
               <a:rPr lang="en-US" sz="1600" b="1" u="none" strike="noStrike">
                 <a:solidFill>
@@ -7630,7 +8347,7 @@
               </a:rPr>
               <a:t>4) Blob_log threshold</a:t>
             </a:r>
-            <a:endParaRPr lang="en-US" sz="1600" b="1" u="none" strike="noStrike">
+            <a:endParaRPr lang="en-US" sz="1600" b="0" u="none" strike="noStrike">
               <a:solidFill>
                 <a:srgbClr val="000000"/>
               </a:solidFill>
@@ -7662,14 +8379,13 @@
               </a:rPr>
               <a:t>Input:</a:t>
             </a:r>
-            <a:endParaRPr lang="en-US" sz="1800" b="1" u="none" strike="noStrike">
-              <a:solidFill>
-                <a:srgbClr val="000000"/>
-              </a:solidFill>
-              <a:effectLst/>
-              <a:uFillTx/>
-              <a:latin typeface="Arial"/>
-              <a:ea typeface="Microsoft YaHei"/>
+            <a:endParaRPr lang="en-US" sz="1800" b="0" u="none" strike="noStrike">
+              <a:solidFill>
+                <a:srgbClr val="000000"/>
+              </a:solidFill>
+              <a:effectLst/>
+              <a:uFillTx/>
+              <a:latin typeface="Arial"/>
             </a:endParaRPr>
           </a:p>
           <a:p>
@@ -7724,7 +8440,6 @@
               <a:effectLst/>
               <a:uFillTx/>
               <a:latin typeface="Arial"/>
-              <a:ea typeface="Microsoft YaHei"/>
             </a:endParaRPr>
           </a:p>
           <a:p>
@@ -7779,7 +8494,6 @@
               <a:effectLst/>
               <a:uFillTx/>
               <a:latin typeface="Arial"/>
-              <a:ea typeface="Microsoft YaHei"/>
             </a:endParaRPr>
           </a:p>
           <a:p>
@@ -7812,7 +8526,6 @@
               <a:effectLst/>
               <a:uFillTx/>
               <a:latin typeface="Arial"/>
-              <a:ea typeface="Microsoft YaHei"/>
             </a:endParaRPr>
           </a:p>
           <a:p>
@@ -7845,7 +8558,6 @@
               <a:effectLst/>
               <a:uFillTx/>
               <a:latin typeface="Arial"/>
-              <a:ea typeface="Microsoft YaHei"/>
             </a:endParaRPr>
           </a:p>
           <a:p>
@@ -7878,7 +8590,6 @@
               <a:effectLst/>
               <a:uFillTx/>
               <a:latin typeface="Arial"/>
-              <a:ea typeface="Microsoft YaHei"/>
             </a:endParaRPr>
           </a:p>
           <a:p>
@@ -7911,7 +8622,6 @@
               <a:effectLst/>
               <a:uFillTx/>
               <a:latin typeface="Arial"/>
-              <a:ea typeface="Microsoft YaHei"/>
             </a:endParaRPr>
           </a:p>
           <a:p>
@@ -7938,7 +8648,7 @@
               </a:rPr>
               <a:t>5) XY override (µm/px)</a:t>
             </a:r>
-            <a:endParaRPr lang="en-US" sz="1600" b="1" u="none" strike="noStrike">
+            <a:endParaRPr lang="en-US" sz="1600" b="0" u="none" strike="noStrike">
               <a:solidFill>
                 <a:srgbClr val="000000"/>
               </a:solidFill>
@@ -7971,14 +8681,13 @@
               </a:rPr>
               <a:t>Input</a:t>
             </a:r>
-            <a:endParaRPr lang="en-US" sz="1600" b="1" u="none" strike="noStrike">
-              <a:solidFill>
-                <a:srgbClr val="000000"/>
-              </a:solidFill>
-              <a:effectLst/>
-              <a:uFillTx/>
-              <a:latin typeface="Arial"/>
-              <a:ea typeface="Microsoft YaHei"/>
+            <a:endParaRPr lang="en-US" sz="1600" b="0" u="none" strike="noStrike">
+              <a:solidFill>
+                <a:srgbClr val="000000"/>
+              </a:solidFill>
+              <a:effectLst/>
+              <a:uFillTx/>
+              <a:latin typeface="Arial"/>
             </a:endParaRPr>
           </a:p>
           <a:p>
@@ -8012,7 +8721,6 @@
               <a:effectLst/>
               <a:uFillTx/>
               <a:latin typeface="Arial"/>
-              <a:ea typeface="Microsoft YaHei"/>
             </a:endParaRPr>
           </a:p>
           <a:p>
@@ -8046,7 +8754,6 @@
               <a:effectLst/>
               <a:uFillTx/>
               <a:latin typeface="Arial"/>
-              <a:ea typeface="Microsoft YaHei"/>
             </a:endParaRPr>
           </a:p>
           <a:p>
@@ -8080,7 +8787,6 @@
               <a:effectLst/>
               <a:uFillTx/>
               <a:latin typeface="Arial"/>
-              <a:ea typeface="Microsoft YaHei"/>
             </a:endParaRPr>
           </a:p>
           <a:p>
@@ -8114,7 +8820,6 @@
               <a:effectLst/>
               <a:uFillTx/>
               <a:latin typeface="Arial"/>
-              <a:ea typeface="Microsoft YaHei"/>
             </a:endParaRPr>
           </a:p>
           <a:p>
@@ -8160,7 +8865,6 @@
               <a:effectLst/>
               <a:uFillTx/>
               <a:latin typeface="Arial"/>
-              <a:ea typeface="Microsoft YaHei"/>
             </a:endParaRPr>
           </a:p>
           <a:p>
@@ -8185,6 +8889,11 @@
             </a:endParaRPr>
           </a:p>
           <a:p>
+            <a:pPr>
+              <a:lnSpc>
+                <a:spcPct val="100000"/>
+              </a:lnSpc>
+            </a:pPr>
             <a:endParaRPr lang="en-US" sz="1000" b="0" u="none" strike="noStrike">
               <a:solidFill>
                 <a:srgbClr val="000000"/>
@@ -8229,13 +8938,13 @@
       <p:sp>
         <p:nvSpPr>
           <p:cNvPr id="89" name="PlaceHolder 6"/>
-          <p:cNvSpPr txBox="1"/>
+          <p:cNvSpPr/>
           <p:nvPr/>
         </p:nvSpPr>
         <p:spPr>
           <a:xfrm>
             <a:off x="152280" y="29160"/>
-            <a:ext cx="5105520" cy="731880"/>
+            <a:ext cx="5105160" cy="731520"/>
           </a:xfrm>
           <a:prstGeom prst="rect">
             <a:avLst/>
@@ -8245,6 +8954,12 @@
             <a:noFill/>
           </a:ln>
         </p:spPr>
+        <p:style>
+          <a:lnRef idx="0"/>
+          <a:fillRef idx="0"/>
+          <a:effectRef idx="0"/>
+          <a:fontRef idx="minor"/>
+        </p:style>
         <p:txBody>
           <a:bodyPr lIns="0" rIns="0" tIns="0" bIns="0" anchor="ctr">
             <a:spAutoFit/>
@@ -8269,9 +8984,9 @@
               </a:rPr>
               <a:t>Inputs and buttons</a:t>
             </a:r>
-            <a:endParaRPr lang="en-US" sz="2400" b="1" u="none" strike="noStrike">
-              <a:solidFill>
-                <a:srgbClr val="ff0000"/>
+            <a:endParaRPr lang="en-US" sz="2400" b="0" u="none" strike="noStrike">
+              <a:solidFill>
+                <a:srgbClr val="000000"/>
               </a:solidFill>
               <a:effectLst/>
               <a:uFillTx/>
@@ -8283,13 +8998,13 @@
       <p:sp>
         <p:nvSpPr>
           <p:cNvPr id="90" name=""/>
-          <p:cNvSpPr txBox="1"/>
+          <p:cNvSpPr/>
           <p:nvPr/>
         </p:nvSpPr>
         <p:spPr>
           <a:xfrm>
             <a:off x="457200" y="646200"/>
-            <a:ext cx="10972800" cy="7630920"/>
+            <a:ext cx="10972440" cy="7630560"/>
           </a:xfrm>
           <a:prstGeom prst="rect">
             <a:avLst/>
@@ -8299,11 +9014,22 @@
             <a:noFill/>
           </a:ln>
         </p:spPr>
+        <p:style>
+          <a:lnRef idx="0"/>
+          <a:fillRef idx="0"/>
+          <a:effectRef idx="0"/>
+          <a:fontRef idx="minor"/>
+        </p:style>
         <p:txBody>
           <a:bodyPr lIns="90000" rIns="90000" tIns="45000" bIns="45000" anchor="t">
             <a:spAutoFit/>
           </a:bodyPr>
           <a:p>
+            <a:pPr>
+              <a:lnSpc>
+                <a:spcPct val="100000"/>
+              </a:lnSpc>
+            </a:pPr>
             <a:r>
               <a:rPr lang="en-US" sz="1600" b="1" u="none" strike="noStrike">
                 <a:solidFill>
@@ -8315,7 +9041,7 @@
               </a:rPr>
               <a:t>6) Z override (µm/slice)</a:t>
             </a:r>
-            <a:endParaRPr lang="en-US" sz="1600" b="1" u="none" strike="noStrike">
+            <a:endParaRPr lang="en-US" sz="1600" b="0" u="none" strike="noStrike">
               <a:solidFill>
                 <a:srgbClr val="000000"/>
               </a:solidFill>
@@ -8347,14 +9073,13 @@
               </a:rPr>
               <a:t>Input</a:t>
             </a:r>
-            <a:endParaRPr lang="en-US" sz="1600" b="1" u="none" strike="noStrike">
-              <a:solidFill>
-                <a:srgbClr val="000000"/>
-              </a:solidFill>
-              <a:effectLst/>
-              <a:uFillTx/>
-              <a:latin typeface="Arial"/>
-              <a:ea typeface="Microsoft YaHei"/>
+            <a:endParaRPr lang="en-US" sz="1600" b="0" u="none" strike="noStrike">
+              <a:solidFill>
+                <a:srgbClr val="000000"/>
+              </a:solidFill>
+              <a:effectLst/>
+              <a:uFillTx/>
+              <a:latin typeface="Arial"/>
             </a:endParaRPr>
           </a:p>
           <a:p>
@@ -8398,7 +9123,6 @@
               <a:effectLst/>
               <a:uFillTx/>
               <a:latin typeface="Arial"/>
-              <a:ea typeface="Microsoft YaHei"/>
             </a:endParaRPr>
           </a:p>
           <a:p>
@@ -8442,7 +9166,6 @@
               <a:effectLst/>
               <a:uFillTx/>
               <a:latin typeface="Arial"/>
-              <a:ea typeface="Microsoft YaHei"/>
             </a:endParaRPr>
           </a:p>
           <a:p>
@@ -8486,7 +9209,6 @@
               <a:effectLst/>
               <a:uFillTx/>
               <a:latin typeface="Arial"/>
-              <a:ea typeface="Microsoft YaHei"/>
             </a:endParaRPr>
           </a:p>
           <a:p>
@@ -8530,7 +9252,6 @@
               <a:effectLst/>
               <a:uFillTx/>
               <a:latin typeface="Arial"/>
-              <a:ea typeface="Microsoft YaHei"/>
             </a:endParaRPr>
           </a:p>
           <a:p>
@@ -8574,7 +9295,6 @@
               <a:effectLst/>
               <a:uFillTx/>
               <a:latin typeface="Arial"/>
-              <a:ea typeface="Microsoft YaHei"/>
             </a:endParaRPr>
           </a:p>
           <a:p>
@@ -8601,14 +9321,13 @@
               </a:rPr>
               <a:t>7) Launch Napari viewer (checkbox)</a:t>
             </a:r>
-            <a:endParaRPr lang="en-US" sz="1600" b="1" u="none" strike="noStrike">
-              <a:solidFill>
-                <a:srgbClr val="000000"/>
-              </a:solidFill>
-              <a:effectLst/>
-              <a:uFillTx/>
-              <a:latin typeface="Arial"/>
-              <a:ea typeface="Microsoft YaHei"/>
+            <a:endParaRPr lang="en-US" sz="1600" b="0" u="none" strike="noStrike">
+              <a:solidFill>
+                <a:srgbClr val="000000"/>
+              </a:solidFill>
+              <a:effectLst/>
+              <a:uFillTx/>
+              <a:latin typeface="Arial"/>
             </a:endParaRPr>
           </a:p>
           <a:p>
@@ -8654,7 +9373,6 @@
               <a:effectLst/>
               <a:uFillTx/>
               <a:latin typeface="Arial"/>
-              <a:ea typeface="Microsoft YaHei"/>
             </a:endParaRPr>
           </a:p>
           <a:p>
@@ -8700,7 +9418,6 @@
               <a:effectLst/>
               <a:uFillTx/>
               <a:latin typeface="Arial"/>
-              <a:ea typeface="Microsoft YaHei"/>
             </a:endParaRPr>
           </a:p>
           <a:p>
@@ -8746,7 +9463,6 @@
               <a:effectLst/>
               <a:uFillTx/>
               <a:latin typeface="Arial"/>
-              <a:ea typeface="Microsoft YaHei"/>
             </a:endParaRPr>
           </a:p>
           <a:p>
@@ -8773,7 +9489,7 @@
               </a:rPr>
               <a:t>8) Generate videos (checkbox)</a:t>
             </a:r>
-            <a:endParaRPr lang="en-US" sz="1600" b="1" u="none" strike="noStrike">
+            <a:endParaRPr lang="en-US" sz="1600" b="0" u="none" strike="noStrike">
               <a:solidFill>
                 <a:srgbClr val="000000"/>
               </a:solidFill>
@@ -8825,7 +9541,6 @@
               <a:effectLst/>
               <a:uFillTx/>
               <a:latin typeface="Arial"/>
-              <a:ea typeface="Microsoft YaHei"/>
             </a:endParaRPr>
           </a:p>
           <a:p>
@@ -8871,7 +9586,6 @@
               <a:effectLst/>
               <a:uFillTx/>
               <a:latin typeface="Arial"/>
-              <a:ea typeface="Microsoft YaHei"/>
             </a:endParaRPr>
           </a:p>
           <a:p>
@@ -8917,7 +9631,6 @@
               <a:effectLst/>
               <a:uFillTx/>
               <a:latin typeface="Arial"/>
-              <a:ea typeface="Microsoft YaHei"/>
             </a:endParaRPr>
           </a:p>
           <a:p>
@@ -8944,14 +9657,13 @@
               </a:rPr>
               <a:t>9) Video FPS</a:t>
             </a:r>
-            <a:endParaRPr lang="en-US" sz="1600" b="1" u="none" strike="noStrike">
-              <a:solidFill>
-                <a:srgbClr val="000000"/>
-              </a:solidFill>
-              <a:effectLst/>
-              <a:uFillTx/>
-              <a:latin typeface="Arial"/>
-              <a:ea typeface="Microsoft YaHei"/>
+            <a:endParaRPr lang="en-US" sz="1600" b="0" u="none" strike="noStrike">
+              <a:solidFill>
+                <a:srgbClr val="000000"/>
+              </a:solidFill>
+              <a:effectLst/>
+              <a:uFillTx/>
+              <a:latin typeface="Arial"/>
             </a:endParaRPr>
           </a:p>
           <a:p>
@@ -8990,14 +9702,13 @@
               </a:rPr>
               <a:t>Frames per second for the MP4/GIF writers.</a:t>
             </a:r>
-            <a:endParaRPr lang="en-US" sz="1400" b="1" u="none" strike="noStrike">
-              <a:solidFill>
-                <a:srgbClr val="000000"/>
-              </a:solidFill>
-              <a:effectLst/>
-              <a:uFillTx/>
-              <a:latin typeface="Arial"/>
-              <a:ea typeface="Microsoft YaHei"/>
+            <a:endParaRPr lang="en-US" sz="1400" b="0" u="none" strike="noStrike">
+              <a:solidFill>
+                <a:srgbClr val="000000"/>
+              </a:solidFill>
+              <a:effectLst/>
+              <a:uFillTx/>
+              <a:latin typeface="Arial"/>
             </a:endParaRPr>
           </a:p>
           <a:p>
@@ -9036,14 +9747,13 @@
               </a:rPr>
               <a:t> frames/second</a:t>
             </a:r>
-            <a:endParaRPr lang="en-US" sz="1400" b="1" u="none" strike="noStrike">
-              <a:solidFill>
-                <a:srgbClr val="000000"/>
-              </a:solidFill>
-              <a:effectLst/>
-              <a:uFillTx/>
-              <a:latin typeface="Arial"/>
-              <a:ea typeface="Microsoft YaHei"/>
+            <a:endParaRPr lang="en-US" sz="1400" b="0" u="none" strike="noStrike">
+              <a:solidFill>
+                <a:srgbClr val="000000"/>
+              </a:solidFill>
+              <a:effectLst/>
+              <a:uFillTx/>
+              <a:latin typeface="Arial"/>
             </a:endParaRPr>
           </a:p>
           <a:p>
@@ -9089,7 +9799,6 @@
               <a:effectLst/>
               <a:uFillTx/>
               <a:latin typeface="Arial"/>
-              <a:ea typeface="Microsoft YaHei"/>
             </a:endParaRPr>
           </a:p>
           <a:p>
@@ -9174,10 +9883,14 @@
               <a:effectLst/>
               <a:uFillTx/>
               <a:latin typeface="Arial"/>
-              <a:ea typeface="Microsoft YaHei"/>
-            </a:endParaRPr>
-          </a:p>
-          <a:p>
+            </a:endParaRPr>
+          </a:p>
+          <a:p>
+            <a:pPr>
+              <a:lnSpc>
+                <a:spcPct val="100000"/>
+              </a:lnSpc>
+            </a:pPr>
             <a:endParaRPr lang="en-US" sz="1000" b="0" u="none" strike="noStrike">
               <a:solidFill>
                 <a:srgbClr val="000000"/>
@@ -9222,13 +9935,13 @@
       <p:sp>
         <p:nvSpPr>
           <p:cNvPr id="91" name="PlaceHolder 2"/>
-          <p:cNvSpPr txBox="1"/>
+          <p:cNvSpPr/>
           <p:nvPr/>
         </p:nvSpPr>
         <p:spPr>
           <a:xfrm>
             <a:off x="152280" y="-153720"/>
-            <a:ext cx="5791320" cy="1097640"/>
+            <a:ext cx="5790960" cy="1097280"/>
           </a:xfrm>
           <a:prstGeom prst="rect">
             <a:avLst/>
@@ -9238,6 +9951,12 @@
             <a:noFill/>
           </a:ln>
         </p:spPr>
+        <p:style>
+          <a:lnRef idx="0"/>
+          <a:fillRef idx="0"/>
+          <a:effectRef idx="0"/>
+          <a:fontRef idx="minor"/>
+        </p:style>
         <p:txBody>
           <a:bodyPr lIns="0" rIns="0" tIns="0" bIns="0" anchor="ctr">
             <a:spAutoFit/>
@@ -9262,9 +9981,9 @@
               </a:rPr>
               <a:t>GUI WITH ADVANCED SETTINGS</a:t>
             </a:r>
-            <a:endParaRPr lang="en-US" sz="2400" b="1" u="none" strike="noStrike">
-              <a:solidFill>
-                <a:srgbClr val="ff0000"/>
+            <a:endParaRPr lang="en-US" sz="2400" b="0" u="none" strike="noStrike">
+              <a:solidFill>
+                <a:srgbClr val="000000"/>
               </a:solidFill>
               <a:effectLst/>
               <a:uFillTx/>
@@ -9286,7 +10005,7 @@
         <p:spPr>
           <a:xfrm>
             <a:off x="1828800" y="1056960"/>
-            <a:ext cx="8620920" cy="5801040"/>
+            <a:ext cx="8620560" cy="5800680"/>
           </a:xfrm>
           <a:prstGeom prst="rect">
             <a:avLst/>
@@ -9306,7 +10025,7 @@
         <p:spPr>
           <a:xfrm>
             <a:off x="7086600" y="5486400"/>
-            <a:ext cx="685800" cy="457200"/>
+            <a:ext cx="685440" cy="456840"/>
           </a:xfrm>
           <a:prstGeom prst="ellipse">
             <a:avLst/>
@@ -9331,7 +10050,11 @@
             <a:noAutofit/>
           </a:bodyPr>
           <a:p>
-            <a:pPr algn="ctr"/>
+            <a:pPr algn="ctr">
+              <a:lnSpc>
+                <a:spcPct val="100000"/>
+              </a:lnSpc>
+            </a:pPr>
             <a:r>
               <a:rPr lang="en-US" sz="1800" b="0" u="none" strike="noStrike">
                 <a:solidFill>
@@ -9340,6 +10063,7 @@
                 <a:effectLst/>
                 <a:uFillTx/>
                 <a:latin typeface="Arial"/>
+                <a:ea typeface="SimSun"/>
               </a:rPr>
               <a:t>13</a:t>
             </a:r>
@@ -9363,7 +10087,7 @@
         <p:spPr>
           <a:xfrm>
             <a:off x="6858000" y="5943600"/>
-            <a:ext cx="685800" cy="457200"/>
+            <a:ext cx="685440" cy="456840"/>
           </a:xfrm>
           <a:prstGeom prst="ellipse">
             <a:avLst/>
@@ -9388,7 +10112,11 @@
             <a:noAutofit/>
           </a:bodyPr>
           <a:p>
-            <a:pPr algn="ctr"/>
+            <a:pPr algn="ctr">
+              <a:lnSpc>
+                <a:spcPct val="100000"/>
+              </a:lnSpc>
+            </a:pPr>
             <a:r>
               <a:rPr lang="en-US" sz="1800" b="0" u="none" strike="noStrike">
                 <a:solidFill>
@@ -9397,6 +10125,7 @@
                 <a:effectLst/>
                 <a:uFillTx/>
                 <a:latin typeface="Arial"/>
+                <a:ea typeface="SimSun"/>
               </a:rPr>
               <a:t>14</a:t>
             </a:r>
@@ -9420,7 +10149,7 @@
         <p:spPr>
           <a:xfrm>
             <a:off x="7543800" y="6400800"/>
-            <a:ext cx="685800" cy="457200"/>
+            <a:ext cx="685440" cy="456840"/>
           </a:xfrm>
           <a:prstGeom prst="ellipse">
             <a:avLst/>
@@ -9445,7 +10174,11 @@
             <a:noAutofit/>
           </a:bodyPr>
           <a:p>
-            <a:pPr algn="ctr"/>
+            <a:pPr algn="ctr">
+              <a:lnSpc>
+                <a:spcPct val="100000"/>
+              </a:lnSpc>
+            </a:pPr>
             <a:r>
               <a:rPr lang="en-US" sz="1800" b="0" u="none" strike="noStrike">
                 <a:solidFill>
@@ -9454,6 +10187,7 @@
                 <a:effectLst/>
                 <a:uFillTx/>
                 <a:latin typeface="Arial"/>
+                <a:ea typeface="SimSun"/>
               </a:rPr>
               <a:t>15</a:t>
             </a:r>
@@ -9477,7 +10211,7 @@
         <p:spPr>
           <a:xfrm>
             <a:off x="10287000" y="6400800"/>
-            <a:ext cx="685800" cy="457200"/>
+            <a:ext cx="685440" cy="456840"/>
           </a:xfrm>
           <a:prstGeom prst="ellipse">
             <a:avLst/>
@@ -9502,7 +10236,11 @@
             <a:noAutofit/>
           </a:bodyPr>
           <a:p>
-            <a:pPr algn="ctr"/>
+            <a:pPr algn="ctr">
+              <a:lnSpc>
+                <a:spcPct val="100000"/>
+              </a:lnSpc>
+            </a:pPr>
             <a:r>
               <a:rPr lang="en-US" sz="1800" b="0" u="none" strike="noStrike">
                 <a:solidFill>
@@ -9511,6 +10249,7 @@
                 <a:effectLst/>
                 <a:uFillTx/>
                 <a:latin typeface="Arial"/>
+                <a:ea typeface="SimSun"/>
               </a:rPr>
               <a:t>16</a:t>
             </a:r>
@@ -9534,7 +10273,7 @@
         <p:spPr>
           <a:xfrm>
             <a:off x="6172200" y="5257800"/>
-            <a:ext cx="685800" cy="457200"/>
+            <a:ext cx="685440" cy="456840"/>
           </a:xfrm>
           <a:prstGeom prst="ellipse">
             <a:avLst/>
@@ -9559,7 +10298,11 @@
             <a:noAutofit/>
           </a:bodyPr>
           <a:p>
-            <a:pPr algn="ctr"/>
+            <a:pPr algn="ctr">
+              <a:lnSpc>
+                <a:spcPct val="100000"/>
+              </a:lnSpc>
+            </a:pPr>
             <a:r>
               <a:rPr lang="en-US" sz="1800" b="0" u="none" strike="noStrike">
                 <a:solidFill>
@@ -9568,6 +10311,7 @@
                 <a:effectLst/>
                 <a:uFillTx/>
                 <a:latin typeface="Arial"/>
+                <a:ea typeface="SimSun"/>
               </a:rPr>
               <a:t>12</a:t>
             </a:r>
@@ -9591,7 +10335,7 @@
         <p:spPr>
           <a:xfrm>
             <a:off x="7543800" y="4800600"/>
-            <a:ext cx="685800" cy="457200"/>
+            <a:ext cx="685440" cy="456840"/>
           </a:xfrm>
           <a:prstGeom prst="ellipse">
             <a:avLst/>
@@ -9616,7 +10360,11 @@
             <a:noAutofit/>
           </a:bodyPr>
           <a:p>
-            <a:pPr algn="ctr"/>
+            <a:pPr algn="ctr">
+              <a:lnSpc>
+                <a:spcPct val="100000"/>
+              </a:lnSpc>
+            </a:pPr>
             <a:r>
               <a:rPr lang="en-US" sz="1800" b="0" u="none" strike="noStrike">
                 <a:solidFill>
@@ -9625,6 +10373,7 @@
                 <a:effectLst/>
                 <a:uFillTx/>
                 <a:latin typeface="Arial"/>
+                <a:ea typeface="SimSun"/>
               </a:rPr>
               <a:t>11</a:t>
             </a:r>
@@ -9672,13 +10421,13 @@
       <p:sp>
         <p:nvSpPr>
           <p:cNvPr id="99" name="PlaceHolder 7"/>
-          <p:cNvSpPr txBox="1"/>
+          <p:cNvSpPr/>
           <p:nvPr/>
         </p:nvSpPr>
         <p:spPr>
           <a:xfrm>
             <a:off x="152280" y="29520"/>
-            <a:ext cx="5105520" cy="731880"/>
+            <a:ext cx="5105160" cy="731520"/>
           </a:xfrm>
           <a:prstGeom prst="rect">
             <a:avLst/>
@@ -9688,6 +10437,12 @@
             <a:noFill/>
           </a:ln>
         </p:spPr>
+        <p:style>
+          <a:lnRef idx="0"/>
+          <a:fillRef idx="0"/>
+          <a:effectRef idx="0"/>
+          <a:fontRef idx="minor"/>
+        </p:style>
         <p:txBody>
           <a:bodyPr lIns="0" rIns="0" tIns="0" bIns="0" anchor="ctr">
             <a:spAutoFit/>
@@ -9712,9 +10467,9 @@
               </a:rPr>
               <a:t>Inputs and buttons</a:t>
             </a:r>
-            <a:endParaRPr lang="en-US" sz="2400" b="1" u="none" strike="noStrike">
-              <a:solidFill>
-                <a:srgbClr val="ff0000"/>
+            <a:endParaRPr lang="en-US" sz="2400" b="0" u="none" strike="noStrike">
+              <a:solidFill>
+                <a:srgbClr val="000000"/>
               </a:solidFill>
               <a:effectLst/>
               <a:uFillTx/>
@@ -9726,13 +10481,13 @@
       <p:sp>
         <p:nvSpPr>
           <p:cNvPr id="100" name=""/>
-          <p:cNvSpPr txBox="1"/>
+          <p:cNvSpPr/>
           <p:nvPr/>
         </p:nvSpPr>
         <p:spPr>
           <a:xfrm>
             <a:off x="228600" y="685800"/>
-            <a:ext cx="11201400" cy="8784360"/>
+            <a:ext cx="11201040" cy="8784000"/>
           </a:xfrm>
           <a:prstGeom prst="rect">
             <a:avLst/>
@@ -9742,6 +10497,12 @@
             <a:noFill/>
           </a:ln>
         </p:spPr>
+        <p:style>
+          <a:lnRef idx="0"/>
+          <a:fillRef idx="0"/>
+          <a:effectRef idx="0"/>
+          <a:fontRef idx="minor"/>
+        </p:style>
         <p:txBody>
           <a:bodyPr lIns="90000" rIns="90000" tIns="45000" bIns="45000" anchor="t">
             <a:spAutoFit/>
@@ -9769,14 +10530,13 @@
               </a:rPr>
               <a:t>10) Show advanced settings (checkbox)</a:t>
             </a:r>
-            <a:endParaRPr lang="en-US" sz="1600" b="1" u="none" strike="noStrike">
-              <a:solidFill>
-                <a:srgbClr val="000000"/>
-              </a:solidFill>
-              <a:effectLst/>
-              <a:uFillTx/>
-              <a:latin typeface="Arial"/>
-              <a:ea typeface="Microsoft YaHei"/>
+            <a:endParaRPr lang="en-US" sz="1600" b="0" u="none" strike="noStrike">
+              <a:solidFill>
+                <a:srgbClr val="000000"/>
+              </a:solidFill>
+              <a:effectLst/>
+              <a:uFillTx/>
+              <a:latin typeface="Arial"/>
             </a:endParaRPr>
           </a:p>
           <a:p>
@@ -9809,7 +10569,6 @@
               <a:effectLst/>
               <a:uFillTx/>
               <a:latin typeface="Arial"/>
-              <a:ea typeface="Microsoft YaHei"/>
             </a:endParaRPr>
           </a:p>
           <a:p>
@@ -9846,14 +10605,13 @@
               </a:rPr>
               <a:t>) MARGIN_UM (µm)</a:t>
             </a:r>
-            <a:endParaRPr lang="en-US" sz="1600" b="1" u="none" strike="noStrike">
-              <a:solidFill>
-                <a:srgbClr val="000000"/>
-              </a:solidFill>
-              <a:effectLst/>
-              <a:uFillTx/>
-              <a:latin typeface="Arial"/>
-              <a:ea typeface="Microsoft YaHei"/>
+            <a:endParaRPr lang="en-US" sz="1600" b="0" u="none" strike="noStrike">
+              <a:solidFill>
+                <a:srgbClr val="000000"/>
+              </a:solidFill>
+              <a:effectLst/>
+              <a:uFillTx/>
+              <a:latin typeface="Arial"/>
             </a:endParaRPr>
           </a:p>
           <a:p>
@@ -9886,7 +10644,6 @@
               <a:effectLst/>
               <a:uFillTx/>
               <a:latin typeface="Arial"/>
-              <a:ea typeface="Microsoft YaHei"/>
             </a:endParaRPr>
           </a:p>
           <a:p>
@@ -9919,7 +10676,6 @@
               <a:effectLst/>
               <a:uFillTx/>
               <a:latin typeface="Arial"/>
-              <a:ea typeface="Microsoft YaHei"/>
             </a:endParaRPr>
           </a:p>
           <a:p>
@@ -9945,14 +10701,13 @@
               </a:rPr>
               <a:t>12) OVERLAP_ALPHA (0….1)</a:t>
             </a:r>
-            <a:endParaRPr lang="en-US" sz="1600" b="1" u="none" strike="noStrike">
-              <a:solidFill>
-                <a:srgbClr val="000000"/>
-              </a:solidFill>
-              <a:effectLst/>
-              <a:uFillTx/>
-              <a:latin typeface="Arial"/>
-              <a:ea typeface="Microsoft YaHei"/>
+            <a:endParaRPr lang="en-US" sz="1600" b="0" u="none" strike="noStrike">
+              <a:solidFill>
+                <a:srgbClr val="000000"/>
+              </a:solidFill>
+              <a:effectLst/>
+              <a:uFillTx/>
+              <a:latin typeface="Arial"/>
             </a:endParaRPr>
           </a:p>
           <a:p>
@@ -9985,7 +10740,6 @@
               <a:effectLst/>
               <a:uFillTx/>
               <a:latin typeface="Arial"/>
-              <a:ea typeface="Microsoft YaHei"/>
             </a:endParaRPr>
           </a:p>
           <a:p>
@@ -10018,7 +10772,6 @@
               <a:effectLst/>
               <a:uFillTx/>
               <a:latin typeface="Arial"/>
-              <a:ea typeface="Microsoft YaHei"/>
             </a:endParaRPr>
           </a:p>
           <a:p>
@@ -10044,14 +10797,13 @@
               </a:rPr>
               <a:t>13) NEIGHBOR_MAX_VOX (voxels)</a:t>
             </a:r>
-            <a:endParaRPr lang="en-US" sz="1600" b="1" u="none" strike="noStrike">
-              <a:solidFill>
-                <a:srgbClr val="000000"/>
-              </a:solidFill>
-              <a:effectLst/>
-              <a:uFillTx/>
-              <a:latin typeface="Arial"/>
-              <a:ea typeface="Microsoft YaHei"/>
+            <a:endParaRPr lang="en-US" sz="1600" b="0" u="none" strike="noStrike">
+              <a:solidFill>
+                <a:srgbClr val="000000"/>
+              </a:solidFill>
+              <a:effectLst/>
+              <a:uFillTx/>
+              <a:latin typeface="Arial"/>
             </a:endParaRPr>
           </a:p>
           <a:p>
@@ -10084,7 +10836,6 @@
               <a:effectLst/>
               <a:uFillTx/>
               <a:latin typeface="Arial"/>
-              <a:ea typeface="Microsoft YaHei"/>
             </a:endParaRPr>
           </a:p>
           <a:p>
@@ -10117,7 +10868,6 @@
               <a:effectLst/>
               <a:uFillTx/>
               <a:latin typeface="Arial"/>
-              <a:ea typeface="Microsoft YaHei"/>
             </a:endParaRPr>
           </a:p>
           <a:p>
@@ -10143,14 +10893,13 @@
               </a:rPr>
               <a:t>14) VIZ_MIN_VOXELS (voxels)</a:t>
             </a:r>
-            <a:endParaRPr lang="en-US" sz="1600" b="1" u="none" strike="noStrike">
-              <a:solidFill>
-                <a:srgbClr val="000000"/>
-              </a:solidFill>
-              <a:effectLst/>
-              <a:uFillTx/>
-              <a:latin typeface="Arial"/>
-              <a:ea typeface="Microsoft YaHei"/>
+            <a:endParaRPr lang="en-US" sz="1600" b="0" u="none" strike="noStrike">
+              <a:solidFill>
+                <a:srgbClr val="000000"/>
+              </a:solidFill>
+              <a:effectLst/>
+              <a:uFillTx/>
+              <a:latin typeface="Arial"/>
             </a:endParaRPr>
           </a:p>
           <a:p>
@@ -10183,7 +10932,6 @@
               <a:effectLst/>
               <a:uFillTx/>
               <a:latin typeface="Arial"/>
-              <a:ea typeface="Microsoft YaHei"/>
             </a:endParaRPr>
           </a:p>
           <a:p>
@@ -10216,7 +10964,6 @@
               <a:effectLst/>
               <a:uFillTx/>
               <a:latin typeface="Arial"/>
-              <a:ea typeface="Microsoft YaHei"/>
             </a:endParaRPr>
           </a:p>
           <a:p>
@@ -10243,14 +10990,13 @@
               </a:rPr>
               <a:t>Bottom buttons</a:t>
             </a:r>
-            <a:endParaRPr lang="en-US" sz="1600" b="1" u="none" strike="noStrike">
-              <a:solidFill>
-                <a:srgbClr val="000000"/>
-              </a:solidFill>
-              <a:effectLst/>
-              <a:uFillTx/>
-              <a:latin typeface="Arial"/>
-              <a:ea typeface="Microsoft YaHei"/>
+            <a:endParaRPr lang="en-US" sz="1600" b="0" u="none" strike="noStrike">
+              <a:solidFill>
+                <a:srgbClr val="000000"/>
+              </a:solidFill>
+              <a:effectLst/>
+              <a:uFillTx/>
+              <a:latin typeface="Arial"/>
             </a:endParaRPr>
           </a:p>
           <a:p>
@@ -10289,14 +11035,13 @@
               </a:rPr>
               <a:t>:Closes the GUI and exits the scrip.</a:t>
             </a:r>
-            <a:endParaRPr lang="en-US" sz="1400" b="1" u="none" strike="noStrike">
-              <a:solidFill>
-                <a:srgbClr val="000000"/>
-              </a:solidFill>
-              <a:effectLst/>
-              <a:uFillTx/>
-              <a:latin typeface="Arial"/>
-              <a:ea typeface="Microsoft YaHei"/>
+            <a:endParaRPr lang="en-US" sz="1400" b="0" u="none" strike="noStrike">
+              <a:solidFill>
+                <a:srgbClr val="000000"/>
+              </a:solidFill>
+              <a:effectLst/>
+              <a:uFillTx/>
+              <a:latin typeface="Arial"/>
             </a:endParaRPr>
           </a:p>
           <a:p>
@@ -10335,14 +11080,13 @@
               </a:rPr>
               <a:t>Validates inputs and run the script.</a:t>
             </a:r>
-            <a:endParaRPr lang="en-US" sz="1400" b="1" u="none" strike="noStrike">
-              <a:solidFill>
-                <a:srgbClr val="000000"/>
-              </a:solidFill>
-              <a:effectLst/>
-              <a:uFillTx/>
-              <a:latin typeface="Arial"/>
-              <a:ea typeface="Microsoft YaHei"/>
+            <a:endParaRPr lang="en-US" sz="1400" b="0" u="none" strike="noStrike">
+              <a:solidFill>
+                <a:srgbClr val="000000"/>
+              </a:solidFill>
+              <a:effectLst/>
+              <a:uFillTx/>
+              <a:latin typeface="Arial"/>
             </a:endParaRPr>
           </a:p>
           <a:p>
@@ -10388,6 +11132,11 @@
             </a:endParaRPr>
           </a:p>
           <a:p>
+            <a:pPr>
+              <a:lnSpc>
+                <a:spcPct val="100000"/>
+              </a:lnSpc>
+            </a:pPr>
             <a:endParaRPr lang="en-US" sz="1000" b="0" u="none" strike="noStrike">
               <a:solidFill>
                 <a:srgbClr val="000000"/>
@@ -10442,7 +11191,7 @@
         <p:spPr>
           <a:xfrm>
             <a:off x="1143000" y="2743200"/>
-            <a:ext cx="10971000" cy="760320"/>
+            <a:ext cx="10970640" cy="759960"/>
           </a:xfrm>
           <a:prstGeom prst="rect">
             <a:avLst/>
@@ -10480,7 +11229,7 @@
             </a:r>
             <a:endParaRPr lang="en-US" sz="3600" b="0" u="none" strike="noStrike">
               <a:solidFill>
-                <a:schemeClr val="dk1"/>
+                <a:srgbClr val="000000"/>
               </a:solidFill>
               <a:effectLst/>
               <a:uFillTx/>

--- a/UPDATE 22-1.pptx
+++ b/UPDATE 22-1.pptx
@@ -28,8 +28,8 @@
 </file>
 
 <file path=ppt/slideLayouts/slideLayout1.xml><?xml version="1.0" encoding="utf-8"?>
-<p:sldLayout xmlns:a="http://schemas.openxmlformats.org/drawingml/2006/main" xmlns:p="http://schemas.openxmlformats.org/presentationml/2006/main" xmlns:r="http://schemas.openxmlformats.org/officeDocument/2006/relationships" xmlns:p14="http://schemas.microsoft.com/office/powerpoint/2010/main" xmlns:p15="http://schemas.microsoft.com/office/powerpoint/2012/main" xmlns:mc="http://schemas.openxmlformats.org/markup-compatibility/2006" type="blank" preserve="1">
-  <p:cSld name="Blank">
+<p:sldLayout xmlns:a="http://schemas.openxmlformats.org/drawingml/2006/main" xmlns:p="http://schemas.openxmlformats.org/presentationml/2006/main" xmlns:r="http://schemas.openxmlformats.org/officeDocument/2006/relationships" xmlns:p14="http://schemas.microsoft.com/office/powerpoint/2010/main" xmlns:p15="http://schemas.microsoft.com/office/powerpoint/2012/main" xmlns:mc="http://schemas.openxmlformats.org/markup-compatibility/2006" type="twoObj" preserve="1">
+  <p:cSld name="Two Content">
     <p:bg>
       <p:bgPr>
         <a:solidFill>
@@ -64,7 +64,7 @@
         <p:spPr>
           <a:xfrm>
             <a:off x="0" y="0"/>
-            <a:ext cx="12189960" cy="6855840"/>
+            <a:ext cx="12189600" cy="6855480"/>
           </a:xfrm>
           <a:prstGeom prst="rect">
             <a:avLst/>
@@ -82,13 +82,481 @@
             <a:spLocks noGrp="1"/>
           </p:cNvSpPr>
           <p:nvPr>
+            <p:ph type="title"/>
+          </p:nvPr>
+        </p:nvSpPr>
+        <p:spPr>
+          <a:xfrm>
+            <a:off x="609480" y="190440"/>
+            <a:ext cx="10970280" cy="579960"/>
+          </a:xfrm>
+          <a:prstGeom prst="rect">
+            <a:avLst/>
+          </a:prstGeom>
+          <a:noFill/>
+          <a:ln w="9360">
+            <a:noFill/>
+          </a:ln>
+        </p:spPr>
+        <p:txBody>
+          <a:bodyPr lIns="90000" rIns="90000" tIns="45000" bIns="45000" anchor="ctr">
+            <a:noAutofit/>
+          </a:bodyPr>
+          <a:p>
+            <a:pPr indent="0">
+              <a:lnSpc>
+                <a:spcPct val="100000"/>
+              </a:lnSpc>
+              <a:buNone/>
+              <a:tabLst>
+                <a:tab algn="l" pos="0"/>
+              </a:tabLst>
+            </a:pPr>
+            <a:r>
+              <a:rPr lang="en-US" sz="3600" b="0" u="none" strike="noStrike">
+                <a:solidFill>
+                  <a:schemeClr val="dk1"/>
+                </a:solidFill>
+                <a:effectLst/>
+                <a:uFillTx/>
+                <a:latin typeface="Arial"/>
+                <a:ea typeface="SimSun"/>
+              </a:rPr>
+              <a:t>Click to edit Master title style</a:t>
+            </a:r>
+            <a:endParaRPr lang="en-US" sz="3600" b="0" u="none" strike="noStrike">
+              <a:solidFill>
+                <a:srgbClr val="000000"/>
+              </a:solidFill>
+              <a:effectLst/>
+              <a:uFillTx/>
+              <a:latin typeface="Arial"/>
+            </a:endParaRPr>
+          </a:p>
+        </p:txBody>
+      </p:sp>
+      <p:sp>
+        <p:nvSpPr>
+          <p:cNvPr id="4" name="PlaceHolder 2"/>
+          <p:cNvSpPr>
+            <a:spLocks noGrp="1"/>
+          </p:cNvSpPr>
+          <p:nvPr>
+            <p:ph type="body"/>
+          </p:nvPr>
+        </p:nvSpPr>
+        <p:spPr>
+          <a:xfrm>
+            <a:off x="609480" y="1174680"/>
+            <a:ext cx="5382360" cy="4950360"/>
+          </a:xfrm>
+          <a:prstGeom prst="rect">
+            <a:avLst/>
+          </a:prstGeom>
+          <a:noFill/>
+          <a:ln w="9360">
+            <a:noFill/>
+          </a:ln>
+        </p:spPr>
+        <p:txBody>
+          <a:bodyPr lIns="90000" rIns="90000" tIns="45000" bIns="45000" anchor="t">
+            <a:noAutofit/>
+          </a:bodyPr>
+          <a:p>
+            <a:pPr marL="343080" indent="-343080">
+              <a:lnSpc>
+                <a:spcPct val="100000"/>
+              </a:lnSpc>
+              <a:spcBef>
+                <a:spcPts val="641"/>
+              </a:spcBef>
+              <a:buClr>
+                <a:srgbClr val="000000"/>
+              </a:buClr>
+              <a:buFont typeface="Symbol" charset="2"/>
+              <a:buChar char=""/>
+            </a:pPr>
+            <a:r>
+              <a:rPr lang="en-US" sz="3200" b="0" u="none" strike="noStrike">
+                <a:solidFill>
+                  <a:schemeClr val="dk1"/>
+                </a:solidFill>
+                <a:effectLst/>
+                <a:uFillTx/>
+                <a:latin typeface="Arial"/>
+                <a:ea typeface="SimSun"/>
+              </a:rPr>
+              <a:t>Click to edit Master text styles</a:t>
+            </a:r>
+            <a:endParaRPr lang="en-US" sz="3200" b="0" u="none" strike="noStrike">
+              <a:solidFill>
+                <a:srgbClr val="000000"/>
+              </a:solidFill>
+              <a:effectLst/>
+              <a:uFillTx/>
+              <a:latin typeface="Arial"/>
+            </a:endParaRPr>
+          </a:p>
+          <a:p>
+            <a:pPr marL="743040" lvl="1" indent="-285840">
+              <a:lnSpc>
+                <a:spcPct val="100000"/>
+              </a:lnSpc>
+              <a:spcBef>
+                <a:spcPts val="561"/>
+              </a:spcBef>
+              <a:buClr>
+                <a:srgbClr val="000000"/>
+              </a:buClr>
+              <a:buFont typeface="Symbol" charset="2"/>
+              <a:buChar char=""/>
+            </a:pPr>
+            <a:r>
+              <a:rPr lang="en-US" sz="2800" b="0" u="none" strike="noStrike">
+                <a:solidFill>
+                  <a:schemeClr val="dk1"/>
+                </a:solidFill>
+                <a:effectLst/>
+                <a:uFillTx/>
+                <a:latin typeface="Arial"/>
+                <a:ea typeface="SimSun"/>
+              </a:rPr>
+              <a:t>Second level</a:t>
+            </a:r>
+            <a:endParaRPr lang="en-US" sz="2800" b="0" u="none" strike="noStrike">
+              <a:solidFill>
+                <a:srgbClr val="000000"/>
+              </a:solidFill>
+              <a:effectLst/>
+              <a:uFillTx/>
+              <a:latin typeface="Arial"/>
+            </a:endParaRPr>
+          </a:p>
+          <a:p>
+            <a:pPr marL="1143000" lvl="2" indent="-228600">
+              <a:lnSpc>
+                <a:spcPct val="100000"/>
+              </a:lnSpc>
+              <a:spcBef>
+                <a:spcPts val="479"/>
+              </a:spcBef>
+              <a:buClr>
+                <a:srgbClr val="000000"/>
+              </a:buClr>
+              <a:buFont typeface="Symbol" charset="2"/>
+              <a:buChar char=""/>
+            </a:pPr>
+            <a:r>
+              <a:rPr lang="en-US" sz="2400" b="0" u="none" strike="noStrike">
+                <a:solidFill>
+                  <a:schemeClr val="dk1"/>
+                </a:solidFill>
+                <a:effectLst/>
+                <a:uFillTx/>
+                <a:latin typeface="Arial"/>
+                <a:ea typeface="SimSun"/>
+              </a:rPr>
+              <a:t>Third level</a:t>
+            </a:r>
+            <a:endParaRPr lang="en-US" sz="2400" b="0" u="none" strike="noStrike">
+              <a:solidFill>
+                <a:srgbClr val="000000"/>
+              </a:solidFill>
+              <a:effectLst/>
+              <a:uFillTx/>
+              <a:latin typeface="Arial"/>
+            </a:endParaRPr>
+          </a:p>
+          <a:p>
+            <a:pPr marL="1600200" lvl="3" indent="-228600">
+              <a:lnSpc>
+                <a:spcPct val="100000"/>
+              </a:lnSpc>
+              <a:spcBef>
+                <a:spcPts val="400"/>
+              </a:spcBef>
+              <a:buClr>
+                <a:srgbClr val="000000"/>
+              </a:buClr>
+              <a:buFont typeface="Symbol" charset="2"/>
+              <a:buChar char=""/>
+            </a:pPr>
+            <a:r>
+              <a:rPr lang="en-US" sz="2000" b="0" u="none" strike="noStrike">
+                <a:solidFill>
+                  <a:schemeClr val="dk1"/>
+                </a:solidFill>
+                <a:effectLst/>
+                <a:uFillTx/>
+                <a:latin typeface="Arial"/>
+                <a:ea typeface="SimSun"/>
+              </a:rPr>
+              <a:t>Fourth level</a:t>
+            </a:r>
+            <a:endParaRPr lang="en-US" sz="2000" b="0" u="none" strike="noStrike">
+              <a:solidFill>
+                <a:srgbClr val="000000"/>
+              </a:solidFill>
+              <a:effectLst/>
+              <a:uFillTx/>
+              <a:latin typeface="Arial"/>
+            </a:endParaRPr>
+          </a:p>
+          <a:p>
+            <a:pPr marL="2057400" lvl="4" indent="-228600">
+              <a:lnSpc>
+                <a:spcPct val="100000"/>
+              </a:lnSpc>
+              <a:spcBef>
+                <a:spcPts val="400"/>
+              </a:spcBef>
+              <a:buClr>
+                <a:srgbClr val="000000"/>
+              </a:buClr>
+              <a:buFont typeface="OpenSymbol"/>
+              <a:buChar char="»"/>
+            </a:pPr>
+            <a:r>
+              <a:rPr lang="en-US" sz="2000" b="0" u="none" strike="noStrike">
+                <a:solidFill>
+                  <a:schemeClr val="dk1"/>
+                </a:solidFill>
+                <a:effectLst/>
+                <a:uFillTx/>
+                <a:latin typeface="Arial"/>
+                <a:ea typeface="SimSun"/>
+              </a:rPr>
+              <a:t>Fifth level</a:t>
+            </a:r>
+            <a:endParaRPr lang="en-US" sz="2000" b="0" u="none" strike="noStrike">
+              <a:solidFill>
+                <a:srgbClr val="000000"/>
+              </a:solidFill>
+              <a:effectLst/>
+              <a:uFillTx/>
+              <a:latin typeface="Arial"/>
+            </a:endParaRPr>
+          </a:p>
+        </p:txBody>
+      </p:sp>
+      <p:sp>
+        <p:nvSpPr>
+          <p:cNvPr id="5" name="PlaceHolder 3"/>
+          <p:cNvSpPr>
+            <a:spLocks noGrp="1"/>
+          </p:cNvSpPr>
+          <p:nvPr>
+            <p:ph type="body"/>
+          </p:nvPr>
+        </p:nvSpPr>
+        <p:spPr>
+          <a:xfrm>
+            <a:off x="6197760" y="1174680"/>
+            <a:ext cx="5382360" cy="4950360"/>
+          </a:xfrm>
+          <a:prstGeom prst="rect">
+            <a:avLst/>
+          </a:prstGeom>
+          <a:noFill/>
+          <a:ln w="9360">
+            <a:noFill/>
+          </a:ln>
+        </p:spPr>
+        <p:txBody>
+          <a:bodyPr lIns="90000" rIns="90000" tIns="45000" bIns="45000" anchor="t">
+            <a:noAutofit/>
+          </a:bodyPr>
+          <a:p>
+            <a:pPr marL="343080" indent="-343080">
+              <a:lnSpc>
+                <a:spcPct val="100000"/>
+              </a:lnSpc>
+              <a:spcBef>
+                <a:spcPts val="641"/>
+              </a:spcBef>
+              <a:buClr>
+                <a:srgbClr val="000000"/>
+              </a:buClr>
+              <a:buFont typeface="Symbol" charset="2"/>
+              <a:buChar char=""/>
+            </a:pPr>
+            <a:r>
+              <a:rPr lang="en-US" sz="3200" b="0" u="none" strike="noStrike">
+                <a:solidFill>
+                  <a:schemeClr val="dk1"/>
+                </a:solidFill>
+                <a:effectLst/>
+                <a:uFillTx/>
+                <a:latin typeface="Arial"/>
+                <a:ea typeface="SimSun"/>
+              </a:rPr>
+              <a:t>Click to edit Master text styles</a:t>
+            </a:r>
+            <a:endParaRPr lang="en-US" sz="3200" b="0" u="none" strike="noStrike">
+              <a:solidFill>
+                <a:srgbClr val="000000"/>
+              </a:solidFill>
+              <a:effectLst/>
+              <a:uFillTx/>
+              <a:latin typeface="Arial"/>
+            </a:endParaRPr>
+          </a:p>
+          <a:p>
+            <a:pPr marL="743040" lvl="1" indent="-285840">
+              <a:lnSpc>
+                <a:spcPct val="100000"/>
+              </a:lnSpc>
+              <a:spcBef>
+                <a:spcPts val="561"/>
+              </a:spcBef>
+              <a:buClr>
+                <a:srgbClr val="000000"/>
+              </a:buClr>
+              <a:buFont typeface="Symbol" charset="2"/>
+              <a:buChar char=""/>
+            </a:pPr>
+            <a:r>
+              <a:rPr lang="en-US" sz="2800" b="0" u="none" strike="noStrike">
+                <a:solidFill>
+                  <a:schemeClr val="dk1"/>
+                </a:solidFill>
+                <a:effectLst/>
+                <a:uFillTx/>
+                <a:latin typeface="Arial"/>
+                <a:ea typeface="SimSun"/>
+              </a:rPr>
+              <a:t>Second level</a:t>
+            </a:r>
+            <a:endParaRPr lang="en-US" sz="2800" b="0" u="none" strike="noStrike">
+              <a:solidFill>
+                <a:srgbClr val="000000"/>
+              </a:solidFill>
+              <a:effectLst/>
+              <a:uFillTx/>
+              <a:latin typeface="Arial"/>
+            </a:endParaRPr>
+          </a:p>
+          <a:p>
+            <a:pPr marL="1143000" lvl="2" indent="-228600">
+              <a:lnSpc>
+                <a:spcPct val="100000"/>
+              </a:lnSpc>
+              <a:spcBef>
+                <a:spcPts val="479"/>
+              </a:spcBef>
+              <a:buClr>
+                <a:srgbClr val="000000"/>
+              </a:buClr>
+              <a:buFont typeface="Symbol" charset="2"/>
+              <a:buChar char=""/>
+            </a:pPr>
+            <a:r>
+              <a:rPr lang="en-US" sz="2400" b="0" u="none" strike="noStrike">
+                <a:solidFill>
+                  <a:schemeClr val="dk1"/>
+                </a:solidFill>
+                <a:effectLst/>
+                <a:uFillTx/>
+                <a:latin typeface="Arial"/>
+                <a:ea typeface="SimSun"/>
+              </a:rPr>
+              <a:t>Third level</a:t>
+            </a:r>
+            <a:endParaRPr lang="en-US" sz="2400" b="0" u="none" strike="noStrike">
+              <a:solidFill>
+                <a:srgbClr val="000000"/>
+              </a:solidFill>
+              <a:effectLst/>
+              <a:uFillTx/>
+              <a:latin typeface="Arial"/>
+            </a:endParaRPr>
+          </a:p>
+          <a:p>
+            <a:pPr marL="1600200" lvl="3" indent="-228600">
+              <a:lnSpc>
+                <a:spcPct val="100000"/>
+              </a:lnSpc>
+              <a:spcBef>
+                <a:spcPts val="400"/>
+              </a:spcBef>
+              <a:buClr>
+                <a:srgbClr val="000000"/>
+              </a:buClr>
+              <a:buFont typeface="Symbol" charset="2"/>
+              <a:buChar char=""/>
+            </a:pPr>
+            <a:r>
+              <a:rPr lang="en-US" sz="2000" b="0" u="none" strike="noStrike">
+                <a:solidFill>
+                  <a:schemeClr val="dk1"/>
+                </a:solidFill>
+                <a:effectLst/>
+                <a:uFillTx/>
+                <a:latin typeface="Arial"/>
+                <a:ea typeface="SimSun"/>
+              </a:rPr>
+              <a:t>Fourth level</a:t>
+            </a:r>
+            <a:endParaRPr lang="en-US" sz="2000" b="0" u="none" strike="noStrike">
+              <a:solidFill>
+                <a:srgbClr val="000000"/>
+              </a:solidFill>
+              <a:effectLst/>
+              <a:uFillTx/>
+              <a:latin typeface="Arial"/>
+            </a:endParaRPr>
+          </a:p>
+          <a:p>
+            <a:pPr marL="2057400" lvl="4" indent="-228600">
+              <a:lnSpc>
+                <a:spcPct val="100000"/>
+              </a:lnSpc>
+              <a:spcBef>
+                <a:spcPts val="400"/>
+              </a:spcBef>
+              <a:buClr>
+                <a:srgbClr val="000000"/>
+              </a:buClr>
+              <a:buFont typeface="OpenSymbol"/>
+              <a:buChar char="»"/>
+            </a:pPr>
+            <a:r>
+              <a:rPr lang="en-US" sz="2000" b="0" u="none" strike="noStrike">
+                <a:solidFill>
+                  <a:schemeClr val="dk1"/>
+                </a:solidFill>
+                <a:effectLst/>
+                <a:uFillTx/>
+                <a:latin typeface="Arial"/>
+                <a:ea typeface="SimSun"/>
+              </a:rPr>
+              <a:t>Fifth level</a:t>
+            </a:r>
+            <a:endParaRPr lang="en-US" sz="2000" b="0" u="none" strike="noStrike">
+              <a:solidFill>
+                <a:srgbClr val="000000"/>
+              </a:solidFill>
+              <a:effectLst/>
+              <a:uFillTx/>
+              <a:latin typeface="Arial"/>
+            </a:endParaRPr>
+          </a:p>
+        </p:txBody>
+      </p:sp>
+      <p:sp>
+        <p:nvSpPr>
+          <p:cNvPr id="6" name="PlaceHolder 4"/>
+          <p:cNvSpPr>
+            <a:spLocks noGrp="1"/>
+          </p:cNvSpPr>
+          <p:nvPr>
             <p:ph type="dt" idx="1"/>
           </p:nvPr>
         </p:nvSpPr>
         <p:spPr>
           <a:xfrm>
             <a:off x="609480" y="6245280"/>
-            <a:ext cx="2842560" cy="474120"/>
+            <a:ext cx="2842200" cy="473760"/>
           </a:xfrm>
           <a:prstGeom prst="rect">
             <a:avLst/>
@@ -157,7 +625,7 @@
       </p:sp>
       <p:sp>
         <p:nvSpPr>
-          <p:cNvPr id="4" name="PlaceHolder 2"/>
+          <p:cNvPr id="7" name="PlaceHolder 5"/>
           <p:cNvSpPr>
             <a:spLocks noGrp="1"/>
           </p:cNvSpPr>
@@ -168,7 +636,7 @@
         <p:spPr>
           <a:xfrm>
             <a:off x="4165560" y="6245280"/>
-            <a:ext cx="3858480" cy="474120"/>
+            <a:ext cx="3858120" cy="473760"/>
           </a:xfrm>
           <a:prstGeom prst="rect">
             <a:avLst/>
@@ -237,7 +705,7 @@
       </p:sp>
       <p:sp>
         <p:nvSpPr>
-          <p:cNvPr id="5" name="PlaceHolder 3"/>
+          <p:cNvPr id="8" name="PlaceHolder 6"/>
           <p:cNvSpPr>
             <a:spLocks noGrp="1"/>
           </p:cNvSpPr>
@@ -248,7 +716,7 @@
         <p:spPr>
           <a:xfrm>
             <a:off x="8737560" y="6245280"/>
-            <a:ext cx="2842560" cy="474120"/>
+            <a:ext cx="2842200" cy="473760"/>
           </a:xfrm>
           <a:prstGeom prst="rect">
             <a:avLst/>
@@ -283,6 +751,903 @@
 </file>
 
 <file path=ppt/slideLayouts/slideLayout10.xml><?xml version="1.0" encoding="utf-8"?>
+<p:sldLayout xmlns:a="http://schemas.openxmlformats.org/drawingml/2006/main" xmlns:p="http://schemas.openxmlformats.org/presentationml/2006/main" xmlns:r="http://schemas.openxmlformats.org/officeDocument/2006/relationships" xmlns:p14="http://schemas.microsoft.com/office/powerpoint/2010/main" xmlns:p15="http://schemas.microsoft.com/office/powerpoint/2012/main" xmlns:mc="http://schemas.openxmlformats.org/markup-compatibility/2006" type="obj" preserve="1">
+  <p:cSld name="Title and Content">
+    <p:bg>
+      <p:bgPr>
+        <a:solidFill>
+          <a:srgbClr val="ffffff"/>
+        </a:solidFill>
+      </p:bgPr>
+    </p:bg>
+    <p:spTree>
+      <p:nvGrpSpPr>
+        <p:cNvPr id="1" name=""/>
+        <p:cNvGrpSpPr/>
+        <p:nvPr/>
+      </p:nvGrpSpPr>
+      <p:grpSpPr>
+        <a:xfrm>
+          <a:off x="0" y="0"/>
+          <a:ext cx="0" cy="0"/>
+          <a:chOff x="0" y="0"/>
+          <a:chExt cx="0" cy="0"/>
+        </a:xfrm>
+      </p:grpSpPr>
+      <p:pic>
+        <p:nvPicPr>
+          <p:cNvPr id="59" name="Picture 10"/>
+          <p:cNvPicPr/>
+          <p:nvPr/>
+        </p:nvPicPr>
+        <p:blipFill>
+          <a:blip r:embed="rId2"/>
+          <a:stretch/>
+        </p:blipFill>
+        <p:spPr>
+          <a:xfrm>
+            <a:off x="0" y="0"/>
+            <a:ext cx="12189600" cy="6855480"/>
+          </a:xfrm>
+          <a:prstGeom prst="rect">
+            <a:avLst/>
+          </a:prstGeom>
+          <a:noFill/>
+          <a:ln w="9525">
+            <a:noFill/>
+          </a:ln>
+        </p:spPr>
+      </p:pic>
+      <p:sp>
+        <p:nvSpPr>
+          <p:cNvPr id="60" name="PlaceHolder 1"/>
+          <p:cNvSpPr>
+            <a:spLocks noGrp="1"/>
+          </p:cNvSpPr>
+          <p:nvPr>
+            <p:ph type="title"/>
+          </p:nvPr>
+        </p:nvSpPr>
+        <p:spPr>
+          <a:xfrm>
+            <a:off x="609480" y="190440"/>
+            <a:ext cx="10970280" cy="579960"/>
+          </a:xfrm>
+          <a:prstGeom prst="rect">
+            <a:avLst/>
+          </a:prstGeom>
+          <a:noFill/>
+          <a:ln w="9360">
+            <a:noFill/>
+          </a:ln>
+        </p:spPr>
+        <p:txBody>
+          <a:bodyPr lIns="90000" rIns="90000" tIns="45000" bIns="45000" anchor="ctr">
+            <a:noAutofit/>
+          </a:bodyPr>
+          <a:p>
+            <a:pPr indent="0">
+              <a:lnSpc>
+                <a:spcPct val="100000"/>
+              </a:lnSpc>
+              <a:buNone/>
+              <a:tabLst>
+                <a:tab algn="l" pos="0"/>
+              </a:tabLst>
+            </a:pPr>
+            <a:r>
+              <a:rPr lang="en-US" sz="3600" b="0" u="none" strike="noStrike">
+                <a:solidFill>
+                  <a:schemeClr val="dk1"/>
+                </a:solidFill>
+                <a:effectLst/>
+                <a:uFillTx/>
+                <a:latin typeface="Arial"/>
+                <a:ea typeface="SimSun"/>
+              </a:rPr>
+              <a:t>Click to edit Master title style</a:t>
+            </a:r>
+            <a:endParaRPr lang="en-US" sz="3600" b="0" u="none" strike="noStrike">
+              <a:solidFill>
+                <a:srgbClr val="000000"/>
+              </a:solidFill>
+              <a:effectLst/>
+              <a:uFillTx/>
+              <a:latin typeface="Arial"/>
+            </a:endParaRPr>
+          </a:p>
+        </p:txBody>
+      </p:sp>
+      <p:sp>
+        <p:nvSpPr>
+          <p:cNvPr id="61" name="PlaceHolder 2"/>
+          <p:cNvSpPr>
+            <a:spLocks noGrp="1"/>
+          </p:cNvSpPr>
+          <p:nvPr>
+            <p:ph type="body"/>
+          </p:nvPr>
+        </p:nvSpPr>
+        <p:spPr>
+          <a:xfrm>
+            <a:off x="609480" y="1174680"/>
+            <a:ext cx="10970280" cy="4950360"/>
+          </a:xfrm>
+          <a:prstGeom prst="rect">
+            <a:avLst/>
+          </a:prstGeom>
+          <a:noFill/>
+          <a:ln w="9360">
+            <a:noFill/>
+          </a:ln>
+        </p:spPr>
+        <p:txBody>
+          <a:bodyPr lIns="90000" rIns="90000" tIns="45000" bIns="45000" anchor="t">
+            <a:noAutofit/>
+          </a:bodyPr>
+          <a:p>
+            <a:pPr marL="343080" indent="-343080">
+              <a:lnSpc>
+                <a:spcPct val="100000"/>
+              </a:lnSpc>
+              <a:spcBef>
+                <a:spcPts val="641"/>
+              </a:spcBef>
+              <a:buClr>
+                <a:srgbClr val="000000"/>
+              </a:buClr>
+              <a:buFont typeface="Symbol" charset="2"/>
+              <a:buChar char=""/>
+            </a:pPr>
+            <a:r>
+              <a:rPr lang="en-US" sz="3200" b="0" u="none" strike="noStrike">
+                <a:solidFill>
+                  <a:schemeClr val="dk1"/>
+                </a:solidFill>
+                <a:effectLst/>
+                <a:uFillTx/>
+                <a:latin typeface="Arial"/>
+                <a:ea typeface="SimSun"/>
+              </a:rPr>
+              <a:t>Click to edit Master text styles</a:t>
+            </a:r>
+            <a:endParaRPr lang="en-US" sz="3200" b="0" u="none" strike="noStrike">
+              <a:solidFill>
+                <a:srgbClr val="000000"/>
+              </a:solidFill>
+              <a:effectLst/>
+              <a:uFillTx/>
+              <a:latin typeface="Arial"/>
+            </a:endParaRPr>
+          </a:p>
+          <a:p>
+            <a:pPr marL="743040" lvl="1" indent="-285840">
+              <a:lnSpc>
+                <a:spcPct val="100000"/>
+              </a:lnSpc>
+              <a:spcBef>
+                <a:spcPts val="561"/>
+              </a:spcBef>
+              <a:buClr>
+                <a:srgbClr val="000000"/>
+              </a:buClr>
+              <a:buFont typeface="Symbol" charset="2"/>
+              <a:buChar char=""/>
+            </a:pPr>
+            <a:r>
+              <a:rPr lang="en-US" sz="2800" b="0" u="none" strike="noStrike">
+                <a:solidFill>
+                  <a:schemeClr val="dk1"/>
+                </a:solidFill>
+                <a:effectLst/>
+                <a:uFillTx/>
+                <a:latin typeface="Arial"/>
+                <a:ea typeface="SimSun"/>
+              </a:rPr>
+              <a:t>Second level</a:t>
+            </a:r>
+            <a:endParaRPr lang="en-US" sz="2800" b="0" u="none" strike="noStrike">
+              <a:solidFill>
+                <a:srgbClr val="000000"/>
+              </a:solidFill>
+              <a:effectLst/>
+              <a:uFillTx/>
+              <a:latin typeface="Arial"/>
+            </a:endParaRPr>
+          </a:p>
+          <a:p>
+            <a:pPr marL="1143000" lvl="2" indent="-228600">
+              <a:lnSpc>
+                <a:spcPct val="100000"/>
+              </a:lnSpc>
+              <a:spcBef>
+                <a:spcPts val="479"/>
+              </a:spcBef>
+              <a:buClr>
+                <a:srgbClr val="000000"/>
+              </a:buClr>
+              <a:buFont typeface="Symbol" charset="2"/>
+              <a:buChar char=""/>
+            </a:pPr>
+            <a:r>
+              <a:rPr lang="en-US" sz="2400" b="0" u="none" strike="noStrike">
+                <a:solidFill>
+                  <a:schemeClr val="dk1"/>
+                </a:solidFill>
+                <a:effectLst/>
+                <a:uFillTx/>
+                <a:latin typeface="Arial"/>
+                <a:ea typeface="SimSun"/>
+              </a:rPr>
+              <a:t>Third level</a:t>
+            </a:r>
+            <a:endParaRPr lang="en-US" sz="2400" b="0" u="none" strike="noStrike">
+              <a:solidFill>
+                <a:srgbClr val="000000"/>
+              </a:solidFill>
+              <a:effectLst/>
+              <a:uFillTx/>
+              <a:latin typeface="Arial"/>
+            </a:endParaRPr>
+          </a:p>
+          <a:p>
+            <a:pPr marL="1600200" lvl="3" indent="-228600">
+              <a:lnSpc>
+                <a:spcPct val="100000"/>
+              </a:lnSpc>
+              <a:spcBef>
+                <a:spcPts val="400"/>
+              </a:spcBef>
+              <a:buClr>
+                <a:srgbClr val="000000"/>
+              </a:buClr>
+              <a:buFont typeface="Symbol" charset="2"/>
+              <a:buChar char=""/>
+            </a:pPr>
+            <a:r>
+              <a:rPr lang="en-US" sz="2000" b="0" u="none" strike="noStrike">
+                <a:solidFill>
+                  <a:schemeClr val="dk1"/>
+                </a:solidFill>
+                <a:effectLst/>
+                <a:uFillTx/>
+                <a:latin typeface="Arial"/>
+                <a:ea typeface="SimSun"/>
+              </a:rPr>
+              <a:t>Fourth level</a:t>
+            </a:r>
+            <a:endParaRPr lang="en-US" sz="2000" b="0" u="none" strike="noStrike">
+              <a:solidFill>
+                <a:srgbClr val="000000"/>
+              </a:solidFill>
+              <a:effectLst/>
+              <a:uFillTx/>
+              <a:latin typeface="Arial"/>
+            </a:endParaRPr>
+          </a:p>
+          <a:p>
+            <a:pPr marL="2057400" lvl="4" indent="-228600">
+              <a:lnSpc>
+                <a:spcPct val="100000"/>
+              </a:lnSpc>
+              <a:spcBef>
+                <a:spcPts val="400"/>
+              </a:spcBef>
+              <a:buClr>
+                <a:srgbClr val="000000"/>
+              </a:buClr>
+              <a:buFont typeface="OpenSymbol"/>
+              <a:buChar char="»"/>
+            </a:pPr>
+            <a:r>
+              <a:rPr lang="en-US" sz="2000" b="0" u="none" strike="noStrike">
+                <a:solidFill>
+                  <a:schemeClr val="dk1"/>
+                </a:solidFill>
+                <a:effectLst/>
+                <a:uFillTx/>
+                <a:latin typeface="Arial"/>
+                <a:ea typeface="SimSun"/>
+              </a:rPr>
+              <a:t>Fifth level</a:t>
+            </a:r>
+            <a:endParaRPr lang="en-US" sz="2000" b="0" u="none" strike="noStrike">
+              <a:solidFill>
+                <a:srgbClr val="000000"/>
+              </a:solidFill>
+              <a:effectLst/>
+              <a:uFillTx/>
+              <a:latin typeface="Arial"/>
+            </a:endParaRPr>
+          </a:p>
+        </p:txBody>
+      </p:sp>
+      <p:sp>
+        <p:nvSpPr>
+          <p:cNvPr id="62" name="PlaceHolder 3"/>
+          <p:cNvSpPr>
+            <a:spLocks noGrp="1"/>
+          </p:cNvSpPr>
+          <p:nvPr>
+            <p:ph type="dt" idx="28"/>
+          </p:nvPr>
+        </p:nvSpPr>
+        <p:spPr>
+          <a:xfrm>
+            <a:off x="609480" y="6245280"/>
+            <a:ext cx="2842200" cy="473760"/>
+          </a:xfrm>
+          <a:prstGeom prst="rect">
+            <a:avLst/>
+          </a:prstGeom>
+          <a:noFill/>
+          <a:ln w="0">
+            <a:noFill/>
+          </a:ln>
+        </p:spPr>
+        <p:txBody>
+          <a:bodyPr numCol="1" spcCol="0" lIns="91440" rIns="91440" tIns="45720" bIns="45720" anchor="t">
+            <a:noAutofit/>
+          </a:bodyPr>
+          <a:lstStyle>
+            <a:lvl1pPr indent="0" defTabSz="914400">
+              <a:lnSpc>
+                <a:spcPct val="100000"/>
+              </a:lnSpc>
+              <a:buNone/>
+              <a:tabLst>
+                <a:tab algn="l" pos="0"/>
+              </a:tabLst>
+              <a:defRPr lang="en-US" sz="1400" b="0" u="none" strike="noStrike">
+                <a:solidFill>
+                  <a:srgbClr val="000000"/>
+                </a:solidFill>
+                <a:effectLst/>
+                <a:uFillTx/>
+                <a:latin typeface="Times New Roman"/>
+                <a:ea typeface="SimSun"/>
+              </a:defRPr>
+            </a:lvl1pPr>
+          </a:lstStyle>
+          <a:p>
+            <a:pPr indent="0" defTabSz="914400">
+              <a:lnSpc>
+                <a:spcPct val="100000"/>
+              </a:lnSpc>
+              <a:buNone/>
+              <a:tabLst>
+                <a:tab algn="l" pos="0"/>
+              </a:tabLst>
+            </a:pPr>
+            <a:r>
+              <a:rPr lang="en-US" sz="1400" b="0" u="none" strike="noStrike">
+                <a:solidFill>
+                  <a:srgbClr val="000000"/>
+                </a:solidFill>
+                <a:effectLst/>
+                <a:uFillTx/>
+                <a:latin typeface="Times New Roman"/>
+                <a:ea typeface="SimSun"/>
+              </a:rPr>
+              <a:t>&lt;date/time&gt;</a:t>
+            </a:r>
+            <a:endParaRPr lang="en-US" sz="1400" b="0" u="none" strike="noStrike">
+              <a:solidFill>
+                <a:srgbClr val="000000"/>
+              </a:solidFill>
+              <a:effectLst/>
+              <a:uFillTx/>
+              <a:latin typeface="Times New Roman"/>
+            </a:endParaRPr>
+          </a:p>
+        </p:txBody>
+      </p:sp>
+      <p:sp>
+        <p:nvSpPr>
+          <p:cNvPr id="63" name="PlaceHolder 4"/>
+          <p:cNvSpPr>
+            <a:spLocks noGrp="1"/>
+          </p:cNvSpPr>
+          <p:nvPr>
+            <p:ph type="ftr" idx="29"/>
+          </p:nvPr>
+        </p:nvSpPr>
+        <p:spPr>
+          <a:xfrm>
+            <a:off x="4165560" y="6245280"/>
+            <a:ext cx="3858120" cy="473760"/>
+          </a:xfrm>
+          <a:prstGeom prst="rect">
+            <a:avLst/>
+          </a:prstGeom>
+          <a:noFill/>
+          <a:ln w="0">
+            <a:noFill/>
+          </a:ln>
+        </p:spPr>
+        <p:txBody>
+          <a:bodyPr numCol="1" spcCol="0" lIns="91440" rIns="91440" tIns="45720" bIns="45720" anchor="t">
+            <a:noAutofit/>
+          </a:bodyPr>
+          <a:lstStyle>
+            <a:lvl1pPr indent="0" algn="ctr" defTabSz="914400">
+              <a:lnSpc>
+                <a:spcPct val="100000"/>
+              </a:lnSpc>
+              <a:buNone/>
+              <a:tabLst>
+                <a:tab algn="l" pos="0"/>
+              </a:tabLst>
+              <a:defRPr lang="en-US" sz="1400" b="0" u="none" strike="noStrike">
+                <a:solidFill>
+                  <a:srgbClr val="000000"/>
+                </a:solidFill>
+                <a:effectLst/>
+                <a:uFillTx/>
+                <a:latin typeface="Times New Roman"/>
+                <a:ea typeface="SimSun"/>
+              </a:defRPr>
+            </a:lvl1pPr>
+          </a:lstStyle>
+          <a:p>
+            <a:pPr indent="0" algn="ctr" defTabSz="914400">
+              <a:lnSpc>
+                <a:spcPct val="100000"/>
+              </a:lnSpc>
+              <a:buNone/>
+              <a:tabLst>
+                <a:tab algn="l" pos="0"/>
+              </a:tabLst>
+            </a:pPr>
+            <a:r>
+              <a:rPr lang="en-US" sz="1400" b="0" u="none" strike="noStrike">
+                <a:solidFill>
+                  <a:srgbClr val="000000"/>
+                </a:solidFill>
+                <a:effectLst/>
+                <a:uFillTx/>
+                <a:latin typeface="Times New Roman"/>
+                <a:ea typeface="SimSun"/>
+              </a:rPr>
+              <a:t>&lt;footer&gt;</a:t>
+            </a:r>
+            <a:endParaRPr lang="en-US" sz="1400" b="0" u="none" strike="noStrike">
+              <a:solidFill>
+                <a:srgbClr val="000000"/>
+              </a:solidFill>
+              <a:effectLst/>
+              <a:uFillTx/>
+              <a:latin typeface="Times New Roman"/>
+            </a:endParaRPr>
+          </a:p>
+        </p:txBody>
+      </p:sp>
+      <p:sp>
+        <p:nvSpPr>
+          <p:cNvPr id="64" name="PlaceHolder 5"/>
+          <p:cNvSpPr>
+            <a:spLocks noGrp="1"/>
+          </p:cNvSpPr>
+          <p:nvPr>
+            <p:ph type="sldNum" idx="30"/>
+          </p:nvPr>
+        </p:nvSpPr>
+        <p:spPr>
+          <a:xfrm>
+            <a:off x="8737560" y="6245280"/>
+            <a:ext cx="2842200" cy="473760"/>
+          </a:xfrm>
+          <a:prstGeom prst="rect">
+            <a:avLst/>
+          </a:prstGeom>
+          <a:noFill/>
+          <a:ln w="0">
+            <a:noFill/>
+          </a:ln>
+        </p:spPr>
+        <p:txBody>
+          <a:bodyPr numCol="1" spcCol="0" lIns="91440" rIns="91440" tIns="45720" bIns="45720" anchor="t">
+            <a:noAutofit/>
+          </a:bodyPr>
+          <a:p>
+            <a:pPr indent="0">
+              <a:buNone/>
+            </a:pPr>
+            <a:endParaRPr lang="en-US" sz="1800" b="0" u="none" strike="noStrike">
+              <a:solidFill>
+                <a:srgbClr val="000000"/>
+              </a:solidFill>
+              <a:effectLst/>
+              <a:uFillTx/>
+              <a:latin typeface="Times New Roman"/>
+            </a:endParaRPr>
+          </a:p>
+        </p:txBody>
+      </p:sp>
+    </p:spTree>
+  </p:cSld>
+</p:sldLayout>
+</file>
+
+<file path=ppt/slideLayouts/slideLayout11.xml><?xml version="1.0" encoding="utf-8"?>
+<p:sldLayout xmlns:a="http://schemas.openxmlformats.org/drawingml/2006/main" xmlns:p="http://schemas.openxmlformats.org/presentationml/2006/main" xmlns:r="http://schemas.openxmlformats.org/officeDocument/2006/relationships" xmlns:p14="http://schemas.microsoft.com/office/powerpoint/2010/main" xmlns:p15="http://schemas.microsoft.com/office/powerpoint/2012/main" xmlns:mc="http://schemas.openxmlformats.org/markup-compatibility/2006" type="blank" preserve="1">
+  <p:cSld name="Section Header">
+    <p:bg>
+      <p:bgPr>
+        <a:solidFill>
+          <a:srgbClr val="ffffff"/>
+        </a:solidFill>
+      </p:bgPr>
+    </p:bg>
+    <p:spTree>
+      <p:nvGrpSpPr>
+        <p:cNvPr id="1" name=""/>
+        <p:cNvGrpSpPr/>
+        <p:nvPr/>
+      </p:nvGrpSpPr>
+      <p:grpSpPr>
+        <a:xfrm>
+          <a:off x="0" y="0"/>
+          <a:ext cx="0" cy="0"/>
+          <a:chOff x="0" y="0"/>
+          <a:chExt cx="0" cy="0"/>
+        </a:xfrm>
+      </p:grpSpPr>
+      <p:pic>
+        <p:nvPicPr>
+          <p:cNvPr id="65" name="Picture 10"/>
+          <p:cNvPicPr/>
+          <p:nvPr/>
+        </p:nvPicPr>
+        <p:blipFill>
+          <a:blip r:embed="rId2"/>
+          <a:stretch/>
+        </p:blipFill>
+        <p:spPr>
+          <a:xfrm>
+            <a:off x="0" y="0"/>
+            <a:ext cx="12189600" cy="6855480"/>
+          </a:xfrm>
+          <a:prstGeom prst="rect">
+            <a:avLst/>
+          </a:prstGeom>
+          <a:noFill/>
+          <a:ln w="9525">
+            <a:noFill/>
+          </a:ln>
+        </p:spPr>
+      </p:pic>
+      <p:sp>
+        <p:nvSpPr>
+          <p:cNvPr id="66" name="PlaceHolder 1"/>
+          <p:cNvSpPr>
+            <a:spLocks noGrp="1"/>
+          </p:cNvSpPr>
+          <p:nvPr>
+            <p:ph type="title"/>
+          </p:nvPr>
+        </p:nvSpPr>
+        <p:spPr>
+          <a:xfrm>
+            <a:off x="831960" y="1709640"/>
+            <a:ext cx="10513080" cy="2850120"/>
+          </a:xfrm>
+          <a:prstGeom prst="rect">
+            <a:avLst/>
+          </a:prstGeom>
+          <a:noFill/>
+          <a:ln w="9360">
+            <a:noFill/>
+          </a:ln>
+        </p:spPr>
+        <p:txBody>
+          <a:bodyPr lIns="90000" rIns="90000" tIns="45000" bIns="45000" anchor="b">
+            <a:noAutofit/>
+          </a:bodyPr>
+          <a:p>
+            <a:pPr indent="0">
+              <a:lnSpc>
+                <a:spcPct val="100000"/>
+              </a:lnSpc>
+              <a:buNone/>
+              <a:tabLst>
+                <a:tab algn="l" pos="0"/>
+              </a:tabLst>
+            </a:pPr>
+            <a:r>
+              <a:rPr lang="en-US" sz="6000" b="0" u="none" strike="noStrike">
+                <a:solidFill>
+                  <a:schemeClr val="dk1"/>
+                </a:solidFill>
+                <a:effectLst/>
+                <a:uFillTx/>
+                <a:latin typeface="Arial"/>
+                <a:ea typeface="SimSun"/>
+              </a:rPr>
+              <a:t>Click to edit Master title style</a:t>
+            </a:r>
+            <a:endParaRPr lang="en-US" sz="6000" b="0" u="none" strike="noStrike">
+              <a:solidFill>
+                <a:srgbClr val="000000"/>
+              </a:solidFill>
+              <a:effectLst/>
+              <a:uFillTx/>
+              <a:latin typeface="Arial"/>
+            </a:endParaRPr>
+          </a:p>
+        </p:txBody>
+      </p:sp>
+      <p:sp>
+        <p:nvSpPr>
+          <p:cNvPr id="67" name="PlaceHolder 2"/>
+          <p:cNvSpPr>
+            <a:spLocks noGrp="1"/>
+          </p:cNvSpPr>
+          <p:nvPr>
+            <p:ph type="body"/>
+          </p:nvPr>
+        </p:nvSpPr>
+        <p:spPr>
+          <a:xfrm>
+            <a:off x="831960" y="4589640"/>
+            <a:ext cx="10513080" cy="1497600"/>
+          </a:xfrm>
+          <a:prstGeom prst="rect">
+            <a:avLst/>
+          </a:prstGeom>
+          <a:noFill/>
+          <a:ln w="9360">
+            <a:noFill/>
+          </a:ln>
+        </p:spPr>
+        <p:txBody>
+          <a:bodyPr lIns="90000" rIns="90000" tIns="45000" bIns="45000" anchor="t">
+            <a:noAutofit/>
+          </a:bodyPr>
+          <a:p>
+            <a:pPr indent="0">
+              <a:lnSpc>
+                <a:spcPct val="100000"/>
+              </a:lnSpc>
+              <a:spcBef>
+                <a:spcPts val="479"/>
+              </a:spcBef>
+              <a:buNone/>
+              <a:tabLst>
+                <a:tab algn="l" pos="0"/>
+              </a:tabLst>
+            </a:pPr>
+            <a:r>
+              <a:rPr lang="en-US" sz="2400" b="0" u="none" strike="noStrike">
+                <a:solidFill>
+                  <a:schemeClr val="dk1"/>
+                </a:solidFill>
+                <a:effectLst/>
+                <a:uFillTx/>
+                <a:latin typeface="Arial"/>
+                <a:ea typeface="SimSun"/>
+              </a:rPr>
+              <a:t>Click to edit Master text styles</a:t>
+            </a:r>
+            <a:endParaRPr lang="en-US" sz="2400" b="0" u="none" strike="noStrike">
+              <a:solidFill>
+                <a:srgbClr val="000000"/>
+              </a:solidFill>
+              <a:effectLst/>
+              <a:uFillTx/>
+              <a:latin typeface="Arial"/>
+            </a:endParaRPr>
+          </a:p>
+        </p:txBody>
+      </p:sp>
+      <p:sp>
+        <p:nvSpPr>
+          <p:cNvPr id="68" name="PlaceHolder 3"/>
+          <p:cNvSpPr>
+            <a:spLocks noGrp="1"/>
+          </p:cNvSpPr>
+          <p:nvPr>
+            <p:ph type="dt" idx="31"/>
+          </p:nvPr>
+        </p:nvSpPr>
+        <p:spPr>
+          <a:xfrm>
+            <a:off x="609480" y="6245280"/>
+            <a:ext cx="2842200" cy="473760"/>
+          </a:xfrm>
+          <a:prstGeom prst="rect">
+            <a:avLst/>
+          </a:prstGeom>
+          <a:noFill/>
+          <a:ln w="0">
+            <a:noFill/>
+          </a:ln>
+        </p:spPr>
+        <p:txBody>
+          <a:bodyPr numCol="1" spcCol="0" lIns="91440" rIns="91440" tIns="45720" bIns="45720" anchor="t">
+            <a:noAutofit/>
+          </a:bodyPr>
+          <a:lstStyle>
+            <a:lvl1pPr indent="0" defTabSz="914400">
+              <a:lnSpc>
+                <a:spcPct val="100000"/>
+              </a:lnSpc>
+              <a:buNone/>
+              <a:tabLst>
+                <a:tab algn="l" pos="0"/>
+              </a:tabLst>
+              <a:defRPr lang="en-US" sz="1400" b="0" u="none" strike="noStrike">
+                <a:solidFill>
+                  <a:srgbClr val="000000"/>
+                </a:solidFill>
+                <a:effectLst/>
+                <a:uFillTx/>
+                <a:latin typeface="Times New Roman"/>
+                <a:ea typeface="SimSun"/>
+              </a:defRPr>
+            </a:lvl1pPr>
+          </a:lstStyle>
+          <a:p>
+            <a:pPr indent="0" defTabSz="914400">
+              <a:lnSpc>
+                <a:spcPct val="100000"/>
+              </a:lnSpc>
+              <a:buNone/>
+              <a:tabLst>
+                <a:tab algn="l" pos="0"/>
+              </a:tabLst>
+            </a:pPr>
+            <a:r>
+              <a:rPr lang="en-US" sz="1400" b="0" u="none" strike="noStrike">
+                <a:solidFill>
+                  <a:srgbClr val="000000"/>
+                </a:solidFill>
+                <a:effectLst/>
+                <a:uFillTx/>
+                <a:latin typeface="Times New Roman"/>
+                <a:ea typeface="SimSun"/>
+              </a:rPr>
+              <a:t>&lt;date/time&gt;</a:t>
+            </a:r>
+            <a:endParaRPr lang="en-US" sz="1400" b="0" u="none" strike="noStrike">
+              <a:solidFill>
+                <a:srgbClr val="000000"/>
+              </a:solidFill>
+              <a:effectLst/>
+              <a:uFillTx/>
+              <a:latin typeface="Times New Roman"/>
+            </a:endParaRPr>
+          </a:p>
+        </p:txBody>
+      </p:sp>
+      <p:sp>
+        <p:nvSpPr>
+          <p:cNvPr id="69" name="PlaceHolder 4"/>
+          <p:cNvSpPr>
+            <a:spLocks noGrp="1"/>
+          </p:cNvSpPr>
+          <p:nvPr>
+            <p:ph type="ftr" idx="32"/>
+          </p:nvPr>
+        </p:nvSpPr>
+        <p:spPr>
+          <a:xfrm>
+            <a:off x="4165560" y="6245280"/>
+            <a:ext cx="3858120" cy="473760"/>
+          </a:xfrm>
+          <a:prstGeom prst="rect">
+            <a:avLst/>
+          </a:prstGeom>
+          <a:noFill/>
+          <a:ln w="0">
+            <a:noFill/>
+          </a:ln>
+        </p:spPr>
+        <p:txBody>
+          <a:bodyPr numCol="1" spcCol="0" lIns="91440" rIns="91440" tIns="45720" bIns="45720" anchor="t">
+            <a:noAutofit/>
+          </a:bodyPr>
+          <a:lstStyle>
+            <a:lvl1pPr indent="0" algn="ctr" defTabSz="914400">
+              <a:lnSpc>
+                <a:spcPct val="100000"/>
+              </a:lnSpc>
+              <a:buNone/>
+              <a:tabLst>
+                <a:tab algn="l" pos="0"/>
+              </a:tabLst>
+              <a:defRPr lang="en-US" sz="1400" b="0" u="none" strike="noStrike">
+                <a:solidFill>
+                  <a:srgbClr val="000000"/>
+                </a:solidFill>
+                <a:effectLst/>
+                <a:uFillTx/>
+                <a:latin typeface="Times New Roman"/>
+                <a:ea typeface="SimSun"/>
+              </a:defRPr>
+            </a:lvl1pPr>
+          </a:lstStyle>
+          <a:p>
+            <a:pPr indent="0" algn="ctr" defTabSz="914400">
+              <a:lnSpc>
+                <a:spcPct val="100000"/>
+              </a:lnSpc>
+              <a:buNone/>
+              <a:tabLst>
+                <a:tab algn="l" pos="0"/>
+              </a:tabLst>
+            </a:pPr>
+            <a:r>
+              <a:rPr lang="en-US" sz="1400" b="0" u="none" strike="noStrike">
+                <a:solidFill>
+                  <a:srgbClr val="000000"/>
+                </a:solidFill>
+                <a:effectLst/>
+                <a:uFillTx/>
+                <a:latin typeface="Times New Roman"/>
+                <a:ea typeface="SimSun"/>
+              </a:rPr>
+              <a:t>&lt;footer&gt;</a:t>
+            </a:r>
+            <a:endParaRPr lang="en-US" sz="1400" b="0" u="none" strike="noStrike">
+              <a:solidFill>
+                <a:srgbClr val="000000"/>
+              </a:solidFill>
+              <a:effectLst/>
+              <a:uFillTx/>
+              <a:latin typeface="Times New Roman"/>
+            </a:endParaRPr>
+          </a:p>
+        </p:txBody>
+      </p:sp>
+      <p:sp>
+        <p:nvSpPr>
+          <p:cNvPr id="70" name="PlaceHolder 5"/>
+          <p:cNvSpPr>
+            <a:spLocks noGrp="1"/>
+          </p:cNvSpPr>
+          <p:nvPr>
+            <p:ph type="sldNum" idx="33"/>
+          </p:nvPr>
+        </p:nvSpPr>
+        <p:spPr>
+          <a:xfrm>
+            <a:off x="8737560" y="6245280"/>
+            <a:ext cx="2842200" cy="473760"/>
+          </a:xfrm>
+          <a:prstGeom prst="rect">
+            <a:avLst/>
+          </a:prstGeom>
+          <a:noFill/>
+          <a:ln w="0">
+            <a:noFill/>
+          </a:ln>
+        </p:spPr>
+        <p:txBody>
+          <a:bodyPr numCol="1" spcCol="0" lIns="91440" rIns="91440" tIns="45720" bIns="45720" anchor="t">
+            <a:noAutofit/>
+          </a:bodyPr>
+          <a:p>
+            <a:pPr indent="0">
+              <a:buNone/>
+            </a:pPr>
+            <a:endParaRPr lang="en-US" sz="1800" b="0" u="none" strike="noStrike">
+              <a:solidFill>
+                <a:srgbClr val="000000"/>
+              </a:solidFill>
+              <a:effectLst/>
+              <a:uFillTx/>
+              <a:latin typeface="Times New Roman"/>
+            </a:endParaRPr>
+          </a:p>
+        </p:txBody>
+      </p:sp>
+    </p:spTree>
+  </p:cSld>
+</p:sldLayout>
+</file>
+
+<file path=ppt/slideLayouts/slideLayout2.xml><?xml version="1.0" encoding="utf-8"?>
 <p:sldLayout xmlns:a="http://schemas.openxmlformats.org/drawingml/2006/main" xmlns:p="http://schemas.openxmlformats.org/presentationml/2006/main" xmlns:r="http://schemas.openxmlformats.org/officeDocument/2006/relationships" xmlns:p14="http://schemas.microsoft.com/office/powerpoint/2010/main" xmlns:p15="http://schemas.microsoft.com/office/powerpoint/2012/main" xmlns:mc="http://schemas.openxmlformats.org/markup-compatibility/2006" type="blank" preserve="1">
   <p:cSld name="Comparison">
     <p:bg>
@@ -308,7 +1673,7 @@
       </p:grpSpPr>
       <p:pic>
         <p:nvPicPr>
-          <p:cNvPr id="57" name="Picture 10"/>
+          <p:cNvPr id="9" name="Picture 10"/>
           <p:cNvPicPr/>
           <p:nvPr/>
         </p:nvPicPr>
@@ -319,7 +1684,7 @@
         <p:spPr>
           <a:xfrm>
             <a:off x="0" y="0"/>
-            <a:ext cx="12189960" cy="6855840"/>
+            <a:ext cx="12189600" cy="6855480"/>
           </a:xfrm>
           <a:prstGeom prst="rect">
             <a:avLst/>
@@ -332,7 +1697,7 @@
       </p:pic>
       <p:sp>
         <p:nvSpPr>
-          <p:cNvPr id="58" name="PlaceHolder 1"/>
+          <p:cNvPr id="10" name="PlaceHolder 1"/>
           <p:cNvSpPr>
             <a:spLocks noGrp="1"/>
           </p:cNvSpPr>
@@ -343,7 +1708,7 @@
         <p:spPr>
           <a:xfrm>
             <a:off x="840240" y="365040"/>
-            <a:ext cx="10513440" cy="1323360"/>
+            <a:ext cx="10513080" cy="1323000"/>
           </a:xfrm>
           <a:prstGeom prst="rect">
             <a:avLst/>
@@ -392,7 +1757,7 @@
       </p:sp>
       <p:sp>
         <p:nvSpPr>
-          <p:cNvPr id="59" name="PlaceHolder 2"/>
+          <p:cNvPr id="11" name="PlaceHolder 2"/>
           <p:cNvSpPr>
             <a:spLocks noGrp="1"/>
           </p:cNvSpPr>
@@ -403,7 +1768,7 @@
         <p:spPr>
           <a:xfrm>
             <a:off x="840240" y="1681200"/>
-            <a:ext cx="5156280" cy="821880"/>
+            <a:ext cx="5155920" cy="821520"/>
           </a:xfrm>
           <a:prstGeom prst="rect">
             <a:avLst/>
@@ -455,7 +1820,7 @@
       </p:sp>
       <p:sp>
         <p:nvSpPr>
-          <p:cNvPr id="60" name="PlaceHolder 3"/>
+          <p:cNvPr id="12" name="PlaceHolder 3"/>
           <p:cNvSpPr>
             <a:spLocks noGrp="1"/>
           </p:cNvSpPr>
@@ -466,7 +1831,7 @@
         <p:spPr>
           <a:xfrm>
             <a:off x="840240" y="2505240"/>
-            <a:ext cx="5156280" cy="3682440"/>
+            <a:ext cx="5155920" cy="3682080"/>
           </a:xfrm>
           <a:prstGeom prst="rect">
             <a:avLst/>
@@ -659,7 +2024,7 @@
       </p:sp>
       <p:sp>
         <p:nvSpPr>
-          <p:cNvPr id="61" name="PlaceHolder 4"/>
+          <p:cNvPr id="13" name="PlaceHolder 4"/>
           <p:cNvSpPr>
             <a:spLocks noGrp="1"/>
           </p:cNvSpPr>
@@ -670,7 +2035,7 @@
         <p:spPr>
           <a:xfrm>
             <a:off x="6172200" y="1681200"/>
-            <a:ext cx="5181480" cy="821880"/>
+            <a:ext cx="5181120" cy="821520"/>
           </a:xfrm>
           <a:prstGeom prst="rect">
             <a:avLst/>
@@ -722,7 +2087,7 @@
       </p:sp>
       <p:sp>
         <p:nvSpPr>
-          <p:cNvPr id="62" name="PlaceHolder 5"/>
+          <p:cNvPr id="14" name="PlaceHolder 5"/>
           <p:cNvSpPr>
             <a:spLocks noGrp="1"/>
           </p:cNvSpPr>
@@ -733,7 +2098,7 @@
         <p:spPr>
           <a:xfrm>
             <a:off x="6172200" y="2505240"/>
-            <a:ext cx="5181480" cy="3682440"/>
+            <a:ext cx="5181120" cy="3682080"/>
           </a:xfrm>
           <a:prstGeom prst="rect">
             <a:avLst/>
@@ -926,18 +2291,18 @@
       </p:sp>
       <p:sp>
         <p:nvSpPr>
-          <p:cNvPr id="63" name="PlaceHolder 6"/>
+          <p:cNvPr id="15" name="PlaceHolder 6"/>
           <p:cNvSpPr>
             <a:spLocks noGrp="1"/>
           </p:cNvSpPr>
           <p:nvPr>
-            <p:ph type="dt" idx="28"/>
+            <p:ph type="dt" idx="4"/>
           </p:nvPr>
         </p:nvSpPr>
         <p:spPr>
           <a:xfrm>
             <a:off x="609480" y="6245280"/>
-            <a:ext cx="2842560" cy="474120"/>
+            <a:ext cx="2842200" cy="473760"/>
           </a:xfrm>
           <a:prstGeom prst="rect">
             <a:avLst/>
@@ -1006,18 +2371,18 @@
       </p:sp>
       <p:sp>
         <p:nvSpPr>
-          <p:cNvPr id="64" name="PlaceHolder 7"/>
+          <p:cNvPr id="16" name="PlaceHolder 7"/>
           <p:cNvSpPr>
             <a:spLocks noGrp="1"/>
           </p:cNvSpPr>
           <p:nvPr>
-            <p:ph type="ftr" idx="29"/>
+            <p:ph type="ftr" idx="5"/>
           </p:nvPr>
         </p:nvSpPr>
         <p:spPr>
           <a:xfrm>
             <a:off x="4165560" y="6245280"/>
-            <a:ext cx="3858480" cy="474120"/>
+            <a:ext cx="3858120" cy="473760"/>
           </a:xfrm>
           <a:prstGeom prst="rect">
             <a:avLst/>
@@ -1086,18 +2451,18 @@
       </p:sp>
       <p:sp>
         <p:nvSpPr>
-          <p:cNvPr id="65" name="PlaceHolder 8"/>
+          <p:cNvPr id="17" name="PlaceHolder 8"/>
           <p:cNvSpPr>
             <a:spLocks noGrp="1"/>
           </p:cNvSpPr>
           <p:nvPr>
-            <p:ph type="sldNum" idx="30"/>
+            <p:ph type="sldNum" idx="6"/>
           </p:nvPr>
         </p:nvSpPr>
         <p:spPr>
           <a:xfrm>
             <a:off x="8737560" y="6245280"/>
-            <a:ext cx="2842560" cy="474120"/>
+            <a:ext cx="2842200" cy="473760"/>
           </a:xfrm>
           <a:prstGeom prst="rect">
             <a:avLst/>
@@ -1131,7 +2496,7 @@
 </p:sldLayout>
 </file>
 
-<file path=ppt/slideLayouts/slideLayout11.xml><?xml version="1.0" encoding="utf-8"?>
+<file path=ppt/slideLayouts/slideLayout3.xml><?xml version="1.0" encoding="utf-8"?>
 <p:sldLayout xmlns:a="http://schemas.openxmlformats.org/drawingml/2006/main" xmlns:p="http://schemas.openxmlformats.org/presentationml/2006/main" xmlns:r="http://schemas.openxmlformats.org/officeDocument/2006/relationships" xmlns:p14="http://schemas.microsoft.com/office/powerpoint/2010/main" xmlns:p15="http://schemas.microsoft.com/office/powerpoint/2012/main" xmlns:mc="http://schemas.openxmlformats.org/markup-compatibility/2006" type="titleOnly" preserve="1">
   <p:cSld name="Title Only">
     <p:bg>
@@ -1157,7 +2522,7 @@
       </p:grpSpPr>
       <p:pic>
         <p:nvPicPr>
-          <p:cNvPr id="66" name="Picture 10"/>
+          <p:cNvPr id="18" name="Picture 10"/>
           <p:cNvPicPr/>
           <p:nvPr/>
         </p:nvPicPr>
@@ -1168,7 +2533,7 @@
         <p:spPr>
           <a:xfrm>
             <a:off x="0" y="0"/>
-            <a:ext cx="12189960" cy="6855840"/>
+            <a:ext cx="12189600" cy="6855480"/>
           </a:xfrm>
           <a:prstGeom prst="rect">
             <a:avLst/>
@@ -1181,7 +2546,7 @@
       </p:pic>
       <p:sp>
         <p:nvSpPr>
-          <p:cNvPr id="67" name="PlaceHolder 1"/>
+          <p:cNvPr id="19" name="PlaceHolder 1"/>
           <p:cNvSpPr>
             <a:spLocks noGrp="1"/>
           </p:cNvSpPr>
@@ -1192,7 +2557,7 @@
         <p:spPr>
           <a:xfrm>
             <a:off x="609480" y="190440"/>
-            <a:ext cx="10970640" cy="580320"/>
+            <a:ext cx="10970280" cy="579960"/>
           </a:xfrm>
           <a:prstGeom prst="rect">
             <a:avLst/>
@@ -1241,18 +2606,18 @@
       </p:sp>
       <p:sp>
         <p:nvSpPr>
-          <p:cNvPr id="68" name="PlaceHolder 2"/>
+          <p:cNvPr id="20" name="PlaceHolder 2"/>
           <p:cNvSpPr>
             <a:spLocks noGrp="1"/>
           </p:cNvSpPr>
           <p:nvPr>
-            <p:ph type="dt" idx="31"/>
+            <p:ph type="dt" idx="7"/>
           </p:nvPr>
         </p:nvSpPr>
         <p:spPr>
           <a:xfrm>
             <a:off x="609480" y="6245280"/>
-            <a:ext cx="2842560" cy="474120"/>
+            <a:ext cx="2842200" cy="473760"/>
           </a:xfrm>
           <a:prstGeom prst="rect">
             <a:avLst/>
@@ -1321,18 +2686,18 @@
       </p:sp>
       <p:sp>
         <p:nvSpPr>
-          <p:cNvPr id="69" name="PlaceHolder 3"/>
+          <p:cNvPr id="21" name="PlaceHolder 3"/>
           <p:cNvSpPr>
             <a:spLocks noGrp="1"/>
           </p:cNvSpPr>
           <p:nvPr>
-            <p:ph type="ftr" idx="32"/>
+            <p:ph type="ftr" idx="8"/>
           </p:nvPr>
         </p:nvSpPr>
         <p:spPr>
           <a:xfrm>
             <a:off x="4165560" y="6245280"/>
-            <a:ext cx="3858480" cy="474120"/>
+            <a:ext cx="3858120" cy="473760"/>
           </a:xfrm>
           <a:prstGeom prst="rect">
             <a:avLst/>
@@ -1401,18 +2766,18 @@
       </p:sp>
       <p:sp>
         <p:nvSpPr>
-          <p:cNvPr id="70" name="PlaceHolder 4"/>
+          <p:cNvPr id="22" name="PlaceHolder 4"/>
           <p:cNvSpPr>
             <a:spLocks noGrp="1"/>
           </p:cNvSpPr>
           <p:nvPr>
-            <p:ph type="sldNum" idx="33"/>
+            <p:ph type="sldNum" idx="9"/>
           </p:nvPr>
         </p:nvSpPr>
         <p:spPr>
           <a:xfrm>
             <a:off x="8737560" y="6245280"/>
-            <a:ext cx="2842560" cy="474120"/>
+            <a:ext cx="2842200" cy="473760"/>
           </a:xfrm>
           <a:prstGeom prst="rect">
             <a:avLst/>
@@ -1446,7 +2811,262 @@
 </p:sldLayout>
 </file>
 
-<file path=ppt/slideLayouts/slideLayout2.xml><?xml version="1.0" encoding="utf-8"?>
+<file path=ppt/slideLayouts/slideLayout4.xml><?xml version="1.0" encoding="utf-8"?>
+<p:sldLayout xmlns:a="http://schemas.openxmlformats.org/drawingml/2006/main" xmlns:p="http://schemas.openxmlformats.org/presentationml/2006/main" xmlns:r="http://schemas.openxmlformats.org/officeDocument/2006/relationships" xmlns:p14="http://schemas.microsoft.com/office/powerpoint/2010/main" xmlns:p15="http://schemas.microsoft.com/office/powerpoint/2012/main" xmlns:mc="http://schemas.openxmlformats.org/markup-compatibility/2006" type="blank" preserve="1">
+  <p:cSld name="Blank">
+    <p:bg>
+      <p:bgPr>
+        <a:solidFill>
+          <a:srgbClr val="ffffff"/>
+        </a:solidFill>
+      </p:bgPr>
+    </p:bg>
+    <p:spTree>
+      <p:nvGrpSpPr>
+        <p:cNvPr id="1" name=""/>
+        <p:cNvGrpSpPr/>
+        <p:nvPr/>
+      </p:nvGrpSpPr>
+      <p:grpSpPr>
+        <a:xfrm>
+          <a:off x="0" y="0"/>
+          <a:ext cx="0" cy="0"/>
+          <a:chOff x="0" y="0"/>
+          <a:chExt cx="0" cy="0"/>
+        </a:xfrm>
+      </p:grpSpPr>
+      <p:pic>
+        <p:nvPicPr>
+          <p:cNvPr id="23" name="Picture 10"/>
+          <p:cNvPicPr/>
+          <p:nvPr/>
+        </p:nvPicPr>
+        <p:blipFill>
+          <a:blip r:embed="rId2"/>
+          <a:stretch/>
+        </p:blipFill>
+        <p:spPr>
+          <a:xfrm>
+            <a:off x="0" y="0"/>
+            <a:ext cx="12189600" cy="6855480"/>
+          </a:xfrm>
+          <a:prstGeom prst="rect">
+            <a:avLst/>
+          </a:prstGeom>
+          <a:noFill/>
+          <a:ln w="9525">
+            <a:noFill/>
+          </a:ln>
+        </p:spPr>
+      </p:pic>
+      <p:sp>
+        <p:nvSpPr>
+          <p:cNvPr id="24" name="PlaceHolder 1"/>
+          <p:cNvSpPr>
+            <a:spLocks noGrp="1"/>
+          </p:cNvSpPr>
+          <p:nvPr>
+            <p:ph type="dt" idx="10"/>
+          </p:nvPr>
+        </p:nvSpPr>
+        <p:spPr>
+          <a:xfrm>
+            <a:off x="609480" y="6245280"/>
+            <a:ext cx="2842200" cy="473760"/>
+          </a:xfrm>
+          <a:prstGeom prst="rect">
+            <a:avLst/>
+          </a:prstGeom>
+          <a:noFill/>
+          <a:ln w="0">
+            <a:noFill/>
+          </a:ln>
+        </p:spPr>
+        <p:txBody>
+          <a:bodyPr numCol="1" spcCol="0" lIns="91440" rIns="91440" tIns="45720" bIns="45720" anchor="t">
+            <a:noAutofit/>
+          </a:bodyPr>
+          <a:lstStyle>
+            <a:lvl1pPr indent="0" defTabSz="914400">
+              <a:lnSpc>
+                <a:spcPct val="100000"/>
+              </a:lnSpc>
+              <a:buNone/>
+              <a:tabLst>
+                <a:tab algn="l" pos="0"/>
+              </a:tabLst>
+              <a:defRPr lang="en-US" sz="1400" b="0" u="none" strike="noStrike">
+                <a:solidFill>
+                  <a:srgbClr val="000000"/>
+                </a:solidFill>
+                <a:effectLst/>
+                <a:uFillTx/>
+                <a:latin typeface="Times New Roman"/>
+                <a:ea typeface="SimSun"/>
+              </a:defRPr>
+            </a:lvl1pPr>
+          </a:lstStyle>
+          <a:p>
+            <a:pPr indent="0" defTabSz="914400">
+              <a:lnSpc>
+                <a:spcPct val="100000"/>
+              </a:lnSpc>
+              <a:buNone/>
+              <a:tabLst>
+                <a:tab algn="l" pos="0"/>
+              </a:tabLst>
+            </a:pPr>
+            <a:r>
+              <a:rPr lang="en-US" sz="1400" b="0" u="none" strike="noStrike">
+                <a:solidFill>
+                  <a:srgbClr val="000000"/>
+                </a:solidFill>
+                <a:effectLst/>
+                <a:uFillTx/>
+                <a:latin typeface="Times New Roman"/>
+                <a:ea typeface="SimSun"/>
+              </a:rPr>
+              <a:t>&lt;date/time&gt;</a:t>
+            </a:r>
+            <a:endParaRPr lang="en-US" sz="1400" b="0" u="none" strike="noStrike">
+              <a:solidFill>
+                <a:srgbClr val="000000"/>
+              </a:solidFill>
+              <a:effectLst/>
+              <a:uFillTx/>
+              <a:latin typeface="Times New Roman"/>
+            </a:endParaRPr>
+          </a:p>
+        </p:txBody>
+      </p:sp>
+      <p:sp>
+        <p:nvSpPr>
+          <p:cNvPr id="25" name="PlaceHolder 2"/>
+          <p:cNvSpPr>
+            <a:spLocks noGrp="1"/>
+          </p:cNvSpPr>
+          <p:nvPr>
+            <p:ph type="ftr" idx="11"/>
+          </p:nvPr>
+        </p:nvSpPr>
+        <p:spPr>
+          <a:xfrm>
+            <a:off x="4165560" y="6245280"/>
+            <a:ext cx="3858120" cy="473760"/>
+          </a:xfrm>
+          <a:prstGeom prst="rect">
+            <a:avLst/>
+          </a:prstGeom>
+          <a:noFill/>
+          <a:ln w="0">
+            <a:noFill/>
+          </a:ln>
+        </p:spPr>
+        <p:txBody>
+          <a:bodyPr numCol="1" spcCol="0" lIns="91440" rIns="91440" tIns="45720" bIns="45720" anchor="t">
+            <a:noAutofit/>
+          </a:bodyPr>
+          <a:lstStyle>
+            <a:lvl1pPr indent="0" algn="ctr" defTabSz="914400">
+              <a:lnSpc>
+                <a:spcPct val="100000"/>
+              </a:lnSpc>
+              <a:buNone/>
+              <a:tabLst>
+                <a:tab algn="l" pos="0"/>
+              </a:tabLst>
+              <a:defRPr lang="en-US" sz="1400" b="0" u="none" strike="noStrike">
+                <a:solidFill>
+                  <a:srgbClr val="000000"/>
+                </a:solidFill>
+                <a:effectLst/>
+                <a:uFillTx/>
+                <a:latin typeface="Times New Roman"/>
+                <a:ea typeface="SimSun"/>
+              </a:defRPr>
+            </a:lvl1pPr>
+          </a:lstStyle>
+          <a:p>
+            <a:pPr indent="0" algn="ctr" defTabSz="914400">
+              <a:lnSpc>
+                <a:spcPct val="100000"/>
+              </a:lnSpc>
+              <a:buNone/>
+              <a:tabLst>
+                <a:tab algn="l" pos="0"/>
+              </a:tabLst>
+            </a:pPr>
+            <a:r>
+              <a:rPr lang="en-US" sz="1400" b="0" u="none" strike="noStrike">
+                <a:solidFill>
+                  <a:srgbClr val="000000"/>
+                </a:solidFill>
+                <a:effectLst/>
+                <a:uFillTx/>
+                <a:latin typeface="Times New Roman"/>
+                <a:ea typeface="SimSun"/>
+              </a:rPr>
+              <a:t>&lt;footer&gt;</a:t>
+            </a:r>
+            <a:endParaRPr lang="en-US" sz="1400" b="0" u="none" strike="noStrike">
+              <a:solidFill>
+                <a:srgbClr val="000000"/>
+              </a:solidFill>
+              <a:effectLst/>
+              <a:uFillTx/>
+              <a:latin typeface="Times New Roman"/>
+            </a:endParaRPr>
+          </a:p>
+        </p:txBody>
+      </p:sp>
+      <p:sp>
+        <p:nvSpPr>
+          <p:cNvPr id="26" name="PlaceHolder 3"/>
+          <p:cNvSpPr>
+            <a:spLocks noGrp="1"/>
+          </p:cNvSpPr>
+          <p:nvPr>
+            <p:ph type="sldNum" idx="12"/>
+          </p:nvPr>
+        </p:nvSpPr>
+        <p:spPr>
+          <a:xfrm>
+            <a:off x="8737560" y="6245280"/>
+            <a:ext cx="2842200" cy="473760"/>
+          </a:xfrm>
+          <a:prstGeom prst="rect">
+            <a:avLst/>
+          </a:prstGeom>
+          <a:noFill/>
+          <a:ln w="0">
+            <a:noFill/>
+          </a:ln>
+        </p:spPr>
+        <p:txBody>
+          <a:bodyPr numCol="1" spcCol="0" lIns="91440" rIns="91440" tIns="45720" bIns="45720" anchor="t">
+            <a:noAutofit/>
+          </a:bodyPr>
+          <a:p>
+            <a:pPr indent="0">
+              <a:buNone/>
+            </a:pPr>
+            <a:endParaRPr lang="en-US" sz="1800" b="0" u="none" strike="noStrike">
+              <a:solidFill>
+                <a:srgbClr val="000000"/>
+              </a:solidFill>
+              <a:effectLst/>
+              <a:uFillTx/>
+              <a:latin typeface="Times New Roman"/>
+            </a:endParaRPr>
+          </a:p>
+        </p:txBody>
+      </p:sp>
+    </p:spTree>
+  </p:cSld>
+</p:sldLayout>
+</file>
+
+<file path=ppt/slideLayouts/slideLayout5.xml><?xml version="1.0" encoding="utf-8"?>
 <p:sldLayout xmlns:a="http://schemas.openxmlformats.org/drawingml/2006/main" xmlns:p="http://schemas.openxmlformats.org/presentationml/2006/main" xmlns:r="http://schemas.openxmlformats.org/officeDocument/2006/relationships" xmlns:p14="http://schemas.microsoft.com/office/powerpoint/2010/main" xmlns:p15="http://schemas.microsoft.com/office/powerpoint/2012/main" xmlns:mc="http://schemas.openxmlformats.org/markup-compatibility/2006" type="blank" preserve="1">
   <p:cSld name="Content with Caption">
     <p:bg>
@@ -1472,7 +3092,7 @@
       </p:grpSpPr>
       <p:pic>
         <p:nvPicPr>
-          <p:cNvPr id="6" name="Picture 10"/>
+          <p:cNvPr id="27" name="Picture 10"/>
           <p:cNvPicPr/>
           <p:nvPr/>
         </p:nvPicPr>
@@ -1483,7 +3103,7 @@
         <p:spPr>
           <a:xfrm>
             <a:off x="0" y="0"/>
-            <a:ext cx="12189960" cy="6855840"/>
+            <a:ext cx="12189600" cy="6855480"/>
           </a:xfrm>
           <a:prstGeom prst="rect">
             <a:avLst/>
@@ -1496,7 +3116,7 @@
       </p:pic>
       <p:sp>
         <p:nvSpPr>
-          <p:cNvPr id="7" name="PlaceHolder 1"/>
+          <p:cNvPr id="28" name="PlaceHolder 1"/>
           <p:cNvSpPr>
             <a:spLocks noGrp="1"/>
           </p:cNvSpPr>
@@ -1507,7 +3127,7 @@
         <p:spPr>
           <a:xfrm>
             <a:off x="840240" y="457200"/>
-            <a:ext cx="3930480" cy="1598040"/>
+            <a:ext cx="3930120" cy="1597680"/>
           </a:xfrm>
           <a:prstGeom prst="rect">
             <a:avLst/>
@@ -1556,7 +3176,7 @@
       </p:sp>
       <p:sp>
         <p:nvSpPr>
-          <p:cNvPr id="8" name="PlaceHolder 2"/>
+          <p:cNvPr id="29" name="PlaceHolder 2"/>
           <p:cNvSpPr>
             <a:spLocks noGrp="1"/>
           </p:cNvSpPr>
@@ -1567,7 +3187,7 @@
         <p:spPr>
           <a:xfrm>
             <a:off x="5183640" y="987480"/>
-            <a:ext cx="6170040" cy="4871520"/>
+            <a:ext cx="6169680" cy="4871160"/>
           </a:xfrm>
           <a:prstGeom prst="rect">
             <a:avLst/>
@@ -1760,7 +3380,7 @@
       </p:sp>
       <p:sp>
         <p:nvSpPr>
-          <p:cNvPr id="9" name="PlaceHolder 3"/>
+          <p:cNvPr id="30" name="PlaceHolder 3"/>
           <p:cNvSpPr>
             <a:spLocks noGrp="1"/>
           </p:cNvSpPr>
@@ -1771,7 +3391,7 @@
         <p:spPr>
           <a:xfrm>
             <a:off x="840240" y="2057400"/>
-            <a:ext cx="3930480" cy="3809520"/>
+            <a:ext cx="3930120" cy="3809160"/>
           </a:xfrm>
           <a:prstGeom prst="rect">
             <a:avLst/>
@@ -1823,18 +3443,18 @@
       </p:sp>
       <p:sp>
         <p:nvSpPr>
-          <p:cNvPr id="10" name="PlaceHolder 4"/>
+          <p:cNvPr id="31" name="PlaceHolder 4"/>
           <p:cNvSpPr>
             <a:spLocks noGrp="1"/>
           </p:cNvSpPr>
           <p:nvPr>
-            <p:ph type="dt" idx="4"/>
+            <p:ph type="dt" idx="13"/>
           </p:nvPr>
         </p:nvSpPr>
         <p:spPr>
           <a:xfrm>
             <a:off x="609480" y="6245280"/>
-            <a:ext cx="2842560" cy="474120"/>
+            <a:ext cx="2842200" cy="473760"/>
           </a:xfrm>
           <a:prstGeom prst="rect">
             <a:avLst/>
@@ -1903,18 +3523,18 @@
       </p:sp>
       <p:sp>
         <p:nvSpPr>
-          <p:cNvPr id="11" name="PlaceHolder 5"/>
+          <p:cNvPr id="32" name="PlaceHolder 5"/>
           <p:cNvSpPr>
             <a:spLocks noGrp="1"/>
           </p:cNvSpPr>
           <p:nvPr>
-            <p:ph type="ftr" idx="5"/>
+            <p:ph type="ftr" idx="14"/>
           </p:nvPr>
         </p:nvSpPr>
         <p:spPr>
           <a:xfrm>
             <a:off x="4165560" y="6245280"/>
-            <a:ext cx="3858480" cy="474120"/>
+            <a:ext cx="3858120" cy="473760"/>
           </a:xfrm>
           <a:prstGeom prst="rect">
             <a:avLst/>
@@ -1983,18 +3603,18 @@
       </p:sp>
       <p:sp>
         <p:nvSpPr>
-          <p:cNvPr id="12" name="PlaceHolder 6"/>
+          <p:cNvPr id="33" name="PlaceHolder 6"/>
           <p:cNvSpPr>
             <a:spLocks noGrp="1"/>
           </p:cNvSpPr>
           <p:nvPr>
-            <p:ph type="sldNum" idx="6"/>
+            <p:ph type="sldNum" idx="15"/>
           </p:nvPr>
         </p:nvSpPr>
         <p:spPr>
           <a:xfrm>
             <a:off x="8737560" y="6245280"/>
-            <a:ext cx="2842560" cy="474120"/>
+            <a:ext cx="2842200" cy="473760"/>
           </a:xfrm>
           <a:prstGeom prst="rect">
             <a:avLst/>
@@ -2028,7 +3648,7 @@
 </p:sldLayout>
 </file>
 
-<file path=ppt/slideLayouts/slideLayout3.xml><?xml version="1.0" encoding="utf-8"?>
+<file path=ppt/slideLayouts/slideLayout6.xml><?xml version="1.0" encoding="utf-8"?>
 <p:sldLayout xmlns:a="http://schemas.openxmlformats.org/drawingml/2006/main" xmlns:p="http://schemas.openxmlformats.org/presentationml/2006/main" xmlns:r="http://schemas.openxmlformats.org/officeDocument/2006/relationships" xmlns:p14="http://schemas.microsoft.com/office/powerpoint/2010/main" xmlns:p15="http://schemas.microsoft.com/office/powerpoint/2012/main" xmlns:mc="http://schemas.openxmlformats.org/markup-compatibility/2006" type="blank" preserve="1">
   <p:cSld name="Picture with Caption">
     <p:bg>
@@ -2054,7 +3674,7 @@
       </p:grpSpPr>
       <p:pic>
         <p:nvPicPr>
-          <p:cNvPr id="13" name="Picture 10"/>
+          <p:cNvPr id="34" name="Picture 10"/>
           <p:cNvPicPr/>
           <p:nvPr/>
         </p:nvPicPr>
@@ -2065,7 +3685,7 @@
         <p:spPr>
           <a:xfrm>
             <a:off x="0" y="0"/>
-            <a:ext cx="12189960" cy="6855840"/>
+            <a:ext cx="12189600" cy="6855480"/>
           </a:xfrm>
           <a:prstGeom prst="rect">
             <a:avLst/>
@@ -2078,7 +3698,7 @@
       </p:pic>
       <p:sp>
         <p:nvSpPr>
-          <p:cNvPr id="14" name="PlaceHolder 1"/>
+          <p:cNvPr id="35" name="PlaceHolder 1"/>
           <p:cNvSpPr>
             <a:spLocks noGrp="1"/>
           </p:cNvSpPr>
@@ -2089,7 +3709,7 @@
         <p:spPr>
           <a:xfrm>
             <a:off x="840240" y="457200"/>
-            <a:ext cx="3930480" cy="1598040"/>
+            <a:ext cx="3930120" cy="1597680"/>
           </a:xfrm>
           <a:prstGeom prst="rect">
             <a:avLst/>
@@ -2138,7 +3758,7 @@
       </p:sp>
       <p:sp>
         <p:nvSpPr>
-          <p:cNvPr id="15" name="PlaceHolder 2"/>
+          <p:cNvPr id="36" name="PlaceHolder 2"/>
           <p:cNvSpPr>
             <a:spLocks noGrp="1"/>
           </p:cNvSpPr>
@@ -2149,7 +3769,7 @@
         <p:spPr>
           <a:xfrm>
             <a:off x="5183640" y="987480"/>
-            <a:ext cx="6170040" cy="4871520"/>
+            <a:ext cx="6169680" cy="4871160"/>
           </a:xfrm>
           <a:prstGeom prst="rect">
             <a:avLst/>
@@ -2412,7 +4032,7 @@
       </p:sp>
       <p:sp>
         <p:nvSpPr>
-          <p:cNvPr id="16" name="PlaceHolder 3"/>
+          <p:cNvPr id="37" name="PlaceHolder 3"/>
           <p:cNvSpPr>
             <a:spLocks noGrp="1"/>
           </p:cNvSpPr>
@@ -2423,7 +4043,7 @@
         <p:spPr>
           <a:xfrm>
             <a:off x="840240" y="2057400"/>
-            <a:ext cx="3930480" cy="3809520"/>
+            <a:ext cx="3930120" cy="3809160"/>
           </a:xfrm>
           <a:prstGeom prst="rect">
             <a:avLst/>
@@ -2475,18 +4095,18 @@
       </p:sp>
       <p:sp>
         <p:nvSpPr>
-          <p:cNvPr id="17" name="PlaceHolder 4"/>
+          <p:cNvPr id="38" name="PlaceHolder 4"/>
           <p:cNvSpPr>
             <a:spLocks noGrp="1"/>
           </p:cNvSpPr>
           <p:nvPr>
-            <p:ph type="dt" idx="7"/>
+            <p:ph type="dt" idx="16"/>
           </p:nvPr>
         </p:nvSpPr>
         <p:spPr>
           <a:xfrm>
             <a:off x="609480" y="6245280"/>
-            <a:ext cx="2842560" cy="474120"/>
+            <a:ext cx="2842200" cy="473760"/>
           </a:xfrm>
           <a:prstGeom prst="rect">
             <a:avLst/>
@@ -2555,18 +4175,18 @@
       </p:sp>
       <p:sp>
         <p:nvSpPr>
-          <p:cNvPr id="18" name="PlaceHolder 5"/>
+          <p:cNvPr id="39" name="PlaceHolder 5"/>
           <p:cNvSpPr>
             <a:spLocks noGrp="1"/>
           </p:cNvSpPr>
           <p:nvPr>
-            <p:ph type="ftr" idx="8"/>
+            <p:ph type="ftr" idx="17"/>
           </p:nvPr>
         </p:nvSpPr>
         <p:spPr>
           <a:xfrm>
             <a:off x="4165560" y="6245280"/>
-            <a:ext cx="3858480" cy="474120"/>
+            <a:ext cx="3858120" cy="473760"/>
           </a:xfrm>
           <a:prstGeom prst="rect">
             <a:avLst/>
@@ -2635,18 +4255,18 @@
       </p:sp>
       <p:sp>
         <p:nvSpPr>
-          <p:cNvPr id="19" name="PlaceHolder 6"/>
+          <p:cNvPr id="40" name="PlaceHolder 6"/>
           <p:cNvSpPr>
             <a:spLocks noGrp="1"/>
           </p:cNvSpPr>
           <p:nvPr>
-            <p:ph type="sldNum" idx="9"/>
+            <p:ph type="sldNum" idx="18"/>
           </p:nvPr>
         </p:nvSpPr>
         <p:spPr>
           <a:xfrm>
             <a:off x="8737560" y="6245280"/>
-            <a:ext cx="2842560" cy="474120"/>
+            <a:ext cx="2842200" cy="473760"/>
           </a:xfrm>
           <a:prstGeom prst="rect">
             <a:avLst/>
@@ -2680,7 +4300,7 @@
 </p:sldLayout>
 </file>
 
-<file path=ppt/slideLayouts/slideLayout4.xml><?xml version="1.0" encoding="utf-8"?>
+<file path=ppt/slideLayouts/slideLayout7.xml><?xml version="1.0" encoding="utf-8"?>
 <p:sldLayout xmlns:a="http://schemas.openxmlformats.org/drawingml/2006/main" xmlns:p="http://schemas.openxmlformats.org/presentationml/2006/main" xmlns:r="http://schemas.openxmlformats.org/officeDocument/2006/relationships" xmlns:p14="http://schemas.microsoft.com/office/powerpoint/2010/main" xmlns:p15="http://schemas.microsoft.com/office/powerpoint/2012/main" xmlns:mc="http://schemas.openxmlformats.org/markup-compatibility/2006" type="vertTitleAndTx" preserve="1">
   <p:cSld name="Vertical Title and Text">
     <p:bg>
@@ -2706,7 +4326,7 @@
       </p:grpSpPr>
       <p:pic>
         <p:nvPicPr>
-          <p:cNvPr id="20" name="Picture 10"/>
+          <p:cNvPr id="41" name="Picture 10"/>
           <p:cNvPicPr/>
           <p:nvPr/>
         </p:nvPicPr>
@@ -2717,7 +4337,7 @@
         <p:spPr>
           <a:xfrm>
             <a:off x="0" y="0"/>
-            <a:ext cx="12189960" cy="6855840"/>
+            <a:ext cx="12189600" cy="6855480"/>
           </a:xfrm>
           <a:prstGeom prst="rect">
             <a:avLst/>
@@ -2730,7 +4350,7 @@
       </p:pic>
       <p:sp>
         <p:nvSpPr>
-          <p:cNvPr id="21" name="PlaceHolder 1"/>
+          <p:cNvPr id="42" name="PlaceHolder 1"/>
           <p:cNvSpPr>
             <a:spLocks noGrp="1"/>
           </p:cNvSpPr>
@@ -2741,7 +4361,7 @@
         <p:spPr>
           <a:xfrm>
             <a:off x="8839080" y="190440"/>
-            <a:ext cx="2741040" cy="5934960"/>
+            <a:ext cx="2740680" cy="5934600"/>
           </a:xfrm>
           <a:prstGeom prst="rect">
             <a:avLst/>
@@ -2790,7 +4410,7 @@
       </p:sp>
       <p:sp>
         <p:nvSpPr>
-          <p:cNvPr id="22" name="PlaceHolder 2"/>
+          <p:cNvPr id="43" name="PlaceHolder 2"/>
           <p:cNvSpPr>
             <a:spLocks noGrp="1"/>
           </p:cNvSpPr>
@@ -2801,7 +4421,7 @@
         <p:spPr>
           <a:xfrm>
             <a:off x="609480" y="190440"/>
-            <a:ext cx="8024400" cy="5934960"/>
+            <a:ext cx="8024040" cy="5934600"/>
           </a:xfrm>
           <a:prstGeom prst="rect">
             <a:avLst/>
@@ -2994,18 +4614,18 @@
       </p:sp>
       <p:sp>
         <p:nvSpPr>
-          <p:cNvPr id="23" name="PlaceHolder 3"/>
+          <p:cNvPr id="44" name="PlaceHolder 3"/>
           <p:cNvSpPr>
             <a:spLocks noGrp="1"/>
           </p:cNvSpPr>
           <p:nvPr>
-            <p:ph type="dt" idx="10"/>
+            <p:ph type="dt" idx="19"/>
           </p:nvPr>
         </p:nvSpPr>
         <p:spPr>
           <a:xfrm>
             <a:off x="609480" y="6245280"/>
-            <a:ext cx="2842560" cy="474120"/>
+            <a:ext cx="2842200" cy="473760"/>
           </a:xfrm>
           <a:prstGeom prst="rect">
             <a:avLst/>
@@ -3074,18 +4694,18 @@
       </p:sp>
       <p:sp>
         <p:nvSpPr>
-          <p:cNvPr id="24" name="PlaceHolder 4"/>
+          <p:cNvPr id="45" name="PlaceHolder 4"/>
           <p:cNvSpPr>
             <a:spLocks noGrp="1"/>
           </p:cNvSpPr>
           <p:nvPr>
-            <p:ph type="ftr" idx="11"/>
+            <p:ph type="ftr" idx="20"/>
           </p:nvPr>
         </p:nvSpPr>
         <p:spPr>
           <a:xfrm>
             <a:off x="4165560" y="6245280"/>
-            <a:ext cx="3858480" cy="474120"/>
+            <a:ext cx="3858120" cy="473760"/>
           </a:xfrm>
           <a:prstGeom prst="rect">
             <a:avLst/>
@@ -3154,18 +4774,18 @@
       </p:sp>
       <p:sp>
         <p:nvSpPr>
-          <p:cNvPr id="25" name="PlaceHolder 5"/>
+          <p:cNvPr id="46" name="PlaceHolder 5"/>
           <p:cNvSpPr>
             <a:spLocks noGrp="1"/>
           </p:cNvSpPr>
           <p:nvPr>
-            <p:ph type="sldNum" idx="12"/>
+            <p:ph type="sldNum" idx="21"/>
           </p:nvPr>
         </p:nvSpPr>
         <p:spPr>
           <a:xfrm>
             <a:off x="8737560" y="6245280"/>
-            <a:ext cx="2842560" cy="474120"/>
+            <a:ext cx="2842200" cy="473760"/>
           </a:xfrm>
           <a:prstGeom prst="rect">
             <a:avLst/>
@@ -3199,7 +4819,7 @@
 </p:sldLayout>
 </file>
 
-<file path=ppt/slideLayouts/slideLayout5.xml><?xml version="1.0" encoding="utf-8"?>
+<file path=ppt/slideLayouts/slideLayout8.xml><?xml version="1.0" encoding="utf-8"?>
 <p:sldLayout xmlns:a="http://schemas.openxmlformats.org/drawingml/2006/main" xmlns:p="http://schemas.openxmlformats.org/presentationml/2006/main" xmlns:r="http://schemas.openxmlformats.org/officeDocument/2006/relationships" xmlns:p14="http://schemas.microsoft.com/office/powerpoint/2010/main" xmlns:p15="http://schemas.microsoft.com/office/powerpoint/2012/main" xmlns:mc="http://schemas.openxmlformats.org/markup-compatibility/2006" type="title" preserve="1">
   <p:cSld name="Title Slide">
     <p:bg>
@@ -3225,7 +4845,7 @@
       </p:grpSpPr>
       <p:pic>
         <p:nvPicPr>
-          <p:cNvPr id="26" name="Picture 10" hidden="1"/>
+          <p:cNvPr id="47" name="Picture 10" hidden="1"/>
           <p:cNvPicPr/>
           <p:nvPr/>
         </p:nvPicPr>
@@ -3236,7 +4856,7 @@
         <p:spPr>
           <a:xfrm>
             <a:off x="0" y="0"/>
-            <a:ext cx="12189960" cy="6855840"/>
+            <a:ext cx="12189600" cy="6855480"/>
           </a:xfrm>
           <a:prstGeom prst="rect">
             <a:avLst/>
@@ -3249,7 +4869,7 @@
       </p:pic>
       <p:pic>
         <p:nvPicPr>
-          <p:cNvPr id="27" name="Picture 3"/>
+          <p:cNvPr id="48" name="Picture 3"/>
           <p:cNvPicPr/>
           <p:nvPr/>
         </p:nvPicPr>
@@ -3260,7 +4880,7 @@
         <p:spPr>
           <a:xfrm>
             <a:off x="0" y="0"/>
-            <a:ext cx="12189960" cy="6855840"/>
+            <a:ext cx="12189600" cy="6855480"/>
           </a:xfrm>
           <a:prstGeom prst="rect">
             <a:avLst/>
@@ -3273,7 +4893,7 @@
       </p:pic>
       <p:sp>
         <p:nvSpPr>
-          <p:cNvPr id="28" name="PlaceHolder 1"/>
+          <p:cNvPr id="49" name="PlaceHolder 1"/>
           <p:cNvSpPr>
             <a:spLocks noGrp="1"/>
           </p:cNvSpPr>
@@ -3284,7 +4904,7 @@
         <p:spPr>
           <a:xfrm>
             <a:off x="624240" y="3718080"/>
-            <a:ext cx="10941120" cy="1080360"/>
+            <a:ext cx="10940760" cy="1080000"/>
           </a:xfrm>
           <a:prstGeom prst="rect">
             <a:avLst/>
@@ -3333,18 +4953,18 @@
       </p:sp>
       <p:sp>
         <p:nvSpPr>
-          <p:cNvPr id="29" name="PlaceHolder 2"/>
+          <p:cNvPr id="50" name="PlaceHolder 2"/>
           <p:cNvSpPr>
             <a:spLocks noGrp="1"/>
           </p:cNvSpPr>
           <p:nvPr>
-            <p:ph type="dt" idx="13"/>
+            <p:ph type="dt" idx="22"/>
           </p:nvPr>
         </p:nvSpPr>
         <p:spPr>
           <a:xfrm>
             <a:off x="609480" y="6245280"/>
-            <a:ext cx="2842560" cy="474120"/>
+            <a:ext cx="2842200" cy="473760"/>
           </a:xfrm>
           <a:prstGeom prst="rect">
             <a:avLst/>
@@ -3413,18 +5033,18 @@
       </p:sp>
       <p:sp>
         <p:nvSpPr>
-          <p:cNvPr id="30" name="PlaceHolder 3"/>
+          <p:cNvPr id="51" name="PlaceHolder 3"/>
           <p:cNvSpPr>
             <a:spLocks noGrp="1"/>
           </p:cNvSpPr>
           <p:nvPr>
-            <p:ph type="ftr" idx="14"/>
+            <p:ph type="ftr" idx="23"/>
           </p:nvPr>
         </p:nvSpPr>
         <p:spPr>
           <a:xfrm>
             <a:off x="4165560" y="6245280"/>
-            <a:ext cx="3858480" cy="474120"/>
+            <a:ext cx="3858120" cy="473760"/>
           </a:xfrm>
           <a:prstGeom prst="rect">
             <a:avLst/>
@@ -3493,18 +5113,18 @@
       </p:sp>
       <p:sp>
         <p:nvSpPr>
-          <p:cNvPr id="31" name="PlaceHolder 4"/>
+          <p:cNvPr id="52" name="PlaceHolder 4"/>
           <p:cNvSpPr>
             <a:spLocks noGrp="1"/>
           </p:cNvSpPr>
           <p:nvPr>
-            <p:ph type="sldNum" idx="15"/>
+            <p:ph type="sldNum" idx="24"/>
           </p:nvPr>
         </p:nvSpPr>
         <p:spPr>
           <a:xfrm>
             <a:off x="8737560" y="6245280"/>
-            <a:ext cx="2842560" cy="474120"/>
+            <a:ext cx="2842200" cy="473760"/>
           </a:xfrm>
           <a:prstGeom prst="rect">
             <a:avLst/>
@@ -3538,7 +5158,7 @@
 </p:sldLayout>
 </file>
 
-<file path=ppt/slideLayouts/slideLayout6.xml><?xml version="1.0" encoding="utf-8"?>
+<file path=ppt/slideLayouts/slideLayout9.xml><?xml version="1.0" encoding="utf-8"?>
 <p:sldLayout xmlns:a="http://schemas.openxmlformats.org/drawingml/2006/main" xmlns:p="http://schemas.openxmlformats.org/presentationml/2006/main" xmlns:r="http://schemas.openxmlformats.org/officeDocument/2006/relationships" xmlns:p14="http://schemas.microsoft.com/office/powerpoint/2010/main" xmlns:p15="http://schemas.microsoft.com/office/powerpoint/2012/main" xmlns:mc="http://schemas.openxmlformats.org/markup-compatibility/2006" type="vertTx" preserve="1">
   <p:cSld name="Title and Vertical Text">
     <p:bg>
@@ -3564,7 +5184,7 @@
       </p:grpSpPr>
       <p:pic>
         <p:nvPicPr>
-          <p:cNvPr id="32" name="Picture 10"/>
+          <p:cNvPr id="53" name="Picture 10"/>
           <p:cNvPicPr/>
           <p:nvPr/>
         </p:nvPicPr>
@@ -3575,7 +5195,7 @@
         <p:spPr>
           <a:xfrm>
             <a:off x="0" y="0"/>
-            <a:ext cx="12189960" cy="6855840"/>
+            <a:ext cx="12189600" cy="6855480"/>
           </a:xfrm>
           <a:prstGeom prst="rect">
             <a:avLst/>
@@ -3588,7 +5208,7 @@
       </p:pic>
       <p:sp>
         <p:nvSpPr>
-          <p:cNvPr id="33" name="PlaceHolder 1"/>
+          <p:cNvPr id="54" name="PlaceHolder 1"/>
           <p:cNvSpPr>
             <a:spLocks noGrp="1"/>
           </p:cNvSpPr>
@@ -3599,7 +5219,7 @@
         <p:spPr>
           <a:xfrm>
             <a:off x="609480" y="190440"/>
-            <a:ext cx="10970640" cy="580320"/>
+            <a:ext cx="10970280" cy="579960"/>
           </a:xfrm>
           <a:prstGeom prst="rect">
             <a:avLst/>
@@ -3648,7 +5268,7 @@
       </p:sp>
       <p:sp>
         <p:nvSpPr>
-          <p:cNvPr id="34" name="PlaceHolder 2"/>
+          <p:cNvPr id="55" name="PlaceHolder 2"/>
           <p:cNvSpPr>
             <a:spLocks noGrp="1"/>
           </p:cNvSpPr>
@@ -3659,7 +5279,7 @@
         <p:spPr>
           <a:xfrm>
             <a:off x="609480" y="1174680"/>
-            <a:ext cx="10970640" cy="4950720"/>
+            <a:ext cx="10970280" cy="4950360"/>
           </a:xfrm>
           <a:prstGeom prst="rect">
             <a:avLst/>
@@ -3852,18 +5472,18 @@
       </p:sp>
       <p:sp>
         <p:nvSpPr>
-          <p:cNvPr id="35" name="PlaceHolder 3"/>
+          <p:cNvPr id="56" name="PlaceHolder 3"/>
           <p:cNvSpPr>
             <a:spLocks noGrp="1"/>
           </p:cNvSpPr>
           <p:nvPr>
-            <p:ph type="dt" idx="16"/>
+            <p:ph type="dt" idx="25"/>
           </p:nvPr>
         </p:nvSpPr>
         <p:spPr>
           <a:xfrm>
             <a:off x="609480" y="6245280"/>
-            <a:ext cx="2842560" cy="474120"/>
+            <a:ext cx="2842200" cy="473760"/>
           </a:xfrm>
           <a:prstGeom prst="rect">
             <a:avLst/>
@@ -3932,18 +5552,18 @@
       </p:sp>
       <p:sp>
         <p:nvSpPr>
-          <p:cNvPr id="36" name="PlaceHolder 4"/>
+          <p:cNvPr id="57" name="PlaceHolder 4"/>
           <p:cNvSpPr>
             <a:spLocks noGrp="1"/>
           </p:cNvSpPr>
           <p:nvPr>
-            <p:ph type="ftr" idx="17"/>
+            <p:ph type="ftr" idx="26"/>
           </p:nvPr>
         </p:nvSpPr>
         <p:spPr>
           <a:xfrm>
             <a:off x="4165560" y="6245280"/>
-            <a:ext cx="3858480" cy="474120"/>
+            <a:ext cx="3858120" cy="473760"/>
           </a:xfrm>
           <a:prstGeom prst="rect">
             <a:avLst/>
@@ -4012,1627 +5632,7 @@
       </p:sp>
       <p:sp>
         <p:nvSpPr>
-          <p:cNvPr id="37" name="PlaceHolder 5"/>
-          <p:cNvSpPr>
-            <a:spLocks noGrp="1"/>
-          </p:cNvSpPr>
-          <p:nvPr>
-            <p:ph type="sldNum" idx="18"/>
-          </p:nvPr>
-        </p:nvSpPr>
-        <p:spPr>
-          <a:xfrm>
-            <a:off x="8737560" y="6245280"/>
-            <a:ext cx="2842560" cy="474120"/>
-          </a:xfrm>
-          <a:prstGeom prst="rect">
-            <a:avLst/>
-          </a:prstGeom>
-          <a:noFill/>
-          <a:ln w="0">
-            <a:noFill/>
-          </a:ln>
-        </p:spPr>
-        <p:txBody>
-          <a:bodyPr numCol="1" spcCol="0" lIns="91440" rIns="91440" tIns="45720" bIns="45720" anchor="t">
-            <a:noAutofit/>
-          </a:bodyPr>
-          <a:p>
-            <a:pPr indent="0">
-              <a:buNone/>
-            </a:pPr>
-            <a:endParaRPr lang="en-US" sz="1800" b="0" u="none" strike="noStrike">
-              <a:solidFill>
-                <a:srgbClr val="000000"/>
-              </a:solidFill>
-              <a:effectLst/>
-              <a:uFillTx/>
-              <a:latin typeface="Times New Roman"/>
-            </a:endParaRPr>
-          </a:p>
-        </p:txBody>
-      </p:sp>
-    </p:spTree>
-  </p:cSld>
-</p:sldLayout>
-</file>
-
-<file path=ppt/slideLayouts/slideLayout7.xml><?xml version="1.0" encoding="utf-8"?>
-<p:sldLayout xmlns:a="http://schemas.openxmlformats.org/drawingml/2006/main" xmlns:p="http://schemas.openxmlformats.org/presentationml/2006/main" xmlns:r="http://schemas.openxmlformats.org/officeDocument/2006/relationships" xmlns:p14="http://schemas.microsoft.com/office/powerpoint/2010/main" xmlns:p15="http://schemas.microsoft.com/office/powerpoint/2012/main" xmlns:mc="http://schemas.openxmlformats.org/markup-compatibility/2006" type="obj" preserve="1">
-  <p:cSld name="Title and Content">
-    <p:bg>
-      <p:bgPr>
-        <a:solidFill>
-          <a:srgbClr val="ffffff"/>
-        </a:solidFill>
-      </p:bgPr>
-    </p:bg>
-    <p:spTree>
-      <p:nvGrpSpPr>
-        <p:cNvPr id="1" name=""/>
-        <p:cNvGrpSpPr/>
-        <p:nvPr/>
-      </p:nvGrpSpPr>
-      <p:grpSpPr>
-        <a:xfrm>
-          <a:off x="0" y="0"/>
-          <a:ext cx="0" cy="0"/>
-          <a:chOff x="0" y="0"/>
-          <a:chExt cx="0" cy="0"/>
-        </a:xfrm>
-      </p:grpSpPr>
-      <p:pic>
-        <p:nvPicPr>
-          <p:cNvPr id="38" name="Picture 10"/>
-          <p:cNvPicPr/>
-          <p:nvPr/>
-        </p:nvPicPr>
-        <p:blipFill>
-          <a:blip r:embed="rId2"/>
-          <a:stretch/>
-        </p:blipFill>
-        <p:spPr>
-          <a:xfrm>
-            <a:off x="0" y="0"/>
-            <a:ext cx="12189960" cy="6855840"/>
-          </a:xfrm>
-          <a:prstGeom prst="rect">
-            <a:avLst/>
-          </a:prstGeom>
-          <a:noFill/>
-          <a:ln w="9525">
-            <a:noFill/>
-          </a:ln>
-        </p:spPr>
-      </p:pic>
-      <p:sp>
-        <p:nvSpPr>
-          <p:cNvPr id="39" name="PlaceHolder 1"/>
-          <p:cNvSpPr>
-            <a:spLocks noGrp="1"/>
-          </p:cNvSpPr>
-          <p:nvPr>
-            <p:ph type="title"/>
-          </p:nvPr>
-        </p:nvSpPr>
-        <p:spPr>
-          <a:xfrm>
-            <a:off x="609480" y="190440"/>
-            <a:ext cx="10970640" cy="580320"/>
-          </a:xfrm>
-          <a:prstGeom prst="rect">
-            <a:avLst/>
-          </a:prstGeom>
-          <a:noFill/>
-          <a:ln w="9360">
-            <a:noFill/>
-          </a:ln>
-        </p:spPr>
-        <p:txBody>
-          <a:bodyPr lIns="90000" rIns="90000" tIns="45000" bIns="45000" anchor="ctr">
-            <a:noAutofit/>
-          </a:bodyPr>
-          <a:p>
-            <a:pPr indent="0">
-              <a:lnSpc>
-                <a:spcPct val="100000"/>
-              </a:lnSpc>
-              <a:buNone/>
-              <a:tabLst>
-                <a:tab algn="l" pos="0"/>
-              </a:tabLst>
-            </a:pPr>
-            <a:r>
-              <a:rPr lang="en-US" sz="3600" b="0" u="none" strike="noStrike">
-                <a:solidFill>
-                  <a:schemeClr val="dk1"/>
-                </a:solidFill>
-                <a:effectLst/>
-                <a:uFillTx/>
-                <a:latin typeface="Arial"/>
-                <a:ea typeface="SimSun"/>
-              </a:rPr>
-              <a:t>Click to edit Master title style</a:t>
-            </a:r>
-            <a:endParaRPr lang="en-US" sz="3600" b="0" u="none" strike="noStrike">
-              <a:solidFill>
-                <a:srgbClr val="000000"/>
-              </a:solidFill>
-              <a:effectLst/>
-              <a:uFillTx/>
-              <a:latin typeface="Arial"/>
-            </a:endParaRPr>
-          </a:p>
-        </p:txBody>
-      </p:sp>
-      <p:sp>
-        <p:nvSpPr>
-          <p:cNvPr id="40" name="PlaceHolder 2"/>
-          <p:cNvSpPr>
-            <a:spLocks noGrp="1"/>
-          </p:cNvSpPr>
-          <p:nvPr>
-            <p:ph type="body"/>
-          </p:nvPr>
-        </p:nvSpPr>
-        <p:spPr>
-          <a:xfrm>
-            <a:off x="609480" y="1174680"/>
-            <a:ext cx="10970640" cy="4950720"/>
-          </a:xfrm>
-          <a:prstGeom prst="rect">
-            <a:avLst/>
-          </a:prstGeom>
-          <a:noFill/>
-          <a:ln w="9360">
-            <a:noFill/>
-          </a:ln>
-        </p:spPr>
-        <p:txBody>
-          <a:bodyPr lIns="90000" rIns="90000" tIns="45000" bIns="45000" anchor="t">
-            <a:noAutofit/>
-          </a:bodyPr>
-          <a:p>
-            <a:pPr marL="343080" indent="-343080">
-              <a:lnSpc>
-                <a:spcPct val="100000"/>
-              </a:lnSpc>
-              <a:spcBef>
-                <a:spcPts val="641"/>
-              </a:spcBef>
-              <a:buClr>
-                <a:srgbClr val="000000"/>
-              </a:buClr>
-              <a:buFont typeface="Symbol" charset="2"/>
-              <a:buChar char=""/>
-            </a:pPr>
-            <a:r>
-              <a:rPr lang="en-US" sz="3200" b="0" u="none" strike="noStrike">
-                <a:solidFill>
-                  <a:schemeClr val="dk1"/>
-                </a:solidFill>
-                <a:effectLst/>
-                <a:uFillTx/>
-                <a:latin typeface="Arial"/>
-                <a:ea typeface="SimSun"/>
-              </a:rPr>
-              <a:t>Click to edit Master text styles</a:t>
-            </a:r>
-            <a:endParaRPr lang="en-US" sz="3200" b="0" u="none" strike="noStrike">
-              <a:solidFill>
-                <a:srgbClr val="000000"/>
-              </a:solidFill>
-              <a:effectLst/>
-              <a:uFillTx/>
-              <a:latin typeface="Arial"/>
-            </a:endParaRPr>
-          </a:p>
-          <a:p>
-            <a:pPr marL="743040" lvl="1" indent="-285840">
-              <a:lnSpc>
-                <a:spcPct val="100000"/>
-              </a:lnSpc>
-              <a:spcBef>
-                <a:spcPts val="561"/>
-              </a:spcBef>
-              <a:buClr>
-                <a:srgbClr val="000000"/>
-              </a:buClr>
-              <a:buFont typeface="Symbol" charset="2"/>
-              <a:buChar char=""/>
-            </a:pPr>
-            <a:r>
-              <a:rPr lang="en-US" sz="2800" b="0" u="none" strike="noStrike">
-                <a:solidFill>
-                  <a:schemeClr val="dk1"/>
-                </a:solidFill>
-                <a:effectLst/>
-                <a:uFillTx/>
-                <a:latin typeface="Arial"/>
-                <a:ea typeface="SimSun"/>
-              </a:rPr>
-              <a:t>Second level</a:t>
-            </a:r>
-            <a:endParaRPr lang="en-US" sz="2800" b="0" u="none" strike="noStrike">
-              <a:solidFill>
-                <a:srgbClr val="000000"/>
-              </a:solidFill>
-              <a:effectLst/>
-              <a:uFillTx/>
-              <a:latin typeface="Arial"/>
-            </a:endParaRPr>
-          </a:p>
-          <a:p>
-            <a:pPr marL="1143000" lvl="2" indent="-228600">
-              <a:lnSpc>
-                <a:spcPct val="100000"/>
-              </a:lnSpc>
-              <a:spcBef>
-                <a:spcPts val="479"/>
-              </a:spcBef>
-              <a:buClr>
-                <a:srgbClr val="000000"/>
-              </a:buClr>
-              <a:buFont typeface="Symbol" charset="2"/>
-              <a:buChar char=""/>
-            </a:pPr>
-            <a:r>
-              <a:rPr lang="en-US" sz="2400" b="0" u="none" strike="noStrike">
-                <a:solidFill>
-                  <a:schemeClr val="dk1"/>
-                </a:solidFill>
-                <a:effectLst/>
-                <a:uFillTx/>
-                <a:latin typeface="Arial"/>
-                <a:ea typeface="SimSun"/>
-              </a:rPr>
-              <a:t>Third level</a:t>
-            </a:r>
-            <a:endParaRPr lang="en-US" sz="2400" b="0" u="none" strike="noStrike">
-              <a:solidFill>
-                <a:srgbClr val="000000"/>
-              </a:solidFill>
-              <a:effectLst/>
-              <a:uFillTx/>
-              <a:latin typeface="Arial"/>
-            </a:endParaRPr>
-          </a:p>
-          <a:p>
-            <a:pPr marL="1600200" lvl="3" indent="-228600">
-              <a:lnSpc>
-                <a:spcPct val="100000"/>
-              </a:lnSpc>
-              <a:spcBef>
-                <a:spcPts val="400"/>
-              </a:spcBef>
-              <a:buClr>
-                <a:srgbClr val="000000"/>
-              </a:buClr>
-              <a:buFont typeface="Symbol" charset="2"/>
-              <a:buChar char=""/>
-            </a:pPr>
-            <a:r>
-              <a:rPr lang="en-US" sz="2000" b="0" u="none" strike="noStrike">
-                <a:solidFill>
-                  <a:schemeClr val="dk1"/>
-                </a:solidFill>
-                <a:effectLst/>
-                <a:uFillTx/>
-                <a:latin typeface="Arial"/>
-                <a:ea typeface="SimSun"/>
-              </a:rPr>
-              <a:t>Fourth level</a:t>
-            </a:r>
-            <a:endParaRPr lang="en-US" sz="2000" b="0" u="none" strike="noStrike">
-              <a:solidFill>
-                <a:srgbClr val="000000"/>
-              </a:solidFill>
-              <a:effectLst/>
-              <a:uFillTx/>
-              <a:latin typeface="Arial"/>
-            </a:endParaRPr>
-          </a:p>
-          <a:p>
-            <a:pPr marL="2057400" lvl="4" indent="-228600">
-              <a:lnSpc>
-                <a:spcPct val="100000"/>
-              </a:lnSpc>
-              <a:spcBef>
-                <a:spcPts val="400"/>
-              </a:spcBef>
-              <a:buClr>
-                <a:srgbClr val="000000"/>
-              </a:buClr>
-              <a:buFont typeface="OpenSymbol"/>
-              <a:buChar char="»"/>
-            </a:pPr>
-            <a:r>
-              <a:rPr lang="en-US" sz="2000" b="0" u="none" strike="noStrike">
-                <a:solidFill>
-                  <a:schemeClr val="dk1"/>
-                </a:solidFill>
-                <a:effectLst/>
-                <a:uFillTx/>
-                <a:latin typeface="Arial"/>
-                <a:ea typeface="SimSun"/>
-              </a:rPr>
-              <a:t>Fifth level</a:t>
-            </a:r>
-            <a:endParaRPr lang="en-US" sz="2000" b="0" u="none" strike="noStrike">
-              <a:solidFill>
-                <a:srgbClr val="000000"/>
-              </a:solidFill>
-              <a:effectLst/>
-              <a:uFillTx/>
-              <a:latin typeface="Arial"/>
-            </a:endParaRPr>
-          </a:p>
-        </p:txBody>
-      </p:sp>
-      <p:sp>
-        <p:nvSpPr>
-          <p:cNvPr id="41" name="PlaceHolder 3"/>
-          <p:cNvSpPr>
-            <a:spLocks noGrp="1"/>
-          </p:cNvSpPr>
-          <p:nvPr>
-            <p:ph type="dt" idx="19"/>
-          </p:nvPr>
-        </p:nvSpPr>
-        <p:spPr>
-          <a:xfrm>
-            <a:off x="609480" y="6245280"/>
-            <a:ext cx="2842560" cy="474120"/>
-          </a:xfrm>
-          <a:prstGeom prst="rect">
-            <a:avLst/>
-          </a:prstGeom>
-          <a:noFill/>
-          <a:ln w="0">
-            <a:noFill/>
-          </a:ln>
-        </p:spPr>
-        <p:txBody>
-          <a:bodyPr numCol="1" spcCol="0" lIns="91440" rIns="91440" tIns="45720" bIns="45720" anchor="t">
-            <a:noAutofit/>
-          </a:bodyPr>
-          <a:lstStyle>
-            <a:lvl1pPr indent="0" defTabSz="914400">
-              <a:lnSpc>
-                <a:spcPct val="100000"/>
-              </a:lnSpc>
-              <a:buNone/>
-              <a:tabLst>
-                <a:tab algn="l" pos="0"/>
-              </a:tabLst>
-              <a:defRPr lang="en-US" sz="1400" b="0" u="none" strike="noStrike">
-                <a:solidFill>
-                  <a:srgbClr val="000000"/>
-                </a:solidFill>
-                <a:effectLst/>
-                <a:uFillTx/>
-                <a:latin typeface="Times New Roman"/>
-                <a:ea typeface="SimSun"/>
-              </a:defRPr>
-            </a:lvl1pPr>
-          </a:lstStyle>
-          <a:p>
-            <a:pPr indent="0" defTabSz="914400">
-              <a:lnSpc>
-                <a:spcPct val="100000"/>
-              </a:lnSpc>
-              <a:buNone/>
-              <a:tabLst>
-                <a:tab algn="l" pos="0"/>
-              </a:tabLst>
-            </a:pPr>
-            <a:r>
-              <a:rPr lang="en-US" sz="1400" b="0" u="none" strike="noStrike">
-                <a:solidFill>
-                  <a:srgbClr val="000000"/>
-                </a:solidFill>
-                <a:effectLst/>
-                <a:uFillTx/>
-                <a:latin typeface="Times New Roman"/>
-                <a:ea typeface="SimSun"/>
-              </a:rPr>
-              <a:t>&lt;date/time&gt;</a:t>
-            </a:r>
-            <a:endParaRPr lang="en-US" sz="1400" b="0" u="none" strike="noStrike">
-              <a:solidFill>
-                <a:srgbClr val="000000"/>
-              </a:solidFill>
-              <a:effectLst/>
-              <a:uFillTx/>
-              <a:latin typeface="Times New Roman"/>
-            </a:endParaRPr>
-          </a:p>
-        </p:txBody>
-      </p:sp>
-      <p:sp>
-        <p:nvSpPr>
-          <p:cNvPr id="42" name="PlaceHolder 4"/>
-          <p:cNvSpPr>
-            <a:spLocks noGrp="1"/>
-          </p:cNvSpPr>
-          <p:nvPr>
-            <p:ph type="ftr" idx="20"/>
-          </p:nvPr>
-        </p:nvSpPr>
-        <p:spPr>
-          <a:xfrm>
-            <a:off x="4165560" y="6245280"/>
-            <a:ext cx="3858480" cy="474120"/>
-          </a:xfrm>
-          <a:prstGeom prst="rect">
-            <a:avLst/>
-          </a:prstGeom>
-          <a:noFill/>
-          <a:ln w="0">
-            <a:noFill/>
-          </a:ln>
-        </p:spPr>
-        <p:txBody>
-          <a:bodyPr numCol="1" spcCol="0" lIns="91440" rIns="91440" tIns="45720" bIns="45720" anchor="t">
-            <a:noAutofit/>
-          </a:bodyPr>
-          <a:lstStyle>
-            <a:lvl1pPr indent="0" algn="ctr" defTabSz="914400">
-              <a:lnSpc>
-                <a:spcPct val="100000"/>
-              </a:lnSpc>
-              <a:buNone/>
-              <a:tabLst>
-                <a:tab algn="l" pos="0"/>
-              </a:tabLst>
-              <a:defRPr lang="en-US" sz="1400" b="0" u="none" strike="noStrike">
-                <a:solidFill>
-                  <a:srgbClr val="000000"/>
-                </a:solidFill>
-                <a:effectLst/>
-                <a:uFillTx/>
-                <a:latin typeface="Times New Roman"/>
-                <a:ea typeface="SimSun"/>
-              </a:defRPr>
-            </a:lvl1pPr>
-          </a:lstStyle>
-          <a:p>
-            <a:pPr indent="0" algn="ctr" defTabSz="914400">
-              <a:lnSpc>
-                <a:spcPct val="100000"/>
-              </a:lnSpc>
-              <a:buNone/>
-              <a:tabLst>
-                <a:tab algn="l" pos="0"/>
-              </a:tabLst>
-            </a:pPr>
-            <a:r>
-              <a:rPr lang="en-US" sz="1400" b="0" u="none" strike="noStrike">
-                <a:solidFill>
-                  <a:srgbClr val="000000"/>
-                </a:solidFill>
-                <a:effectLst/>
-                <a:uFillTx/>
-                <a:latin typeface="Times New Roman"/>
-                <a:ea typeface="SimSun"/>
-              </a:rPr>
-              <a:t>&lt;footer&gt;</a:t>
-            </a:r>
-            <a:endParaRPr lang="en-US" sz="1400" b="0" u="none" strike="noStrike">
-              <a:solidFill>
-                <a:srgbClr val="000000"/>
-              </a:solidFill>
-              <a:effectLst/>
-              <a:uFillTx/>
-              <a:latin typeface="Times New Roman"/>
-            </a:endParaRPr>
-          </a:p>
-        </p:txBody>
-      </p:sp>
-      <p:sp>
-        <p:nvSpPr>
-          <p:cNvPr id="43" name="PlaceHolder 5"/>
-          <p:cNvSpPr>
-            <a:spLocks noGrp="1"/>
-          </p:cNvSpPr>
-          <p:nvPr>
-            <p:ph type="sldNum" idx="21"/>
-          </p:nvPr>
-        </p:nvSpPr>
-        <p:spPr>
-          <a:xfrm>
-            <a:off x="8737560" y="6245280"/>
-            <a:ext cx="2842560" cy="474120"/>
-          </a:xfrm>
-          <a:prstGeom prst="rect">
-            <a:avLst/>
-          </a:prstGeom>
-          <a:noFill/>
-          <a:ln w="0">
-            <a:noFill/>
-          </a:ln>
-        </p:spPr>
-        <p:txBody>
-          <a:bodyPr numCol="1" spcCol="0" lIns="91440" rIns="91440" tIns="45720" bIns="45720" anchor="t">
-            <a:noAutofit/>
-          </a:bodyPr>
-          <a:p>
-            <a:pPr indent="0">
-              <a:buNone/>
-            </a:pPr>
-            <a:endParaRPr lang="en-US" sz="1800" b="0" u="none" strike="noStrike">
-              <a:solidFill>
-                <a:srgbClr val="000000"/>
-              </a:solidFill>
-              <a:effectLst/>
-              <a:uFillTx/>
-              <a:latin typeface="Times New Roman"/>
-            </a:endParaRPr>
-          </a:p>
-        </p:txBody>
-      </p:sp>
-    </p:spTree>
-  </p:cSld>
-</p:sldLayout>
-</file>
-
-<file path=ppt/slideLayouts/slideLayout8.xml><?xml version="1.0" encoding="utf-8"?>
-<p:sldLayout xmlns:a="http://schemas.openxmlformats.org/drawingml/2006/main" xmlns:p="http://schemas.openxmlformats.org/presentationml/2006/main" xmlns:r="http://schemas.openxmlformats.org/officeDocument/2006/relationships" xmlns:p14="http://schemas.microsoft.com/office/powerpoint/2010/main" xmlns:p15="http://schemas.microsoft.com/office/powerpoint/2012/main" xmlns:mc="http://schemas.openxmlformats.org/markup-compatibility/2006" type="blank" preserve="1">
-  <p:cSld name="Section Header">
-    <p:bg>
-      <p:bgPr>
-        <a:solidFill>
-          <a:srgbClr val="ffffff"/>
-        </a:solidFill>
-      </p:bgPr>
-    </p:bg>
-    <p:spTree>
-      <p:nvGrpSpPr>
-        <p:cNvPr id="1" name=""/>
-        <p:cNvGrpSpPr/>
-        <p:nvPr/>
-      </p:nvGrpSpPr>
-      <p:grpSpPr>
-        <a:xfrm>
-          <a:off x="0" y="0"/>
-          <a:ext cx="0" cy="0"/>
-          <a:chOff x="0" y="0"/>
-          <a:chExt cx="0" cy="0"/>
-        </a:xfrm>
-      </p:grpSpPr>
-      <p:pic>
-        <p:nvPicPr>
-          <p:cNvPr id="44" name="Picture 10"/>
-          <p:cNvPicPr/>
-          <p:nvPr/>
-        </p:nvPicPr>
-        <p:blipFill>
-          <a:blip r:embed="rId2"/>
-          <a:stretch/>
-        </p:blipFill>
-        <p:spPr>
-          <a:xfrm>
-            <a:off x="0" y="0"/>
-            <a:ext cx="12189960" cy="6855840"/>
-          </a:xfrm>
-          <a:prstGeom prst="rect">
-            <a:avLst/>
-          </a:prstGeom>
-          <a:noFill/>
-          <a:ln w="9525">
-            <a:noFill/>
-          </a:ln>
-        </p:spPr>
-      </p:pic>
-      <p:sp>
-        <p:nvSpPr>
-          <p:cNvPr id="45" name="PlaceHolder 1"/>
-          <p:cNvSpPr>
-            <a:spLocks noGrp="1"/>
-          </p:cNvSpPr>
-          <p:nvPr>
-            <p:ph type="title"/>
-          </p:nvPr>
-        </p:nvSpPr>
-        <p:spPr>
-          <a:xfrm>
-            <a:off x="831960" y="1709640"/>
-            <a:ext cx="10513440" cy="2850480"/>
-          </a:xfrm>
-          <a:prstGeom prst="rect">
-            <a:avLst/>
-          </a:prstGeom>
-          <a:noFill/>
-          <a:ln w="9360">
-            <a:noFill/>
-          </a:ln>
-        </p:spPr>
-        <p:txBody>
-          <a:bodyPr lIns="90000" rIns="90000" tIns="45000" bIns="45000" anchor="b">
-            <a:noAutofit/>
-          </a:bodyPr>
-          <a:p>
-            <a:pPr indent="0">
-              <a:lnSpc>
-                <a:spcPct val="100000"/>
-              </a:lnSpc>
-              <a:buNone/>
-              <a:tabLst>
-                <a:tab algn="l" pos="0"/>
-              </a:tabLst>
-            </a:pPr>
-            <a:r>
-              <a:rPr lang="en-US" sz="6000" b="0" u="none" strike="noStrike">
-                <a:solidFill>
-                  <a:schemeClr val="dk1"/>
-                </a:solidFill>
-                <a:effectLst/>
-                <a:uFillTx/>
-                <a:latin typeface="Arial"/>
-                <a:ea typeface="SimSun"/>
-              </a:rPr>
-              <a:t>Click to edit Master title style</a:t>
-            </a:r>
-            <a:endParaRPr lang="en-US" sz="6000" b="0" u="none" strike="noStrike">
-              <a:solidFill>
-                <a:srgbClr val="000000"/>
-              </a:solidFill>
-              <a:effectLst/>
-              <a:uFillTx/>
-              <a:latin typeface="Arial"/>
-            </a:endParaRPr>
-          </a:p>
-        </p:txBody>
-      </p:sp>
-      <p:sp>
-        <p:nvSpPr>
-          <p:cNvPr id="46" name="PlaceHolder 2"/>
-          <p:cNvSpPr>
-            <a:spLocks noGrp="1"/>
-          </p:cNvSpPr>
-          <p:nvPr>
-            <p:ph type="body"/>
-          </p:nvPr>
-        </p:nvSpPr>
-        <p:spPr>
-          <a:xfrm>
-            <a:off x="831960" y="4589640"/>
-            <a:ext cx="10513440" cy="1497960"/>
-          </a:xfrm>
-          <a:prstGeom prst="rect">
-            <a:avLst/>
-          </a:prstGeom>
-          <a:noFill/>
-          <a:ln w="9360">
-            <a:noFill/>
-          </a:ln>
-        </p:spPr>
-        <p:txBody>
-          <a:bodyPr lIns="90000" rIns="90000" tIns="45000" bIns="45000" anchor="t">
-            <a:noAutofit/>
-          </a:bodyPr>
-          <a:p>
-            <a:pPr indent="0">
-              <a:lnSpc>
-                <a:spcPct val="100000"/>
-              </a:lnSpc>
-              <a:spcBef>
-                <a:spcPts val="479"/>
-              </a:spcBef>
-              <a:buNone/>
-              <a:tabLst>
-                <a:tab algn="l" pos="0"/>
-              </a:tabLst>
-            </a:pPr>
-            <a:r>
-              <a:rPr lang="en-US" sz="2400" b="0" u="none" strike="noStrike">
-                <a:solidFill>
-                  <a:schemeClr val="dk1"/>
-                </a:solidFill>
-                <a:effectLst/>
-                <a:uFillTx/>
-                <a:latin typeface="Arial"/>
-                <a:ea typeface="SimSun"/>
-              </a:rPr>
-              <a:t>Click to edit Master text styles</a:t>
-            </a:r>
-            <a:endParaRPr lang="en-US" sz="2400" b="0" u="none" strike="noStrike">
-              <a:solidFill>
-                <a:srgbClr val="000000"/>
-              </a:solidFill>
-              <a:effectLst/>
-              <a:uFillTx/>
-              <a:latin typeface="Arial"/>
-            </a:endParaRPr>
-          </a:p>
-        </p:txBody>
-      </p:sp>
-      <p:sp>
-        <p:nvSpPr>
-          <p:cNvPr id="47" name="PlaceHolder 3"/>
-          <p:cNvSpPr>
-            <a:spLocks noGrp="1"/>
-          </p:cNvSpPr>
-          <p:nvPr>
-            <p:ph type="dt" idx="22"/>
-          </p:nvPr>
-        </p:nvSpPr>
-        <p:spPr>
-          <a:xfrm>
-            <a:off x="609480" y="6245280"/>
-            <a:ext cx="2842560" cy="474120"/>
-          </a:xfrm>
-          <a:prstGeom prst="rect">
-            <a:avLst/>
-          </a:prstGeom>
-          <a:noFill/>
-          <a:ln w="0">
-            <a:noFill/>
-          </a:ln>
-        </p:spPr>
-        <p:txBody>
-          <a:bodyPr numCol="1" spcCol="0" lIns="91440" rIns="91440" tIns="45720" bIns="45720" anchor="t">
-            <a:noAutofit/>
-          </a:bodyPr>
-          <a:lstStyle>
-            <a:lvl1pPr indent="0" defTabSz="914400">
-              <a:lnSpc>
-                <a:spcPct val="100000"/>
-              </a:lnSpc>
-              <a:buNone/>
-              <a:tabLst>
-                <a:tab algn="l" pos="0"/>
-              </a:tabLst>
-              <a:defRPr lang="en-US" sz="1400" b="0" u="none" strike="noStrike">
-                <a:solidFill>
-                  <a:srgbClr val="000000"/>
-                </a:solidFill>
-                <a:effectLst/>
-                <a:uFillTx/>
-                <a:latin typeface="Times New Roman"/>
-                <a:ea typeface="SimSun"/>
-              </a:defRPr>
-            </a:lvl1pPr>
-          </a:lstStyle>
-          <a:p>
-            <a:pPr indent="0" defTabSz="914400">
-              <a:lnSpc>
-                <a:spcPct val="100000"/>
-              </a:lnSpc>
-              <a:buNone/>
-              <a:tabLst>
-                <a:tab algn="l" pos="0"/>
-              </a:tabLst>
-            </a:pPr>
-            <a:r>
-              <a:rPr lang="en-US" sz="1400" b="0" u="none" strike="noStrike">
-                <a:solidFill>
-                  <a:srgbClr val="000000"/>
-                </a:solidFill>
-                <a:effectLst/>
-                <a:uFillTx/>
-                <a:latin typeface="Times New Roman"/>
-                <a:ea typeface="SimSun"/>
-              </a:rPr>
-              <a:t>&lt;date/time&gt;</a:t>
-            </a:r>
-            <a:endParaRPr lang="en-US" sz="1400" b="0" u="none" strike="noStrike">
-              <a:solidFill>
-                <a:srgbClr val="000000"/>
-              </a:solidFill>
-              <a:effectLst/>
-              <a:uFillTx/>
-              <a:latin typeface="Times New Roman"/>
-            </a:endParaRPr>
-          </a:p>
-        </p:txBody>
-      </p:sp>
-      <p:sp>
-        <p:nvSpPr>
-          <p:cNvPr id="48" name="PlaceHolder 4"/>
-          <p:cNvSpPr>
-            <a:spLocks noGrp="1"/>
-          </p:cNvSpPr>
-          <p:nvPr>
-            <p:ph type="ftr" idx="23"/>
-          </p:nvPr>
-        </p:nvSpPr>
-        <p:spPr>
-          <a:xfrm>
-            <a:off x="4165560" y="6245280"/>
-            <a:ext cx="3858480" cy="474120"/>
-          </a:xfrm>
-          <a:prstGeom prst="rect">
-            <a:avLst/>
-          </a:prstGeom>
-          <a:noFill/>
-          <a:ln w="0">
-            <a:noFill/>
-          </a:ln>
-        </p:spPr>
-        <p:txBody>
-          <a:bodyPr numCol="1" spcCol="0" lIns="91440" rIns="91440" tIns="45720" bIns="45720" anchor="t">
-            <a:noAutofit/>
-          </a:bodyPr>
-          <a:lstStyle>
-            <a:lvl1pPr indent="0" algn="ctr" defTabSz="914400">
-              <a:lnSpc>
-                <a:spcPct val="100000"/>
-              </a:lnSpc>
-              <a:buNone/>
-              <a:tabLst>
-                <a:tab algn="l" pos="0"/>
-              </a:tabLst>
-              <a:defRPr lang="en-US" sz="1400" b="0" u="none" strike="noStrike">
-                <a:solidFill>
-                  <a:srgbClr val="000000"/>
-                </a:solidFill>
-                <a:effectLst/>
-                <a:uFillTx/>
-                <a:latin typeface="Times New Roman"/>
-                <a:ea typeface="SimSun"/>
-              </a:defRPr>
-            </a:lvl1pPr>
-          </a:lstStyle>
-          <a:p>
-            <a:pPr indent="0" algn="ctr" defTabSz="914400">
-              <a:lnSpc>
-                <a:spcPct val="100000"/>
-              </a:lnSpc>
-              <a:buNone/>
-              <a:tabLst>
-                <a:tab algn="l" pos="0"/>
-              </a:tabLst>
-            </a:pPr>
-            <a:r>
-              <a:rPr lang="en-US" sz="1400" b="0" u="none" strike="noStrike">
-                <a:solidFill>
-                  <a:srgbClr val="000000"/>
-                </a:solidFill>
-                <a:effectLst/>
-                <a:uFillTx/>
-                <a:latin typeface="Times New Roman"/>
-                <a:ea typeface="SimSun"/>
-              </a:rPr>
-              <a:t>&lt;footer&gt;</a:t>
-            </a:r>
-            <a:endParaRPr lang="en-US" sz="1400" b="0" u="none" strike="noStrike">
-              <a:solidFill>
-                <a:srgbClr val="000000"/>
-              </a:solidFill>
-              <a:effectLst/>
-              <a:uFillTx/>
-              <a:latin typeface="Times New Roman"/>
-            </a:endParaRPr>
-          </a:p>
-        </p:txBody>
-      </p:sp>
-      <p:sp>
-        <p:nvSpPr>
-          <p:cNvPr id="49" name="PlaceHolder 5"/>
-          <p:cNvSpPr>
-            <a:spLocks noGrp="1"/>
-          </p:cNvSpPr>
-          <p:nvPr>
-            <p:ph type="sldNum" idx="24"/>
-          </p:nvPr>
-        </p:nvSpPr>
-        <p:spPr>
-          <a:xfrm>
-            <a:off x="8737560" y="6245280"/>
-            <a:ext cx="2842560" cy="474120"/>
-          </a:xfrm>
-          <a:prstGeom prst="rect">
-            <a:avLst/>
-          </a:prstGeom>
-          <a:noFill/>
-          <a:ln w="0">
-            <a:noFill/>
-          </a:ln>
-        </p:spPr>
-        <p:txBody>
-          <a:bodyPr numCol="1" spcCol="0" lIns="91440" rIns="91440" tIns="45720" bIns="45720" anchor="t">
-            <a:noAutofit/>
-          </a:bodyPr>
-          <a:p>
-            <a:pPr indent="0">
-              <a:buNone/>
-            </a:pPr>
-            <a:endParaRPr lang="en-US" sz="1800" b="0" u="none" strike="noStrike">
-              <a:solidFill>
-                <a:srgbClr val="000000"/>
-              </a:solidFill>
-              <a:effectLst/>
-              <a:uFillTx/>
-              <a:latin typeface="Times New Roman"/>
-            </a:endParaRPr>
-          </a:p>
-        </p:txBody>
-      </p:sp>
-    </p:spTree>
-  </p:cSld>
-</p:sldLayout>
-</file>
-
-<file path=ppt/slideLayouts/slideLayout9.xml><?xml version="1.0" encoding="utf-8"?>
-<p:sldLayout xmlns:a="http://schemas.openxmlformats.org/drawingml/2006/main" xmlns:p="http://schemas.openxmlformats.org/presentationml/2006/main" xmlns:r="http://schemas.openxmlformats.org/officeDocument/2006/relationships" xmlns:p14="http://schemas.microsoft.com/office/powerpoint/2010/main" xmlns:p15="http://schemas.microsoft.com/office/powerpoint/2012/main" xmlns:mc="http://schemas.openxmlformats.org/markup-compatibility/2006" type="twoObj" preserve="1">
-  <p:cSld name="Two Content">
-    <p:bg>
-      <p:bgPr>
-        <a:solidFill>
-          <a:srgbClr val="ffffff"/>
-        </a:solidFill>
-      </p:bgPr>
-    </p:bg>
-    <p:spTree>
-      <p:nvGrpSpPr>
-        <p:cNvPr id="1" name=""/>
-        <p:cNvGrpSpPr/>
-        <p:nvPr/>
-      </p:nvGrpSpPr>
-      <p:grpSpPr>
-        <a:xfrm>
-          <a:off x="0" y="0"/>
-          <a:ext cx="0" cy="0"/>
-          <a:chOff x="0" y="0"/>
-          <a:chExt cx="0" cy="0"/>
-        </a:xfrm>
-      </p:grpSpPr>
-      <p:pic>
-        <p:nvPicPr>
-          <p:cNvPr id="50" name="Picture 10"/>
-          <p:cNvPicPr/>
-          <p:nvPr/>
-        </p:nvPicPr>
-        <p:blipFill>
-          <a:blip r:embed="rId2"/>
-          <a:stretch/>
-        </p:blipFill>
-        <p:spPr>
-          <a:xfrm>
-            <a:off x="0" y="0"/>
-            <a:ext cx="12189960" cy="6855840"/>
-          </a:xfrm>
-          <a:prstGeom prst="rect">
-            <a:avLst/>
-          </a:prstGeom>
-          <a:noFill/>
-          <a:ln w="9525">
-            <a:noFill/>
-          </a:ln>
-        </p:spPr>
-      </p:pic>
-      <p:sp>
-        <p:nvSpPr>
-          <p:cNvPr id="51" name="PlaceHolder 1"/>
-          <p:cNvSpPr>
-            <a:spLocks noGrp="1"/>
-          </p:cNvSpPr>
-          <p:nvPr>
-            <p:ph type="title"/>
-          </p:nvPr>
-        </p:nvSpPr>
-        <p:spPr>
-          <a:xfrm>
-            <a:off x="609480" y="190440"/>
-            <a:ext cx="10970640" cy="580320"/>
-          </a:xfrm>
-          <a:prstGeom prst="rect">
-            <a:avLst/>
-          </a:prstGeom>
-          <a:noFill/>
-          <a:ln w="9360">
-            <a:noFill/>
-          </a:ln>
-        </p:spPr>
-        <p:txBody>
-          <a:bodyPr lIns="90000" rIns="90000" tIns="45000" bIns="45000" anchor="ctr">
-            <a:noAutofit/>
-          </a:bodyPr>
-          <a:p>
-            <a:pPr indent="0">
-              <a:lnSpc>
-                <a:spcPct val="100000"/>
-              </a:lnSpc>
-              <a:buNone/>
-              <a:tabLst>
-                <a:tab algn="l" pos="0"/>
-              </a:tabLst>
-            </a:pPr>
-            <a:r>
-              <a:rPr lang="en-US" sz="3600" b="0" u="none" strike="noStrike">
-                <a:solidFill>
-                  <a:schemeClr val="dk1"/>
-                </a:solidFill>
-                <a:effectLst/>
-                <a:uFillTx/>
-                <a:latin typeface="Arial"/>
-                <a:ea typeface="SimSun"/>
-              </a:rPr>
-              <a:t>Click to edit Master title style</a:t>
-            </a:r>
-            <a:endParaRPr lang="en-US" sz="3600" b="0" u="none" strike="noStrike">
-              <a:solidFill>
-                <a:srgbClr val="000000"/>
-              </a:solidFill>
-              <a:effectLst/>
-              <a:uFillTx/>
-              <a:latin typeface="Arial"/>
-            </a:endParaRPr>
-          </a:p>
-        </p:txBody>
-      </p:sp>
-      <p:sp>
-        <p:nvSpPr>
-          <p:cNvPr id="52" name="PlaceHolder 2"/>
-          <p:cNvSpPr>
-            <a:spLocks noGrp="1"/>
-          </p:cNvSpPr>
-          <p:nvPr>
-            <p:ph type="body"/>
-          </p:nvPr>
-        </p:nvSpPr>
-        <p:spPr>
-          <a:xfrm>
-            <a:off x="609480" y="1174680"/>
-            <a:ext cx="5382720" cy="4950720"/>
-          </a:xfrm>
-          <a:prstGeom prst="rect">
-            <a:avLst/>
-          </a:prstGeom>
-          <a:noFill/>
-          <a:ln w="9360">
-            <a:noFill/>
-          </a:ln>
-        </p:spPr>
-        <p:txBody>
-          <a:bodyPr lIns="90000" rIns="90000" tIns="45000" bIns="45000" anchor="t">
-            <a:noAutofit/>
-          </a:bodyPr>
-          <a:p>
-            <a:pPr marL="343080" indent="-343080">
-              <a:lnSpc>
-                <a:spcPct val="100000"/>
-              </a:lnSpc>
-              <a:spcBef>
-                <a:spcPts val="641"/>
-              </a:spcBef>
-              <a:buClr>
-                <a:srgbClr val="000000"/>
-              </a:buClr>
-              <a:buFont typeface="Symbol" charset="2"/>
-              <a:buChar char=""/>
-            </a:pPr>
-            <a:r>
-              <a:rPr lang="en-US" sz="3200" b="0" u="none" strike="noStrike">
-                <a:solidFill>
-                  <a:schemeClr val="dk1"/>
-                </a:solidFill>
-                <a:effectLst/>
-                <a:uFillTx/>
-                <a:latin typeface="Arial"/>
-                <a:ea typeface="SimSun"/>
-              </a:rPr>
-              <a:t>Click to edit Master text styles</a:t>
-            </a:r>
-            <a:endParaRPr lang="en-US" sz="3200" b="0" u="none" strike="noStrike">
-              <a:solidFill>
-                <a:srgbClr val="000000"/>
-              </a:solidFill>
-              <a:effectLst/>
-              <a:uFillTx/>
-              <a:latin typeface="Arial"/>
-            </a:endParaRPr>
-          </a:p>
-          <a:p>
-            <a:pPr marL="743040" lvl="1" indent="-285840">
-              <a:lnSpc>
-                <a:spcPct val="100000"/>
-              </a:lnSpc>
-              <a:spcBef>
-                <a:spcPts val="561"/>
-              </a:spcBef>
-              <a:buClr>
-                <a:srgbClr val="000000"/>
-              </a:buClr>
-              <a:buFont typeface="Symbol" charset="2"/>
-              <a:buChar char=""/>
-            </a:pPr>
-            <a:r>
-              <a:rPr lang="en-US" sz="2800" b="0" u="none" strike="noStrike">
-                <a:solidFill>
-                  <a:schemeClr val="dk1"/>
-                </a:solidFill>
-                <a:effectLst/>
-                <a:uFillTx/>
-                <a:latin typeface="Arial"/>
-                <a:ea typeface="SimSun"/>
-              </a:rPr>
-              <a:t>Second level</a:t>
-            </a:r>
-            <a:endParaRPr lang="en-US" sz="2800" b="0" u="none" strike="noStrike">
-              <a:solidFill>
-                <a:srgbClr val="000000"/>
-              </a:solidFill>
-              <a:effectLst/>
-              <a:uFillTx/>
-              <a:latin typeface="Arial"/>
-            </a:endParaRPr>
-          </a:p>
-          <a:p>
-            <a:pPr marL="1143000" lvl="2" indent="-228600">
-              <a:lnSpc>
-                <a:spcPct val="100000"/>
-              </a:lnSpc>
-              <a:spcBef>
-                <a:spcPts val="479"/>
-              </a:spcBef>
-              <a:buClr>
-                <a:srgbClr val="000000"/>
-              </a:buClr>
-              <a:buFont typeface="Symbol" charset="2"/>
-              <a:buChar char=""/>
-            </a:pPr>
-            <a:r>
-              <a:rPr lang="en-US" sz="2400" b="0" u="none" strike="noStrike">
-                <a:solidFill>
-                  <a:schemeClr val="dk1"/>
-                </a:solidFill>
-                <a:effectLst/>
-                <a:uFillTx/>
-                <a:latin typeface="Arial"/>
-                <a:ea typeface="SimSun"/>
-              </a:rPr>
-              <a:t>Third level</a:t>
-            </a:r>
-            <a:endParaRPr lang="en-US" sz="2400" b="0" u="none" strike="noStrike">
-              <a:solidFill>
-                <a:srgbClr val="000000"/>
-              </a:solidFill>
-              <a:effectLst/>
-              <a:uFillTx/>
-              <a:latin typeface="Arial"/>
-            </a:endParaRPr>
-          </a:p>
-          <a:p>
-            <a:pPr marL="1600200" lvl="3" indent="-228600">
-              <a:lnSpc>
-                <a:spcPct val="100000"/>
-              </a:lnSpc>
-              <a:spcBef>
-                <a:spcPts val="400"/>
-              </a:spcBef>
-              <a:buClr>
-                <a:srgbClr val="000000"/>
-              </a:buClr>
-              <a:buFont typeface="Symbol" charset="2"/>
-              <a:buChar char=""/>
-            </a:pPr>
-            <a:r>
-              <a:rPr lang="en-US" sz="2000" b="0" u="none" strike="noStrike">
-                <a:solidFill>
-                  <a:schemeClr val="dk1"/>
-                </a:solidFill>
-                <a:effectLst/>
-                <a:uFillTx/>
-                <a:latin typeface="Arial"/>
-                <a:ea typeface="SimSun"/>
-              </a:rPr>
-              <a:t>Fourth level</a:t>
-            </a:r>
-            <a:endParaRPr lang="en-US" sz="2000" b="0" u="none" strike="noStrike">
-              <a:solidFill>
-                <a:srgbClr val="000000"/>
-              </a:solidFill>
-              <a:effectLst/>
-              <a:uFillTx/>
-              <a:latin typeface="Arial"/>
-            </a:endParaRPr>
-          </a:p>
-          <a:p>
-            <a:pPr marL="2057400" lvl="4" indent="-228600">
-              <a:lnSpc>
-                <a:spcPct val="100000"/>
-              </a:lnSpc>
-              <a:spcBef>
-                <a:spcPts val="400"/>
-              </a:spcBef>
-              <a:buClr>
-                <a:srgbClr val="000000"/>
-              </a:buClr>
-              <a:buFont typeface="OpenSymbol"/>
-              <a:buChar char="»"/>
-            </a:pPr>
-            <a:r>
-              <a:rPr lang="en-US" sz="2000" b="0" u="none" strike="noStrike">
-                <a:solidFill>
-                  <a:schemeClr val="dk1"/>
-                </a:solidFill>
-                <a:effectLst/>
-                <a:uFillTx/>
-                <a:latin typeface="Arial"/>
-                <a:ea typeface="SimSun"/>
-              </a:rPr>
-              <a:t>Fifth level</a:t>
-            </a:r>
-            <a:endParaRPr lang="en-US" sz="2000" b="0" u="none" strike="noStrike">
-              <a:solidFill>
-                <a:srgbClr val="000000"/>
-              </a:solidFill>
-              <a:effectLst/>
-              <a:uFillTx/>
-              <a:latin typeface="Arial"/>
-            </a:endParaRPr>
-          </a:p>
-        </p:txBody>
-      </p:sp>
-      <p:sp>
-        <p:nvSpPr>
-          <p:cNvPr id="53" name="PlaceHolder 3"/>
-          <p:cNvSpPr>
-            <a:spLocks noGrp="1"/>
-          </p:cNvSpPr>
-          <p:nvPr>
-            <p:ph type="body"/>
-          </p:nvPr>
-        </p:nvSpPr>
-        <p:spPr>
-          <a:xfrm>
-            <a:off x="6197760" y="1174680"/>
-            <a:ext cx="5382720" cy="4950720"/>
-          </a:xfrm>
-          <a:prstGeom prst="rect">
-            <a:avLst/>
-          </a:prstGeom>
-          <a:noFill/>
-          <a:ln w="9360">
-            <a:noFill/>
-          </a:ln>
-        </p:spPr>
-        <p:txBody>
-          <a:bodyPr lIns="90000" rIns="90000" tIns="45000" bIns="45000" anchor="t">
-            <a:noAutofit/>
-          </a:bodyPr>
-          <a:p>
-            <a:pPr marL="343080" indent="-343080">
-              <a:lnSpc>
-                <a:spcPct val="100000"/>
-              </a:lnSpc>
-              <a:spcBef>
-                <a:spcPts val="641"/>
-              </a:spcBef>
-              <a:buClr>
-                <a:srgbClr val="000000"/>
-              </a:buClr>
-              <a:buFont typeface="Symbol" charset="2"/>
-              <a:buChar char=""/>
-            </a:pPr>
-            <a:r>
-              <a:rPr lang="en-US" sz="3200" b="0" u="none" strike="noStrike">
-                <a:solidFill>
-                  <a:schemeClr val="dk1"/>
-                </a:solidFill>
-                <a:effectLst/>
-                <a:uFillTx/>
-                <a:latin typeface="Arial"/>
-                <a:ea typeface="SimSun"/>
-              </a:rPr>
-              <a:t>Click to edit Master text styles</a:t>
-            </a:r>
-            <a:endParaRPr lang="en-US" sz="3200" b="0" u="none" strike="noStrike">
-              <a:solidFill>
-                <a:srgbClr val="000000"/>
-              </a:solidFill>
-              <a:effectLst/>
-              <a:uFillTx/>
-              <a:latin typeface="Arial"/>
-            </a:endParaRPr>
-          </a:p>
-          <a:p>
-            <a:pPr marL="743040" lvl="1" indent="-285840">
-              <a:lnSpc>
-                <a:spcPct val="100000"/>
-              </a:lnSpc>
-              <a:spcBef>
-                <a:spcPts val="561"/>
-              </a:spcBef>
-              <a:buClr>
-                <a:srgbClr val="000000"/>
-              </a:buClr>
-              <a:buFont typeface="Symbol" charset="2"/>
-              <a:buChar char=""/>
-            </a:pPr>
-            <a:r>
-              <a:rPr lang="en-US" sz="2800" b="0" u="none" strike="noStrike">
-                <a:solidFill>
-                  <a:schemeClr val="dk1"/>
-                </a:solidFill>
-                <a:effectLst/>
-                <a:uFillTx/>
-                <a:latin typeface="Arial"/>
-                <a:ea typeface="SimSun"/>
-              </a:rPr>
-              <a:t>Second level</a:t>
-            </a:r>
-            <a:endParaRPr lang="en-US" sz="2800" b="0" u="none" strike="noStrike">
-              <a:solidFill>
-                <a:srgbClr val="000000"/>
-              </a:solidFill>
-              <a:effectLst/>
-              <a:uFillTx/>
-              <a:latin typeface="Arial"/>
-            </a:endParaRPr>
-          </a:p>
-          <a:p>
-            <a:pPr marL="1143000" lvl="2" indent="-228600">
-              <a:lnSpc>
-                <a:spcPct val="100000"/>
-              </a:lnSpc>
-              <a:spcBef>
-                <a:spcPts val="479"/>
-              </a:spcBef>
-              <a:buClr>
-                <a:srgbClr val="000000"/>
-              </a:buClr>
-              <a:buFont typeface="Symbol" charset="2"/>
-              <a:buChar char=""/>
-            </a:pPr>
-            <a:r>
-              <a:rPr lang="en-US" sz="2400" b="0" u="none" strike="noStrike">
-                <a:solidFill>
-                  <a:schemeClr val="dk1"/>
-                </a:solidFill>
-                <a:effectLst/>
-                <a:uFillTx/>
-                <a:latin typeface="Arial"/>
-                <a:ea typeface="SimSun"/>
-              </a:rPr>
-              <a:t>Third level</a:t>
-            </a:r>
-            <a:endParaRPr lang="en-US" sz="2400" b="0" u="none" strike="noStrike">
-              <a:solidFill>
-                <a:srgbClr val="000000"/>
-              </a:solidFill>
-              <a:effectLst/>
-              <a:uFillTx/>
-              <a:latin typeface="Arial"/>
-            </a:endParaRPr>
-          </a:p>
-          <a:p>
-            <a:pPr marL="1600200" lvl="3" indent="-228600">
-              <a:lnSpc>
-                <a:spcPct val="100000"/>
-              </a:lnSpc>
-              <a:spcBef>
-                <a:spcPts val="400"/>
-              </a:spcBef>
-              <a:buClr>
-                <a:srgbClr val="000000"/>
-              </a:buClr>
-              <a:buFont typeface="Symbol" charset="2"/>
-              <a:buChar char=""/>
-            </a:pPr>
-            <a:r>
-              <a:rPr lang="en-US" sz="2000" b="0" u="none" strike="noStrike">
-                <a:solidFill>
-                  <a:schemeClr val="dk1"/>
-                </a:solidFill>
-                <a:effectLst/>
-                <a:uFillTx/>
-                <a:latin typeface="Arial"/>
-                <a:ea typeface="SimSun"/>
-              </a:rPr>
-              <a:t>Fourth level</a:t>
-            </a:r>
-            <a:endParaRPr lang="en-US" sz="2000" b="0" u="none" strike="noStrike">
-              <a:solidFill>
-                <a:srgbClr val="000000"/>
-              </a:solidFill>
-              <a:effectLst/>
-              <a:uFillTx/>
-              <a:latin typeface="Arial"/>
-            </a:endParaRPr>
-          </a:p>
-          <a:p>
-            <a:pPr marL="2057400" lvl="4" indent="-228600">
-              <a:lnSpc>
-                <a:spcPct val="100000"/>
-              </a:lnSpc>
-              <a:spcBef>
-                <a:spcPts val="400"/>
-              </a:spcBef>
-              <a:buClr>
-                <a:srgbClr val="000000"/>
-              </a:buClr>
-              <a:buFont typeface="OpenSymbol"/>
-              <a:buChar char="»"/>
-            </a:pPr>
-            <a:r>
-              <a:rPr lang="en-US" sz="2000" b="0" u="none" strike="noStrike">
-                <a:solidFill>
-                  <a:schemeClr val="dk1"/>
-                </a:solidFill>
-                <a:effectLst/>
-                <a:uFillTx/>
-                <a:latin typeface="Arial"/>
-                <a:ea typeface="SimSun"/>
-              </a:rPr>
-              <a:t>Fifth level</a:t>
-            </a:r>
-            <a:endParaRPr lang="en-US" sz="2000" b="0" u="none" strike="noStrike">
-              <a:solidFill>
-                <a:srgbClr val="000000"/>
-              </a:solidFill>
-              <a:effectLst/>
-              <a:uFillTx/>
-              <a:latin typeface="Arial"/>
-            </a:endParaRPr>
-          </a:p>
-        </p:txBody>
-      </p:sp>
-      <p:sp>
-        <p:nvSpPr>
-          <p:cNvPr id="54" name="PlaceHolder 4"/>
-          <p:cNvSpPr>
-            <a:spLocks noGrp="1"/>
-          </p:cNvSpPr>
-          <p:nvPr>
-            <p:ph type="dt" idx="25"/>
-          </p:nvPr>
-        </p:nvSpPr>
-        <p:spPr>
-          <a:xfrm>
-            <a:off x="609480" y="6245280"/>
-            <a:ext cx="2842560" cy="474120"/>
-          </a:xfrm>
-          <a:prstGeom prst="rect">
-            <a:avLst/>
-          </a:prstGeom>
-          <a:noFill/>
-          <a:ln w="0">
-            <a:noFill/>
-          </a:ln>
-        </p:spPr>
-        <p:txBody>
-          <a:bodyPr numCol="1" spcCol="0" lIns="91440" rIns="91440" tIns="45720" bIns="45720" anchor="t">
-            <a:noAutofit/>
-          </a:bodyPr>
-          <a:lstStyle>
-            <a:lvl1pPr indent="0" defTabSz="914400">
-              <a:lnSpc>
-                <a:spcPct val="100000"/>
-              </a:lnSpc>
-              <a:buNone/>
-              <a:tabLst>
-                <a:tab algn="l" pos="0"/>
-              </a:tabLst>
-              <a:defRPr lang="en-US" sz="1400" b="0" u="none" strike="noStrike">
-                <a:solidFill>
-                  <a:srgbClr val="000000"/>
-                </a:solidFill>
-                <a:effectLst/>
-                <a:uFillTx/>
-                <a:latin typeface="Times New Roman"/>
-                <a:ea typeface="SimSun"/>
-              </a:defRPr>
-            </a:lvl1pPr>
-          </a:lstStyle>
-          <a:p>
-            <a:pPr indent="0" defTabSz="914400">
-              <a:lnSpc>
-                <a:spcPct val="100000"/>
-              </a:lnSpc>
-              <a:buNone/>
-              <a:tabLst>
-                <a:tab algn="l" pos="0"/>
-              </a:tabLst>
-            </a:pPr>
-            <a:r>
-              <a:rPr lang="en-US" sz="1400" b="0" u="none" strike="noStrike">
-                <a:solidFill>
-                  <a:srgbClr val="000000"/>
-                </a:solidFill>
-                <a:effectLst/>
-                <a:uFillTx/>
-                <a:latin typeface="Times New Roman"/>
-                <a:ea typeface="SimSun"/>
-              </a:rPr>
-              <a:t>&lt;date/time&gt;</a:t>
-            </a:r>
-            <a:endParaRPr lang="en-US" sz="1400" b="0" u="none" strike="noStrike">
-              <a:solidFill>
-                <a:srgbClr val="000000"/>
-              </a:solidFill>
-              <a:effectLst/>
-              <a:uFillTx/>
-              <a:latin typeface="Times New Roman"/>
-            </a:endParaRPr>
-          </a:p>
-        </p:txBody>
-      </p:sp>
-      <p:sp>
-        <p:nvSpPr>
-          <p:cNvPr id="55" name="PlaceHolder 5"/>
-          <p:cNvSpPr>
-            <a:spLocks noGrp="1"/>
-          </p:cNvSpPr>
-          <p:nvPr>
-            <p:ph type="ftr" idx="26"/>
-          </p:nvPr>
-        </p:nvSpPr>
-        <p:spPr>
-          <a:xfrm>
-            <a:off x="4165560" y="6245280"/>
-            <a:ext cx="3858480" cy="474120"/>
-          </a:xfrm>
-          <a:prstGeom prst="rect">
-            <a:avLst/>
-          </a:prstGeom>
-          <a:noFill/>
-          <a:ln w="0">
-            <a:noFill/>
-          </a:ln>
-        </p:spPr>
-        <p:txBody>
-          <a:bodyPr numCol="1" spcCol="0" lIns="91440" rIns="91440" tIns="45720" bIns="45720" anchor="t">
-            <a:noAutofit/>
-          </a:bodyPr>
-          <a:lstStyle>
-            <a:lvl1pPr indent="0" algn="ctr" defTabSz="914400">
-              <a:lnSpc>
-                <a:spcPct val="100000"/>
-              </a:lnSpc>
-              <a:buNone/>
-              <a:tabLst>
-                <a:tab algn="l" pos="0"/>
-              </a:tabLst>
-              <a:defRPr lang="en-US" sz="1400" b="0" u="none" strike="noStrike">
-                <a:solidFill>
-                  <a:srgbClr val="000000"/>
-                </a:solidFill>
-                <a:effectLst/>
-                <a:uFillTx/>
-                <a:latin typeface="Times New Roman"/>
-                <a:ea typeface="SimSun"/>
-              </a:defRPr>
-            </a:lvl1pPr>
-          </a:lstStyle>
-          <a:p>
-            <a:pPr indent="0" algn="ctr" defTabSz="914400">
-              <a:lnSpc>
-                <a:spcPct val="100000"/>
-              </a:lnSpc>
-              <a:buNone/>
-              <a:tabLst>
-                <a:tab algn="l" pos="0"/>
-              </a:tabLst>
-            </a:pPr>
-            <a:r>
-              <a:rPr lang="en-US" sz="1400" b="0" u="none" strike="noStrike">
-                <a:solidFill>
-                  <a:srgbClr val="000000"/>
-                </a:solidFill>
-                <a:effectLst/>
-                <a:uFillTx/>
-                <a:latin typeface="Times New Roman"/>
-                <a:ea typeface="SimSun"/>
-              </a:rPr>
-              <a:t>&lt;footer&gt;</a:t>
-            </a:r>
-            <a:endParaRPr lang="en-US" sz="1400" b="0" u="none" strike="noStrike">
-              <a:solidFill>
-                <a:srgbClr val="000000"/>
-              </a:solidFill>
-              <a:effectLst/>
-              <a:uFillTx/>
-              <a:latin typeface="Times New Roman"/>
-            </a:endParaRPr>
-          </a:p>
-        </p:txBody>
-      </p:sp>
-      <p:sp>
-        <p:nvSpPr>
-          <p:cNvPr id="56" name="PlaceHolder 6"/>
+          <p:cNvPr id="58" name="PlaceHolder 5"/>
           <p:cNvSpPr>
             <a:spLocks noGrp="1"/>
           </p:cNvSpPr>
@@ -5643,7 +5643,7 @@
         <p:spPr>
           <a:xfrm>
             <a:off x="8737560" y="6245280"/>
-            <a:ext cx="2842560" cy="474120"/>
+            <a:ext cx="2842200" cy="473760"/>
           </a:xfrm>
           <a:prstGeom prst="rect">
             <a:avLst/>
@@ -5743,7 +5743,7 @@
         <p:spPr>
           <a:xfrm>
             <a:off x="734760" y="1720800"/>
-            <a:ext cx="10336320" cy="2898360"/>
+            <a:ext cx="10335960" cy="2898000"/>
           </a:xfrm>
           <a:prstGeom prst="rect">
             <a:avLst/>
@@ -5888,8 +5888,8 @@
         </p:nvSpPr>
         <p:spPr>
           <a:xfrm>
-            <a:off x="459360" y="685440"/>
-            <a:ext cx="10970640" cy="5121000"/>
+            <a:off x="459360" y="685080"/>
+            <a:ext cx="10970280" cy="5121360"/>
           </a:xfrm>
           <a:prstGeom prst="rect">
             <a:avLst/>
@@ -5909,6 +5909,9 @@
                 <a:spcPct val="150000"/>
               </a:lnSpc>
               <a:buNone/>
+              <a:tabLst>
+                <a:tab algn="l" pos="0"/>
+              </a:tabLst>
             </a:pPr>
             <a:r>
               <a:rPr lang="en-US" sz="3200" b="1" u="none" strike="noStrike">
@@ -6058,8 +6061,8 @@
         </p:nvSpPr>
         <p:spPr>
           <a:xfrm>
-            <a:off x="609480" y="168120"/>
-            <a:ext cx="10970640" cy="625320"/>
+            <a:off x="609480" y="167760"/>
+            <a:ext cx="10970280" cy="625680"/>
           </a:xfrm>
           <a:prstGeom prst="rect">
             <a:avLst/>
@@ -6075,7 +6078,13 @@
           </a:bodyPr>
           <a:p>
             <a:pPr indent="0" algn="ctr">
+              <a:lnSpc>
+                <a:spcPct val="100000"/>
+              </a:lnSpc>
               <a:buNone/>
+              <a:tabLst>
+                <a:tab algn="l" pos="0"/>
+              </a:tabLst>
             </a:pPr>
             <a:r>
               <a:rPr lang="en-US" sz="4400" b="1" u="none" strike="noStrike">
@@ -6088,9 +6097,9 @@
               </a:rPr>
               <a:t>L3 1</a:t>
             </a:r>
-            <a:endParaRPr lang="en-US" sz="4400" b="1" u="none" strike="noStrike">
-              <a:solidFill>
-                <a:srgbClr val="ff0000"/>
+            <a:endParaRPr lang="en-US" sz="4400" b="0" u="none" strike="noStrike">
+              <a:solidFill>
+                <a:srgbClr val="000000"/>
               </a:solidFill>
               <a:effectLst/>
               <a:uFillTx/>
@@ -6141,8 +6150,8 @@
         </p:nvSpPr>
         <p:spPr>
           <a:xfrm>
-            <a:off x="609480" y="168120"/>
-            <a:ext cx="10970640" cy="625320"/>
+            <a:off x="609480" y="167760"/>
+            <a:ext cx="10970280" cy="625680"/>
           </a:xfrm>
           <a:prstGeom prst="rect">
             <a:avLst/>
@@ -6158,7 +6167,13 @@
           </a:bodyPr>
           <a:p>
             <a:pPr indent="0" algn="ctr">
+              <a:lnSpc>
+                <a:spcPct val="100000"/>
+              </a:lnSpc>
               <a:buNone/>
+              <a:tabLst>
+                <a:tab algn="l" pos="0"/>
+              </a:tabLst>
             </a:pPr>
             <a:r>
               <a:rPr lang="en-US" sz="4400" b="1" u="none" strike="noStrike">
@@ -6171,9 +6186,9 @@
               </a:rPr>
               <a:t>L3 2</a:t>
             </a:r>
-            <a:endParaRPr lang="en-US" sz="4400" b="1" u="none" strike="noStrike">
-              <a:solidFill>
-                <a:srgbClr val="ff0000"/>
+            <a:endParaRPr lang="en-US" sz="4400" b="0" u="none" strike="noStrike">
+              <a:solidFill>
+                <a:srgbClr val="000000"/>
               </a:solidFill>
               <a:effectLst/>
               <a:uFillTx/>
@@ -6224,8 +6239,8 @@
         </p:nvSpPr>
         <p:spPr>
           <a:xfrm>
-            <a:off x="609480" y="168120"/>
-            <a:ext cx="10970640" cy="625320"/>
+            <a:off x="609480" y="167760"/>
+            <a:ext cx="10970280" cy="625680"/>
           </a:xfrm>
           <a:prstGeom prst="rect">
             <a:avLst/>
@@ -6241,7 +6256,13 @@
           </a:bodyPr>
           <a:p>
             <a:pPr indent="0" algn="ctr">
+              <a:lnSpc>
+                <a:spcPct val="100000"/>
+              </a:lnSpc>
               <a:buNone/>
+              <a:tabLst>
+                <a:tab algn="l" pos="0"/>
+              </a:tabLst>
             </a:pPr>
             <a:r>
               <a:rPr lang="en-US" sz="4400" b="1" u="none" strike="noStrike">
@@ -6254,9 +6275,9 @@
               </a:rPr>
               <a:t>0H 2</a:t>
             </a:r>
-            <a:endParaRPr lang="en-US" sz="4400" b="1" u="none" strike="noStrike">
-              <a:solidFill>
-                <a:srgbClr val="ff0000"/>
+            <a:endParaRPr lang="en-US" sz="4400" b="0" u="none" strike="noStrike">
+              <a:solidFill>
+                <a:srgbClr val="000000"/>
               </a:solidFill>
               <a:effectLst/>
               <a:uFillTx/>
@@ -6307,8 +6328,8 @@
         </p:nvSpPr>
         <p:spPr>
           <a:xfrm>
-            <a:off x="609480" y="168120"/>
-            <a:ext cx="10970640" cy="625320"/>
+            <a:off x="609480" y="167760"/>
+            <a:ext cx="10970280" cy="625680"/>
           </a:xfrm>
           <a:prstGeom prst="rect">
             <a:avLst/>
@@ -6324,7 +6345,13 @@
           </a:bodyPr>
           <a:p>
             <a:pPr indent="0" algn="ctr">
+              <a:lnSpc>
+                <a:spcPct val="100000"/>
+              </a:lnSpc>
               <a:buNone/>
+              <a:tabLst>
+                <a:tab algn="l" pos="0"/>
+              </a:tabLst>
             </a:pPr>
             <a:r>
               <a:rPr lang="en-US" sz="4400" b="1" u="none" strike="noStrike">
@@ -6337,9 +6364,9 @@
               </a:rPr>
               <a:t>0H 3</a:t>
             </a:r>
-            <a:endParaRPr lang="en-US" sz="4400" b="1" u="none" strike="noStrike">
-              <a:solidFill>
-                <a:srgbClr val="ff0000"/>
+            <a:endParaRPr lang="en-US" sz="4400" b="0" u="none" strike="noStrike">
+              <a:solidFill>
+                <a:srgbClr val="000000"/>
               </a:solidFill>
               <a:effectLst/>
               <a:uFillTx/>
@@ -6390,8 +6417,8 @@
         </p:nvSpPr>
         <p:spPr>
           <a:xfrm>
-            <a:off x="609480" y="168120"/>
-            <a:ext cx="10970640" cy="625320"/>
+            <a:off x="609480" y="167760"/>
+            <a:ext cx="10970280" cy="625680"/>
           </a:xfrm>
           <a:prstGeom prst="rect">
             <a:avLst/>
@@ -6407,7 +6434,13 @@
           </a:bodyPr>
           <a:p>
             <a:pPr indent="0" algn="ctr">
+              <a:lnSpc>
+                <a:spcPct val="100000"/>
+              </a:lnSpc>
               <a:buNone/>
+              <a:tabLst>
+                <a:tab algn="l" pos="0"/>
+              </a:tabLst>
             </a:pPr>
             <a:r>
               <a:rPr lang="en-US" sz="4400" b="1" u="none" strike="noStrike">
@@ -6420,9 +6453,9 @@
               </a:rPr>
               <a:t>4H 1</a:t>
             </a:r>
-            <a:endParaRPr lang="en-US" sz="4400" b="1" u="none" strike="noStrike">
-              <a:solidFill>
-                <a:srgbClr val="ff0000"/>
+            <a:endParaRPr lang="en-US" sz="4400" b="0" u="none" strike="noStrike">
+              <a:solidFill>
+                <a:srgbClr val="000000"/>
               </a:solidFill>
               <a:effectLst/>
               <a:uFillTx/>
@@ -6473,8 +6506,8 @@
         </p:nvSpPr>
         <p:spPr>
           <a:xfrm>
-            <a:off x="609480" y="168120"/>
-            <a:ext cx="10970640" cy="625320"/>
+            <a:off x="609480" y="167760"/>
+            <a:ext cx="10970280" cy="625680"/>
           </a:xfrm>
           <a:prstGeom prst="rect">
             <a:avLst/>
@@ -6490,7 +6523,13 @@
           </a:bodyPr>
           <a:p>
             <a:pPr indent="0" algn="ctr">
+              <a:lnSpc>
+                <a:spcPct val="100000"/>
+              </a:lnSpc>
               <a:buNone/>
+              <a:tabLst>
+                <a:tab algn="l" pos="0"/>
+              </a:tabLst>
             </a:pPr>
             <a:r>
               <a:rPr lang="en-US" sz="4400" b="1" u="none" strike="noStrike">
@@ -6503,9 +6542,9 @@
               </a:rPr>
               <a:t>4H 3</a:t>
             </a:r>
-            <a:endParaRPr lang="en-US" sz="4400" b="1" u="none" strike="noStrike">
-              <a:solidFill>
-                <a:srgbClr val="ff0000"/>
+            <a:endParaRPr lang="en-US" sz="4400" b="0" u="none" strike="noStrike">
+              <a:solidFill>
+                <a:srgbClr val="000000"/>
               </a:solidFill>
               <a:effectLst/>
               <a:uFillTx/>
@@ -6557,7 +6596,7 @@
         <p:spPr>
           <a:xfrm>
             <a:off x="1143000" y="2743200"/>
-            <a:ext cx="10970640" cy="759960"/>
+            <a:ext cx="10970280" cy="759600"/>
           </a:xfrm>
           <a:prstGeom prst="rect">
             <a:avLst/>
@@ -6643,7 +6682,7 @@
         <p:spPr>
           <a:xfrm>
             <a:off x="152280" y="-154080"/>
-            <a:ext cx="5790960" cy="1097280"/>
+            <a:ext cx="5790600" cy="1096920"/>
           </a:xfrm>
           <a:prstGeom prst="rect">
             <a:avLst/>
@@ -6680,6 +6719,7 @@
                 <a:effectLst/>
                 <a:uFillTx/>
                 <a:latin typeface="Arial"/>
+                <a:ea typeface="SimSun"/>
               </a:rPr>
               <a:t>GUI WITHOUT ADVANCED SETTINGS </a:t>
             </a:r>
@@ -6707,7 +6747,7 @@
         <p:spPr>
           <a:xfrm>
             <a:off x="1399680" y="1143000"/>
-            <a:ext cx="9115560" cy="4442040"/>
+            <a:ext cx="9115200" cy="4441680"/>
           </a:xfrm>
           <a:prstGeom prst="rect">
             <a:avLst/>
@@ -6727,7 +6767,7 @@
         <p:spPr>
           <a:xfrm>
             <a:off x="10515600" y="1371600"/>
-            <a:ext cx="456840" cy="456840"/>
+            <a:ext cx="456480" cy="456480"/>
           </a:xfrm>
           <a:prstGeom prst="ellipse">
             <a:avLst/>
@@ -6789,7 +6829,7 @@
         <p:spPr>
           <a:xfrm>
             <a:off x="10515600" y="2057400"/>
-            <a:ext cx="456840" cy="456840"/>
+            <a:ext cx="456480" cy="456480"/>
           </a:xfrm>
           <a:prstGeom prst="ellipse">
             <a:avLst/>
@@ -6851,7 +6891,7 @@
         <p:spPr>
           <a:xfrm>
             <a:off x="4572000" y="2286000"/>
-            <a:ext cx="456840" cy="456840"/>
+            <a:ext cx="456480" cy="456480"/>
           </a:xfrm>
           <a:prstGeom prst="ellipse">
             <a:avLst/>
@@ -6913,7 +6953,7 @@
         <p:spPr>
           <a:xfrm>
             <a:off x="4572000" y="2743200"/>
-            <a:ext cx="456840" cy="456840"/>
+            <a:ext cx="456480" cy="456480"/>
           </a:xfrm>
           <a:prstGeom prst="ellipse">
             <a:avLst/>
@@ -6975,7 +7015,7 @@
         <p:spPr>
           <a:xfrm>
             <a:off x="4572000" y="3200400"/>
-            <a:ext cx="456840" cy="456840"/>
+            <a:ext cx="456480" cy="456480"/>
           </a:xfrm>
           <a:prstGeom prst="ellipse">
             <a:avLst/>
@@ -7037,7 +7077,7 @@
         <p:spPr>
           <a:xfrm>
             <a:off x="4343400" y="3657600"/>
-            <a:ext cx="456840" cy="456840"/>
+            <a:ext cx="456480" cy="456480"/>
           </a:xfrm>
           <a:prstGeom prst="ellipse">
             <a:avLst/>
@@ -7099,7 +7139,7 @@
         <p:spPr>
           <a:xfrm>
             <a:off x="4572000" y="4343400"/>
-            <a:ext cx="456840" cy="456840"/>
+            <a:ext cx="456480" cy="456480"/>
           </a:xfrm>
           <a:prstGeom prst="ellipse">
             <a:avLst/>
@@ -7161,7 +7201,7 @@
         <p:spPr>
           <a:xfrm>
             <a:off x="1143000" y="3886200"/>
-            <a:ext cx="456840" cy="456840"/>
+            <a:ext cx="456480" cy="456480"/>
           </a:xfrm>
           <a:prstGeom prst="ellipse">
             <a:avLst/>
@@ -7223,7 +7263,7 @@
         <p:spPr>
           <a:xfrm>
             <a:off x="8458200" y="4114800"/>
-            <a:ext cx="456840" cy="456840"/>
+            <a:ext cx="456480" cy="456480"/>
           </a:xfrm>
           <a:prstGeom prst="ellipse">
             <a:avLst/>
@@ -7285,7 +7325,7 @@
         <p:spPr>
           <a:xfrm>
             <a:off x="3200400" y="5029200"/>
-            <a:ext cx="685440" cy="456840"/>
+            <a:ext cx="685080" cy="456480"/>
           </a:xfrm>
           <a:prstGeom prst="ellipse">
             <a:avLst/>
@@ -7380,8 +7420,8 @@
         </p:nvSpPr>
         <p:spPr>
           <a:xfrm>
-            <a:off x="152280" y="28080"/>
-            <a:ext cx="5105160" cy="732240"/>
+            <a:off x="152280" y="27720"/>
+            <a:ext cx="5104800" cy="732600"/>
           </a:xfrm>
           <a:prstGeom prst="rect">
             <a:avLst/>
@@ -7436,7 +7476,7 @@
         <p:spPr>
           <a:xfrm>
             <a:off x="403920" y="685800"/>
-            <a:ext cx="11372760" cy="6849000"/>
+            <a:ext cx="11372400" cy="6848640"/>
           </a:xfrm>
           <a:prstGeom prst="rect">
             <a:avLst/>
@@ -7470,6 +7510,7 @@
                 <a:effectLst/>
                 <a:uFillTx/>
                 <a:latin typeface="Arial"/>
+                <a:ea typeface="SimSun"/>
               </a:rPr>
               <a:t>1) Image file</a:t>
             </a:r>
@@ -7502,6 +7543,7 @@
                 <a:effectLst/>
                 <a:uFillTx/>
                 <a:latin typeface="Arial"/>
+                <a:ea typeface="SimSun"/>
               </a:rPr>
               <a:t>Text box</a:t>
             </a:r>
@@ -7534,6 +7576,7 @@
                 <a:effectLst/>
                 <a:uFillTx/>
                 <a:latin typeface="Arial"/>
+                <a:ea typeface="SimSun"/>
               </a:rPr>
               <a:t>Shows the full path of the file you selected (.czi, .tif, .tiff).</a:t>
             </a:r>
@@ -7566,6 +7609,7 @@
                 <a:effectLst/>
                 <a:uFillTx/>
                 <a:latin typeface="Arial"/>
+                <a:ea typeface="SimSun"/>
               </a:rPr>
               <a:t>Browse… (button)</a:t>
             </a:r>
@@ -7598,6 +7642,7 @@
                 <a:effectLst/>
                 <a:uFillTx/>
                 <a:latin typeface="Arial"/>
+                <a:ea typeface="SimSun"/>
               </a:rPr>
               <a:t>Opens a file picker. When you choose a file, the GUI also auto-suggests an output folder (same directory as the image + </a:t>
             </a:r>
@@ -7609,6 +7654,7 @@
                 <a:effectLst/>
                 <a:uFillTx/>
                 <a:latin typeface="Arial"/>
+                <a:ea typeface="SimSun"/>
               </a:rPr>
               <a:t>	</a:t>
             </a:r>
@@ -7620,6 +7666,7 @@
                 <a:effectLst/>
                 <a:uFillTx/>
                 <a:latin typeface="Arial"/>
+                <a:ea typeface="SimSun"/>
               </a:rPr>
               <a:t>	</a:t>
             </a:r>
@@ -7631,6 +7678,7 @@
                 <a:effectLst/>
                 <a:uFillTx/>
                 <a:latin typeface="Arial"/>
+                <a:ea typeface="SimSun"/>
               </a:rPr>
               <a:t>     timestamp) if the output field is empty.</a:t>
             </a:r>
@@ -7672,6 +7720,7 @@
                 <a:effectLst/>
                 <a:uFillTx/>
                 <a:latin typeface="Arial"/>
+                <a:ea typeface="SimSun"/>
               </a:rPr>
               <a:t>2) Output folder</a:t>
             </a:r>
@@ -7704,6 +7753,7 @@
                 <a:effectLst/>
                 <a:uFillTx/>
                 <a:latin typeface="Arial"/>
+                <a:ea typeface="SimSun"/>
               </a:rPr>
               <a:t>Text box</a:t>
             </a:r>
@@ -7736,6 +7786,7 @@
                 <a:effectLst/>
                 <a:uFillTx/>
                 <a:latin typeface="Arial"/>
+                <a:ea typeface="SimSun"/>
               </a:rPr>
               <a:t>Where all outputs are written:datasets, videos and pictures</a:t>
             </a:r>
@@ -7768,6 +7819,7 @@
                 <a:effectLst/>
                 <a:uFillTx/>
                 <a:latin typeface="Arial"/>
+                <a:ea typeface="SimSun"/>
               </a:rPr>
               <a:t>Browse… (button)</a:t>
             </a:r>
@@ -7800,6 +7852,7 @@
                 <a:effectLst/>
                 <a:uFillTx/>
                 <a:latin typeface="Arial"/>
+                <a:ea typeface="SimSun"/>
               </a:rPr>
               <a:t>Lets you choose a parent folder.</a:t>
             </a:r>
@@ -7832,6 +7885,7 @@
                 <a:effectLst/>
                 <a:uFillTx/>
                 <a:latin typeface="Arial"/>
+                <a:ea typeface="SimSun"/>
               </a:rPr>
               <a:t>The script then makes a new timestamped folder inside it (based on the image name).</a:t>
             </a:r>
@@ -7873,6 +7927,7 @@
                 <a:effectLst/>
                 <a:uFillTx/>
                 <a:latin typeface="Arial"/>
+                <a:ea typeface="SimSun"/>
               </a:rPr>
               <a:t>3) ERODE_MULT</a:t>
             </a:r>
@@ -7899,6 +7954,7 @@
                 <a:effectLst/>
                 <a:uFillTx/>
                 <a:latin typeface="Arial"/>
+                <a:ea typeface="SimSun"/>
               </a:rPr>
               <a:t>ERODE_MULT (input): </a:t>
             </a:r>
@@ -7910,6 +7966,7 @@
                 <a:effectLst/>
                 <a:uFillTx/>
                 <a:latin typeface="Arial"/>
+                <a:ea typeface="SimSun"/>
               </a:rPr>
               <a:t>A multiplier / additive factor used in your auto morphology stage.</a:t>
             </a:r>
@@ -7942,6 +7999,7 @@
                 <a:effectLst/>
                 <a:uFillTx/>
                 <a:latin typeface="Arial"/>
+                <a:ea typeface="SimSun"/>
               </a:rPr>
               <a:t>Units:</a:t>
             </a:r>
@@ -7953,6 +8011,7 @@
                 <a:effectLst/>
                 <a:uFillTx/>
                 <a:latin typeface="Arial"/>
+                <a:ea typeface="SimSun"/>
               </a:rPr>
               <a:t> unitless (it becomes a voxel radius for erosion).</a:t>
             </a:r>
@@ -7985,6 +8044,7 @@
                 <a:effectLst/>
                 <a:uFillTx/>
                 <a:latin typeface="Arial"/>
+                <a:ea typeface="SimSun"/>
               </a:rPr>
               <a:t>Effect: </a:t>
             </a:r>
@@ -7996,6 +8056,7 @@
                 <a:effectLst/>
                 <a:uFillTx/>
                 <a:latin typeface="Arial"/>
+                <a:ea typeface="SimSun"/>
               </a:rPr>
               <a:t>higher values generally shrink the mask more (more erosion).</a:t>
             </a:r>
@@ -8028,6 +8089,7 @@
                 <a:effectLst/>
                 <a:uFillTx/>
                 <a:latin typeface="Arial"/>
+                <a:ea typeface="SimSun"/>
               </a:rPr>
               <a:t>For neurites: </a:t>
             </a:r>
@@ -8039,6 +8101,7 @@
                 <a:effectLst/>
                 <a:uFillTx/>
                 <a:latin typeface="Arial"/>
+                <a:ea typeface="SimSun"/>
               </a:rPr>
               <a:t>too high will break thin branches.</a:t>
             </a:r>
@@ -8071,6 +8134,7 @@
                 <a:effectLst/>
                 <a:uFillTx/>
                 <a:latin typeface="Arial"/>
+                <a:ea typeface="SimSun"/>
               </a:rPr>
               <a:t>Typical:</a:t>
             </a:r>
@@ -8103,6 +8167,7 @@
                 <a:effectLst/>
                 <a:uFillTx/>
                 <a:latin typeface="Arial"/>
+                <a:ea typeface="SimSun"/>
               </a:rPr>
               <a:t>Image with little noise: 0-2</a:t>
             </a:r>
@@ -8135,6 +8200,7 @@
                 <a:effectLst/>
                 <a:uFillTx/>
                 <a:latin typeface="Arial"/>
+                <a:ea typeface="SimSun"/>
               </a:rPr>
               <a:t>Image with a lot of noise: 3-6</a:t>
             </a:r>
@@ -8167,6 +8233,7 @@
                 <a:effectLst/>
                 <a:uFillTx/>
                 <a:latin typeface="Arial"/>
+                <a:ea typeface="SimSun"/>
               </a:rPr>
               <a:t>Neurites-only: often 0–1 (or even force erosion off)</a:t>
             </a:r>
@@ -8250,7 +8317,7 @@
         <p:spPr>
           <a:xfrm>
             <a:off x="152280" y="28800"/>
-            <a:ext cx="5105160" cy="731520"/>
+            <a:ext cx="5104800" cy="731160"/>
           </a:xfrm>
           <a:prstGeom prst="rect">
             <a:avLst/>
@@ -8287,6 +8354,7 @@
                 <a:effectLst/>
                 <a:uFillTx/>
                 <a:latin typeface="Arial"/>
+                <a:ea typeface="SimSun"/>
               </a:rPr>
               <a:t>Inputs and buttons</a:t>
             </a:r>
@@ -8310,7 +8378,7 @@
         <p:spPr>
           <a:xfrm>
             <a:off x="228600" y="684000"/>
-            <a:ext cx="11429640" cy="6467400"/>
+            <a:ext cx="11429280" cy="6467040"/>
           </a:xfrm>
           <a:prstGeom prst="rect">
             <a:avLst/>
@@ -8344,6 +8412,7 @@
                 <a:effectLst/>
                 <a:uFillTx/>
                 <a:latin typeface="Arial"/>
+                <a:ea typeface="SimSun"/>
               </a:rPr>
               <a:t>4) Blob_log threshold</a:t>
             </a:r>
@@ -8376,6 +8445,7 @@
                 <a:effectLst/>
                 <a:uFillTx/>
                 <a:latin typeface="Arial"/>
+                <a:ea typeface="SimSun"/>
               </a:rPr>
               <a:t>Input:</a:t>
             </a:r>
@@ -8408,6 +8478,7 @@
                 <a:effectLst/>
                 <a:uFillTx/>
                 <a:latin typeface="Arial"/>
+                <a:ea typeface="SimSun"/>
               </a:rPr>
               <a:t>Controls how strict the lysosome detection is using the function </a:t>
             </a:r>
@@ -8419,6 +8490,7 @@
                 <a:effectLst/>
                 <a:uFillTx/>
                 <a:latin typeface="Arial"/>
+                <a:ea typeface="SimSun"/>
               </a:rPr>
               <a:t>blog_log</a:t>
             </a:r>
@@ -8430,6 +8502,7 @@
                 <a:effectLst/>
                 <a:uFillTx/>
                 <a:latin typeface="Arial"/>
+                <a:ea typeface="SimSun"/>
               </a:rPr>
               <a:t>.It’s basically the minimum “blob response” required to call something a blob.</a:t>
             </a:r>
@@ -8462,6 +8535,7 @@
                 <a:effectLst/>
                 <a:uFillTx/>
                 <a:latin typeface="Arial"/>
+                <a:ea typeface="SimSun"/>
               </a:rPr>
               <a:t>Units:</a:t>
             </a:r>
@@ -8473,6 +8547,7 @@
                 <a:effectLst/>
                 <a:uFillTx/>
                 <a:latin typeface="Arial"/>
+                <a:ea typeface="SimSun"/>
               </a:rPr>
               <a:t> </a:t>
             </a:r>
@@ -8484,6 +8559,7 @@
                 <a:effectLst/>
                 <a:uFillTx/>
                 <a:latin typeface="Arial"/>
+                <a:ea typeface="SimSun"/>
               </a:rPr>
               <a:t>unitless.</a:t>
             </a:r>
@@ -8516,6 +8592,7 @@
                 <a:effectLst/>
                 <a:uFillTx/>
                 <a:latin typeface="Arial"/>
+                <a:ea typeface="SimSun"/>
               </a:rPr>
               <a:t>Effect:</a:t>
             </a:r>
@@ -8548,6 +8625,7 @@
                 <a:effectLst/>
                 <a:uFillTx/>
                 <a:latin typeface="Arial"/>
+                <a:ea typeface="SimSun"/>
               </a:rPr>
               <a:t>Lower threshold → more detections (including noise)</a:t>
             </a:r>
@@ -8580,6 +8658,7 @@
                 <a:effectLst/>
                 <a:uFillTx/>
                 <a:latin typeface="Arial"/>
+                <a:ea typeface="SimSun"/>
               </a:rPr>
               <a:t>Higher threshold → fewer detections (may miss lysosomes)</a:t>
             </a:r>
@@ -8612,6 +8691,7 @@
                 <a:effectLst/>
                 <a:uFillTx/>
                 <a:latin typeface="Arial"/>
+                <a:ea typeface="SimSun"/>
               </a:rPr>
               <a:t>Typical: 0.001–0.05, depends on intensity / noise.</a:t>
             </a:r>
@@ -8944,7 +9024,7 @@
         <p:spPr>
           <a:xfrm>
             <a:off x="152280" y="29160"/>
-            <a:ext cx="5105160" cy="731520"/>
+            <a:ext cx="5104800" cy="731160"/>
           </a:xfrm>
           <a:prstGeom prst="rect">
             <a:avLst/>
@@ -8981,6 +9061,7 @@
                 <a:effectLst/>
                 <a:uFillTx/>
                 <a:latin typeface="Arial"/>
+                <a:ea typeface="SimSun"/>
               </a:rPr>
               <a:t>Inputs and buttons</a:t>
             </a:r>
@@ -9004,7 +9085,7 @@
         <p:spPr>
           <a:xfrm>
             <a:off x="457200" y="646200"/>
-            <a:ext cx="10972440" cy="7630560"/>
+            <a:ext cx="10972080" cy="7630200"/>
           </a:xfrm>
           <a:prstGeom prst="rect">
             <a:avLst/>
@@ -9038,6 +9119,7 @@
                 <a:effectLst/>
                 <a:uFillTx/>
                 <a:latin typeface="Arial"/>
+                <a:ea typeface="SimSun"/>
               </a:rPr>
               <a:t>6) Z override (µm/slice)</a:t>
             </a:r>
@@ -9070,6 +9152,7 @@
                 <a:effectLst/>
                 <a:uFillTx/>
                 <a:latin typeface="Arial"/>
+                <a:ea typeface="SimSun"/>
               </a:rPr>
               <a:t>Input</a:t>
             </a:r>
@@ -9102,6 +9185,7 @@
                 <a:effectLst/>
                 <a:uFillTx/>
                 <a:latin typeface="Arial"/>
+                <a:ea typeface="SimSun"/>
               </a:rPr>
               <a:t>If blank</a:t>
             </a:r>
@@ -9113,6 +9197,7 @@
                 <a:effectLst/>
                 <a:uFillTx/>
                 <a:latin typeface="Arial"/>
+                <a:ea typeface="SimSun"/>
               </a:rPr>
               <a:t>: uses vz_um from metadata</a:t>
             </a:r>
@@ -9145,6 +9230,7 @@
                 <a:effectLst/>
                 <a:uFillTx/>
                 <a:latin typeface="Arial"/>
+                <a:ea typeface="SimSun"/>
               </a:rPr>
               <a:t>if missing:</a:t>
             </a:r>
@@ -9156,6 +9242,7 @@
                 <a:effectLst/>
                 <a:uFillTx/>
                 <a:latin typeface="Arial"/>
+                <a:ea typeface="SimSun"/>
               </a:rPr>
               <a:t>uses DEFAULT_VZ_UM if provided </a:t>
             </a:r>
@@ -9188,6 +9275,7 @@
                 <a:effectLst/>
                 <a:uFillTx/>
                 <a:latin typeface="Arial"/>
+                <a:ea typeface="SimSun"/>
               </a:rPr>
               <a:t>If filled:</a:t>
             </a:r>
@@ -9199,6 +9287,7 @@
                 <a:effectLst/>
                 <a:uFillTx/>
                 <a:latin typeface="Arial"/>
+                <a:ea typeface="SimSun"/>
               </a:rPr>
               <a:t>forces vz_um = your_value</a:t>
             </a:r>
@@ -9231,6 +9320,7 @@
                 <a:effectLst/>
                 <a:uFillTx/>
                 <a:latin typeface="Arial"/>
+                <a:ea typeface="SimSun"/>
               </a:rPr>
               <a:t>Units:</a:t>
             </a:r>
@@ -9242,6 +9332,7 @@
                 <a:effectLst/>
                 <a:uFillTx/>
                 <a:latin typeface="Arial"/>
+                <a:ea typeface="SimSun"/>
               </a:rPr>
               <a:t> micrometers per Z step (µm/slice)</a:t>
             </a:r>
@@ -9274,6 +9365,7 @@
                 <a:effectLst/>
                 <a:uFillTx/>
                 <a:latin typeface="Arial"/>
+                <a:ea typeface="SimSun"/>
               </a:rPr>
               <a:t>Affects:</a:t>
             </a:r>
@@ -9285,6 +9377,7 @@
                 <a:effectLst/>
                 <a:uFillTx/>
                 <a:latin typeface="Arial"/>
+                <a:ea typeface="SimSun"/>
               </a:rPr>
               <a:t> 3D distances and volumes, distance transform sampling in µm, overlap sphere geometry in µm and volume per voxel.</a:t>
             </a:r>
@@ -9941,7 +10034,7 @@
         <p:spPr>
           <a:xfrm>
             <a:off x="152280" y="-153720"/>
-            <a:ext cx="5790960" cy="1097280"/>
+            <a:ext cx="5790600" cy="1096920"/>
           </a:xfrm>
           <a:prstGeom prst="rect">
             <a:avLst/>
@@ -9978,6 +10071,7 @@
                 <a:effectLst/>
                 <a:uFillTx/>
                 <a:latin typeface="Arial"/>
+                <a:ea typeface="SimSun"/>
               </a:rPr>
               <a:t>GUI WITH ADVANCED SETTINGS</a:t>
             </a:r>
@@ -10005,7 +10099,7 @@
         <p:spPr>
           <a:xfrm>
             <a:off x="1828800" y="1056960"/>
-            <a:ext cx="8620560" cy="5800680"/>
+            <a:ext cx="8620200" cy="5800320"/>
           </a:xfrm>
           <a:prstGeom prst="rect">
             <a:avLst/>
@@ -10025,7 +10119,7 @@
         <p:spPr>
           <a:xfrm>
             <a:off x="7086600" y="5486400"/>
-            <a:ext cx="685440" cy="456840"/>
+            <a:ext cx="685080" cy="456480"/>
           </a:xfrm>
           <a:prstGeom prst="ellipse">
             <a:avLst/>
@@ -10087,7 +10181,7 @@
         <p:spPr>
           <a:xfrm>
             <a:off x="6858000" y="5943600"/>
-            <a:ext cx="685440" cy="456840"/>
+            <a:ext cx="685080" cy="456480"/>
           </a:xfrm>
           <a:prstGeom prst="ellipse">
             <a:avLst/>
@@ -10149,7 +10243,7 @@
         <p:spPr>
           <a:xfrm>
             <a:off x="7543800" y="6400800"/>
-            <a:ext cx="685440" cy="456840"/>
+            <a:ext cx="685080" cy="456480"/>
           </a:xfrm>
           <a:prstGeom prst="ellipse">
             <a:avLst/>
@@ -10211,7 +10305,7 @@
         <p:spPr>
           <a:xfrm>
             <a:off x="10287000" y="6400800"/>
-            <a:ext cx="685440" cy="456840"/>
+            <a:ext cx="685080" cy="456480"/>
           </a:xfrm>
           <a:prstGeom prst="ellipse">
             <a:avLst/>
@@ -10273,7 +10367,7 @@
         <p:spPr>
           <a:xfrm>
             <a:off x="6172200" y="5257800"/>
-            <a:ext cx="685440" cy="456840"/>
+            <a:ext cx="685080" cy="456480"/>
           </a:xfrm>
           <a:prstGeom prst="ellipse">
             <a:avLst/>
@@ -10335,7 +10429,7 @@
         <p:spPr>
           <a:xfrm>
             <a:off x="7543800" y="4800600"/>
-            <a:ext cx="685440" cy="456840"/>
+            <a:ext cx="685080" cy="456480"/>
           </a:xfrm>
           <a:prstGeom prst="ellipse">
             <a:avLst/>
@@ -10427,7 +10521,7 @@
         <p:spPr>
           <a:xfrm>
             <a:off x="152280" y="29520"/>
-            <a:ext cx="5105160" cy="731520"/>
+            <a:ext cx="5104800" cy="731160"/>
           </a:xfrm>
           <a:prstGeom prst="rect">
             <a:avLst/>
@@ -10464,6 +10558,7 @@
                 <a:effectLst/>
                 <a:uFillTx/>
                 <a:latin typeface="Arial"/>
+                <a:ea typeface="SimSun"/>
               </a:rPr>
               <a:t>Inputs and buttons</a:t>
             </a:r>
@@ -10487,7 +10582,7 @@
         <p:spPr>
           <a:xfrm>
             <a:off x="228600" y="685800"/>
-            <a:ext cx="11201040" cy="8784000"/>
+            <a:ext cx="11200680" cy="8783640"/>
           </a:xfrm>
           <a:prstGeom prst="rect">
             <a:avLst/>
@@ -10527,6 +10622,7 @@
                 <a:effectLst/>
                 <a:uFillTx/>
                 <a:latin typeface="Arial"/>
+                <a:ea typeface="SimSun"/>
               </a:rPr>
               <a:t>10) Show advanced settings (checkbox)</a:t>
             </a:r>
@@ -10559,6 +10655,7 @@
                 <a:effectLst/>
                 <a:uFillTx/>
                 <a:latin typeface="Arial"/>
+                <a:ea typeface="SimSun"/>
               </a:rPr>
               <a:t>Toggles visibility of the advanced panel.</a:t>
             </a:r>
@@ -10591,6 +10688,7 @@
                 <a:effectLst/>
                 <a:uFillTx/>
                 <a:latin typeface="Arial"/>
+                <a:ea typeface="SimSun"/>
               </a:rPr>
               <a:t>11</a:t>
             </a:r>
@@ -10602,6 +10700,7 @@
                 <a:effectLst/>
                 <a:uFillTx/>
                 <a:latin typeface="Arial"/>
+                <a:ea typeface="SimSun"/>
               </a:rPr>
               <a:t>) MARGIN_UM (µm)</a:t>
             </a:r>
@@ -10634,6 +10733,7 @@
                 <a:effectLst/>
                 <a:uFillTx/>
                 <a:latin typeface="Arial"/>
+                <a:ea typeface="SimSun"/>
               </a:rPr>
               <a:t>Soft distance band around the neurite mask; helps classify lysosomes near the border as “inside”.</a:t>
             </a:r>
@@ -10666,6 +10766,7 @@
                 <a:effectLst/>
                 <a:uFillTx/>
                 <a:latin typeface="Arial"/>
+                <a:ea typeface="SimSun"/>
               </a:rPr>
               <a:t>Units: micrometers (µm)</a:t>
             </a:r>
@@ -10698,6 +10799,7 @@
                 <a:effectLst/>
                 <a:uFillTx/>
                 <a:latin typeface="Arial"/>
+                <a:ea typeface="SimSun"/>
               </a:rPr>
               <a:t>12) OVERLAP_ALPHA (0….1)</a:t>
             </a:r>
@@ -10730,6 +10832,7 @@
                 <a:effectLst/>
                 <a:uFillTx/>
                 <a:latin typeface="Arial"/>
+                <a:ea typeface="SimSun"/>
               </a:rPr>
               <a:t>Minimum fraction of the lysosome sphere that must overlap the neurite mask to be “inside”.</a:t>
             </a:r>
@@ -10762,6 +10865,7 @@
                 <a:effectLst/>
                 <a:uFillTx/>
                 <a:latin typeface="Arial"/>
+                <a:ea typeface="SimSun"/>
               </a:rPr>
               <a:t>Units: unitless fraction</a:t>
             </a:r>
@@ -10794,6 +10898,7 @@
                 <a:effectLst/>
                 <a:uFillTx/>
                 <a:latin typeface="Arial"/>
+                <a:ea typeface="SimSun"/>
               </a:rPr>
               <a:t>13) NEIGHBOR_MAX_VOX (voxels)</a:t>
             </a:r>
@@ -10826,6 +10931,7 @@
                 <a:effectLst/>
                 <a:uFillTx/>
                 <a:latin typeface="Arial"/>
+                <a:ea typeface="SimSun"/>
               </a:rPr>
               <a:t>How far (in voxels) to search for the nearest nonzero label when assigning an ID.</a:t>
             </a:r>
@@ -10858,6 +10964,7 @@
                 <a:effectLst/>
                 <a:uFillTx/>
                 <a:latin typeface="Arial"/>
+                <a:ea typeface="SimSun"/>
               </a:rPr>
               <a:t>Units: voxels</a:t>
             </a:r>
@@ -10890,6 +10997,7 @@
                 <a:effectLst/>
                 <a:uFillTx/>
                 <a:latin typeface="Arial"/>
+                <a:ea typeface="SimSun"/>
               </a:rPr>
               <a:t>14) VIZ_MIN_VOXELS (voxels)</a:t>
             </a:r>
@@ -10922,6 +11030,7 @@
                 <a:effectLst/>
                 <a:uFillTx/>
                 <a:latin typeface="Arial"/>
+                <a:ea typeface="SimSun"/>
               </a:rPr>
               <a:t>Minimum component size (voxel count) to keep for visualization/IDs; smaller ones are removed.</a:t>
             </a:r>
@@ -10954,6 +11063,7 @@
                 <a:effectLst/>
                 <a:uFillTx/>
                 <a:latin typeface="Arial"/>
+                <a:ea typeface="SimSun"/>
               </a:rPr>
               <a:t>Units: voxels</a:t>
             </a:r>
@@ -11191,7 +11301,7 @@
         <p:spPr>
           <a:xfrm>
             <a:off x="1143000" y="2743200"/>
-            <a:ext cx="10970640" cy="759960"/>
+            <a:ext cx="10970280" cy="759600"/>
           </a:xfrm>
           <a:prstGeom prst="rect">
             <a:avLst/>
